--- a/Präsentation Programmieren Galgenmännchen.pptx
+++ b/Präsentation Programmieren Galgenmännchen.pptx
@@ -148,12 +148,68 @@
 <p1510:revInfo xmlns:a="http://schemas.openxmlformats.org/drawingml/2006/main" xmlns:r="http://schemas.openxmlformats.org/officeDocument/2006/relationships" xmlns:p1510="http://schemas.microsoft.com/office/powerpoint/2015/10/main">
   <p1510:revLst>
     <p1510:client id="{386797D6-52EC-4744-8EA7-98DE61667493}" v="1" dt="2022-12-19T09:11:28.947"/>
+    <p1510:client id="{6F70F443-72ED-49A8-AE51-2BB347B81408}" v="4" dt="2022-12-19T10:59:30.129"/>
   </p1510:revLst>
 </p1510:revInfo>
 </file>
 
 <file path=ppt/changesInfos/changesInfo1.xml><?xml version="1.0" encoding="utf-8"?>
 <pc:chgInfo xmlns:a="http://schemas.openxmlformats.org/drawingml/2006/main" xmlns:r="http://schemas.openxmlformats.org/officeDocument/2006/relationships" xmlns:ac="http://schemas.microsoft.com/office/drawing/2013/main/command" xmlns:pc="http://schemas.microsoft.com/office/powerpoint/2013/main/command">
+  <pc:docChgLst>
+    <pc:chgData name="Celine Gugel" userId="a0dc202d26524916" providerId="LiveId" clId="{6F70F443-72ED-49A8-AE51-2BB347B81408}"/>
+    <pc:docChg chg="custSel modSld">
+      <pc:chgData name="Celine Gugel" userId="a0dc202d26524916" providerId="LiveId" clId="{6F70F443-72ED-49A8-AE51-2BB347B81408}" dt="2022-12-19T11:00:57.418" v="543" actId="20577"/>
+      <pc:docMkLst>
+        <pc:docMk/>
+      </pc:docMkLst>
+      <pc:sldChg chg="modSp mod">
+        <pc:chgData name="Celine Gugel" userId="a0dc202d26524916" providerId="LiveId" clId="{6F70F443-72ED-49A8-AE51-2BB347B81408}" dt="2022-12-19T10:55:58.035" v="173" actId="14100"/>
+        <pc:sldMkLst>
+          <pc:docMk/>
+          <pc:sldMk cId="402018869" sldId="297"/>
+        </pc:sldMkLst>
+        <pc:spChg chg="mod">
+          <ac:chgData name="Celine Gugel" userId="a0dc202d26524916" providerId="LiveId" clId="{6F70F443-72ED-49A8-AE51-2BB347B81408}" dt="2022-12-19T10:55:58.035" v="173" actId="14100"/>
+          <ac:spMkLst>
+            <pc:docMk/>
+            <pc:sldMk cId="402018869" sldId="297"/>
+            <ac:spMk id="2" creationId="{7B12E3B7-AFDE-883A-5C47-953D99CE8927}"/>
+          </ac:spMkLst>
+        </pc:spChg>
+      </pc:sldChg>
+      <pc:sldChg chg="addSp modSp mod">
+        <pc:chgData name="Celine Gugel" userId="a0dc202d26524916" providerId="LiveId" clId="{6F70F443-72ED-49A8-AE51-2BB347B81408}" dt="2022-12-19T11:00:57.418" v="543" actId="20577"/>
+        <pc:sldMkLst>
+          <pc:docMk/>
+          <pc:sldMk cId="2774107021" sldId="298"/>
+        </pc:sldMkLst>
+        <pc:spChg chg="add mod">
+          <ac:chgData name="Celine Gugel" userId="a0dc202d26524916" providerId="LiveId" clId="{6F70F443-72ED-49A8-AE51-2BB347B81408}" dt="2022-12-19T11:00:57.418" v="543" actId="20577"/>
+          <ac:spMkLst>
+            <pc:docMk/>
+            <pc:sldMk cId="2774107021" sldId="298"/>
+            <ac:spMk id="2" creationId="{131EF68C-A602-4B64-17F4-387BB5097EDB}"/>
+          </ac:spMkLst>
+        </pc:spChg>
+        <pc:spChg chg="add mod">
+          <ac:chgData name="Celine Gugel" userId="a0dc202d26524916" providerId="LiveId" clId="{6F70F443-72ED-49A8-AE51-2BB347B81408}" dt="2022-12-19T11:00:44.236" v="542" actId="20577"/>
+          <ac:spMkLst>
+            <pc:docMk/>
+            <pc:sldMk cId="2774107021" sldId="298"/>
+            <ac:spMk id="5" creationId="{35C71428-301C-7AE1-1283-1549FCF8FB1B}"/>
+          </ac:spMkLst>
+        </pc:spChg>
+        <pc:picChg chg="add mod">
+          <ac:chgData name="Celine Gugel" userId="a0dc202d26524916" providerId="LiveId" clId="{6F70F443-72ED-49A8-AE51-2BB347B81408}" dt="2022-12-19T10:56:21.803" v="197" actId="1076"/>
+          <ac:picMkLst>
+            <pc:docMk/>
+            <pc:sldMk cId="2774107021" sldId="298"/>
+            <ac:picMk id="4" creationId="{0FF7DC08-FAFF-9379-A5F7-FC5C8EEE9F6D}"/>
+          </ac:picMkLst>
+        </pc:picChg>
+      </pc:sldChg>
+    </pc:docChg>
+  </pc:docChgLst>
   <pc:docChgLst>
     <pc:chgData name="Celine Gugel" userId="a0dc202d26524916" providerId="LiveId" clId="{386797D6-52EC-4744-8EA7-98DE61667493}"/>
     <pc:docChg chg="custSel addSld delSld modSld sldOrd modSection">
@@ -9167,8 +9223,8 @@
         </p:nvSpPr>
         <p:spPr>
           <a:xfrm>
-            <a:off x="552261" y="1792586"/>
-            <a:ext cx="6609030" cy="2862322"/>
+            <a:off x="552260" y="1792586"/>
+            <a:ext cx="7948943" cy="2308324"/>
           </a:xfrm>
           <a:prstGeom prst="rect">
             <a:avLst/>
@@ -9192,22 +9248,7 @@
                 </a:solidFill>
                 <a:latin typeface="+mj-lt"/>
               </a:rPr>
-              <a:t>Ideenfindung</a:t>
-            </a:r>
-          </a:p>
-          <a:p>
-            <a:pPr marL="342900" indent="-342900">
-              <a:buFont typeface="+mj-lt"/>
-              <a:buAutoNum type="arabicPeriod"/>
-            </a:pPr>
-            <a:r>
-              <a:rPr lang="de-DE" sz="3600" dirty="0">
-                <a:solidFill>
-                  <a:schemeClr val="bg1"/>
-                </a:solidFill>
-                <a:latin typeface="+mj-lt"/>
-              </a:rPr>
-              <a:t>Spielerklärung</a:t>
+              <a:t>Ideenfindung und Spielerklärung</a:t>
             </a:r>
           </a:p>
           <a:p>
@@ -9353,6 +9394,226 @@
               </a:solidFill>
               <a:latin typeface="Corbel" panose="020B0503020204020204" pitchFamily="34" charset="0"/>
             </a:endParaRPr>
+          </a:p>
+        </p:txBody>
+      </p:sp>
+      <p:sp>
+        <p:nvSpPr>
+          <p:cNvPr id="2" name="Textfeld 1">
+            <a:extLst>
+              <a:ext uri="{FF2B5EF4-FFF2-40B4-BE49-F238E27FC236}">
+                <a16:creationId xmlns:a16="http://schemas.microsoft.com/office/drawing/2014/main" id="{131EF68C-A602-4B64-17F4-387BB5097EDB}"/>
+              </a:ext>
+            </a:extLst>
+          </p:cNvPr>
+          <p:cNvSpPr txBox="1"/>
+          <p:nvPr/>
+        </p:nvSpPr>
+        <p:spPr>
+          <a:xfrm>
+            <a:off x="434566" y="470780"/>
+            <a:ext cx="8021371" cy="584775"/>
+          </a:xfrm>
+          <a:prstGeom prst="rect">
+            <a:avLst/>
+          </a:prstGeom>
+          <a:noFill/>
+        </p:spPr>
+        <p:txBody>
+          <a:bodyPr wrap="square" rtlCol="0">
+            <a:spAutoFit/>
+          </a:bodyPr>
+          <a:lstStyle/>
+          <a:p>
+            <a:r>
+              <a:rPr lang="de-DE" sz="3200" b="1" dirty="0">
+                <a:latin typeface="+mj-lt"/>
+              </a:rPr>
+              <a:t>1. Ideenfindung und Spielerklärung</a:t>
+            </a:r>
+          </a:p>
+        </p:txBody>
+      </p:sp>
+      <p:pic>
+        <p:nvPicPr>
+          <p:cNvPr id="4" name="Grafik 3" descr="Glühbirne und Zahnrad mit einfarbiger Füllung">
+            <a:extLst>
+              <a:ext uri="{FF2B5EF4-FFF2-40B4-BE49-F238E27FC236}">
+                <a16:creationId xmlns:a16="http://schemas.microsoft.com/office/drawing/2014/main" id="{0FF7DC08-FAFF-9379-A5F7-FC5C8EEE9F6D}"/>
+              </a:ext>
+            </a:extLst>
+          </p:cNvPr>
+          <p:cNvPicPr>
+            <a:picLocks noChangeAspect="1"/>
+          </p:cNvPicPr>
+          <p:nvPr/>
+        </p:nvPicPr>
+        <p:blipFill>
+          <a:blip r:embed="rId3">
+            <a:extLst>
+              <a:ext uri="{96DAC541-7B7A-43D3-8B79-37D633B846F1}">
+                <asvg:svgBlip xmlns:asvg="http://schemas.microsoft.com/office/drawing/2016/SVG/main" r:embed="rId4"/>
+              </a:ext>
+            </a:extLst>
+          </a:blip>
+          <a:stretch>
+            <a:fillRect/>
+          </a:stretch>
+        </p:blipFill>
+        <p:spPr>
+          <a:xfrm>
+            <a:off x="8318627" y="384891"/>
+            <a:ext cx="1241834" cy="1241834"/>
+          </a:xfrm>
+          <a:prstGeom prst="rect">
+            <a:avLst/>
+          </a:prstGeom>
+        </p:spPr>
+      </p:pic>
+      <p:sp>
+        <p:nvSpPr>
+          <p:cNvPr id="5" name="Textfeld 4">
+            <a:extLst>
+              <a:ext uri="{FF2B5EF4-FFF2-40B4-BE49-F238E27FC236}">
+                <a16:creationId xmlns:a16="http://schemas.microsoft.com/office/drawing/2014/main" id="{35C71428-301C-7AE1-1283-1549FCF8FB1B}"/>
+              </a:ext>
+            </a:extLst>
+          </p:cNvPr>
+          <p:cNvSpPr txBox="1"/>
+          <p:nvPr/>
+        </p:nvSpPr>
+        <p:spPr>
+          <a:xfrm>
+            <a:off x="660903" y="2000816"/>
+            <a:ext cx="9850170" cy="2862322"/>
+          </a:xfrm>
+          <a:prstGeom prst="rect">
+            <a:avLst/>
+          </a:prstGeom>
+          <a:noFill/>
+        </p:spPr>
+        <p:txBody>
+          <a:bodyPr wrap="square" rtlCol="0">
+            <a:spAutoFit/>
+          </a:bodyPr>
+          <a:lstStyle/>
+          <a:p>
+            <a:pPr marL="285750" indent="-285750">
+              <a:buFont typeface="Arial" panose="020B0604020202020204" pitchFamily="34" charset="0"/>
+              <a:buChar char="•"/>
+            </a:pPr>
+            <a:r>
+              <a:rPr lang="de-DE" dirty="0">
+                <a:latin typeface="+mj-lt"/>
+              </a:rPr>
+              <a:t>Jeder hat sich selbst informiert, das möglich ist</a:t>
+            </a:r>
+          </a:p>
+          <a:p>
+            <a:pPr marL="285750" indent="-285750">
+              <a:buFont typeface="Arial" panose="020B0604020202020204" pitchFamily="34" charset="0"/>
+              <a:buChar char="•"/>
+            </a:pPr>
+            <a:r>
+              <a:rPr lang="de-DE" dirty="0">
+                <a:latin typeface="+mj-lt"/>
+              </a:rPr>
+              <a:t>Wissen der Vorlesung umsetzten</a:t>
+            </a:r>
+          </a:p>
+          <a:p>
+            <a:endParaRPr lang="de-DE" dirty="0">
+              <a:latin typeface="+mj-lt"/>
+            </a:endParaRPr>
+          </a:p>
+          <a:p>
+            <a:endParaRPr lang="de-DE" dirty="0">
+              <a:latin typeface="+mj-lt"/>
+            </a:endParaRPr>
+          </a:p>
+          <a:p>
+            <a:pPr marL="285750" indent="-285750">
+              <a:buFont typeface="Arial" panose="020B0604020202020204" pitchFamily="34" charset="0"/>
+              <a:buChar char="•"/>
+            </a:pPr>
+            <a:r>
+              <a:rPr lang="de-DE" dirty="0">
+                <a:latin typeface="+mj-lt"/>
+              </a:rPr>
+              <a:t>Bestimmter Begriff muss erraten werden</a:t>
+            </a:r>
+          </a:p>
+          <a:p>
+            <a:pPr marL="285750" indent="-285750">
+              <a:buFont typeface="Arial" panose="020B0604020202020204" pitchFamily="34" charset="0"/>
+              <a:buChar char="•"/>
+            </a:pPr>
+            <a:r>
+              <a:rPr lang="de-DE" dirty="0">
+                <a:latin typeface="+mj-lt"/>
+              </a:rPr>
+              <a:t>Vorgeben sind nur Anzahl Buchstaben</a:t>
+            </a:r>
+          </a:p>
+          <a:p>
+            <a:pPr marL="285750" indent="-285750">
+              <a:buFont typeface="Arial" panose="020B0604020202020204" pitchFamily="34" charset="0"/>
+              <a:buChar char="•"/>
+            </a:pPr>
+            <a:r>
+              <a:rPr lang="de-DE" b="1" dirty="0">
+                <a:latin typeface="+mj-lt"/>
+              </a:rPr>
+              <a:t>Richtig</a:t>
+            </a:r>
+            <a:r>
+              <a:rPr lang="de-DE" dirty="0">
+                <a:latin typeface="+mj-lt"/>
+              </a:rPr>
+              <a:t> = Buchstaben erscheint</a:t>
+            </a:r>
+          </a:p>
+          <a:p>
+            <a:pPr marL="285750" indent="-285750">
+              <a:buFont typeface="Arial" panose="020B0604020202020204" pitchFamily="34" charset="0"/>
+              <a:buChar char="•"/>
+            </a:pPr>
+            <a:r>
+              <a:rPr lang="de-DE" b="1" dirty="0">
+                <a:latin typeface="+mj-lt"/>
+              </a:rPr>
+              <a:t>Falsch</a:t>
+            </a:r>
+            <a:r>
+              <a:rPr lang="de-DE" dirty="0">
+                <a:latin typeface="+mj-lt"/>
+              </a:rPr>
+              <a:t> =Abbildung Galgen bildet sich</a:t>
+            </a:r>
+          </a:p>
+          <a:p>
+            <a:pPr marL="285750" indent="-285750">
+              <a:buFont typeface="Arial" panose="020B0604020202020204" pitchFamily="34" charset="0"/>
+              <a:buChar char="•"/>
+            </a:pPr>
+            <a:r>
+              <a:rPr lang="de-DE" dirty="0">
+                <a:latin typeface="+mj-lt"/>
+              </a:rPr>
+              <a:t>Ist Galgen vollständig – Spiel verloren</a:t>
+            </a:r>
+          </a:p>
+          <a:p>
+            <a:pPr marL="285750" indent="-285750">
+              <a:buFont typeface="Arial" panose="020B0604020202020204" pitchFamily="34" charset="0"/>
+              <a:buChar char="•"/>
+            </a:pPr>
+            <a:r>
+              <a:rPr lang="de-DE" dirty="0">
+                <a:latin typeface="+mj-lt"/>
+              </a:rPr>
+              <a:t>2 Spielvarianten – 1. Gegen Computer 2. Wort selbst angeben</a:t>
+            </a:r>
           </a:p>
         </p:txBody>
       </p:sp>
@@ -10590,15 +10851,6 @@
 </file>
 
 <file path=customXml/item1.xml><?xml version="1.0" encoding="utf-8"?>
-<?mso-contentType ?>
-<FormTemplates xmlns="http://schemas.microsoft.com/sharepoint/v3/contenttype/forms">
-  <Display>DocumentLibraryForm</Display>
-  <Edit>DocumentLibraryForm</Edit>
-  <New>DocumentLibraryForm</New>
-</FormTemplates>
-</file>
-
-<file path=customXml/item2.xml><?xml version="1.0" encoding="utf-8"?>
 <ct:contentTypeSchema xmlns:ct="http://schemas.microsoft.com/office/2006/metadata/contentType" xmlns:ma="http://schemas.microsoft.com/office/2006/metadata/properties/metaAttributes" ct:_="" ma:_="" ma:contentTypeName="Document" ma:contentTypeID="0x010100DEEA25CC0A0AC24199CDC46C25B8B0BC" ma:contentTypeVersion="10" ma:contentTypeDescription="Create a new document." ma:contentTypeScope="" ma:versionID="e3b47856d4cf355c0dacb39e1084d14f">
   <xsd:schema xmlns:xsd="http://www.w3.org/2001/XMLSchema" xmlns:xs="http://www.w3.org/2001/XMLSchema" xmlns:p="http://schemas.microsoft.com/office/2006/metadata/properties" xmlns:ns1="http://schemas.microsoft.com/sharepoint/v3" xmlns:ns2="6dc4bcd6-49db-4c07-9060-8acfc67cef9f" xmlns:ns3="fb0879af-3eba-417a-a55a-ffe6dcd6ca77" targetNamespace="http://schemas.microsoft.com/office/2006/metadata/properties" ma:root="true" ma:fieldsID="a845a615265fdb1f7b12cc65ac20ecbd" ns1:_="" ns2:_="" ns3:_="">
     <xsd:import namespace="http://schemas.microsoft.com/sharepoint/v3"/>
@@ -10806,6 +11058,15 @@
 </ct:contentTypeSchema>
 </file>
 
+<file path=customXml/item2.xml><?xml version="1.0" encoding="utf-8"?>
+<?mso-contentType ?>
+<FormTemplates xmlns="http://schemas.microsoft.com/sharepoint/v3/contenttype/forms">
+  <Display>DocumentLibraryForm</Display>
+  <Edit>DocumentLibraryForm</Edit>
+  <New>DocumentLibraryForm</New>
+</FormTemplates>
+</file>
+
 <file path=customXml/item3.xml><?xml version="1.0" encoding="utf-8"?>
 <p:properties xmlns:p="http://schemas.microsoft.com/office/2006/metadata/properties" xmlns:xsi="http://www.w3.org/2001/XMLSchema-instance" xmlns:pc="http://schemas.microsoft.com/office/infopath/2007/PartnerControls">
   <documentManagement>
@@ -10816,14 +11077,6 @@
 </file>
 
 <file path=customXml/itemProps1.xml><?xml version="1.0" encoding="utf-8"?>
-<ds:datastoreItem xmlns:ds="http://schemas.openxmlformats.org/officeDocument/2006/customXml" ds:itemID="{F6CB1848-D3E0-4F10-B640-720BE758B85B}">
-  <ds:schemaRefs>
-    <ds:schemaRef ds:uri="http://schemas.microsoft.com/sharepoint/v3/contenttype/forms"/>
-  </ds:schemaRefs>
-</ds:datastoreItem>
-</file>
-
-<file path=customXml/itemProps2.xml><?xml version="1.0" encoding="utf-8"?>
 <ds:datastoreItem xmlns:ds="http://schemas.openxmlformats.org/officeDocument/2006/customXml" ds:itemID="{1BBB5711-29E1-4F8E-81A0-7947C57B208A}">
   <ds:schemaRefs>
     <ds:schemaRef ds:uri="http://schemas.microsoft.com/office/2006/metadata/contentType"/>
@@ -10843,6 +11096,14 @@
 </ds:datastoreItem>
 </file>
 
+<file path=customXml/itemProps2.xml><?xml version="1.0" encoding="utf-8"?>
+<ds:datastoreItem xmlns:ds="http://schemas.openxmlformats.org/officeDocument/2006/customXml" ds:itemID="{F6CB1848-D3E0-4F10-B640-720BE758B85B}">
+  <ds:schemaRefs>
+    <ds:schemaRef ds:uri="http://schemas.microsoft.com/sharepoint/v3/contenttype/forms"/>
+  </ds:schemaRefs>
+</ds:datastoreItem>
+</file>
+
 <file path=customXml/itemProps3.xml><?xml version="1.0" encoding="utf-8"?>
 <ds:datastoreItem xmlns:ds="http://schemas.openxmlformats.org/officeDocument/2006/customXml" ds:itemID="{E4934E25-8442-49E9-ABDF-3146C4145F3B}">
   <ds:schemaRefs>

--- a/Präsentation Programmieren Galgenmännchen.pptx
+++ b/Präsentation Programmieren Galgenmännchen.pptx
@@ -158,7 +158,7 @@
   <pc:docChgLst>
     <pc:chgData name="Celine Gugel" userId="a0dc202d26524916" providerId="LiveId" clId="{6F70F443-72ED-49A8-AE51-2BB347B81408}"/>
     <pc:docChg chg="custSel modSld">
-      <pc:chgData name="Celine Gugel" userId="a0dc202d26524916" providerId="LiveId" clId="{6F70F443-72ED-49A8-AE51-2BB347B81408}" dt="2022-12-19T11:00:57.418" v="543" actId="20577"/>
+      <pc:chgData name="Celine Gugel" userId="a0dc202d26524916" providerId="LiveId" clId="{6F70F443-72ED-49A8-AE51-2BB347B81408}" dt="2022-12-19T11:07:34.754" v="546" actId="113"/>
       <pc:docMkLst>
         <pc:docMk/>
       </pc:docMkLst>
@@ -178,7 +178,7 @@
         </pc:spChg>
       </pc:sldChg>
       <pc:sldChg chg="addSp modSp mod">
-        <pc:chgData name="Celine Gugel" userId="a0dc202d26524916" providerId="LiveId" clId="{6F70F443-72ED-49A8-AE51-2BB347B81408}" dt="2022-12-19T11:00:57.418" v="543" actId="20577"/>
+        <pc:chgData name="Celine Gugel" userId="a0dc202d26524916" providerId="LiveId" clId="{6F70F443-72ED-49A8-AE51-2BB347B81408}" dt="2022-12-19T11:07:34.754" v="546" actId="113"/>
         <pc:sldMkLst>
           <pc:docMk/>
           <pc:sldMk cId="2774107021" sldId="298"/>
@@ -192,7 +192,7 @@
           </ac:spMkLst>
         </pc:spChg>
         <pc:spChg chg="add mod">
-          <ac:chgData name="Celine Gugel" userId="a0dc202d26524916" providerId="LiveId" clId="{6F70F443-72ED-49A8-AE51-2BB347B81408}" dt="2022-12-19T11:00:44.236" v="542" actId="20577"/>
+          <ac:chgData name="Celine Gugel" userId="a0dc202d26524916" providerId="LiveId" clId="{6F70F443-72ED-49A8-AE51-2BB347B81408}" dt="2022-12-19T11:07:34.754" v="546" actId="113"/>
           <ac:spMkLst>
             <pc:docMk/>
             <pc:sldMk cId="2774107021" sldId="298"/>
@@ -9506,7 +9506,7 @@
               <a:rPr lang="de-DE" dirty="0">
                 <a:latin typeface="+mj-lt"/>
               </a:rPr>
-              <a:t>Jeder hat sich selbst informiert, das möglich ist</a:t>
+              <a:t>Jeder hat sich selbst informiert, was möglich ist</a:t>
             </a:r>
           </a:p>
           <a:p>
@@ -9609,7 +9609,7 @@
               <a:buChar char="•"/>
             </a:pPr>
             <a:r>
-              <a:rPr lang="de-DE" dirty="0">
+              <a:rPr lang="de-DE" b="1" dirty="0">
                 <a:latin typeface="+mj-lt"/>
               </a:rPr>
               <a:t>2 Spielvarianten – 1. Gegen Computer 2. Wort selbst angeben</a:t>
@@ -10851,6 +10851,15 @@
 </file>
 
 <file path=customXml/item1.xml><?xml version="1.0" encoding="utf-8"?>
+<?mso-contentType ?>
+<FormTemplates xmlns="http://schemas.microsoft.com/sharepoint/v3/contenttype/forms">
+  <Display>DocumentLibraryForm</Display>
+  <Edit>DocumentLibraryForm</Edit>
+  <New>DocumentLibraryForm</New>
+</FormTemplates>
+</file>
+
+<file path=customXml/item2.xml><?xml version="1.0" encoding="utf-8"?>
 <ct:contentTypeSchema xmlns:ct="http://schemas.microsoft.com/office/2006/metadata/contentType" xmlns:ma="http://schemas.microsoft.com/office/2006/metadata/properties/metaAttributes" ct:_="" ma:_="" ma:contentTypeName="Document" ma:contentTypeID="0x010100DEEA25CC0A0AC24199CDC46C25B8B0BC" ma:contentTypeVersion="10" ma:contentTypeDescription="Create a new document." ma:contentTypeScope="" ma:versionID="e3b47856d4cf355c0dacb39e1084d14f">
   <xsd:schema xmlns:xsd="http://www.w3.org/2001/XMLSchema" xmlns:xs="http://www.w3.org/2001/XMLSchema" xmlns:p="http://schemas.microsoft.com/office/2006/metadata/properties" xmlns:ns1="http://schemas.microsoft.com/sharepoint/v3" xmlns:ns2="6dc4bcd6-49db-4c07-9060-8acfc67cef9f" xmlns:ns3="fb0879af-3eba-417a-a55a-ffe6dcd6ca77" targetNamespace="http://schemas.microsoft.com/office/2006/metadata/properties" ma:root="true" ma:fieldsID="a845a615265fdb1f7b12cc65ac20ecbd" ns1:_="" ns2:_="" ns3:_="">
     <xsd:import namespace="http://schemas.microsoft.com/sharepoint/v3"/>
@@ -11058,15 +11067,6 @@
 </ct:contentTypeSchema>
 </file>
 
-<file path=customXml/item2.xml><?xml version="1.0" encoding="utf-8"?>
-<?mso-contentType ?>
-<FormTemplates xmlns="http://schemas.microsoft.com/sharepoint/v3/contenttype/forms">
-  <Display>DocumentLibraryForm</Display>
-  <Edit>DocumentLibraryForm</Edit>
-  <New>DocumentLibraryForm</New>
-</FormTemplates>
-</file>
-
 <file path=customXml/item3.xml><?xml version="1.0" encoding="utf-8"?>
 <p:properties xmlns:p="http://schemas.microsoft.com/office/2006/metadata/properties" xmlns:xsi="http://www.w3.org/2001/XMLSchema-instance" xmlns:pc="http://schemas.microsoft.com/office/infopath/2007/PartnerControls">
   <documentManagement>
@@ -11077,6 +11077,14 @@
 </file>
 
 <file path=customXml/itemProps1.xml><?xml version="1.0" encoding="utf-8"?>
+<ds:datastoreItem xmlns:ds="http://schemas.openxmlformats.org/officeDocument/2006/customXml" ds:itemID="{F6CB1848-D3E0-4F10-B640-720BE758B85B}">
+  <ds:schemaRefs>
+    <ds:schemaRef ds:uri="http://schemas.microsoft.com/sharepoint/v3/contenttype/forms"/>
+  </ds:schemaRefs>
+</ds:datastoreItem>
+</file>
+
+<file path=customXml/itemProps2.xml><?xml version="1.0" encoding="utf-8"?>
 <ds:datastoreItem xmlns:ds="http://schemas.openxmlformats.org/officeDocument/2006/customXml" ds:itemID="{1BBB5711-29E1-4F8E-81A0-7947C57B208A}">
   <ds:schemaRefs>
     <ds:schemaRef ds:uri="http://schemas.microsoft.com/office/2006/metadata/contentType"/>
@@ -11096,14 +11104,6 @@
 </ds:datastoreItem>
 </file>
 
-<file path=customXml/itemProps2.xml><?xml version="1.0" encoding="utf-8"?>
-<ds:datastoreItem xmlns:ds="http://schemas.openxmlformats.org/officeDocument/2006/customXml" ds:itemID="{F6CB1848-D3E0-4F10-B640-720BE758B85B}">
-  <ds:schemaRefs>
-    <ds:schemaRef ds:uri="http://schemas.microsoft.com/sharepoint/v3/contenttype/forms"/>
-  </ds:schemaRefs>
-</ds:datastoreItem>
-</file>
-
 <file path=customXml/itemProps3.xml><?xml version="1.0" encoding="utf-8"?>
 <ds:datastoreItem xmlns:ds="http://schemas.openxmlformats.org/officeDocument/2006/customXml" ds:itemID="{E4934E25-8442-49E9-ABDF-3146C4145F3B}">
   <ds:schemaRefs>

--- a/Präsentation Programmieren Galgenmännchen.pptx
+++ b/Präsentation Programmieren Galgenmännchen.pptx
@@ -5,18 +5,22 @@
     <p:sldMasterId id="2147483648" r:id="rId4"/>
   </p:sldMasterIdLst>
   <p:notesMasterIdLst>
-    <p:notesMasterId r:id="rId11"/>
+    <p:notesMasterId r:id="rId15"/>
   </p:notesMasterIdLst>
   <p:handoutMasterIdLst>
-    <p:handoutMasterId r:id="rId12"/>
+    <p:handoutMasterId r:id="rId16"/>
   </p:handoutMasterIdLst>
   <p:sldIdLst>
     <p:sldId id="282" r:id="rId5"/>
     <p:sldId id="297" r:id="rId6"/>
-    <p:sldId id="298" r:id="rId7"/>
-    <p:sldId id="299" r:id="rId8"/>
-    <p:sldId id="300" r:id="rId9"/>
-    <p:sldId id="296" r:id="rId10"/>
+    <p:sldId id="301" r:id="rId7"/>
+    <p:sldId id="302" r:id="rId8"/>
+    <p:sldId id="303" r:id="rId9"/>
+    <p:sldId id="304" r:id="rId10"/>
+    <p:sldId id="298" r:id="rId11"/>
+    <p:sldId id="299" r:id="rId12"/>
+    <p:sldId id="300" r:id="rId13"/>
+    <p:sldId id="296" r:id="rId14"/>
   </p:sldIdLst>
   <p:sldSz cx="12192000" cy="6858000"/>
   <p:notesSz cx="6858000" cy="9144000"/>
@@ -126,6 +130,10 @@
         <p14:section name="Abschnitt ohne Titel" id="{528501D9-763D-4701-BC0F-C04A9C887F4F}">
           <p14:sldIdLst>
             <p14:sldId id="297"/>
+            <p14:sldId id="301"/>
+            <p14:sldId id="302"/>
+            <p14:sldId id="303"/>
+            <p14:sldId id="304"/>
             <p14:sldId id="298"/>
             <p14:sldId id="299"/>
             <p14:sldId id="300"/>
@@ -1023,7 +1031,7 @@
             <a:pPr rtl="0"/>
             <a:fld id="{8530193B-564F-4854-8A52-728F3FB19C85}" type="slidenum">
               <a:rPr lang="de-DE" smtClean="0"/>
-              <a:t>3</a:t>
+              <a:t>7</a:t>
             </a:fld>
             <a:endParaRPr lang="de-DE"/>
           </a:p>
@@ -1109,7 +1117,7 @@
             <a:pPr rtl="0"/>
             <a:fld id="{8530193B-564F-4854-8A52-728F3FB19C85}" type="slidenum">
               <a:rPr lang="de-DE" smtClean="0"/>
-              <a:t>4</a:t>
+              <a:t>8</a:t>
             </a:fld>
             <a:endParaRPr lang="de-DE"/>
           </a:p>
@@ -1195,7 +1203,7 @@
             <a:pPr rtl="0"/>
             <a:fld id="{8530193B-564F-4854-8A52-728F3FB19C85}" type="slidenum">
               <a:rPr lang="de-DE" smtClean="0"/>
-              <a:t>5</a:t>
+              <a:t>9</a:t>
             </a:fld>
             <a:endParaRPr lang="de-DE"/>
           </a:p>
@@ -1281,7 +1289,7 @@
             <a:pPr rtl="0"/>
             <a:fld id="{8530193B-564F-4854-8A52-728F3FB19C85}" type="slidenum">
               <a:rPr lang="de-DE" smtClean="0"/>
-              <a:t>6</a:t>
+              <a:t>10</a:t>
             </a:fld>
             <a:endParaRPr lang="de-DE"/>
           </a:p>
@@ -8941,6 +8949,204 @@
 </p:sld>
 </file>
 
+<file path=ppt/slides/slide10.xml><?xml version="1.0" encoding="utf-8"?>
+<p:sld xmlns:a="http://schemas.openxmlformats.org/drawingml/2006/main" xmlns:r="http://schemas.openxmlformats.org/officeDocument/2006/relationships" xmlns:p="http://schemas.openxmlformats.org/presentationml/2006/main">
+  <p:cSld>
+    <p:spTree>
+      <p:nvGrpSpPr>
+        <p:cNvPr id="1" name=""/>
+        <p:cNvGrpSpPr/>
+        <p:nvPr/>
+      </p:nvGrpSpPr>
+      <p:grpSpPr>
+        <a:xfrm>
+          <a:off x="0" y="0"/>
+          <a:ext cx="0" cy="0"/>
+          <a:chOff x="0" y="0"/>
+          <a:chExt cx="0" cy="0"/>
+        </a:xfrm>
+      </p:grpSpPr>
+      <p:sp>
+        <p:nvSpPr>
+          <p:cNvPr id="20" name="Titel 19">
+            <a:extLst>
+              <a:ext uri="{FF2B5EF4-FFF2-40B4-BE49-F238E27FC236}">
+                <a16:creationId xmlns:a16="http://schemas.microsoft.com/office/drawing/2014/main" id="{F11A6B65-5A20-4F4D-ACBB-ED50132D4571}"/>
+              </a:ext>
+            </a:extLst>
+          </p:cNvPr>
+          <p:cNvSpPr>
+            <a:spLocks noGrp="1"/>
+          </p:cNvSpPr>
+          <p:nvPr>
+            <p:ph type="ctrTitle"/>
+          </p:nvPr>
+        </p:nvSpPr>
+        <p:spPr>
+          <a:xfrm>
+            <a:off x="2696875" y="2112793"/>
+            <a:ext cx="6798250" cy="1674470"/>
+          </a:xfrm>
+        </p:spPr>
+        <p:txBody>
+          <a:bodyPr rtlCol="0"/>
+          <a:lstStyle/>
+          <a:p>
+            <a:pPr rtl="0"/>
+            <a:r>
+              <a:rPr lang="de-DE" dirty="0"/>
+              <a:t>VIELEN DANK!</a:t>
+            </a:r>
+          </a:p>
+        </p:txBody>
+      </p:sp>
+      <p:sp>
+        <p:nvSpPr>
+          <p:cNvPr id="4" name="Textplatzhalter 3">
+            <a:extLst>
+              <a:ext uri="{FF2B5EF4-FFF2-40B4-BE49-F238E27FC236}">
+                <a16:creationId xmlns:a16="http://schemas.microsoft.com/office/drawing/2014/main" id="{60828E04-9C2A-4859-8050-C2DF67A249CB}"/>
+              </a:ext>
+            </a:extLst>
+          </p:cNvPr>
+          <p:cNvSpPr>
+            <a:spLocks noGrp="1"/>
+          </p:cNvSpPr>
+          <p:nvPr>
+            <p:ph type="body" sz="quarter" idx="15"/>
+          </p:nvPr>
+        </p:nvSpPr>
+        <p:spPr>
+          <a:xfrm>
+            <a:off x="1588625" y="3986566"/>
+            <a:ext cx="9014750" cy="447783"/>
+          </a:xfrm>
+        </p:spPr>
+        <p:txBody>
+          <a:bodyPr rtlCol="0"/>
+          <a:lstStyle/>
+          <a:p>
+            <a:pPr algn="ctr" rtl="0"/>
+            <a:r>
+              <a:rPr lang="de-DE" dirty="0"/>
+              <a:t>Celine Gugel, Lena Steinbrink, Valentin Müller, </a:t>
+            </a:r>
+          </a:p>
+          <a:p>
+            <a:pPr algn="ctr" rtl="0"/>
+            <a:r>
+              <a:rPr lang="de-DE" dirty="0"/>
+              <a:t>Jannik Oßwald , Thi </a:t>
+            </a:r>
+            <a:r>
+              <a:rPr lang="de-DE" dirty="0" err="1"/>
+              <a:t>Tuong</a:t>
+            </a:r>
+            <a:r>
+              <a:rPr lang="de-DE" dirty="0"/>
+              <a:t> </a:t>
+            </a:r>
+            <a:r>
+              <a:rPr lang="de-DE" dirty="0" err="1"/>
+              <a:t>Vy</a:t>
+            </a:r>
+            <a:r>
+              <a:rPr lang="de-DE" dirty="0"/>
+              <a:t> Nguyen</a:t>
+            </a:r>
+            <a:br>
+              <a:rPr lang="de-DE" dirty="0"/>
+            </a:br>
+            <a:endParaRPr lang="de-DE" dirty="0"/>
+          </a:p>
+          <a:p>
+            <a:pPr rtl="0"/>
+            <a:endParaRPr lang="de-DE" dirty="0"/>
+          </a:p>
+        </p:txBody>
+      </p:sp>
+      <p:sp>
+        <p:nvSpPr>
+          <p:cNvPr id="22" name="Textfeld 21">
+            <a:extLst>
+              <a:ext uri="{FF2B5EF4-FFF2-40B4-BE49-F238E27FC236}">
+                <a16:creationId xmlns:a16="http://schemas.microsoft.com/office/drawing/2014/main" id="{19352CF6-0F22-45A8-B28B-37FAFCE5C5D6}"/>
+              </a:ext>
+            </a:extLst>
+          </p:cNvPr>
+          <p:cNvSpPr txBox="1"/>
+          <p:nvPr/>
+        </p:nvSpPr>
+        <p:spPr>
+          <a:xfrm>
+            <a:off x="10251642" y="182562"/>
+            <a:ext cx="1662546" cy="404658"/>
+          </a:xfrm>
+          <a:prstGeom prst="rect">
+            <a:avLst/>
+          </a:prstGeom>
+          <a:noFill/>
+        </p:spPr>
+        <p:txBody>
+          <a:bodyPr wrap="square" lIns="0" tIns="36000" rIns="0" bIns="0" rtlCol="0">
+            <a:spAutoFit/>
+          </a:bodyPr>
+          <a:lstStyle/>
+          <a:p>
+            <a:pPr algn="r" rtl="0">
+              <a:lnSpc>
+                <a:spcPts val="1400"/>
+              </a:lnSpc>
+            </a:pPr>
+            <a:r>
+              <a:rPr lang="de-DE" sz="1600" b="1" spc="-100" dirty="0">
+                <a:solidFill>
+                  <a:schemeClr val="tx1">
+                    <a:lumMod val="50000"/>
+                    <a:lumOff val="50000"/>
+                  </a:schemeClr>
+                </a:solidFill>
+                <a:latin typeface="Corbel" panose="020B0503020204020204" pitchFamily="34" charset="0"/>
+              </a:rPr>
+              <a:t>Programmieren</a:t>
+            </a:r>
+            <a:r>
+              <a:rPr lang="de-DE" sz="1600" b="1" spc="-100" dirty="0">
+                <a:solidFill>
+                  <a:schemeClr val="accent1"/>
+                </a:solidFill>
+                <a:latin typeface="Corbel" panose="020B0503020204020204" pitchFamily="34" charset="0"/>
+              </a:rPr>
+              <a:t> </a:t>
+            </a:r>
+            <a:r>
+              <a:rPr lang="de-DE" sz="1600" b="1" spc="-100" dirty="0">
+                <a:latin typeface="Corbel" panose="020B0503020204020204" pitchFamily="34" charset="0"/>
+              </a:rPr>
+              <a:t>ON22</a:t>
+            </a:r>
+            <a:endParaRPr lang="de-DE" sz="1600" b="1" spc="-100" dirty="0">
+              <a:solidFill>
+                <a:schemeClr val="tx1"/>
+              </a:solidFill>
+              <a:latin typeface="Corbel" panose="020B0503020204020204" pitchFamily="34" charset="0"/>
+            </a:endParaRPr>
+          </a:p>
+        </p:txBody>
+      </p:sp>
+    </p:spTree>
+    <p:extLst>
+      <p:ext uri="{BB962C8B-B14F-4D97-AF65-F5344CB8AC3E}">
+        <p14:creationId xmlns:p14="http://schemas.microsoft.com/office/powerpoint/2010/main" val="4153678306"/>
+      </p:ext>
+    </p:extLst>
+  </p:cSld>
+  <p:clrMapOvr>
+    <a:masterClrMapping/>
+  </p:clrMapOvr>
+</p:sld>
+</file>
+
 <file path=ppt/slides/slide2.xml><?xml version="1.0" encoding="utf-8"?>
 <p:sld xmlns:a="http://schemas.openxmlformats.org/drawingml/2006/main" xmlns:r="http://schemas.openxmlformats.org/officeDocument/2006/relationships" xmlns:p="http://schemas.openxmlformats.org/presentationml/2006/main">
   <p:cSld>
@@ -9289,77 +9495,369 @@
       </p:grpSpPr>
       <p:sp>
         <p:nvSpPr>
-          <p:cNvPr id="22" name="Textfeld 21">
-            <a:extLst>
-              <a:ext uri="{FF2B5EF4-FFF2-40B4-BE49-F238E27FC236}">
-                <a16:creationId xmlns:a16="http://schemas.microsoft.com/office/drawing/2014/main" id="{19352CF6-0F22-45A8-B28B-37FAFCE5C5D6}"/>
-              </a:ext>
-            </a:extLst>
-          </p:cNvPr>
-          <p:cNvSpPr txBox="1"/>
-          <p:nvPr/>
+          <p:cNvPr id="2" name="Titel 1">
+            <a:extLst>
+              <a:ext uri="{FF2B5EF4-FFF2-40B4-BE49-F238E27FC236}">
+                <a16:creationId xmlns:a16="http://schemas.microsoft.com/office/drawing/2014/main" id="{54D22662-DF51-4346-B7E7-290FDFBF6476}"/>
+              </a:ext>
+            </a:extLst>
+          </p:cNvPr>
+          <p:cNvSpPr>
+            <a:spLocks noGrp="1"/>
+          </p:cNvSpPr>
+          <p:nvPr>
+            <p:ph type="title"/>
+          </p:nvPr>
         </p:nvSpPr>
         <p:spPr>
           <a:xfrm>
-            <a:off x="10251642" y="182562"/>
-            <a:ext cx="1662546" cy="404658"/>
+            <a:off x="432000" y="268371"/>
+            <a:ext cx="9198000" cy="432000"/>
+          </a:xfrm>
+        </p:spPr>
+        <p:txBody>
+          <a:bodyPr/>
+          <a:lstStyle/>
+          <a:p>
+            <a:r>
+              <a:rPr lang="de-DE" dirty="0"/>
+              <a:t>Benötigte Funktionen</a:t>
+            </a:r>
+          </a:p>
+        </p:txBody>
+      </p:sp>
+      <p:sp>
+        <p:nvSpPr>
+          <p:cNvPr id="3" name="Foliennummernplatzhalter 2">
+            <a:extLst>
+              <a:ext uri="{FF2B5EF4-FFF2-40B4-BE49-F238E27FC236}">
+                <a16:creationId xmlns:a16="http://schemas.microsoft.com/office/drawing/2014/main" id="{C4B01CB7-D5D3-4984-B928-DDA8CB47BA6C}"/>
+              </a:ext>
+            </a:extLst>
+          </p:cNvPr>
+          <p:cNvSpPr>
+            <a:spLocks noGrp="1"/>
+          </p:cNvSpPr>
+          <p:nvPr>
+            <p:ph type="sldNum" sz="quarter" idx="33"/>
+          </p:nvPr>
+        </p:nvSpPr>
+        <p:spPr/>
+        <p:txBody>
+          <a:bodyPr/>
+          <a:lstStyle/>
+          <a:p>
+            <a:pPr rtl="0"/>
+            <a:fld id="{19B51A1E-902D-48AF-9020-955120F399B6}" type="slidenum">
+              <a:rPr lang="de-DE" noProof="0" smtClean="0"/>
+              <a:pPr rtl="0"/>
+              <a:t>3</a:t>
+            </a:fld>
+            <a:endParaRPr lang="de-DE" noProof="0"/>
+          </a:p>
+        </p:txBody>
+      </p:sp>
+      <p:sp>
+        <p:nvSpPr>
+          <p:cNvPr id="4" name="Inhaltsplatzhalter 3">
+            <a:extLst>
+              <a:ext uri="{FF2B5EF4-FFF2-40B4-BE49-F238E27FC236}">
+                <a16:creationId xmlns:a16="http://schemas.microsoft.com/office/drawing/2014/main" id="{9ECF3AB4-7E1F-4CBD-B100-2304C405FA7A}"/>
+              </a:ext>
+            </a:extLst>
+          </p:cNvPr>
+          <p:cNvSpPr>
+            <a:spLocks noGrp="1"/>
+          </p:cNvSpPr>
+          <p:nvPr>
+            <p:ph idx="1"/>
+          </p:nvPr>
+        </p:nvSpPr>
+        <p:spPr>
+          <a:xfrm>
+            <a:off x="432000" y="700371"/>
+            <a:ext cx="9198000" cy="5130588"/>
+          </a:xfrm>
+        </p:spPr>
+        <p:txBody>
+          <a:bodyPr/>
+          <a:lstStyle/>
+          <a:p>
+            <a:pPr marL="0" indent="0">
+              <a:lnSpc>
+                <a:spcPct val="107000"/>
+              </a:lnSpc>
+              <a:spcAft>
+                <a:spcPts val="800"/>
+              </a:spcAft>
+              <a:buNone/>
+            </a:pPr>
+            <a:r>
+              <a:rPr lang="de-DE" sz="2400" b="1" u="sng" dirty="0">
+                <a:effectLst/>
+                <a:latin typeface="Calibri" panose="020F0502020204030204" pitchFamily="34" charset="0"/>
+                <a:ea typeface="Calibri" panose="020F0502020204030204" pitchFamily="34" charset="0"/>
+              </a:rPr>
+              <a:t>Auswahl Spielmodus</a:t>
+            </a:r>
+          </a:p>
+          <a:p>
+            <a:pPr marL="0" indent="0">
+              <a:lnSpc>
+                <a:spcPct val="107000"/>
+              </a:lnSpc>
+              <a:spcAft>
+                <a:spcPts val="800"/>
+              </a:spcAft>
+              <a:buNone/>
+            </a:pPr>
+            <a:r>
+              <a:rPr lang="de-DE" b="1" dirty="0">
+                <a:latin typeface="Calibri" panose="020F0502020204030204" pitchFamily="34" charset="0"/>
+                <a:ea typeface="Calibri" panose="020F0502020204030204" pitchFamily="34" charset="0"/>
+              </a:rPr>
+              <a:t>Spielmodus 1</a:t>
+            </a:r>
+          </a:p>
+          <a:p>
+            <a:pPr>
+              <a:lnSpc>
+                <a:spcPct val="107000"/>
+              </a:lnSpc>
+              <a:spcAft>
+                <a:spcPts val="800"/>
+              </a:spcAft>
+            </a:pPr>
+            <a:r>
+              <a:rPr lang="de-DE" sz="1800" dirty="0">
+                <a:effectLst/>
+                <a:latin typeface="Calibri" panose="020F0502020204030204" pitchFamily="34" charset="0"/>
+                <a:ea typeface="Calibri" panose="020F0502020204030204" pitchFamily="34" charset="0"/>
+              </a:rPr>
+              <a:t>Spiel gegen den Computer </a:t>
+            </a:r>
+          </a:p>
+          <a:p>
+            <a:pPr>
+              <a:lnSpc>
+                <a:spcPct val="107000"/>
+              </a:lnSpc>
+              <a:spcAft>
+                <a:spcPts val="800"/>
+              </a:spcAft>
+            </a:pPr>
+            <a:r>
+              <a:rPr lang="de-DE" sz="1800" dirty="0">
+                <a:effectLst/>
+                <a:latin typeface="Calibri" panose="020F0502020204030204" pitchFamily="34" charset="0"/>
+                <a:ea typeface="Calibri" panose="020F0502020204030204" pitchFamily="34" charset="0"/>
+              </a:rPr>
+              <a:t>aus einem Array mit vorgegebenen Wörtern soll ein Wort zufällig ausgegeben werden und das Spiel startet</a:t>
+            </a:r>
+          </a:p>
+          <a:p>
+            <a:pPr marL="0" indent="0">
+              <a:lnSpc>
+                <a:spcPct val="107000"/>
+              </a:lnSpc>
+              <a:spcAft>
+                <a:spcPts val="800"/>
+              </a:spcAft>
+              <a:buNone/>
+            </a:pPr>
+            <a:r>
+              <a:rPr lang="de-DE" sz="1800" b="1" dirty="0">
+                <a:effectLst/>
+                <a:latin typeface="Calibri" panose="020F0502020204030204" pitchFamily="34" charset="0"/>
+                <a:ea typeface="Calibri" panose="020F0502020204030204" pitchFamily="34" charset="0"/>
+              </a:rPr>
+              <a:t>Spielmodus 2</a:t>
+            </a:r>
+          </a:p>
+          <a:p>
+            <a:pPr>
+              <a:lnSpc>
+                <a:spcPct val="107000"/>
+              </a:lnSpc>
+              <a:spcAft>
+                <a:spcPts val="800"/>
+              </a:spcAft>
+            </a:pPr>
+            <a:r>
+              <a:rPr lang="de-DE" sz="1800" dirty="0">
+                <a:effectLst/>
+                <a:latin typeface="Calibri" panose="020F0502020204030204" pitchFamily="34" charset="0"/>
+                <a:ea typeface="Calibri" panose="020F0502020204030204" pitchFamily="34" charset="0"/>
+              </a:rPr>
+              <a:t>Spiel mit eigener Worteingabe</a:t>
+            </a:r>
+          </a:p>
+          <a:p>
+            <a:pPr>
+              <a:lnSpc>
+                <a:spcPct val="107000"/>
+              </a:lnSpc>
+              <a:spcAft>
+                <a:spcPts val="800"/>
+              </a:spcAft>
+            </a:pPr>
+            <a:r>
+              <a:rPr lang="de-DE" sz="1800" dirty="0">
+                <a:effectLst/>
+                <a:latin typeface="Calibri" panose="020F0502020204030204" pitchFamily="34" charset="0"/>
+                <a:ea typeface="Calibri" panose="020F0502020204030204" pitchFamily="34" charset="0"/>
+              </a:rPr>
+              <a:t>über die Scanner-Funktion wird ein Wort als String abgefragt</a:t>
+            </a:r>
+          </a:p>
+          <a:p>
+            <a:pPr>
+              <a:lnSpc>
+                <a:spcPct val="107000"/>
+              </a:lnSpc>
+              <a:spcAft>
+                <a:spcPts val="800"/>
+              </a:spcAft>
+            </a:pPr>
+            <a:r>
+              <a:rPr lang="de-DE" sz="1800" dirty="0">
+                <a:effectLst/>
+                <a:latin typeface="Calibri" panose="020F0502020204030204" pitchFamily="34" charset="0"/>
+                <a:ea typeface="Calibri" panose="020F0502020204030204" pitchFamily="34" charset="0"/>
+              </a:rPr>
+              <a:t>Bedingungen: </a:t>
+            </a:r>
+            <a:r>
+              <a:rPr lang="de-DE" dirty="0">
+                <a:effectLst/>
+                <a:latin typeface="Calibri" panose="020F0502020204030204" pitchFamily="34" charset="0"/>
+                <a:ea typeface="Calibri" panose="020F0502020204030204" pitchFamily="34" charset="0"/>
+              </a:rPr>
+              <a:t>Wort hat mindestens zwei Zeichen, keine Leerzeichen oder Sonderzeichen</a:t>
+            </a:r>
+          </a:p>
+          <a:p>
+            <a:pPr>
+              <a:lnSpc>
+                <a:spcPct val="107000"/>
+              </a:lnSpc>
+              <a:spcAft>
+                <a:spcPts val="800"/>
+              </a:spcAft>
+            </a:pPr>
+            <a:r>
+              <a:rPr lang="de-DE" dirty="0">
+                <a:latin typeface="Calibri" panose="020F0502020204030204" pitchFamily="34" charset="0"/>
+                <a:ea typeface="Calibri" panose="020F0502020204030204" pitchFamily="34" charset="0"/>
+              </a:rPr>
+              <a:t>60 </a:t>
+            </a:r>
+            <a:r>
+              <a:rPr lang="de-DE" dirty="0">
+                <a:effectLst/>
+                <a:latin typeface="Calibri" panose="020F0502020204030204" pitchFamily="34" charset="0"/>
+                <a:ea typeface="Calibri" panose="020F0502020204030204" pitchFamily="34" charset="0"/>
+              </a:rPr>
+              <a:t>Leerzeichen einfügen, damit Spielauswahl nicht mehr zu sehen ist</a:t>
+            </a:r>
+          </a:p>
+          <a:p>
+            <a:pPr marL="0" indent="0">
+              <a:lnSpc>
+                <a:spcPct val="107000"/>
+              </a:lnSpc>
+              <a:spcAft>
+                <a:spcPts val="800"/>
+              </a:spcAft>
+              <a:buNone/>
+            </a:pPr>
+            <a:r>
+              <a:rPr lang="de-DE" b="1" dirty="0">
+                <a:latin typeface="Calibri" panose="020F0502020204030204" pitchFamily="34" charset="0"/>
+                <a:ea typeface="Calibri" panose="020F0502020204030204" pitchFamily="34" charset="0"/>
+              </a:rPr>
+              <a:t>(Modus 3)</a:t>
+            </a:r>
+          </a:p>
+          <a:p>
+            <a:pPr>
+              <a:lnSpc>
+                <a:spcPct val="107000"/>
+              </a:lnSpc>
+              <a:spcAft>
+                <a:spcPts val="800"/>
+              </a:spcAft>
+            </a:pPr>
+            <a:r>
+              <a:rPr lang="de-DE" dirty="0">
+                <a:effectLst/>
+                <a:latin typeface="Calibri" panose="020F0502020204030204" pitchFamily="34" charset="0"/>
+                <a:ea typeface="Calibri" panose="020F0502020204030204" pitchFamily="34" charset="0"/>
+              </a:rPr>
+              <a:t>Spiel verlassen</a:t>
+            </a:r>
+          </a:p>
+          <a:p>
+            <a:endParaRPr lang="de-DE" dirty="0"/>
+          </a:p>
+        </p:txBody>
+      </p:sp>
+      <p:sp>
+        <p:nvSpPr>
+          <p:cNvPr id="5" name="Rechteck 4">
+            <a:extLst>
+              <a:ext uri="{FF2B5EF4-FFF2-40B4-BE49-F238E27FC236}">
+                <a16:creationId xmlns:a16="http://schemas.microsoft.com/office/drawing/2014/main" id="{E81042CE-759E-4A7E-ACC3-3E1BB0FBEBCF}"/>
+              </a:ext>
+            </a:extLst>
+          </p:cNvPr>
+          <p:cNvSpPr/>
+          <p:nvPr/>
+        </p:nvSpPr>
+        <p:spPr>
+          <a:xfrm>
+            <a:off x="10106526" y="6266046"/>
+            <a:ext cx="1260910" cy="500514"/>
           </a:xfrm>
           <a:prstGeom prst="rect">
             <a:avLst/>
           </a:prstGeom>
-          <a:noFill/>
+          <a:solidFill>
+            <a:schemeClr val="bg1"/>
+          </a:solidFill>
+          <a:ln>
+            <a:noFill/>
+          </a:ln>
         </p:spPr>
-        <p:txBody>
-          <a:bodyPr wrap="square" lIns="0" tIns="36000" rIns="0" bIns="0" rtlCol="0">
-            <a:spAutoFit/>
-          </a:bodyPr>
+        <p:style>
+          <a:lnRef idx="2">
+            <a:schemeClr val="accent1">
+              <a:shade val="50000"/>
+            </a:schemeClr>
+          </a:lnRef>
+          <a:fillRef idx="1">
+            <a:schemeClr val="accent1"/>
+          </a:fillRef>
+          <a:effectRef idx="0">
+            <a:schemeClr val="accent1"/>
+          </a:effectRef>
+          <a:fontRef idx="minor">
+            <a:schemeClr val="lt1"/>
+          </a:fontRef>
+        </p:style>
+        <p:txBody>
+          <a:bodyPr rtlCol="0" anchor="ctr"/>
           <a:lstStyle/>
           <a:p>
-            <a:pPr algn="r" rtl="0">
-              <a:lnSpc>
-                <a:spcPts val="1400"/>
-              </a:lnSpc>
-            </a:pPr>
-            <a:r>
-              <a:rPr lang="de-DE" sz="1600" b="1" spc="-100" dirty="0">
-                <a:solidFill>
-                  <a:schemeClr val="tx1">
-                    <a:lumMod val="50000"/>
-                    <a:lumOff val="50000"/>
-                  </a:schemeClr>
-                </a:solidFill>
-                <a:latin typeface="Corbel" panose="020B0503020204020204" pitchFamily="34" charset="0"/>
-              </a:rPr>
-              <a:t>Programmieren</a:t>
-            </a:r>
-            <a:r>
-              <a:rPr lang="de-DE" sz="1600" b="1" spc="-100" dirty="0">
-                <a:solidFill>
-                  <a:schemeClr val="accent1"/>
-                </a:solidFill>
-                <a:latin typeface="Corbel" panose="020B0503020204020204" pitchFamily="34" charset="0"/>
-              </a:rPr>
-              <a:t> </a:t>
-            </a:r>
-            <a:r>
-              <a:rPr lang="de-DE" sz="1600" b="1" spc="-100" dirty="0">
-                <a:latin typeface="Corbel" panose="020B0503020204020204" pitchFamily="34" charset="0"/>
-              </a:rPr>
-              <a:t>ON22</a:t>
-            </a:r>
-            <a:endParaRPr lang="de-DE" sz="1600" b="1" spc="-100" dirty="0">
-              <a:solidFill>
-                <a:schemeClr val="tx1"/>
-              </a:solidFill>
-              <a:latin typeface="Corbel" panose="020B0503020204020204" pitchFamily="34" charset="0"/>
-            </a:endParaRPr>
+            <a:pPr algn="ctr"/>
+            <a:endParaRPr lang="de-DE"/>
           </a:p>
         </p:txBody>
       </p:sp>
     </p:spTree>
     <p:extLst>
       <p:ext uri="{BB962C8B-B14F-4D97-AF65-F5344CB8AC3E}">
-        <p14:creationId xmlns:p14="http://schemas.microsoft.com/office/powerpoint/2010/main" val="2774107021"/>
+        <p14:creationId xmlns:p14="http://schemas.microsoft.com/office/powerpoint/2010/main" val="249633133"/>
       </p:ext>
     </p:extLst>
   </p:cSld>
@@ -9388,77 +9886,319 @@
       </p:grpSpPr>
       <p:sp>
         <p:nvSpPr>
-          <p:cNvPr id="22" name="Textfeld 21">
-            <a:extLst>
-              <a:ext uri="{FF2B5EF4-FFF2-40B4-BE49-F238E27FC236}">
-                <a16:creationId xmlns:a16="http://schemas.microsoft.com/office/drawing/2014/main" id="{19352CF6-0F22-45A8-B28B-37FAFCE5C5D6}"/>
-              </a:ext>
-            </a:extLst>
-          </p:cNvPr>
-          <p:cNvSpPr txBox="1"/>
+          <p:cNvPr id="2" name="Titel 1">
+            <a:extLst>
+              <a:ext uri="{FF2B5EF4-FFF2-40B4-BE49-F238E27FC236}">
+                <a16:creationId xmlns:a16="http://schemas.microsoft.com/office/drawing/2014/main" id="{7011176B-A9C4-4B85-880D-35BE680EE88D}"/>
+              </a:ext>
+            </a:extLst>
+          </p:cNvPr>
+          <p:cNvSpPr>
+            <a:spLocks noGrp="1"/>
+          </p:cNvSpPr>
+          <p:nvPr>
+            <p:ph type="title"/>
+          </p:nvPr>
+        </p:nvSpPr>
+        <p:spPr/>
+        <p:txBody>
+          <a:bodyPr/>
+          <a:lstStyle/>
+          <a:p>
+            <a:r>
+              <a:rPr lang="de-DE" dirty="0"/>
+              <a:t>Benötigte Funktionen</a:t>
+            </a:r>
+          </a:p>
+        </p:txBody>
+      </p:sp>
+      <p:sp>
+        <p:nvSpPr>
+          <p:cNvPr id="3" name="Foliennummernplatzhalter 2">
+            <a:extLst>
+              <a:ext uri="{FF2B5EF4-FFF2-40B4-BE49-F238E27FC236}">
+                <a16:creationId xmlns:a16="http://schemas.microsoft.com/office/drawing/2014/main" id="{B50140E2-6D46-400B-932B-3D54BA02AC55}"/>
+              </a:ext>
+            </a:extLst>
+          </p:cNvPr>
+          <p:cNvSpPr>
+            <a:spLocks noGrp="1"/>
+          </p:cNvSpPr>
+          <p:nvPr>
+            <p:ph type="sldNum" sz="quarter" idx="33"/>
+          </p:nvPr>
+        </p:nvSpPr>
+        <p:spPr/>
+        <p:txBody>
+          <a:bodyPr/>
+          <a:lstStyle/>
+          <a:p>
+            <a:pPr rtl="0"/>
+            <a:fld id="{19B51A1E-902D-48AF-9020-955120F399B6}" type="slidenum">
+              <a:rPr lang="de-DE" noProof="0" smtClean="0"/>
+              <a:pPr rtl="0"/>
+              <a:t>4</a:t>
+            </a:fld>
+            <a:endParaRPr lang="de-DE" noProof="0"/>
+          </a:p>
+        </p:txBody>
+      </p:sp>
+      <p:sp>
+        <p:nvSpPr>
+          <p:cNvPr id="4" name="Inhaltsplatzhalter 3">
+            <a:extLst>
+              <a:ext uri="{FF2B5EF4-FFF2-40B4-BE49-F238E27FC236}">
+                <a16:creationId xmlns:a16="http://schemas.microsoft.com/office/drawing/2014/main" id="{9CA7C4DD-39F1-4D93-BCF0-8D2804CA852B}"/>
+              </a:ext>
+            </a:extLst>
+          </p:cNvPr>
+          <p:cNvSpPr>
+            <a:spLocks noGrp="1"/>
+          </p:cNvSpPr>
+          <p:nvPr>
+            <p:ph idx="1"/>
+          </p:nvPr>
+        </p:nvSpPr>
+        <p:spPr/>
+        <p:txBody>
+          <a:bodyPr/>
+          <a:lstStyle/>
+          <a:p>
+            <a:pPr marL="0" indent="0">
+              <a:lnSpc>
+                <a:spcPct val="107000"/>
+              </a:lnSpc>
+              <a:spcAft>
+                <a:spcPts val="800"/>
+              </a:spcAft>
+              <a:buNone/>
+            </a:pPr>
+            <a:r>
+              <a:rPr lang="de-DE" sz="2400" b="1" u="sng" dirty="0">
+                <a:latin typeface="Calibri" panose="020F0502020204030204" pitchFamily="34" charset="0"/>
+                <a:ea typeface="Calibri" panose="020F0502020204030204" pitchFamily="34" charset="0"/>
+              </a:rPr>
+              <a:t>Buchstabeneingabe</a:t>
+            </a:r>
+            <a:endParaRPr lang="de-DE" sz="2400" b="1" u="sng" dirty="0">
+              <a:effectLst/>
+              <a:latin typeface="Calibri" panose="020F0502020204030204" pitchFamily="34" charset="0"/>
+              <a:ea typeface="Calibri" panose="020F0502020204030204" pitchFamily="34" charset="0"/>
+            </a:endParaRPr>
+          </a:p>
+          <a:p>
+            <a:pPr>
+              <a:lnSpc>
+                <a:spcPct val="107000"/>
+              </a:lnSpc>
+              <a:spcAft>
+                <a:spcPts val="800"/>
+              </a:spcAft>
+            </a:pPr>
+            <a:r>
+              <a:rPr lang="de-DE" sz="1800" dirty="0">
+                <a:effectLst/>
+                <a:latin typeface="Calibri" panose="020F0502020204030204" pitchFamily="34" charset="0"/>
+                <a:ea typeface="Calibri" panose="020F0502020204030204" pitchFamily="34" charset="0"/>
+              </a:rPr>
+              <a:t>neue Klasse Spiel anlegen</a:t>
+            </a:r>
+          </a:p>
+          <a:p>
+            <a:pPr>
+              <a:lnSpc>
+                <a:spcPct val="107000"/>
+              </a:lnSpc>
+              <a:spcAft>
+                <a:spcPts val="800"/>
+              </a:spcAft>
+            </a:pPr>
+            <a:r>
+              <a:rPr lang="de-DE" sz="1800" dirty="0">
+                <a:effectLst/>
+                <a:latin typeface="Calibri" panose="020F0502020204030204" pitchFamily="34" charset="0"/>
+                <a:ea typeface="Calibri" panose="020F0502020204030204" pitchFamily="34" charset="0"/>
+              </a:rPr>
+              <a:t>Funktion zur Buchstabeneingabe programmieren mit den verschiedenen Bedingungen</a:t>
+            </a:r>
+          </a:p>
+          <a:p>
+            <a:pPr>
+              <a:lnSpc>
+                <a:spcPct val="107000"/>
+              </a:lnSpc>
+              <a:spcAft>
+                <a:spcPts val="800"/>
+              </a:spcAft>
+            </a:pPr>
+            <a:r>
+              <a:rPr lang="de-DE" sz="1800" dirty="0">
+                <a:latin typeface="Calibri" panose="020F0502020204030204" pitchFamily="34" charset="0"/>
+              </a:rPr>
+              <a:t>ein Char, damit nur der erste Buchstabe genommen wird</a:t>
+            </a:r>
+          </a:p>
+          <a:p>
+            <a:pPr>
+              <a:lnSpc>
+                <a:spcPct val="107000"/>
+              </a:lnSpc>
+              <a:spcAft>
+                <a:spcPts val="800"/>
+              </a:spcAft>
+            </a:pPr>
+            <a:r>
+              <a:rPr lang="de-DE" sz="1800" dirty="0">
+                <a:effectLst/>
+                <a:latin typeface="Calibri" panose="020F0502020204030204" pitchFamily="34" charset="0"/>
+                <a:ea typeface="Calibri" panose="020F0502020204030204" pitchFamily="34" charset="0"/>
+              </a:rPr>
+              <a:t>ein </a:t>
+            </a:r>
+            <a:r>
+              <a:rPr lang="de-DE" sz="1800" dirty="0">
+                <a:solidFill>
+                  <a:srgbClr val="000000"/>
+                </a:solidFill>
+                <a:effectLst/>
+                <a:latin typeface="Calibri" panose="020F0502020204030204" pitchFamily="34" charset="0"/>
+                <a:ea typeface="Calibri" panose="020F0502020204030204" pitchFamily="34" charset="0"/>
+              </a:rPr>
+              <a:t>Array mit den Buchstaben an der entsprechenden Stelle vom Wort für die Ausgabe in der Konsole</a:t>
+            </a:r>
+            <a:endParaRPr lang="de-DE" sz="1800" dirty="0">
+              <a:effectLst/>
+              <a:latin typeface="Calibri" panose="020F0502020204030204" pitchFamily="34" charset="0"/>
+              <a:ea typeface="Calibri" panose="020F0502020204030204" pitchFamily="34" charset="0"/>
+            </a:endParaRPr>
+          </a:p>
+          <a:p>
+            <a:pPr marL="0" indent="0">
+              <a:lnSpc>
+                <a:spcPct val="107000"/>
+              </a:lnSpc>
+              <a:spcAft>
+                <a:spcPts val="800"/>
+              </a:spcAft>
+              <a:buNone/>
+            </a:pPr>
+            <a:r>
+              <a:rPr lang="de-DE" sz="1800" b="1" dirty="0">
+                <a:effectLst/>
+                <a:latin typeface="Calibri" panose="020F0502020204030204" pitchFamily="34" charset="0"/>
+                <a:ea typeface="Calibri" panose="020F0502020204030204" pitchFamily="34" charset="0"/>
+              </a:rPr>
+              <a:t>Bedingungen:</a:t>
+            </a:r>
+          </a:p>
+          <a:p>
+            <a:pPr lvl="1">
+              <a:lnSpc>
+                <a:spcPct val="107000"/>
+              </a:lnSpc>
+              <a:spcAft>
+                <a:spcPts val="800"/>
+              </a:spcAft>
+            </a:pPr>
+            <a:r>
+              <a:rPr lang="de-DE" sz="1800" dirty="0">
+                <a:effectLst/>
+                <a:latin typeface="Calibri" panose="020F0502020204030204" pitchFamily="34" charset="0"/>
+                <a:ea typeface="Calibri" panose="020F0502020204030204" pitchFamily="34" charset="0"/>
+              </a:rPr>
+              <a:t>Mindestens 2 Zeichen lang</a:t>
+            </a:r>
+          </a:p>
+          <a:p>
+            <a:pPr lvl="1">
+              <a:lnSpc>
+                <a:spcPct val="107000"/>
+              </a:lnSpc>
+              <a:spcAft>
+                <a:spcPts val="800"/>
+              </a:spcAft>
+            </a:pPr>
+            <a:r>
+              <a:rPr lang="de-DE" sz="1800" dirty="0">
+                <a:latin typeface="Calibri" panose="020F0502020204030204" pitchFamily="34" charset="0"/>
+                <a:ea typeface="Calibri" panose="020F0502020204030204" pitchFamily="34" charset="0"/>
+              </a:rPr>
+              <a:t>e</a:t>
+            </a:r>
+            <a:r>
+              <a:rPr lang="de-DE" sz="1800" dirty="0">
+                <a:effectLst/>
+                <a:latin typeface="Calibri" panose="020F0502020204030204" pitchFamily="34" charset="0"/>
+                <a:ea typeface="Calibri" panose="020F0502020204030204" pitchFamily="34" charset="0"/>
+              </a:rPr>
+              <a:t>nthält keine Leerzeichen oder Sonderzeichen </a:t>
+            </a:r>
+            <a:endParaRPr lang="de-DE" sz="1800" dirty="0">
+              <a:latin typeface="Calibri" panose="020F0502020204030204" pitchFamily="34" charset="0"/>
+              <a:ea typeface="Calibri" panose="020F0502020204030204" pitchFamily="34" charset="0"/>
+            </a:endParaRPr>
+          </a:p>
+          <a:p>
+            <a:endParaRPr lang="de-DE" dirty="0"/>
+          </a:p>
+        </p:txBody>
+      </p:sp>
+      <p:sp>
+        <p:nvSpPr>
+          <p:cNvPr id="7" name="Rechteck 6">
+            <a:extLst>
+              <a:ext uri="{FF2B5EF4-FFF2-40B4-BE49-F238E27FC236}">
+                <a16:creationId xmlns:a16="http://schemas.microsoft.com/office/drawing/2014/main" id="{1F3EFD7F-04D1-4C23-B5DA-46F330BF3A31}"/>
+              </a:ext>
+            </a:extLst>
+          </p:cNvPr>
+          <p:cNvSpPr/>
           <p:nvPr/>
         </p:nvSpPr>
         <p:spPr>
           <a:xfrm>
-            <a:off x="10251642" y="182562"/>
-            <a:ext cx="1662546" cy="404658"/>
+            <a:off x="10058400" y="6176964"/>
+            <a:ext cx="1299411" cy="608848"/>
           </a:xfrm>
           <a:prstGeom prst="rect">
             <a:avLst/>
           </a:prstGeom>
-          <a:noFill/>
+          <a:solidFill>
+            <a:schemeClr val="bg1"/>
+          </a:solidFill>
+          <a:ln>
+            <a:noFill/>
+          </a:ln>
         </p:spPr>
-        <p:txBody>
-          <a:bodyPr wrap="square" lIns="0" tIns="36000" rIns="0" bIns="0" rtlCol="0">
-            <a:spAutoFit/>
-          </a:bodyPr>
+        <p:style>
+          <a:lnRef idx="2">
+            <a:schemeClr val="accent1">
+              <a:shade val="50000"/>
+            </a:schemeClr>
+          </a:lnRef>
+          <a:fillRef idx="1">
+            <a:schemeClr val="accent1"/>
+          </a:fillRef>
+          <a:effectRef idx="0">
+            <a:schemeClr val="accent1"/>
+          </a:effectRef>
+          <a:fontRef idx="minor">
+            <a:schemeClr val="lt1"/>
+          </a:fontRef>
+        </p:style>
+        <p:txBody>
+          <a:bodyPr rtlCol="0" anchor="ctr"/>
           <a:lstStyle/>
           <a:p>
-            <a:pPr algn="r" rtl="0">
-              <a:lnSpc>
-                <a:spcPts val="1400"/>
-              </a:lnSpc>
-            </a:pPr>
-            <a:r>
-              <a:rPr lang="de-DE" sz="1600" b="1" spc="-100" dirty="0">
-                <a:solidFill>
-                  <a:schemeClr val="tx1">
-                    <a:lumMod val="50000"/>
-                    <a:lumOff val="50000"/>
-                  </a:schemeClr>
-                </a:solidFill>
-                <a:latin typeface="Corbel" panose="020B0503020204020204" pitchFamily="34" charset="0"/>
-              </a:rPr>
-              <a:t>Programmieren</a:t>
-            </a:r>
-            <a:r>
-              <a:rPr lang="de-DE" sz="1600" b="1" spc="-100" dirty="0">
-                <a:solidFill>
-                  <a:schemeClr val="accent1"/>
-                </a:solidFill>
-                <a:latin typeface="Corbel" panose="020B0503020204020204" pitchFamily="34" charset="0"/>
-              </a:rPr>
-              <a:t> </a:t>
-            </a:r>
-            <a:r>
-              <a:rPr lang="de-DE" sz="1600" b="1" spc="-100" dirty="0">
-                <a:latin typeface="Corbel" panose="020B0503020204020204" pitchFamily="34" charset="0"/>
-              </a:rPr>
-              <a:t>ON22</a:t>
-            </a:r>
-            <a:endParaRPr lang="de-DE" sz="1600" b="1" spc="-100" dirty="0">
-              <a:solidFill>
-                <a:schemeClr val="tx1"/>
-              </a:solidFill>
-              <a:latin typeface="Corbel" panose="020B0503020204020204" pitchFamily="34" charset="0"/>
-            </a:endParaRPr>
+            <a:pPr algn="ctr"/>
+            <a:endParaRPr lang="de-DE"/>
           </a:p>
         </p:txBody>
       </p:sp>
     </p:spTree>
     <p:extLst>
       <p:ext uri="{BB962C8B-B14F-4D97-AF65-F5344CB8AC3E}">
-        <p14:creationId xmlns:p14="http://schemas.microsoft.com/office/powerpoint/2010/main" val="497035229"/>
+        <p14:creationId xmlns:p14="http://schemas.microsoft.com/office/powerpoint/2010/main" val="1927076411"/>
       </p:ext>
     </p:extLst>
   </p:cSld>
@@ -9487,77 +10227,350 @@
       </p:grpSpPr>
       <p:sp>
         <p:nvSpPr>
-          <p:cNvPr id="22" name="Textfeld 21">
-            <a:extLst>
-              <a:ext uri="{FF2B5EF4-FFF2-40B4-BE49-F238E27FC236}">
-                <a16:creationId xmlns:a16="http://schemas.microsoft.com/office/drawing/2014/main" id="{19352CF6-0F22-45A8-B28B-37FAFCE5C5D6}"/>
-              </a:ext>
-            </a:extLst>
-          </p:cNvPr>
-          <p:cNvSpPr txBox="1"/>
-          <p:nvPr/>
+          <p:cNvPr id="2" name="Titel 1">
+            <a:extLst>
+              <a:ext uri="{FF2B5EF4-FFF2-40B4-BE49-F238E27FC236}">
+                <a16:creationId xmlns:a16="http://schemas.microsoft.com/office/drawing/2014/main" id="{EA54CF6B-B10C-4735-B257-CDDB3C8EA3F6}"/>
+              </a:ext>
+            </a:extLst>
+          </p:cNvPr>
+          <p:cNvSpPr>
+            <a:spLocks noGrp="1"/>
+          </p:cNvSpPr>
+          <p:nvPr>
+            <p:ph type="title"/>
+          </p:nvPr>
+        </p:nvSpPr>
+        <p:spPr/>
+        <p:txBody>
+          <a:bodyPr/>
+          <a:lstStyle/>
+          <a:p>
+            <a:r>
+              <a:rPr lang="de-DE" dirty="0"/>
+              <a:t>Benötigte Funktionen</a:t>
+            </a:r>
+          </a:p>
+        </p:txBody>
+      </p:sp>
+      <p:sp>
+        <p:nvSpPr>
+          <p:cNvPr id="3" name="Foliennummernplatzhalter 2">
+            <a:extLst>
+              <a:ext uri="{FF2B5EF4-FFF2-40B4-BE49-F238E27FC236}">
+                <a16:creationId xmlns:a16="http://schemas.microsoft.com/office/drawing/2014/main" id="{88071F06-B6F6-4E7D-97ED-79D91287B15D}"/>
+              </a:ext>
+            </a:extLst>
+          </p:cNvPr>
+          <p:cNvSpPr>
+            <a:spLocks noGrp="1"/>
+          </p:cNvSpPr>
+          <p:nvPr>
+            <p:ph type="sldNum" sz="quarter" idx="33"/>
+          </p:nvPr>
+        </p:nvSpPr>
+        <p:spPr/>
+        <p:txBody>
+          <a:bodyPr/>
+          <a:lstStyle/>
+          <a:p>
+            <a:pPr rtl="0"/>
+            <a:fld id="{19B51A1E-902D-48AF-9020-955120F399B6}" type="slidenum">
+              <a:rPr lang="de-DE" noProof="0" smtClean="0"/>
+              <a:pPr rtl="0"/>
+              <a:t>5</a:t>
+            </a:fld>
+            <a:endParaRPr lang="de-DE" noProof="0"/>
+          </a:p>
+        </p:txBody>
+      </p:sp>
+      <p:sp>
+        <p:nvSpPr>
+          <p:cNvPr id="4" name="Inhaltsplatzhalter 3">
+            <a:extLst>
+              <a:ext uri="{FF2B5EF4-FFF2-40B4-BE49-F238E27FC236}">
+                <a16:creationId xmlns:a16="http://schemas.microsoft.com/office/drawing/2014/main" id="{0C4D8DE7-85ED-4221-AD32-3A7A5B47185B}"/>
+              </a:ext>
+            </a:extLst>
+          </p:cNvPr>
+          <p:cNvSpPr>
+            <a:spLocks noGrp="1"/>
+          </p:cNvSpPr>
+          <p:nvPr>
+            <p:ph idx="1"/>
+          </p:nvPr>
         </p:nvSpPr>
         <p:spPr>
           <a:xfrm>
-            <a:off x="10251642" y="182562"/>
-            <a:ext cx="1662546" cy="404658"/>
+            <a:off x="432000" y="1046375"/>
+            <a:ext cx="9198000" cy="5739436"/>
+          </a:xfrm>
+        </p:spPr>
+        <p:txBody>
+          <a:bodyPr/>
+          <a:lstStyle/>
+          <a:p>
+            <a:pPr marL="0" indent="0">
+              <a:lnSpc>
+                <a:spcPct val="107000"/>
+              </a:lnSpc>
+              <a:spcAft>
+                <a:spcPts val="800"/>
+              </a:spcAft>
+              <a:buNone/>
+            </a:pPr>
+            <a:r>
+              <a:rPr lang="de-DE" sz="2400" b="1" u="sng" dirty="0">
+                <a:effectLst/>
+                <a:latin typeface="Calibri" panose="020F0502020204030204" pitchFamily="34" charset="0"/>
+                <a:ea typeface="Calibri" panose="020F0502020204030204" pitchFamily="34" charset="0"/>
+              </a:rPr>
+              <a:t>Spielablauf</a:t>
+            </a:r>
+          </a:p>
+          <a:p>
+            <a:pPr marL="0" indent="0">
+              <a:lnSpc>
+                <a:spcPct val="107000"/>
+              </a:lnSpc>
+              <a:spcAft>
+                <a:spcPts val="800"/>
+              </a:spcAft>
+              <a:buNone/>
+            </a:pPr>
+            <a:r>
+              <a:rPr lang="de-DE" sz="1800" b="1" dirty="0">
+                <a:effectLst/>
+                <a:latin typeface="Calibri" panose="020F0502020204030204" pitchFamily="34" charset="0"/>
+                <a:ea typeface="Calibri" panose="020F0502020204030204" pitchFamily="34" charset="0"/>
+              </a:rPr>
+              <a:t>Funktionen:</a:t>
+            </a:r>
+          </a:p>
+          <a:p>
+            <a:pPr>
+              <a:lnSpc>
+                <a:spcPct val="107000"/>
+              </a:lnSpc>
+              <a:spcAft>
+                <a:spcPts val="800"/>
+              </a:spcAft>
+            </a:pPr>
+            <a:r>
+              <a:rPr lang="de-DE" sz="1800" dirty="0">
+                <a:effectLst/>
+                <a:latin typeface="Calibri" panose="020F0502020204030204" pitchFamily="34" charset="0"/>
+                <a:ea typeface="Calibri" panose="020F0502020204030204" pitchFamily="34" charset="0"/>
+              </a:rPr>
+              <a:t>„</a:t>
+            </a:r>
+            <a:r>
+              <a:rPr lang="de-DE" sz="1800" dirty="0" err="1">
+                <a:effectLst/>
+                <a:latin typeface="Calibri" panose="020F0502020204030204" pitchFamily="34" charset="0"/>
+                <a:ea typeface="Calibri" panose="020F0502020204030204" pitchFamily="34" charset="0"/>
+              </a:rPr>
+              <a:t>zeichneSpiel</a:t>
+            </a:r>
+            <a:r>
+              <a:rPr lang="de-DE" sz="1800" dirty="0">
+                <a:effectLst/>
+                <a:latin typeface="Calibri" panose="020F0502020204030204" pitchFamily="34" charset="0"/>
+                <a:ea typeface="Calibri" panose="020F0502020204030204" pitchFamily="34" charset="0"/>
+              </a:rPr>
+              <a:t>“, um die Zeichnung dann auch ausgeben zu können</a:t>
+            </a:r>
+          </a:p>
+          <a:p>
+            <a:pPr>
+              <a:lnSpc>
+                <a:spcPct val="107000"/>
+              </a:lnSpc>
+              <a:spcAft>
+                <a:spcPts val="800"/>
+              </a:spcAft>
+            </a:pPr>
+            <a:r>
+              <a:rPr lang="de-DE" dirty="0">
+                <a:latin typeface="Calibri" panose="020F0502020204030204" pitchFamily="34" charset="0"/>
+                <a:ea typeface="Calibri" panose="020F0502020204030204" pitchFamily="34" charset="0"/>
+              </a:rPr>
+              <a:t>„</a:t>
+            </a:r>
+            <a:r>
+              <a:rPr lang="de-DE" dirty="0" err="1">
+                <a:latin typeface="Calibri" panose="020F0502020204030204" pitchFamily="34" charset="0"/>
+                <a:ea typeface="Calibri" panose="020F0502020204030204" pitchFamily="34" charset="0"/>
+              </a:rPr>
+              <a:t>vergleichechar</a:t>
+            </a:r>
+            <a:r>
+              <a:rPr lang="de-DE" dirty="0">
+                <a:latin typeface="Calibri" panose="020F0502020204030204" pitchFamily="34" charset="0"/>
+                <a:ea typeface="Calibri" panose="020F0502020204030204" pitchFamily="34" charset="0"/>
+              </a:rPr>
+              <a:t>“</a:t>
+            </a:r>
+          </a:p>
+          <a:p>
+            <a:pPr>
+              <a:lnSpc>
+                <a:spcPct val="107000"/>
+              </a:lnSpc>
+              <a:spcAft>
+                <a:spcPts val="800"/>
+              </a:spcAft>
+            </a:pPr>
+            <a:r>
+              <a:rPr lang="de-DE" dirty="0">
+                <a:latin typeface="Calibri" panose="020F0502020204030204" pitchFamily="34" charset="0"/>
+                <a:ea typeface="Calibri" panose="020F0502020204030204" pitchFamily="34" charset="0"/>
+              </a:rPr>
+              <a:t>„Schonversucht“</a:t>
+            </a:r>
+          </a:p>
+          <a:p>
+            <a:pPr>
+              <a:lnSpc>
+                <a:spcPct val="107000"/>
+              </a:lnSpc>
+              <a:spcAft>
+                <a:spcPts val="800"/>
+              </a:spcAft>
+            </a:pPr>
+            <a:r>
+              <a:rPr lang="de-DE" dirty="0">
+                <a:latin typeface="Calibri" panose="020F0502020204030204" pitchFamily="34" charset="0"/>
+                <a:ea typeface="Calibri" panose="020F0502020204030204" pitchFamily="34" charset="0"/>
+              </a:rPr>
+              <a:t>„</a:t>
+            </a:r>
+            <a:r>
+              <a:rPr lang="de-DE" dirty="0" err="1">
+                <a:latin typeface="Calibri" panose="020F0502020204030204" pitchFamily="34" charset="0"/>
+                <a:ea typeface="Calibri" panose="020F0502020204030204" pitchFamily="34" charset="0"/>
+              </a:rPr>
+              <a:t>getstatus</a:t>
+            </a:r>
+            <a:r>
+              <a:rPr lang="de-DE" dirty="0">
+                <a:latin typeface="Calibri" panose="020F0502020204030204" pitchFamily="34" charset="0"/>
+                <a:ea typeface="Calibri" panose="020F0502020204030204" pitchFamily="34" charset="0"/>
+              </a:rPr>
+              <a:t>“ aktueller Spielstatus</a:t>
+            </a:r>
+          </a:p>
+          <a:p>
+            <a:pPr>
+              <a:lnSpc>
+                <a:spcPct val="107000"/>
+              </a:lnSpc>
+              <a:spcAft>
+                <a:spcPts val="800"/>
+              </a:spcAft>
+            </a:pPr>
+            <a:r>
+              <a:rPr lang="de-DE" dirty="0">
+                <a:latin typeface="Calibri" panose="020F0502020204030204" pitchFamily="34" charset="0"/>
+                <a:ea typeface="Calibri" panose="020F0502020204030204" pitchFamily="34" charset="0"/>
+              </a:rPr>
+              <a:t>„</a:t>
+            </a:r>
+            <a:r>
+              <a:rPr lang="de-DE" sz="1800" dirty="0">
+                <a:effectLst/>
+                <a:latin typeface="Calibri" panose="020F0502020204030204" pitchFamily="34" charset="0"/>
+                <a:ea typeface="Calibri" panose="020F0502020204030204" pitchFamily="34" charset="0"/>
+              </a:rPr>
+              <a:t>Hurra! Deine Eingabe war richtig!”, wenn Eingabe richtig war</a:t>
+            </a:r>
+          </a:p>
+          <a:p>
+            <a:pPr>
+              <a:lnSpc>
+                <a:spcPct val="107000"/>
+              </a:lnSpc>
+              <a:spcAft>
+                <a:spcPts val="800"/>
+              </a:spcAft>
+            </a:pPr>
+            <a:r>
+              <a:rPr lang="de-DE" dirty="0">
+                <a:latin typeface="Calibri" panose="020F0502020204030204" pitchFamily="34" charset="0"/>
+                <a:ea typeface="Calibri" panose="020F0502020204030204" pitchFamily="34" charset="0"/>
+              </a:rPr>
+              <a:t>„Das war leider falsch“, wenn Eingabe falsch war</a:t>
+            </a:r>
+            <a:endParaRPr lang="de-DE" sz="1800" dirty="0">
+              <a:effectLst/>
+              <a:latin typeface="Calibri" panose="020F0502020204030204" pitchFamily="34" charset="0"/>
+              <a:ea typeface="Calibri" panose="020F0502020204030204" pitchFamily="34" charset="0"/>
+            </a:endParaRPr>
+          </a:p>
+          <a:p>
+            <a:pPr marL="0" indent="0">
+              <a:buNone/>
+            </a:pPr>
+            <a:endParaRPr lang="de-DE" dirty="0"/>
+          </a:p>
+        </p:txBody>
+      </p:sp>
+      <p:sp>
+        <p:nvSpPr>
+          <p:cNvPr id="5" name="Rechteck 4">
+            <a:extLst>
+              <a:ext uri="{FF2B5EF4-FFF2-40B4-BE49-F238E27FC236}">
+                <a16:creationId xmlns:a16="http://schemas.microsoft.com/office/drawing/2014/main" id="{E1EA9DF8-961A-4A9C-8D9D-EB878DA88287}"/>
+              </a:ext>
+            </a:extLst>
+          </p:cNvPr>
+          <p:cNvSpPr/>
+          <p:nvPr/>
+        </p:nvSpPr>
+        <p:spPr>
+          <a:xfrm>
+            <a:off x="10090341" y="6176963"/>
+            <a:ext cx="1299411" cy="608848"/>
           </a:xfrm>
           <a:prstGeom prst="rect">
             <a:avLst/>
           </a:prstGeom>
-          <a:noFill/>
+          <a:solidFill>
+            <a:schemeClr val="bg1"/>
+          </a:solidFill>
+          <a:ln>
+            <a:noFill/>
+          </a:ln>
         </p:spPr>
-        <p:txBody>
-          <a:bodyPr wrap="square" lIns="0" tIns="36000" rIns="0" bIns="0" rtlCol="0">
-            <a:spAutoFit/>
-          </a:bodyPr>
+        <p:style>
+          <a:lnRef idx="2">
+            <a:schemeClr val="accent1">
+              <a:shade val="50000"/>
+            </a:schemeClr>
+          </a:lnRef>
+          <a:fillRef idx="1">
+            <a:schemeClr val="accent1"/>
+          </a:fillRef>
+          <a:effectRef idx="0">
+            <a:schemeClr val="accent1"/>
+          </a:effectRef>
+          <a:fontRef idx="minor">
+            <a:schemeClr val="lt1"/>
+          </a:fontRef>
+        </p:style>
+        <p:txBody>
+          <a:bodyPr rtlCol="0" anchor="ctr"/>
           <a:lstStyle/>
           <a:p>
-            <a:pPr algn="r" rtl="0">
-              <a:lnSpc>
-                <a:spcPts val="1400"/>
-              </a:lnSpc>
-            </a:pPr>
-            <a:r>
-              <a:rPr lang="de-DE" sz="1600" b="1" spc="-100" dirty="0">
-                <a:solidFill>
-                  <a:schemeClr val="tx1">
-                    <a:lumMod val="50000"/>
-                    <a:lumOff val="50000"/>
-                  </a:schemeClr>
-                </a:solidFill>
-                <a:latin typeface="Corbel" panose="020B0503020204020204" pitchFamily="34" charset="0"/>
-              </a:rPr>
-              <a:t>Programmieren</a:t>
-            </a:r>
-            <a:r>
-              <a:rPr lang="de-DE" sz="1600" b="1" spc="-100" dirty="0">
-                <a:solidFill>
-                  <a:schemeClr val="accent1"/>
-                </a:solidFill>
-                <a:latin typeface="Corbel" panose="020B0503020204020204" pitchFamily="34" charset="0"/>
-              </a:rPr>
-              <a:t> </a:t>
-            </a:r>
-            <a:r>
-              <a:rPr lang="de-DE" sz="1600" b="1" spc="-100" dirty="0">
-                <a:latin typeface="Corbel" panose="020B0503020204020204" pitchFamily="34" charset="0"/>
-              </a:rPr>
-              <a:t>ON22</a:t>
-            </a:r>
-            <a:endParaRPr lang="de-DE" sz="1600" b="1" spc="-100" dirty="0">
-              <a:solidFill>
-                <a:schemeClr val="tx1"/>
-              </a:solidFill>
-              <a:latin typeface="Corbel" panose="020B0503020204020204" pitchFamily="34" charset="0"/>
-            </a:endParaRPr>
+            <a:pPr algn="ctr"/>
+            <a:endParaRPr lang="de-DE"/>
           </a:p>
         </p:txBody>
       </p:sp>
     </p:spTree>
     <p:extLst>
       <p:ext uri="{BB962C8B-B14F-4D97-AF65-F5344CB8AC3E}">
-        <p14:creationId xmlns:p14="http://schemas.microsoft.com/office/powerpoint/2010/main" val="1228077506"/>
+        <p14:creationId xmlns:p14="http://schemas.microsoft.com/office/powerpoint/2010/main" val="3274982756"/>
       </p:ext>
     </p:extLst>
   </p:cSld>
@@ -9586,103 +10599,424 @@
       </p:grpSpPr>
       <p:sp>
         <p:nvSpPr>
-          <p:cNvPr id="20" name="Titel 19">
-            <a:extLst>
-              <a:ext uri="{FF2B5EF4-FFF2-40B4-BE49-F238E27FC236}">
-                <a16:creationId xmlns:a16="http://schemas.microsoft.com/office/drawing/2014/main" id="{F11A6B65-5A20-4F4D-ACBB-ED50132D4571}"/>
-              </a:ext>
-            </a:extLst>
-          </p:cNvPr>
-          <p:cNvSpPr>
-            <a:spLocks noGrp="1"/>
-          </p:cNvSpPr>
-          <p:nvPr>
-            <p:ph type="ctrTitle"/>
-          </p:nvPr>
-        </p:nvSpPr>
-        <p:spPr>
-          <a:xfrm>
-            <a:off x="2696875" y="2112793"/>
-            <a:ext cx="6798250" cy="1674470"/>
-          </a:xfrm>
-        </p:spPr>
-        <p:txBody>
-          <a:bodyPr rtlCol="0"/>
+          <p:cNvPr id="2" name="Titel 1">
+            <a:extLst>
+              <a:ext uri="{FF2B5EF4-FFF2-40B4-BE49-F238E27FC236}">
+                <a16:creationId xmlns:a16="http://schemas.microsoft.com/office/drawing/2014/main" id="{27F4C7B4-7678-4C85-8CBD-5AE147B21F84}"/>
+              </a:ext>
+            </a:extLst>
+          </p:cNvPr>
+          <p:cNvSpPr>
+            <a:spLocks noGrp="1"/>
+          </p:cNvSpPr>
+          <p:nvPr>
+            <p:ph type="title"/>
+          </p:nvPr>
+        </p:nvSpPr>
+        <p:spPr/>
+        <p:txBody>
+          <a:bodyPr/>
           <a:lstStyle/>
           <a:p>
+            <a:r>
+              <a:rPr lang="de-DE" dirty="0"/>
+              <a:t>Benötigte Funktionen</a:t>
+            </a:r>
+          </a:p>
+        </p:txBody>
+      </p:sp>
+      <p:sp>
+        <p:nvSpPr>
+          <p:cNvPr id="3" name="Foliennummernplatzhalter 2">
+            <a:extLst>
+              <a:ext uri="{FF2B5EF4-FFF2-40B4-BE49-F238E27FC236}">
+                <a16:creationId xmlns:a16="http://schemas.microsoft.com/office/drawing/2014/main" id="{C73B1146-D82F-42C9-A9B7-9567CC6A6A1D}"/>
+              </a:ext>
+            </a:extLst>
+          </p:cNvPr>
+          <p:cNvSpPr>
+            <a:spLocks noGrp="1"/>
+          </p:cNvSpPr>
+          <p:nvPr>
+            <p:ph type="sldNum" sz="quarter" idx="33"/>
+          </p:nvPr>
+        </p:nvSpPr>
+        <p:spPr/>
+        <p:txBody>
+          <a:bodyPr/>
+          <a:lstStyle/>
+          <a:p>
             <a:pPr rtl="0"/>
-            <a:r>
-              <a:rPr lang="de-DE" dirty="0"/>
-              <a:t>VIELEN DANK!</a:t>
-            </a:r>
-          </a:p>
-        </p:txBody>
-      </p:sp>
-      <p:sp>
-        <p:nvSpPr>
-          <p:cNvPr id="4" name="Textplatzhalter 3">
-            <a:extLst>
-              <a:ext uri="{FF2B5EF4-FFF2-40B4-BE49-F238E27FC236}">
-                <a16:creationId xmlns:a16="http://schemas.microsoft.com/office/drawing/2014/main" id="{60828E04-9C2A-4859-8050-C2DF67A249CB}"/>
-              </a:ext>
-            </a:extLst>
-          </p:cNvPr>
-          <p:cNvSpPr>
-            <a:spLocks noGrp="1"/>
-          </p:cNvSpPr>
-          <p:nvPr>
-            <p:ph type="body" sz="quarter" idx="15"/>
-          </p:nvPr>
-        </p:nvSpPr>
-        <p:spPr>
-          <a:xfrm>
-            <a:off x="1588625" y="3986566"/>
-            <a:ext cx="9014750" cy="447783"/>
-          </a:xfrm>
-        </p:spPr>
-        <p:txBody>
-          <a:bodyPr rtlCol="0"/>
+            <a:fld id="{19B51A1E-902D-48AF-9020-955120F399B6}" type="slidenum">
+              <a:rPr lang="de-DE" noProof="0" smtClean="0"/>
+              <a:pPr rtl="0"/>
+              <a:t>6</a:t>
+            </a:fld>
+            <a:endParaRPr lang="de-DE" noProof="0"/>
+          </a:p>
+        </p:txBody>
+      </p:sp>
+      <p:sp>
+        <p:nvSpPr>
+          <p:cNvPr id="4" name="Inhaltsplatzhalter 3">
+            <a:extLst>
+              <a:ext uri="{FF2B5EF4-FFF2-40B4-BE49-F238E27FC236}">
+                <a16:creationId xmlns:a16="http://schemas.microsoft.com/office/drawing/2014/main" id="{1C7DA80F-C068-4541-88E7-B863D573A0E2}"/>
+              </a:ext>
+            </a:extLst>
+          </p:cNvPr>
+          <p:cNvSpPr>
+            <a:spLocks noGrp="1"/>
+          </p:cNvSpPr>
+          <p:nvPr>
+            <p:ph idx="1"/>
+          </p:nvPr>
+        </p:nvSpPr>
+        <p:spPr/>
+        <p:txBody>
+          <a:bodyPr/>
           <a:lstStyle/>
           <a:p>
-            <a:pPr algn="ctr" rtl="0"/>
-            <a:r>
-              <a:rPr lang="de-DE" dirty="0"/>
-              <a:t>Celine Gugel, Lena Steinbrink, Valentin Müller, </a:t>
-            </a:r>
-          </a:p>
-          <a:p>
-            <a:pPr algn="ctr" rtl="0"/>
-            <a:r>
-              <a:rPr lang="de-DE" dirty="0"/>
-              <a:t>Jannik Oßwald , Thi </a:t>
-            </a:r>
-            <a:r>
-              <a:rPr lang="de-DE" dirty="0" err="1"/>
-              <a:t>Tuong</a:t>
-            </a:r>
-            <a:r>
-              <a:rPr lang="de-DE" dirty="0"/>
+            <a:pPr marL="0" indent="0">
+              <a:lnSpc>
+                <a:spcPct val="107000"/>
+              </a:lnSpc>
+              <a:spcAft>
+                <a:spcPts val="800"/>
+              </a:spcAft>
+              <a:buNone/>
+            </a:pPr>
+            <a:r>
+              <a:rPr lang="de-DE" sz="1800" b="1" dirty="0">
+                <a:effectLst/>
+                <a:latin typeface="Calibri" panose="020F0502020204030204" pitchFamily="34" charset="0"/>
+                <a:ea typeface="Calibri" panose="020F0502020204030204" pitchFamily="34" charset="0"/>
+              </a:rPr>
+              <a:t>Variablen:</a:t>
+            </a:r>
+          </a:p>
+          <a:p>
+            <a:pPr>
+              <a:lnSpc>
+                <a:spcPct val="107000"/>
+              </a:lnSpc>
+              <a:spcAft>
+                <a:spcPts val="800"/>
+              </a:spcAft>
+            </a:pPr>
+            <a:r>
+              <a:rPr lang="de-DE" sz="1800" i="1" dirty="0" err="1">
+                <a:solidFill>
+                  <a:srgbClr val="000000"/>
+                </a:solidFill>
+                <a:effectLst/>
+                <a:latin typeface="Calibri" panose="020F0502020204030204" pitchFamily="34" charset="0"/>
+                <a:ea typeface="Calibri" panose="020F0502020204030204" pitchFamily="34" charset="0"/>
+              </a:rPr>
+              <a:t>anzahlFalscheBuchstaben</a:t>
+            </a:r>
+            <a:r>
+              <a:rPr lang="de-DE" sz="1800" i="1" dirty="0">
+                <a:solidFill>
+                  <a:srgbClr val="000000"/>
+                </a:solidFill>
+                <a:effectLst/>
+                <a:latin typeface="Calibri" panose="020F0502020204030204" pitchFamily="34" charset="0"/>
+                <a:ea typeface="Calibri" panose="020F0502020204030204" pitchFamily="34" charset="0"/>
+              </a:rPr>
+              <a:t> (</a:t>
+            </a:r>
+            <a:r>
+              <a:rPr lang="de-DE" sz="1800" i="1" u="sng" dirty="0" err="1">
+                <a:solidFill>
+                  <a:srgbClr val="000000"/>
+                </a:solidFill>
+                <a:effectLst/>
+                <a:latin typeface="Calibri" panose="020F0502020204030204" pitchFamily="34" charset="0"/>
+                <a:ea typeface="Calibri" panose="020F0502020204030204" pitchFamily="34" charset="0"/>
+              </a:rPr>
+              <a:t>int</a:t>
+            </a:r>
+            <a:r>
+              <a:rPr lang="de-DE" sz="1800" i="1" dirty="0">
+                <a:solidFill>
+                  <a:srgbClr val="000000"/>
+                </a:solidFill>
+                <a:effectLst/>
+                <a:latin typeface="Calibri" panose="020F0502020204030204" pitchFamily="34" charset="0"/>
+                <a:ea typeface="Calibri" panose="020F0502020204030204" pitchFamily="34" charset="0"/>
+              </a:rPr>
+              <a:t>)</a:t>
+            </a:r>
+            <a:endParaRPr lang="de-DE" i="1" dirty="0">
+              <a:solidFill>
+                <a:srgbClr val="000000"/>
+              </a:solidFill>
+              <a:latin typeface="Calibri" panose="020F0502020204030204" pitchFamily="34" charset="0"/>
+              <a:ea typeface="Calibri" panose="020F0502020204030204" pitchFamily="34" charset="0"/>
+            </a:endParaRPr>
+          </a:p>
+          <a:p>
+            <a:pPr>
+              <a:lnSpc>
+                <a:spcPct val="107000"/>
+              </a:lnSpc>
+              <a:spcAft>
+                <a:spcPts val="800"/>
+              </a:spcAft>
+            </a:pPr>
+            <a:r>
+              <a:rPr lang="de-DE" sz="1800" i="1" dirty="0">
+                <a:solidFill>
+                  <a:srgbClr val="000000"/>
+                </a:solidFill>
+                <a:effectLst/>
+                <a:latin typeface="Calibri" panose="020F0502020204030204" pitchFamily="34" charset="0"/>
+                <a:ea typeface="Calibri" panose="020F0502020204030204" pitchFamily="34" charset="0"/>
+              </a:rPr>
               <a:t> </a:t>
             </a:r>
             <a:r>
-              <a:rPr lang="de-DE" dirty="0" err="1"/>
-              <a:t>Vy</a:t>
-            </a:r>
-            <a:r>
-              <a:rPr lang="de-DE" dirty="0"/>
-              <a:t> Nguyen</a:t>
-            </a:r>
-            <a:br>
-              <a:rPr lang="de-DE" dirty="0"/>
-            </a:br>
+              <a:rPr lang="de-DE" sz="1800" i="1" dirty="0" err="1">
+                <a:solidFill>
+                  <a:srgbClr val="000000"/>
+                </a:solidFill>
+                <a:effectLst/>
+                <a:latin typeface="Calibri" panose="020F0502020204030204" pitchFamily="34" charset="0"/>
+                <a:ea typeface="Calibri" panose="020F0502020204030204" pitchFamily="34" charset="0"/>
+              </a:rPr>
+              <a:t>spielVerloren</a:t>
+            </a:r>
+            <a:r>
+              <a:rPr lang="de-DE" sz="1800" i="1" dirty="0">
+                <a:solidFill>
+                  <a:srgbClr val="000000"/>
+                </a:solidFill>
+                <a:effectLst/>
+                <a:latin typeface="Calibri" panose="020F0502020204030204" pitchFamily="34" charset="0"/>
+                <a:ea typeface="Calibri" panose="020F0502020204030204" pitchFamily="34" charset="0"/>
+              </a:rPr>
+              <a:t> (</a:t>
+            </a:r>
+            <a:r>
+              <a:rPr lang="de-DE" sz="1800" i="1" dirty="0" err="1">
+                <a:solidFill>
+                  <a:srgbClr val="000000"/>
+                </a:solidFill>
+                <a:effectLst/>
+                <a:latin typeface="Calibri" panose="020F0502020204030204" pitchFamily="34" charset="0"/>
+                <a:ea typeface="Calibri" panose="020F0502020204030204" pitchFamily="34" charset="0"/>
+              </a:rPr>
+              <a:t>boolean</a:t>
+            </a:r>
+            <a:r>
+              <a:rPr lang="de-DE" sz="1800" i="1" dirty="0">
+                <a:solidFill>
+                  <a:srgbClr val="000000"/>
+                </a:solidFill>
+                <a:effectLst/>
+                <a:latin typeface="Calibri" panose="020F0502020204030204" pitchFamily="34" charset="0"/>
+                <a:ea typeface="Calibri" panose="020F0502020204030204" pitchFamily="34" charset="0"/>
+              </a:rPr>
+              <a:t>)</a:t>
+            </a:r>
+            <a:endParaRPr lang="de-DE" i="1" dirty="0">
+              <a:solidFill>
+                <a:srgbClr val="000000"/>
+              </a:solidFill>
+              <a:latin typeface="Calibri" panose="020F0502020204030204" pitchFamily="34" charset="0"/>
+              <a:ea typeface="Calibri" panose="020F0502020204030204" pitchFamily="34" charset="0"/>
+            </a:endParaRPr>
+          </a:p>
+          <a:p>
+            <a:pPr>
+              <a:lnSpc>
+                <a:spcPct val="107000"/>
+              </a:lnSpc>
+              <a:spcAft>
+                <a:spcPts val="800"/>
+              </a:spcAft>
+            </a:pPr>
+            <a:r>
+              <a:rPr lang="de-DE" sz="1800" i="1" dirty="0" err="1">
+                <a:solidFill>
+                  <a:srgbClr val="000000"/>
+                </a:solidFill>
+                <a:effectLst/>
+                <a:latin typeface="Calibri" panose="020F0502020204030204" pitchFamily="34" charset="0"/>
+                <a:ea typeface="Calibri" panose="020F0502020204030204" pitchFamily="34" charset="0"/>
+              </a:rPr>
+              <a:t>spielGewonnen</a:t>
+            </a:r>
+            <a:r>
+              <a:rPr lang="de-DE" sz="1800" i="1" dirty="0">
+                <a:solidFill>
+                  <a:srgbClr val="000000"/>
+                </a:solidFill>
+                <a:effectLst/>
+                <a:latin typeface="Calibri" panose="020F0502020204030204" pitchFamily="34" charset="0"/>
+                <a:ea typeface="Calibri" panose="020F0502020204030204" pitchFamily="34" charset="0"/>
+              </a:rPr>
+              <a:t> (</a:t>
+            </a:r>
+            <a:r>
+              <a:rPr lang="de-DE" sz="1800" i="1" dirty="0" err="1">
+                <a:solidFill>
+                  <a:srgbClr val="000000"/>
+                </a:solidFill>
+                <a:effectLst/>
+                <a:latin typeface="Calibri" panose="020F0502020204030204" pitchFamily="34" charset="0"/>
+                <a:ea typeface="Calibri" panose="020F0502020204030204" pitchFamily="34" charset="0"/>
+              </a:rPr>
+              <a:t>boolean</a:t>
+            </a:r>
+            <a:r>
+              <a:rPr lang="de-DE" sz="1800" i="1" dirty="0">
+                <a:solidFill>
+                  <a:srgbClr val="000000"/>
+                </a:solidFill>
+                <a:effectLst/>
+                <a:latin typeface="Calibri" panose="020F0502020204030204" pitchFamily="34" charset="0"/>
+                <a:ea typeface="Calibri" panose="020F0502020204030204" pitchFamily="34" charset="0"/>
+              </a:rPr>
+              <a:t>)</a:t>
+            </a:r>
+            <a:endParaRPr lang="de-DE" i="1" dirty="0">
+              <a:solidFill>
+                <a:srgbClr val="000000"/>
+              </a:solidFill>
+              <a:latin typeface="Calibri" panose="020F0502020204030204" pitchFamily="34" charset="0"/>
+              <a:ea typeface="Calibri" panose="020F0502020204030204" pitchFamily="34" charset="0"/>
+            </a:endParaRPr>
+          </a:p>
+          <a:p>
+            <a:pPr>
+              <a:lnSpc>
+                <a:spcPct val="107000"/>
+              </a:lnSpc>
+              <a:spcAft>
+                <a:spcPts val="800"/>
+              </a:spcAft>
+            </a:pPr>
+            <a:r>
+              <a:rPr lang="de-DE" sz="1800" i="1" dirty="0" err="1">
+                <a:solidFill>
+                  <a:srgbClr val="000000"/>
+                </a:solidFill>
+                <a:effectLst/>
+                <a:latin typeface="Calibri" panose="020F0502020204030204" pitchFamily="34" charset="0"/>
+                <a:ea typeface="Calibri" panose="020F0502020204030204" pitchFamily="34" charset="0"/>
+              </a:rPr>
+              <a:t>arrFalscheBuchstaben</a:t>
+            </a:r>
+            <a:endParaRPr lang="de-DE" i="1" dirty="0">
+              <a:solidFill>
+                <a:srgbClr val="000000"/>
+              </a:solidFill>
+              <a:latin typeface="Calibri" panose="020F0502020204030204" pitchFamily="34" charset="0"/>
+              <a:ea typeface="Calibri" panose="020F0502020204030204" pitchFamily="34" charset="0"/>
+            </a:endParaRPr>
+          </a:p>
+          <a:p>
+            <a:pPr>
+              <a:lnSpc>
+                <a:spcPct val="107000"/>
+              </a:lnSpc>
+              <a:spcAft>
+                <a:spcPts val="800"/>
+              </a:spcAft>
+            </a:pPr>
+            <a:r>
+              <a:rPr lang="de-DE" sz="1800" i="1" dirty="0" err="1">
+                <a:solidFill>
+                  <a:srgbClr val="000000"/>
+                </a:solidFill>
+                <a:effectLst/>
+                <a:latin typeface="Calibri" panose="020F0502020204030204" pitchFamily="34" charset="0"/>
+                <a:ea typeface="Calibri" panose="020F0502020204030204" pitchFamily="34" charset="0"/>
+              </a:rPr>
+              <a:t>arrGegebeneWörter</a:t>
+            </a:r>
+            <a:endParaRPr lang="de-DE" sz="1800" i="1" dirty="0">
+              <a:solidFill>
+                <a:srgbClr val="000000"/>
+              </a:solidFill>
+              <a:effectLst/>
+              <a:latin typeface="Calibri" panose="020F0502020204030204" pitchFamily="34" charset="0"/>
+              <a:ea typeface="Calibri" panose="020F0502020204030204" pitchFamily="34" charset="0"/>
+            </a:endParaRPr>
+          </a:p>
+          <a:p>
+            <a:pPr>
+              <a:lnSpc>
+                <a:spcPct val="107000"/>
+              </a:lnSpc>
+              <a:spcAft>
+                <a:spcPts val="800"/>
+              </a:spcAft>
+            </a:pPr>
+            <a:r>
+              <a:rPr lang="de-DE" sz="1800" i="1" dirty="0">
+                <a:solidFill>
+                  <a:srgbClr val="000000"/>
+                </a:solidFill>
+                <a:effectLst/>
+                <a:latin typeface="Calibri" panose="020F0502020204030204" pitchFamily="34" charset="0"/>
+                <a:ea typeface="Calibri" panose="020F0502020204030204" pitchFamily="34" charset="0"/>
+              </a:rPr>
+              <a:t>fina</a:t>
+            </a:r>
+            <a:r>
+              <a:rPr lang="de-DE" i="1" dirty="0">
+                <a:solidFill>
+                  <a:srgbClr val="000000"/>
+                </a:solidFill>
+                <a:latin typeface="Calibri" panose="020F0502020204030204" pitchFamily="34" charset="0"/>
+                <a:ea typeface="Calibri" panose="020F0502020204030204" pitchFamily="34" charset="0"/>
+              </a:rPr>
+              <a:t>l </a:t>
+            </a:r>
+            <a:endParaRPr lang="de-DE" sz="1800" dirty="0">
+              <a:effectLst/>
+              <a:latin typeface="Calibri" panose="020F0502020204030204" pitchFamily="34" charset="0"/>
+              <a:ea typeface="Calibri" panose="020F0502020204030204" pitchFamily="34" charset="0"/>
+            </a:endParaRPr>
+          </a:p>
+          <a:p>
             <a:endParaRPr lang="de-DE" dirty="0"/>
           </a:p>
-          <a:p>
-            <a:pPr rtl="0"/>
-            <a:endParaRPr lang="de-DE" dirty="0"/>
-          </a:p>
-        </p:txBody>
-      </p:sp>
+        </p:txBody>
+      </p:sp>
+    </p:spTree>
+    <p:extLst>
+      <p:ext uri="{BB962C8B-B14F-4D97-AF65-F5344CB8AC3E}">
+        <p14:creationId xmlns:p14="http://schemas.microsoft.com/office/powerpoint/2010/main" val="1063012907"/>
+      </p:ext>
+    </p:extLst>
+  </p:cSld>
+  <p:clrMapOvr>
+    <a:masterClrMapping/>
+  </p:clrMapOvr>
+</p:sld>
+</file>
+
+<file path=ppt/slides/slide7.xml><?xml version="1.0" encoding="utf-8"?>
+<p:sld xmlns:a="http://schemas.openxmlformats.org/drawingml/2006/main" xmlns:r="http://schemas.openxmlformats.org/officeDocument/2006/relationships" xmlns:p="http://schemas.openxmlformats.org/presentationml/2006/main">
+  <p:cSld>
+    <p:spTree>
+      <p:nvGrpSpPr>
+        <p:cNvPr id="1" name=""/>
+        <p:cNvGrpSpPr/>
+        <p:nvPr/>
+      </p:nvGrpSpPr>
+      <p:grpSpPr>
+        <a:xfrm>
+          <a:off x="0" y="0"/>
+          <a:ext cx="0" cy="0"/>
+          <a:chOff x="0" y="0"/>
+          <a:chExt cx="0" cy="0"/>
+        </a:xfrm>
+      </p:grpSpPr>
       <p:sp>
         <p:nvSpPr>
           <p:cNvPr id="22" name="Textfeld 21">
@@ -9755,7 +11089,205 @@
     </p:spTree>
     <p:extLst>
       <p:ext uri="{BB962C8B-B14F-4D97-AF65-F5344CB8AC3E}">
-        <p14:creationId xmlns:p14="http://schemas.microsoft.com/office/powerpoint/2010/main" val="4153678306"/>
+        <p14:creationId xmlns:p14="http://schemas.microsoft.com/office/powerpoint/2010/main" val="2774107021"/>
+      </p:ext>
+    </p:extLst>
+  </p:cSld>
+  <p:clrMapOvr>
+    <a:masterClrMapping/>
+  </p:clrMapOvr>
+</p:sld>
+</file>
+
+<file path=ppt/slides/slide8.xml><?xml version="1.0" encoding="utf-8"?>
+<p:sld xmlns:a="http://schemas.openxmlformats.org/drawingml/2006/main" xmlns:r="http://schemas.openxmlformats.org/officeDocument/2006/relationships" xmlns:p="http://schemas.openxmlformats.org/presentationml/2006/main">
+  <p:cSld>
+    <p:spTree>
+      <p:nvGrpSpPr>
+        <p:cNvPr id="1" name=""/>
+        <p:cNvGrpSpPr/>
+        <p:nvPr/>
+      </p:nvGrpSpPr>
+      <p:grpSpPr>
+        <a:xfrm>
+          <a:off x="0" y="0"/>
+          <a:ext cx="0" cy="0"/>
+          <a:chOff x="0" y="0"/>
+          <a:chExt cx="0" cy="0"/>
+        </a:xfrm>
+      </p:grpSpPr>
+      <p:sp>
+        <p:nvSpPr>
+          <p:cNvPr id="22" name="Textfeld 21">
+            <a:extLst>
+              <a:ext uri="{FF2B5EF4-FFF2-40B4-BE49-F238E27FC236}">
+                <a16:creationId xmlns:a16="http://schemas.microsoft.com/office/drawing/2014/main" id="{19352CF6-0F22-45A8-B28B-37FAFCE5C5D6}"/>
+              </a:ext>
+            </a:extLst>
+          </p:cNvPr>
+          <p:cNvSpPr txBox="1"/>
+          <p:nvPr/>
+        </p:nvSpPr>
+        <p:spPr>
+          <a:xfrm>
+            <a:off x="10251642" y="182562"/>
+            <a:ext cx="1662546" cy="404658"/>
+          </a:xfrm>
+          <a:prstGeom prst="rect">
+            <a:avLst/>
+          </a:prstGeom>
+          <a:noFill/>
+        </p:spPr>
+        <p:txBody>
+          <a:bodyPr wrap="square" lIns="0" tIns="36000" rIns="0" bIns="0" rtlCol="0">
+            <a:spAutoFit/>
+          </a:bodyPr>
+          <a:lstStyle/>
+          <a:p>
+            <a:pPr algn="r" rtl="0">
+              <a:lnSpc>
+                <a:spcPts val="1400"/>
+              </a:lnSpc>
+            </a:pPr>
+            <a:r>
+              <a:rPr lang="de-DE" sz="1600" b="1" spc="-100" dirty="0">
+                <a:solidFill>
+                  <a:schemeClr val="tx1">
+                    <a:lumMod val="50000"/>
+                    <a:lumOff val="50000"/>
+                  </a:schemeClr>
+                </a:solidFill>
+                <a:latin typeface="Corbel" panose="020B0503020204020204" pitchFamily="34" charset="0"/>
+              </a:rPr>
+              <a:t>Programmieren</a:t>
+            </a:r>
+            <a:r>
+              <a:rPr lang="de-DE" sz="1600" b="1" spc="-100" dirty="0">
+                <a:solidFill>
+                  <a:schemeClr val="accent1"/>
+                </a:solidFill>
+                <a:latin typeface="Corbel" panose="020B0503020204020204" pitchFamily="34" charset="0"/>
+              </a:rPr>
+              <a:t> </a:t>
+            </a:r>
+            <a:r>
+              <a:rPr lang="de-DE" sz="1600" b="1" spc="-100" dirty="0">
+                <a:latin typeface="Corbel" panose="020B0503020204020204" pitchFamily="34" charset="0"/>
+              </a:rPr>
+              <a:t>ON22</a:t>
+            </a:r>
+            <a:endParaRPr lang="de-DE" sz="1600" b="1" spc="-100" dirty="0">
+              <a:solidFill>
+                <a:schemeClr val="tx1"/>
+              </a:solidFill>
+              <a:latin typeface="Corbel" panose="020B0503020204020204" pitchFamily="34" charset="0"/>
+            </a:endParaRPr>
+          </a:p>
+        </p:txBody>
+      </p:sp>
+    </p:spTree>
+    <p:extLst>
+      <p:ext uri="{BB962C8B-B14F-4D97-AF65-F5344CB8AC3E}">
+        <p14:creationId xmlns:p14="http://schemas.microsoft.com/office/powerpoint/2010/main" val="497035229"/>
+      </p:ext>
+    </p:extLst>
+  </p:cSld>
+  <p:clrMapOvr>
+    <a:masterClrMapping/>
+  </p:clrMapOvr>
+</p:sld>
+</file>
+
+<file path=ppt/slides/slide9.xml><?xml version="1.0" encoding="utf-8"?>
+<p:sld xmlns:a="http://schemas.openxmlformats.org/drawingml/2006/main" xmlns:r="http://schemas.openxmlformats.org/officeDocument/2006/relationships" xmlns:p="http://schemas.openxmlformats.org/presentationml/2006/main">
+  <p:cSld>
+    <p:spTree>
+      <p:nvGrpSpPr>
+        <p:cNvPr id="1" name=""/>
+        <p:cNvGrpSpPr/>
+        <p:nvPr/>
+      </p:nvGrpSpPr>
+      <p:grpSpPr>
+        <a:xfrm>
+          <a:off x="0" y="0"/>
+          <a:ext cx="0" cy="0"/>
+          <a:chOff x="0" y="0"/>
+          <a:chExt cx="0" cy="0"/>
+        </a:xfrm>
+      </p:grpSpPr>
+      <p:sp>
+        <p:nvSpPr>
+          <p:cNvPr id="22" name="Textfeld 21">
+            <a:extLst>
+              <a:ext uri="{FF2B5EF4-FFF2-40B4-BE49-F238E27FC236}">
+                <a16:creationId xmlns:a16="http://schemas.microsoft.com/office/drawing/2014/main" id="{19352CF6-0F22-45A8-B28B-37FAFCE5C5D6}"/>
+              </a:ext>
+            </a:extLst>
+          </p:cNvPr>
+          <p:cNvSpPr txBox="1"/>
+          <p:nvPr/>
+        </p:nvSpPr>
+        <p:spPr>
+          <a:xfrm>
+            <a:off x="10251642" y="182562"/>
+            <a:ext cx="1662546" cy="404658"/>
+          </a:xfrm>
+          <a:prstGeom prst="rect">
+            <a:avLst/>
+          </a:prstGeom>
+          <a:noFill/>
+        </p:spPr>
+        <p:txBody>
+          <a:bodyPr wrap="square" lIns="0" tIns="36000" rIns="0" bIns="0" rtlCol="0">
+            <a:spAutoFit/>
+          </a:bodyPr>
+          <a:lstStyle/>
+          <a:p>
+            <a:pPr algn="r" rtl="0">
+              <a:lnSpc>
+                <a:spcPts val="1400"/>
+              </a:lnSpc>
+            </a:pPr>
+            <a:r>
+              <a:rPr lang="de-DE" sz="1600" b="1" spc="-100" dirty="0">
+                <a:solidFill>
+                  <a:schemeClr val="tx1">
+                    <a:lumMod val="50000"/>
+                    <a:lumOff val="50000"/>
+                  </a:schemeClr>
+                </a:solidFill>
+                <a:latin typeface="Corbel" panose="020B0503020204020204" pitchFamily="34" charset="0"/>
+              </a:rPr>
+              <a:t>Programmieren</a:t>
+            </a:r>
+            <a:r>
+              <a:rPr lang="de-DE" sz="1600" b="1" spc="-100" dirty="0">
+                <a:solidFill>
+                  <a:schemeClr val="accent1"/>
+                </a:solidFill>
+                <a:latin typeface="Corbel" panose="020B0503020204020204" pitchFamily="34" charset="0"/>
+              </a:rPr>
+              <a:t> </a:t>
+            </a:r>
+            <a:r>
+              <a:rPr lang="de-DE" sz="1600" b="1" spc="-100" dirty="0">
+                <a:latin typeface="Corbel" panose="020B0503020204020204" pitchFamily="34" charset="0"/>
+              </a:rPr>
+              <a:t>ON22</a:t>
+            </a:r>
+            <a:endParaRPr lang="de-DE" sz="1600" b="1" spc="-100" dirty="0">
+              <a:solidFill>
+                <a:schemeClr val="tx1"/>
+              </a:solidFill>
+              <a:latin typeface="Corbel" panose="020B0503020204020204" pitchFamily="34" charset="0"/>
+            </a:endParaRPr>
+          </a:p>
+        </p:txBody>
+      </p:sp>
+    </p:spTree>
+    <p:extLst>
+      <p:ext uri="{BB962C8B-B14F-4D97-AF65-F5344CB8AC3E}">
+        <p14:creationId xmlns:p14="http://schemas.microsoft.com/office/powerpoint/2010/main" val="1228077506"/>
       </p:ext>
     </p:extLst>
   </p:cSld>
@@ -10590,12 +12122,12 @@
 </file>
 
 <file path=customXml/item1.xml><?xml version="1.0" encoding="utf-8"?>
-<?mso-contentType ?>
-<FormTemplates xmlns="http://schemas.microsoft.com/sharepoint/v3/contenttype/forms">
-  <Display>DocumentLibraryForm</Display>
-  <Edit>DocumentLibraryForm</Edit>
-  <New>DocumentLibraryForm</New>
-</FormTemplates>
+<p:properties xmlns:p="http://schemas.microsoft.com/office/2006/metadata/properties" xmlns:xsi="http://www.w3.org/2001/XMLSchema-instance" xmlns:pc="http://schemas.microsoft.com/office/infopath/2007/PartnerControls">
+  <documentManagement>
+    <_ip_UnifiedCompliancePolicyUIAction xmlns="http://schemas.microsoft.com/sharepoint/v3" xsi:nil="true"/>
+    <_ip_UnifiedCompliancePolicyProperties xmlns="http://schemas.microsoft.com/sharepoint/v3" xsi:nil="true"/>
+  </documentManagement>
+</p:properties>
 </file>
 
 <file path=customXml/item2.xml><?xml version="1.0" encoding="utf-8"?>
@@ -10807,18 +12339,20 @@
 </file>
 
 <file path=customXml/item3.xml><?xml version="1.0" encoding="utf-8"?>
-<p:properties xmlns:p="http://schemas.microsoft.com/office/2006/metadata/properties" xmlns:xsi="http://www.w3.org/2001/XMLSchema-instance" xmlns:pc="http://schemas.microsoft.com/office/infopath/2007/PartnerControls">
-  <documentManagement>
-    <_ip_UnifiedCompliancePolicyUIAction xmlns="http://schemas.microsoft.com/sharepoint/v3" xsi:nil="true"/>
-    <_ip_UnifiedCompliancePolicyProperties xmlns="http://schemas.microsoft.com/sharepoint/v3" xsi:nil="true"/>
-  </documentManagement>
-</p:properties>
+<?mso-contentType ?>
+<FormTemplates xmlns="http://schemas.microsoft.com/sharepoint/v3/contenttype/forms">
+  <Display>DocumentLibraryForm</Display>
+  <Edit>DocumentLibraryForm</Edit>
+  <New>DocumentLibraryForm</New>
+</FormTemplates>
 </file>
 
 <file path=customXml/itemProps1.xml><?xml version="1.0" encoding="utf-8"?>
-<ds:datastoreItem xmlns:ds="http://schemas.openxmlformats.org/officeDocument/2006/customXml" ds:itemID="{F6CB1848-D3E0-4F10-B640-720BE758B85B}">
+<ds:datastoreItem xmlns:ds="http://schemas.openxmlformats.org/officeDocument/2006/customXml" ds:itemID="{E4934E25-8442-49E9-ABDF-3146C4145F3B}">
   <ds:schemaRefs>
-    <ds:schemaRef ds:uri="http://schemas.microsoft.com/sharepoint/v3/contenttype/forms"/>
+    <ds:schemaRef ds:uri="http://schemas.microsoft.com/office/2006/metadata/properties"/>
+    <ds:schemaRef ds:uri="http://schemas.microsoft.com/office/infopath/2007/PartnerControls"/>
+    <ds:schemaRef ds:uri="http://schemas.microsoft.com/sharepoint/v3"/>
   </ds:schemaRefs>
 </ds:datastoreItem>
 </file>
@@ -10844,11 +12378,9 @@
 </file>
 
 <file path=customXml/itemProps3.xml><?xml version="1.0" encoding="utf-8"?>
-<ds:datastoreItem xmlns:ds="http://schemas.openxmlformats.org/officeDocument/2006/customXml" ds:itemID="{E4934E25-8442-49E9-ABDF-3146C4145F3B}">
+<ds:datastoreItem xmlns:ds="http://schemas.openxmlformats.org/officeDocument/2006/customXml" ds:itemID="{F6CB1848-D3E0-4F10-B640-720BE758B85B}">
   <ds:schemaRefs>
-    <ds:schemaRef ds:uri="http://schemas.microsoft.com/office/2006/metadata/properties"/>
-    <ds:schemaRef ds:uri="http://schemas.microsoft.com/office/infopath/2007/PartnerControls"/>
-    <ds:schemaRef ds:uri="http://schemas.microsoft.com/sharepoint/v3"/>
+    <ds:schemaRef ds:uri="http://schemas.microsoft.com/sharepoint/v3/contenttype/forms"/>
   </ds:schemaRefs>
 </ds:datastoreItem>
 </file>
--- a/Präsentation Programmieren Galgenmännchen.pptx
+++ b/Präsentation Programmieren Galgenmännchen.pptx
@@ -5,18 +5,22 @@
     <p:sldMasterId id="2147483648" r:id="rId4"/>
   </p:sldMasterIdLst>
   <p:notesMasterIdLst>
-    <p:notesMasterId r:id="rId11"/>
+    <p:notesMasterId r:id="rId15"/>
   </p:notesMasterIdLst>
   <p:handoutMasterIdLst>
-    <p:handoutMasterId r:id="rId12"/>
+    <p:handoutMasterId r:id="rId16"/>
   </p:handoutMasterIdLst>
   <p:sldIdLst>
     <p:sldId id="282" r:id="rId5"/>
     <p:sldId id="297" r:id="rId6"/>
-    <p:sldId id="298" r:id="rId7"/>
-    <p:sldId id="299" r:id="rId8"/>
-    <p:sldId id="300" r:id="rId9"/>
-    <p:sldId id="296" r:id="rId10"/>
+    <p:sldId id="301" r:id="rId7"/>
+    <p:sldId id="302" r:id="rId8"/>
+    <p:sldId id="303" r:id="rId9"/>
+    <p:sldId id="304" r:id="rId10"/>
+    <p:sldId id="298" r:id="rId11"/>
+    <p:sldId id="299" r:id="rId12"/>
+    <p:sldId id="300" r:id="rId13"/>
+    <p:sldId id="296" r:id="rId14"/>
   </p:sldIdLst>
   <p:sldSz cx="12192000" cy="6858000"/>
   <p:notesSz cx="6858000" cy="9144000"/>
@@ -126,6 +130,10 @@
         <p14:section name="Abschnitt ohne Titel" id="{528501D9-763D-4701-BC0F-C04A9C887F4F}">
           <p14:sldIdLst>
             <p14:sldId id="297"/>
+            <p14:sldId id="301"/>
+            <p14:sldId id="302"/>
+            <p14:sldId id="303"/>
+            <p14:sldId id="304"/>
             <p14:sldId id="298"/>
             <p14:sldId id="299"/>
             <p14:sldId id="300"/>
@@ -148,68 +156,12 @@
 <p1510:revInfo xmlns:a="http://schemas.openxmlformats.org/drawingml/2006/main" xmlns:r="http://schemas.openxmlformats.org/officeDocument/2006/relationships" xmlns:p1510="http://schemas.microsoft.com/office/powerpoint/2015/10/main">
   <p1510:revLst>
     <p1510:client id="{386797D6-52EC-4744-8EA7-98DE61667493}" v="1" dt="2022-12-19T09:11:28.947"/>
-    <p1510:client id="{6F70F443-72ED-49A8-AE51-2BB347B81408}" v="4" dt="2022-12-19T10:59:30.129"/>
   </p1510:revLst>
 </p1510:revInfo>
 </file>
 
 <file path=ppt/changesInfos/changesInfo1.xml><?xml version="1.0" encoding="utf-8"?>
 <pc:chgInfo xmlns:a="http://schemas.openxmlformats.org/drawingml/2006/main" xmlns:r="http://schemas.openxmlformats.org/officeDocument/2006/relationships" xmlns:ac="http://schemas.microsoft.com/office/drawing/2013/main/command" xmlns:pc="http://schemas.microsoft.com/office/powerpoint/2013/main/command">
-  <pc:docChgLst>
-    <pc:chgData name="Celine Gugel" userId="a0dc202d26524916" providerId="LiveId" clId="{6F70F443-72ED-49A8-AE51-2BB347B81408}"/>
-    <pc:docChg chg="custSel modSld">
-      <pc:chgData name="Celine Gugel" userId="a0dc202d26524916" providerId="LiveId" clId="{6F70F443-72ED-49A8-AE51-2BB347B81408}" dt="2022-12-19T11:07:34.754" v="546" actId="113"/>
-      <pc:docMkLst>
-        <pc:docMk/>
-      </pc:docMkLst>
-      <pc:sldChg chg="modSp mod">
-        <pc:chgData name="Celine Gugel" userId="a0dc202d26524916" providerId="LiveId" clId="{6F70F443-72ED-49A8-AE51-2BB347B81408}" dt="2022-12-19T10:55:58.035" v="173" actId="14100"/>
-        <pc:sldMkLst>
-          <pc:docMk/>
-          <pc:sldMk cId="402018869" sldId="297"/>
-        </pc:sldMkLst>
-        <pc:spChg chg="mod">
-          <ac:chgData name="Celine Gugel" userId="a0dc202d26524916" providerId="LiveId" clId="{6F70F443-72ED-49A8-AE51-2BB347B81408}" dt="2022-12-19T10:55:58.035" v="173" actId="14100"/>
-          <ac:spMkLst>
-            <pc:docMk/>
-            <pc:sldMk cId="402018869" sldId="297"/>
-            <ac:spMk id="2" creationId="{7B12E3B7-AFDE-883A-5C47-953D99CE8927}"/>
-          </ac:spMkLst>
-        </pc:spChg>
-      </pc:sldChg>
-      <pc:sldChg chg="addSp modSp mod">
-        <pc:chgData name="Celine Gugel" userId="a0dc202d26524916" providerId="LiveId" clId="{6F70F443-72ED-49A8-AE51-2BB347B81408}" dt="2022-12-19T11:07:34.754" v="546" actId="113"/>
-        <pc:sldMkLst>
-          <pc:docMk/>
-          <pc:sldMk cId="2774107021" sldId="298"/>
-        </pc:sldMkLst>
-        <pc:spChg chg="add mod">
-          <ac:chgData name="Celine Gugel" userId="a0dc202d26524916" providerId="LiveId" clId="{6F70F443-72ED-49A8-AE51-2BB347B81408}" dt="2022-12-19T11:00:57.418" v="543" actId="20577"/>
-          <ac:spMkLst>
-            <pc:docMk/>
-            <pc:sldMk cId="2774107021" sldId="298"/>
-            <ac:spMk id="2" creationId="{131EF68C-A602-4B64-17F4-387BB5097EDB}"/>
-          </ac:spMkLst>
-        </pc:spChg>
-        <pc:spChg chg="add mod">
-          <ac:chgData name="Celine Gugel" userId="a0dc202d26524916" providerId="LiveId" clId="{6F70F443-72ED-49A8-AE51-2BB347B81408}" dt="2022-12-19T11:07:34.754" v="546" actId="113"/>
-          <ac:spMkLst>
-            <pc:docMk/>
-            <pc:sldMk cId="2774107021" sldId="298"/>
-            <ac:spMk id="5" creationId="{35C71428-301C-7AE1-1283-1549FCF8FB1B}"/>
-          </ac:spMkLst>
-        </pc:spChg>
-        <pc:picChg chg="add mod">
-          <ac:chgData name="Celine Gugel" userId="a0dc202d26524916" providerId="LiveId" clId="{6F70F443-72ED-49A8-AE51-2BB347B81408}" dt="2022-12-19T10:56:21.803" v="197" actId="1076"/>
-          <ac:picMkLst>
-            <pc:docMk/>
-            <pc:sldMk cId="2774107021" sldId="298"/>
-            <ac:picMk id="4" creationId="{0FF7DC08-FAFF-9379-A5F7-FC5C8EEE9F6D}"/>
-          </ac:picMkLst>
-        </pc:picChg>
-      </pc:sldChg>
-    </pc:docChg>
-  </pc:docChgLst>
   <pc:docChgLst>
     <pc:chgData name="Celine Gugel" userId="a0dc202d26524916" providerId="LiveId" clId="{386797D6-52EC-4744-8EA7-98DE61667493}"/>
     <pc:docChg chg="custSel addSld delSld modSld sldOrd modSection">
@@ -1079,7 +1031,7 @@
             <a:pPr rtl="0"/>
             <a:fld id="{8530193B-564F-4854-8A52-728F3FB19C85}" type="slidenum">
               <a:rPr lang="de-DE" smtClean="0"/>
-              <a:t>3</a:t>
+              <a:t>7</a:t>
             </a:fld>
             <a:endParaRPr lang="de-DE"/>
           </a:p>
@@ -1165,7 +1117,7 @@
             <a:pPr rtl="0"/>
             <a:fld id="{8530193B-564F-4854-8A52-728F3FB19C85}" type="slidenum">
               <a:rPr lang="de-DE" smtClean="0"/>
-              <a:t>4</a:t>
+              <a:t>8</a:t>
             </a:fld>
             <a:endParaRPr lang="de-DE"/>
           </a:p>
@@ -1251,7 +1203,7 @@
             <a:pPr rtl="0"/>
             <a:fld id="{8530193B-564F-4854-8A52-728F3FB19C85}" type="slidenum">
               <a:rPr lang="de-DE" smtClean="0"/>
-              <a:t>5</a:t>
+              <a:t>9</a:t>
             </a:fld>
             <a:endParaRPr lang="de-DE"/>
           </a:p>
@@ -1337,7 +1289,7 @@
             <a:pPr rtl="0"/>
             <a:fld id="{8530193B-564F-4854-8A52-728F3FB19C85}" type="slidenum">
               <a:rPr lang="de-DE" smtClean="0"/>
-              <a:t>6</a:t>
+              <a:t>10</a:t>
             </a:fld>
             <a:endParaRPr lang="de-DE"/>
           </a:p>
@@ -8997,6 +8949,204 @@
 </p:sld>
 </file>
 
+<file path=ppt/slides/slide10.xml><?xml version="1.0" encoding="utf-8"?>
+<p:sld xmlns:a="http://schemas.openxmlformats.org/drawingml/2006/main" xmlns:r="http://schemas.openxmlformats.org/officeDocument/2006/relationships" xmlns:p="http://schemas.openxmlformats.org/presentationml/2006/main">
+  <p:cSld>
+    <p:spTree>
+      <p:nvGrpSpPr>
+        <p:cNvPr id="1" name=""/>
+        <p:cNvGrpSpPr/>
+        <p:nvPr/>
+      </p:nvGrpSpPr>
+      <p:grpSpPr>
+        <a:xfrm>
+          <a:off x="0" y="0"/>
+          <a:ext cx="0" cy="0"/>
+          <a:chOff x="0" y="0"/>
+          <a:chExt cx="0" cy="0"/>
+        </a:xfrm>
+      </p:grpSpPr>
+      <p:sp>
+        <p:nvSpPr>
+          <p:cNvPr id="20" name="Titel 19">
+            <a:extLst>
+              <a:ext uri="{FF2B5EF4-FFF2-40B4-BE49-F238E27FC236}">
+                <a16:creationId xmlns:a16="http://schemas.microsoft.com/office/drawing/2014/main" id="{F11A6B65-5A20-4F4D-ACBB-ED50132D4571}"/>
+              </a:ext>
+            </a:extLst>
+          </p:cNvPr>
+          <p:cNvSpPr>
+            <a:spLocks noGrp="1"/>
+          </p:cNvSpPr>
+          <p:nvPr>
+            <p:ph type="ctrTitle"/>
+          </p:nvPr>
+        </p:nvSpPr>
+        <p:spPr>
+          <a:xfrm>
+            <a:off x="2696875" y="2112793"/>
+            <a:ext cx="6798250" cy="1674470"/>
+          </a:xfrm>
+        </p:spPr>
+        <p:txBody>
+          <a:bodyPr rtlCol="0"/>
+          <a:lstStyle/>
+          <a:p>
+            <a:pPr rtl="0"/>
+            <a:r>
+              <a:rPr lang="de-DE" dirty="0"/>
+              <a:t>VIELEN DANK!</a:t>
+            </a:r>
+          </a:p>
+        </p:txBody>
+      </p:sp>
+      <p:sp>
+        <p:nvSpPr>
+          <p:cNvPr id="4" name="Textplatzhalter 3">
+            <a:extLst>
+              <a:ext uri="{FF2B5EF4-FFF2-40B4-BE49-F238E27FC236}">
+                <a16:creationId xmlns:a16="http://schemas.microsoft.com/office/drawing/2014/main" id="{60828E04-9C2A-4859-8050-C2DF67A249CB}"/>
+              </a:ext>
+            </a:extLst>
+          </p:cNvPr>
+          <p:cNvSpPr>
+            <a:spLocks noGrp="1"/>
+          </p:cNvSpPr>
+          <p:nvPr>
+            <p:ph type="body" sz="quarter" idx="15"/>
+          </p:nvPr>
+        </p:nvSpPr>
+        <p:spPr>
+          <a:xfrm>
+            <a:off x="1588625" y="3986566"/>
+            <a:ext cx="9014750" cy="447783"/>
+          </a:xfrm>
+        </p:spPr>
+        <p:txBody>
+          <a:bodyPr rtlCol="0"/>
+          <a:lstStyle/>
+          <a:p>
+            <a:pPr algn="ctr" rtl="0"/>
+            <a:r>
+              <a:rPr lang="de-DE" dirty="0"/>
+              <a:t>Celine Gugel, Lena Steinbrink, Valentin Müller, </a:t>
+            </a:r>
+          </a:p>
+          <a:p>
+            <a:pPr algn="ctr" rtl="0"/>
+            <a:r>
+              <a:rPr lang="de-DE" dirty="0"/>
+              <a:t>Jannik Oßwald , Thi </a:t>
+            </a:r>
+            <a:r>
+              <a:rPr lang="de-DE" dirty="0" err="1"/>
+              <a:t>Tuong</a:t>
+            </a:r>
+            <a:r>
+              <a:rPr lang="de-DE" dirty="0"/>
+              <a:t> </a:t>
+            </a:r>
+            <a:r>
+              <a:rPr lang="de-DE" dirty="0" err="1"/>
+              <a:t>Vy</a:t>
+            </a:r>
+            <a:r>
+              <a:rPr lang="de-DE" dirty="0"/>
+              <a:t> Nguyen</a:t>
+            </a:r>
+            <a:br>
+              <a:rPr lang="de-DE" dirty="0"/>
+            </a:br>
+            <a:endParaRPr lang="de-DE" dirty="0"/>
+          </a:p>
+          <a:p>
+            <a:pPr rtl="0"/>
+            <a:endParaRPr lang="de-DE" dirty="0"/>
+          </a:p>
+        </p:txBody>
+      </p:sp>
+      <p:sp>
+        <p:nvSpPr>
+          <p:cNvPr id="22" name="Textfeld 21">
+            <a:extLst>
+              <a:ext uri="{FF2B5EF4-FFF2-40B4-BE49-F238E27FC236}">
+                <a16:creationId xmlns:a16="http://schemas.microsoft.com/office/drawing/2014/main" id="{19352CF6-0F22-45A8-B28B-37FAFCE5C5D6}"/>
+              </a:ext>
+            </a:extLst>
+          </p:cNvPr>
+          <p:cNvSpPr txBox="1"/>
+          <p:nvPr/>
+        </p:nvSpPr>
+        <p:spPr>
+          <a:xfrm>
+            <a:off x="10251642" y="182562"/>
+            <a:ext cx="1662546" cy="404658"/>
+          </a:xfrm>
+          <a:prstGeom prst="rect">
+            <a:avLst/>
+          </a:prstGeom>
+          <a:noFill/>
+        </p:spPr>
+        <p:txBody>
+          <a:bodyPr wrap="square" lIns="0" tIns="36000" rIns="0" bIns="0" rtlCol="0">
+            <a:spAutoFit/>
+          </a:bodyPr>
+          <a:lstStyle/>
+          <a:p>
+            <a:pPr algn="r" rtl="0">
+              <a:lnSpc>
+                <a:spcPts val="1400"/>
+              </a:lnSpc>
+            </a:pPr>
+            <a:r>
+              <a:rPr lang="de-DE" sz="1600" b="1" spc="-100" dirty="0">
+                <a:solidFill>
+                  <a:schemeClr val="tx1">
+                    <a:lumMod val="50000"/>
+                    <a:lumOff val="50000"/>
+                  </a:schemeClr>
+                </a:solidFill>
+                <a:latin typeface="Corbel" panose="020B0503020204020204" pitchFamily="34" charset="0"/>
+              </a:rPr>
+              <a:t>Programmieren</a:t>
+            </a:r>
+            <a:r>
+              <a:rPr lang="de-DE" sz="1600" b="1" spc="-100" dirty="0">
+                <a:solidFill>
+                  <a:schemeClr val="accent1"/>
+                </a:solidFill>
+                <a:latin typeface="Corbel" panose="020B0503020204020204" pitchFamily="34" charset="0"/>
+              </a:rPr>
+              <a:t> </a:t>
+            </a:r>
+            <a:r>
+              <a:rPr lang="de-DE" sz="1600" b="1" spc="-100" dirty="0">
+                <a:latin typeface="Corbel" panose="020B0503020204020204" pitchFamily="34" charset="0"/>
+              </a:rPr>
+              <a:t>ON22</a:t>
+            </a:r>
+            <a:endParaRPr lang="de-DE" sz="1600" b="1" spc="-100" dirty="0">
+              <a:solidFill>
+                <a:schemeClr val="tx1"/>
+              </a:solidFill>
+              <a:latin typeface="Corbel" panose="020B0503020204020204" pitchFamily="34" charset="0"/>
+            </a:endParaRPr>
+          </a:p>
+        </p:txBody>
+      </p:sp>
+    </p:spTree>
+    <p:extLst>
+      <p:ext uri="{BB962C8B-B14F-4D97-AF65-F5344CB8AC3E}">
+        <p14:creationId xmlns:p14="http://schemas.microsoft.com/office/powerpoint/2010/main" val="4153678306"/>
+      </p:ext>
+    </p:extLst>
+  </p:cSld>
+  <p:clrMapOvr>
+    <a:masterClrMapping/>
+  </p:clrMapOvr>
+</p:sld>
+</file>
+
 <file path=ppt/slides/slide2.xml><?xml version="1.0" encoding="utf-8"?>
 <p:sld xmlns:a="http://schemas.openxmlformats.org/drawingml/2006/main" xmlns:r="http://schemas.openxmlformats.org/officeDocument/2006/relationships" xmlns:p="http://schemas.openxmlformats.org/presentationml/2006/main">
   <p:cSld>
@@ -9223,8 +9373,8 @@
         </p:nvSpPr>
         <p:spPr>
           <a:xfrm>
-            <a:off x="552260" y="1792586"/>
-            <a:ext cx="7948943" cy="2308324"/>
+            <a:off x="552261" y="1792586"/>
+            <a:ext cx="6609030" cy="2862322"/>
           </a:xfrm>
           <a:prstGeom prst="rect">
             <a:avLst/>
@@ -9248,7 +9398,22 @@
                 </a:solidFill>
                 <a:latin typeface="+mj-lt"/>
               </a:rPr>
-              <a:t>Ideenfindung und Spielerklärung</a:t>
+              <a:t>Ideenfindung</a:t>
+            </a:r>
+          </a:p>
+          <a:p>
+            <a:pPr marL="342900" indent="-342900">
+              <a:buFont typeface="+mj-lt"/>
+              <a:buAutoNum type="arabicPeriod"/>
+            </a:pPr>
+            <a:r>
+              <a:rPr lang="de-DE" sz="3600" dirty="0">
+                <a:solidFill>
+                  <a:schemeClr val="bg1"/>
+                </a:solidFill>
+                <a:latin typeface="+mj-lt"/>
+              </a:rPr>
+              <a:t>Spielerklärung</a:t>
             </a:r>
           </a:p>
           <a:p>
@@ -9330,297 +9495,369 @@
       </p:grpSpPr>
       <p:sp>
         <p:nvSpPr>
-          <p:cNvPr id="22" name="Textfeld 21">
-            <a:extLst>
-              <a:ext uri="{FF2B5EF4-FFF2-40B4-BE49-F238E27FC236}">
-                <a16:creationId xmlns:a16="http://schemas.microsoft.com/office/drawing/2014/main" id="{19352CF6-0F22-45A8-B28B-37FAFCE5C5D6}"/>
-              </a:ext>
-            </a:extLst>
-          </p:cNvPr>
-          <p:cNvSpPr txBox="1"/>
-          <p:nvPr/>
+          <p:cNvPr id="2" name="Titel 1">
+            <a:extLst>
+              <a:ext uri="{FF2B5EF4-FFF2-40B4-BE49-F238E27FC236}">
+                <a16:creationId xmlns:a16="http://schemas.microsoft.com/office/drawing/2014/main" id="{54D22662-DF51-4346-B7E7-290FDFBF6476}"/>
+              </a:ext>
+            </a:extLst>
+          </p:cNvPr>
+          <p:cNvSpPr>
+            <a:spLocks noGrp="1"/>
+          </p:cNvSpPr>
+          <p:nvPr>
+            <p:ph type="title"/>
+          </p:nvPr>
         </p:nvSpPr>
         <p:spPr>
           <a:xfrm>
-            <a:off x="10251642" y="182562"/>
-            <a:ext cx="1662546" cy="404658"/>
+            <a:off x="432000" y="268371"/>
+            <a:ext cx="9198000" cy="432000"/>
+          </a:xfrm>
+        </p:spPr>
+        <p:txBody>
+          <a:bodyPr/>
+          <a:lstStyle/>
+          <a:p>
+            <a:r>
+              <a:rPr lang="de-DE" dirty="0"/>
+              <a:t>Benötigte Funktionen</a:t>
+            </a:r>
+          </a:p>
+        </p:txBody>
+      </p:sp>
+      <p:sp>
+        <p:nvSpPr>
+          <p:cNvPr id="3" name="Foliennummernplatzhalter 2">
+            <a:extLst>
+              <a:ext uri="{FF2B5EF4-FFF2-40B4-BE49-F238E27FC236}">
+                <a16:creationId xmlns:a16="http://schemas.microsoft.com/office/drawing/2014/main" id="{C4B01CB7-D5D3-4984-B928-DDA8CB47BA6C}"/>
+              </a:ext>
+            </a:extLst>
+          </p:cNvPr>
+          <p:cNvSpPr>
+            <a:spLocks noGrp="1"/>
+          </p:cNvSpPr>
+          <p:nvPr>
+            <p:ph type="sldNum" sz="quarter" idx="33"/>
+          </p:nvPr>
+        </p:nvSpPr>
+        <p:spPr/>
+        <p:txBody>
+          <a:bodyPr/>
+          <a:lstStyle/>
+          <a:p>
+            <a:pPr rtl="0"/>
+            <a:fld id="{19B51A1E-902D-48AF-9020-955120F399B6}" type="slidenum">
+              <a:rPr lang="de-DE" noProof="0" smtClean="0"/>
+              <a:pPr rtl="0"/>
+              <a:t>3</a:t>
+            </a:fld>
+            <a:endParaRPr lang="de-DE" noProof="0"/>
+          </a:p>
+        </p:txBody>
+      </p:sp>
+      <p:sp>
+        <p:nvSpPr>
+          <p:cNvPr id="4" name="Inhaltsplatzhalter 3">
+            <a:extLst>
+              <a:ext uri="{FF2B5EF4-FFF2-40B4-BE49-F238E27FC236}">
+                <a16:creationId xmlns:a16="http://schemas.microsoft.com/office/drawing/2014/main" id="{9ECF3AB4-7E1F-4CBD-B100-2304C405FA7A}"/>
+              </a:ext>
+            </a:extLst>
+          </p:cNvPr>
+          <p:cNvSpPr>
+            <a:spLocks noGrp="1"/>
+          </p:cNvSpPr>
+          <p:nvPr>
+            <p:ph idx="1"/>
+          </p:nvPr>
+        </p:nvSpPr>
+        <p:spPr>
+          <a:xfrm>
+            <a:off x="432000" y="700371"/>
+            <a:ext cx="9198000" cy="5130588"/>
+          </a:xfrm>
+        </p:spPr>
+        <p:txBody>
+          <a:bodyPr/>
+          <a:lstStyle/>
+          <a:p>
+            <a:pPr marL="0" indent="0">
+              <a:lnSpc>
+                <a:spcPct val="107000"/>
+              </a:lnSpc>
+              <a:spcAft>
+                <a:spcPts val="800"/>
+              </a:spcAft>
+              <a:buNone/>
+            </a:pPr>
+            <a:r>
+              <a:rPr lang="de-DE" sz="2400" b="1" u="sng" dirty="0">
+                <a:effectLst/>
+                <a:latin typeface="Calibri" panose="020F0502020204030204" pitchFamily="34" charset="0"/>
+                <a:ea typeface="Calibri" panose="020F0502020204030204" pitchFamily="34" charset="0"/>
+              </a:rPr>
+              <a:t>Auswahl Spielmodus</a:t>
+            </a:r>
+          </a:p>
+          <a:p>
+            <a:pPr marL="0" indent="0">
+              <a:lnSpc>
+                <a:spcPct val="107000"/>
+              </a:lnSpc>
+              <a:spcAft>
+                <a:spcPts val="800"/>
+              </a:spcAft>
+              <a:buNone/>
+            </a:pPr>
+            <a:r>
+              <a:rPr lang="de-DE" b="1" dirty="0">
+                <a:latin typeface="Calibri" panose="020F0502020204030204" pitchFamily="34" charset="0"/>
+                <a:ea typeface="Calibri" panose="020F0502020204030204" pitchFamily="34" charset="0"/>
+              </a:rPr>
+              <a:t>Spielmodus 1</a:t>
+            </a:r>
+          </a:p>
+          <a:p>
+            <a:pPr>
+              <a:lnSpc>
+                <a:spcPct val="107000"/>
+              </a:lnSpc>
+              <a:spcAft>
+                <a:spcPts val="800"/>
+              </a:spcAft>
+            </a:pPr>
+            <a:r>
+              <a:rPr lang="de-DE" sz="1800" dirty="0">
+                <a:effectLst/>
+                <a:latin typeface="Calibri" panose="020F0502020204030204" pitchFamily="34" charset="0"/>
+                <a:ea typeface="Calibri" panose="020F0502020204030204" pitchFamily="34" charset="0"/>
+              </a:rPr>
+              <a:t>Spiel gegen den Computer </a:t>
+            </a:r>
+          </a:p>
+          <a:p>
+            <a:pPr>
+              <a:lnSpc>
+                <a:spcPct val="107000"/>
+              </a:lnSpc>
+              <a:spcAft>
+                <a:spcPts val="800"/>
+              </a:spcAft>
+            </a:pPr>
+            <a:r>
+              <a:rPr lang="de-DE" sz="1800" dirty="0">
+                <a:effectLst/>
+                <a:latin typeface="Calibri" panose="020F0502020204030204" pitchFamily="34" charset="0"/>
+                <a:ea typeface="Calibri" panose="020F0502020204030204" pitchFamily="34" charset="0"/>
+              </a:rPr>
+              <a:t>aus einem Array mit vorgegebenen Wörtern soll ein Wort zufällig ausgegeben werden und das Spiel startet</a:t>
+            </a:r>
+          </a:p>
+          <a:p>
+            <a:pPr marL="0" indent="0">
+              <a:lnSpc>
+                <a:spcPct val="107000"/>
+              </a:lnSpc>
+              <a:spcAft>
+                <a:spcPts val="800"/>
+              </a:spcAft>
+              <a:buNone/>
+            </a:pPr>
+            <a:r>
+              <a:rPr lang="de-DE" sz="1800" b="1" dirty="0">
+                <a:effectLst/>
+                <a:latin typeface="Calibri" panose="020F0502020204030204" pitchFamily="34" charset="0"/>
+                <a:ea typeface="Calibri" panose="020F0502020204030204" pitchFamily="34" charset="0"/>
+              </a:rPr>
+              <a:t>Spielmodus 2</a:t>
+            </a:r>
+          </a:p>
+          <a:p>
+            <a:pPr>
+              <a:lnSpc>
+                <a:spcPct val="107000"/>
+              </a:lnSpc>
+              <a:spcAft>
+                <a:spcPts val="800"/>
+              </a:spcAft>
+            </a:pPr>
+            <a:r>
+              <a:rPr lang="de-DE" sz="1800" dirty="0">
+                <a:effectLst/>
+                <a:latin typeface="Calibri" panose="020F0502020204030204" pitchFamily="34" charset="0"/>
+                <a:ea typeface="Calibri" panose="020F0502020204030204" pitchFamily="34" charset="0"/>
+              </a:rPr>
+              <a:t>Spiel mit eigener Worteingabe</a:t>
+            </a:r>
+          </a:p>
+          <a:p>
+            <a:pPr>
+              <a:lnSpc>
+                <a:spcPct val="107000"/>
+              </a:lnSpc>
+              <a:spcAft>
+                <a:spcPts val="800"/>
+              </a:spcAft>
+            </a:pPr>
+            <a:r>
+              <a:rPr lang="de-DE" sz="1800" dirty="0">
+                <a:effectLst/>
+                <a:latin typeface="Calibri" panose="020F0502020204030204" pitchFamily="34" charset="0"/>
+                <a:ea typeface="Calibri" panose="020F0502020204030204" pitchFamily="34" charset="0"/>
+              </a:rPr>
+              <a:t>über die Scanner-Funktion wird ein Wort als String abgefragt</a:t>
+            </a:r>
+          </a:p>
+          <a:p>
+            <a:pPr>
+              <a:lnSpc>
+                <a:spcPct val="107000"/>
+              </a:lnSpc>
+              <a:spcAft>
+                <a:spcPts val="800"/>
+              </a:spcAft>
+            </a:pPr>
+            <a:r>
+              <a:rPr lang="de-DE" sz="1800" dirty="0">
+                <a:effectLst/>
+                <a:latin typeface="Calibri" panose="020F0502020204030204" pitchFamily="34" charset="0"/>
+                <a:ea typeface="Calibri" panose="020F0502020204030204" pitchFamily="34" charset="0"/>
+              </a:rPr>
+              <a:t>Bedingungen: </a:t>
+            </a:r>
+            <a:r>
+              <a:rPr lang="de-DE" dirty="0">
+                <a:effectLst/>
+                <a:latin typeface="Calibri" panose="020F0502020204030204" pitchFamily="34" charset="0"/>
+                <a:ea typeface="Calibri" panose="020F0502020204030204" pitchFamily="34" charset="0"/>
+              </a:rPr>
+              <a:t>Wort hat mindestens zwei Zeichen, keine Leerzeichen oder Sonderzeichen</a:t>
+            </a:r>
+          </a:p>
+          <a:p>
+            <a:pPr>
+              <a:lnSpc>
+                <a:spcPct val="107000"/>
+              </a:lnSpc>
+              <a:spcAft>
+                <a:spcPts val="800"/>
+              </a:spcAft>
+            </a:pPr>
+            <a:r>
+              <a:rPr lang="de-DE" dirty="0">
+                <a:latin typeface="Calibri" panose="020F0502020204030204" pitchFamily="34" charset="0"/>
+                <a:ea typeface="Calibri" panose="020F0502020204030204" pitchFamily="34" charset="0"/>
+              </a:rPr>
+              <a:t>60 </a:t>
+            </a:r>
+            <a:r>
+              <a:rPr lang="de-DE" dirty="0">
+                <a:effectLst/>
+                <a:latin typeface="Calibri" panose="020F0502020204030204" pitchFamily="34" charset="0"/>
+                <a:ea typeface="Calibri" panose="020F0502020204030204" pitchFamily="34" charset="0"/>
+              </a:rPr>
+              <a:t>Leerzeichen einfügen, damit Spielauswahl nicht mehr zu sehen ist</a:t>
+            </a:r>
+          </a:p>
+          <a:p>
+            <a:pPr marL="0" indent="0">
+              <a:lnSpc>
+                <a:spcPct val="107000"/>
+              </a:lnSpc>
+              <a:spcAft>
+                <a:spcPts val="800"/>
+              </a:spcAft>
+              <a:buNone/>
+            </a:pPr>
+            <a:r>
+              <a:rPr lang="de-DE" b="1" dirty="0">
+                <a:latin typeface="Calibri" panose="020F0502020204030204" pitchFamily="34" charset="0"/>
+                <a:ea typeface="Calibri" panose="020F0502020204030204" pitchFamily="34" charset="0"/>
+              </a:rPr>
+              <a:t>(Modus 3)</a:t>
+            </a:r>
+          </a:p>
+          <a:p>
+            <a:pPr>
+              <a:lnSpc>
+                <a:spcPct val="107000"/>
+              </a:lnSpc>
+              <a:spcAft>
+                <a:spcPts val="800"/>
+              </a:spcAft>
+            </a:pPr>
+            <a:r>
+              <a:rPr lang="de-DE" dirty="0">
+                <a:effectLst/>
+                <a:latin typeface="Calibri" panose="020F0502020204030204" pitchFamily="34" charset="0"/>
+                <a:ea typeface="Calibri" panose="020F0502020204030204" pitchFamily="34" charset="0"/>
+              </a:rPr>
+              <a:t>Spiel verlassen</a:t>
+            </a:r>
+          </a:p>
+          <a:p>
+            <a:endParaRPr lang="de-DE" dirty="0"/>
+          </a:p>
+        </p:txBody>
+      </p:sp>
+      <p:sp>
+        <p:nvSpPr>
+          <p:cNvPr id="5" name="Rechteck 4">
+            <a:extLst>
+              <a:ext uri="{FF2B5EF4-FFF2-40B4-BE49-F238E27FC236}">
+                <a16:creationId xmlns:a16="http://schemas.microsoft.com/office/drawing/2014/main" id="{E81042CE-759E-4A7E-ACC3-3E1BB0FBEBCF}"/>
+              </a:ext>
+            </a:extLst>
+          </p:cNvPr>
+          <p:cNvSpPr/>
+          <p:nvPr/>
+        </p:nvSpPr>
+        <p:spPr>
+          <a:xfrm>
+            <a:off x="10106526" y="6266046"/>
+            <a:ext cx="1260910" cy="500514"/>
           </a:xfrm>
           <a:prstGeom prst="rect">
             <a:avLst/>
           </a:prstGeom>
-          <a:noFill/>
+          <a:solidFill>
+            <a:schemeClr val="bg1"/>
+          </a:solidFill>
+          <a:ln>
+            <a:noFill/>
+          </a:ln>
         </p:spPr>
-        <p:txBody>
-          <a:bodyPr wrap="square" lIns="0" tIns="36000" rIns="0" bIns="0" rtlCol="0">
-            <a:spAutoFit/>
-          </a:bodyPr>
+        <p:style>
+          <a:lnRef idx="2">
+            <a:schemeClr val="accent1">
+              <a:shade val="50000"/>
+            </a:schemeClr>
+          </a:lnRef>
+          <a:fillRef idx="1">
+            <a:schemeClr val="accent1"/>
+          </a:fillRef>
+          <a:effectRef idx="0">
+            <a:schemeClr val="accent1"/>
+          </a:effectRef>
+          <a:fontRef idx="minor">
+            <a:schemeClr val="lt1"/>
+          </a:fontRef>
+        </p:style>
+        <p:txBody>
+          <a:bodyPr rtlCol="0" anchor="ctr"/>
           <a:lstStyle/>
           <a:p>
-            <a:pPr algn="r" rtl="0">
-              <a:lnSpc>
-                <a:spcPts val="1400"/>
-              </a:lnSpc>
-            </a:pPr>
-            <a:r>
-              <a:rPr lang="de-DE" sz="1600" b="1" spc="-100" dirty="0">
-                <a:solidFill>
-                  <a:schemeClr val="tx1">
-                    <a:lumMod val="50000"/>
-                    <a:lumOff val="50000"/>
-                  </a:schemeClr>
-                </a:solidFill>
-                <a:latin typeface="Corbel" panose="020B0503020204020204" pitchFamily="34" charset="0"/>
-              </a:rPr>
-              <a:t>Programmieren</a:t>
-            </a:r>
-            <a:r>
-              <a:rPr lang="de-DE" sz="1600" b="1" spc="-100" dirty="0">
-                <a:solidFill>
-                  <a:schemeClr val="accent1"/>
-                </a:solidFill>
-                <a:latin typeface="Corbel" panose="020B0503020204020204" pitchFamily="34" charset="0"/>
-              </a:rPr>
-              <a:t> </a:t>
-            </a:r>
-            <a:r>
-              <a:rPr lang="de-DE" sz="1600" b="1" spc="-100" dirty="0">
-                <a:latin typeface="Corbel" panose="020B0503020204020204" pitchFamily="34" charset="0"/>
-              </a:rPr>
-              <a:t>ON22</a:t>
-            </a:r>
-            <a:endParaRPr lang="de-DE" sz="1600" b="1" spc="-100" dirty="0">
-              <a:solidFill>
-                <a:schemeClr val="tx1"/>
-              </a:solidFill>
-              <a:latin typeface="Corbel" panose="020B0503020204020204" pitchFamily="34" charset="0"/>
-            </a:endParaRPr>
-          </a:p>
-        </p:txBody>
-      </p:sp>
-      <p:sp>
-        <p:nvSpPr>
-          <p:cNvPr id="2" name="Textfeld 1">
-            <a:extLst>
-              <a:ext uri="{FF2B5EF4-FFF2-40B4-BE49-F238E27FC236}">
-                <a16:creationId xmlns:a16="http://schemas.microsoft.com/office/drawing/2014/main" id="{131EF68C-A602-4B64-17F4-387BB5097EDB}"/>
-              </a:ext>
-            </a:extLst>
-          </p:cNvPr>
-          <p:cNvSpPr txBox="1"/>
-          <p:nvPr/>
-        </p:nvSpPr>
-        <p:spPr>
-          <a:xfrm>
-            <a:off x="434566" y="470780"/>
-            <a:ext cx="8021371" cy="584775"/>
-          </a:xfrm>
-          <a:prstGeom prst="rect">
-            <a:avLst/>
-          </a:prstGeom>
-          <a:noFill/>
-        </p:spPr>
-        <p:txBody>
-          <a:bodyPr wrap="square" rtlCol="0">
-            <a:spAutoFit/>
-          </a:bodyPr>
-          <a:lstStyle/>
-          <a:p>
-            <a:r>
-              <a:rPr lang="de-DE" sz="3200" b="1" dirty="0">
-                <a:latin typeface="+mj-lt"/>
-              </a:rPr>
-              <a:t>1. Ideenfindung und Spielerklärung</a:t>
-            </a:r>
-          </a:p>
-        </p:txBody>
-      </p:sp>
-      <p:pic>
-        <p:nvPicPr>
-          <p:cNvPr id="4" name="Grafik 3" descr="Glühbirne und Zahnrad mit einfarbiger Füllung">
-            <a:extLst>
-              <a:ext uri="{FF2B5EF4-FFF2-40B4-BE49-F238E27FC236}">
-                <a16:creationId xmlns:a16="http://schemas.microsoft.com/office/drawing/2014/main" id="{0FF7DC08-FAFF-9379-A5F7-FC5C8EEE9F6D}"/>
-              </a:ext>
-            </a:extLst>
-          </p:cNvPr>
-          <p:cNvPicPr>
-            <a:picLocks noChangeAspect="1"/>
-          </p:cNvPicPr>
-          <p:nvPr/>
-        </p:nvPicPr>
-        <p:blipFill>
-          <a:blip r:embed="rId3">
-            <a:extLst>
-              <a:ext uri="{96DAC541-7B7A-43D3-8B79-37D633B846F1}">
-                <asvg:svgBlip xmlns:asvg="http://schemas.microsoft.com/office/drawing/2016/SVG/main" r:embed="rId4"/>
-              </a:ext>
-            </a:extLst>
-          </a:blip>
-          <a:stretch>
-            <a:fillRect/>
-          </a:stretch>
-        </p:blipFill>
-        <p:spPr>
-          <a:xfrm>
-            <a:off x="8318627" y="384891"/>
-            <a:ext cx="1241834" cy="1241834"/>
-          </a:xfrm>
-          <a:prstGeom prst="rect">
-            <a:avLst/>
-          </a:prstGeom>
-        </p:spPr>
-      </p:pic>
-      <p:sp>
-        <p:nvSpPr>
-          <p:cNvPr id="5" name="Textfeld 4">
-            <a:extLst>
-              <a:ext uri="{FF2B5EF4-FFF2-40B4-BE49-F238E27FC236}">
-                <a16:creationId xmlns:a16="http://schemas.microsoft.com/office/drawing/2014/main" id="{35C71428-301C-7AE1-1283-1549FCF8FB1B}"/>
-              </a:ext>
-            </a:extLst>
-          </p:cNvPr>
-          <p:cNvSpPr txBox="1"/>
-          <p:nvPr/>
-        </p:nvSpPr>
-        <p:spPr>
-          <a:xfrm>
-            <a:off x="660903" y="2000816"/>
-            <a:ext cx="9850170" cy="2862322"/>
-          </a:xfrm>
-          <a:prstGeom prst="rect">
-            <a:avLst/>
-          </a:prstGeom>
-          <a:noFill/>
-        </p:spPr>
-        <p:txBody>
-          <a:bodyPr wrap="square" rtlCol="0">
-            <a:spAutoFit/>
-          </a:bodyPr>
-          <a:lstStyle/>
-          <a:p>
-            <a:pPr marL="285750" indent="-285750">
-              <a:buFont typeface="Arial" panose="020B0604020202020204" pitchFamily="34" charset="0"/>
-              <a:buChar char="•"/>
-            </a:pPr>
-            <a:r>
-              <a:rPr lang="de-DE" dirty="0">
-                <a:latin typeface="+mj-lt"/>
-              </a:rPr>
-              <a:t>Jeder hat sich selbst informiert, was möglich ist</a:t>
-            </a:r>
-          </a:p>
-          <a:p>
-            <a:pPr marL="285750" indent="-285750">
-              <a:buFont typeface="Arial" panose="020B0604020202020204" pitchFamily="34" charset="0"/>
-              <a:buChar char="•"/>
-            </a:pPr>
-            <a:r>
-              <a:rPr lang="de-DE" dirty="0">
-                <a:latin typeface="+mj-lt"/>
-              </a:rPr>
-              <a:t>Wissen der Vorlesung umsetzten</a:t>
-            </a:r>
-          </a:p>
-          <a:p>
-            <a:endParaRPr lang="de-DE" dirty="0">
-              <a:latin typeface="+mj-lt"/>
-            </a:endParaRPr>
-          </a:p>
-          <a:p>
-            <a:endParaRPr lang="de-DE" dirty="0">
-              <a:latin typeface="+mj-lt"/>
-            </a:endParaRPr>
-          </a:p>
-          <a:p>
-            <a:pPr marL="285750" indent="-285750">
-              <a:buFont typeface="Arial" panose="020B0604020202020204" pitchFamily="34" charset="0"/>
-              <a:buChar char="•"/>
-            </a:pPr>
-            <a:r>
-              <a:rPr lang="de-DE" dirty="0">
-                <a:latin typeface="+mj-lt"/>
-              </a:rPr>
-              <a:t>Bestimmter Begriff muss erraten werden</a:t>
-            </a:r>
-          </a:p>
-          <a:p>
-            <a:pPr marL="285750" indent="-285750">
-              <a:buFont typeface="Arial" panose="020B0604020202020204" pitchFamily="34" charset="0"/>
-              <a:buChar char="•"/>
-            </a:pPr>
-            <a:r>
-              <a:rPr lang="de-DE" dirty="0">
-                <a:latin typeface="+mj-lt"/>
-              </a:rPr>
-              <a:t>Vorgeben sind nur Anzahl Buchstaben</a:t>
-            </a:r>
-          </a:p>
-          <a:p>
-            <a:pPr marL="285750" indent="-285750">
-              <a:buFont typeface="Arial" panose="020B0604020202020204" pitchFamily="34" charset="0"/>
-              <a:buChar char="•"/>
-            </a:pPr>
-            <a:r>
-              <a:rPr lang="de-DE" b="1" dirty="0">
-                <a:latin typeface="+mj-lt"/>
-              </a:rPr>
-              <a:t>Richtig</a:t>
-            </a:r>
-            <a:r>
-              <a:rPr lang="de-DE" dirty="0">
-                <a:latin typeface="+mj-lt"/>
-              </a:rPr>
-              <a:t> = Buchstaben erscheint</a:t>
-            </a:r>
-          </a:p>
-          <a:p>
-            <a:pPr marL="285750" indent="-285750">
-              <a:buFont typeface="Arial" panose="020B0604020202020204" pitchFamily="34" charset="0"/>
-              <a:buChar char="•"/>
-            </a:pPr>
-            <a:r>
-              <a:rPr lang="de-DE" b="1" dirty="0">
-                <a:latin typeface="+mj-lt"/>
-              </a:rPr>
-              <a:t>Falsch</a:t>
-            </a:r>
-            <a:r>
-              <a:rPr lang="de-DE" dirty="0">
-                <a:latin typeface="+mj-lt"/>
-              </a:rPr>
-              <a:t> =Abbildung Galgen bildet sich</a:t>
-            </a:r>
-          </a:p>
-          <a:p>
-            <a:pPr marL="285750" indent="-285750">
-              <a:buFont typeface="Arial" panose="020B0604020202020204" pitchFamily="34" charset="0"/>
-              <a:buChar char="•"/>
-            </a:pPr>
-            <a:r>
-              <a:rPr lang="de-DE" dirty="0">
-                <a:latin typeface="+mj-lt"/>
-              </a:rPr>
-              <a:t>Ist Galgen vollständig – Spiel verloren</a:t>
-            </a:r>
-          </a:p>
-          <a:p>
-            <a:pPr marL="285750" indent="-285750">
-              <a:buFont typeface="Arial" panose="020B0604020202020204" pitchFamily="34" charset="0"/>
-              <a:buChar char="•"/>
-            </a:pPr>
-            <a:r>
-              <a:rPr lang="de-DE" b="1" dirty="0">
-                <a:latin typeface="+mj-lt"/>
-              </a:rPr>
-              <a:t>2 Spielvarianten – 1. Gegen Computer 2. Wort selbst angeben</a:t>
-            </a:r>
+            <a:pPr algn="ctr"/>
+            <a:endParaRPr lang="de-DE"/>
           </a:p>
         </p:txBody>
       </p:sp>
     </p:spTree>
     <p:extLst>
       <p:ext uri="{BB962C8B-B14F-4D97-AF65-F5344CB8AC3E}">
-        <p14:creationId xmlns:p14="http://schemas.microsoft.com/office/powerpoint/2010/main" val="2774107021"/>
+        <p14:creationId xmlns:p14="http://schemas.microsoft.com/office/powerpoint/2010/main" val="249633133"/>
       </p:ext>
     </p:extLst>
   </p:cSld>
@@ -9649,77 +9886,319 @@
       </p:grpSpPr>
       <p:sp>
         <p:nvSpPr>
-          <p:cNvPr id="22" name="Textfeld 21">
-            <a:extLst>
-              <a:ext uri="{FF2B5EF4-FFF2-40B4-BE49-F238E27FC236}">
-                <a16:creationId xmlns:a16="http://schemas.microsoft.com/office/drawing/2014/main" id="{19352CF6-0F22-45A8-B28B-37FAFCE5C5D6}"/>
-              </a:ext>
-            </a:extLst>
-          </p:cNvPr>
-          <p:cNvSpPr txBox="1"/>
+          <p:cNvPr id="2" name="Titel 1">
+            <a:extLst>
+              <a:ext uri="{FF2B5EF4-FFF2-40B4-BE49-F238E27FC236}">
+                <a16:creationId xmlns:a16="http://schemas.microsoft.com/office/drawing/2014/main" id="{7011176B-A9C4-4B85-880D-35BE680EE88D}"/>
+              </a:ext>
+            </a:extLst>
+          </p:cNvPr>
+          <p:cNvSpPr>
+            <a:spLocks noGrp="1"/>
+          </p:cNvSpPr>
+          <p:nvPr>
+            <p:ph type="title"/>
+          </p:nvPr>
+        </p:nvSpPr>
+        <p:spPr/>
+        <p:txBody>
+          <a:bodyPr/>
+          <a:lstStyle/>
+          <a:p>
+            <a:r>
+              <a:rPr lang="de-DE" dirty="0"/>
+              <a:t>Benötigte Funktionen</a:t>
+            </a:r>
+          </a:p>
+        </p:txBody>
+      </p:sp>
+      <p:sp>
+        <p:nvSpPr>
+          <p:cNvPr id="3" name="Foliennummernplatzhalter 2">
+            <a:extLst>
+              <a:ext uri="{FF2B5EF4-FFF2-40B4-BE49-F238E27FC236}">
+                <a16:creationId xmlns:a16="http://schemas.microsoft.com/office/drawing/2014/main" id="{B50140E2-6D46-400B-932B-3D54BA02AC55}"/>
+              </a:ext>
+            </a:extLst>
+          </p:cNvPr>
+          <p:cNvSpPr>
+            <a:spLocks noGrp="1"/>
+          </p:cNvSpPr>
+          <p:nvPr>
+            <p:ph type="sldNum" sz="quarter" idx="33"/>
+          </p:nvPr>
+        </p:nvSpPr>
+        <p:spPr/>
+        <p:txBody>
+          <a:bodyPr/>
+          <a:lstStyle/>
+          <a:p>
+            <a:pPr rtl="0"/>
+            <a:fld id="{19B51A1E-902D-48AF-9020-955120F399B6}" type="slidenum">
+              <a:rPr lang="de-DE" noProof="0" smtClean="0"/>
+              <a:pPr rtl="0"/>
+              <a:t>4</a:t>
+            </a:fld>
+            <a:endParaRPr lang="de-DE" noProof="0"/>
+          </a:p>
+        </p:txBody>
+      </p:sp>
+      <p:sp>
+        <p:nvSpPr>
+          <p:cNvPr id="4" name="Inhaltsplatzhalter 3">
+            <a:extLst>
+              <a:ext uri="{FF2B5EF4-FFF2-40B4-BE49-F238E27FC236}">
+                <a16:creationId xmlns:a16="http://schemas.microsoft.com/office/drawing/2014/main" id="{9CA7C4DD-39F1-4D93-BCF0-8D2804CA852B}"/>
+              </a:ext>
+            </a:extLst>
+          </p:cNvPr>
+          <p:cNvSpPr>
+            <a:spLocks noGrp="1"/>
+          </p:cNvSpPr>
+          <p:nvPr>
+            <p:ph idx="1"/>
+          </p:nvPr>
+        </p:nvSpPr>
+        <p:spPr/>
+        <p:txBody>
+          <a:bodyPr/>
+          <a:lstStyle/>
+          <a:p>
+            <a:pPr marL="0" indent="0">
+              <a:lnSpc>
+                <a:spcPct val="107000"/>
+              </a:lnSpc>
+              <a:spcAft>
+                <a:spcPts val="800"/>
+              </a:spcAft>
+              <a:buNone/>
+            </a:pPr>
+            <a:r>
+              <a:rPr lang="de-DE" sz="2400" b="1" u="sng" dirty="0">
+                <a:latin typeface="Calibri" panose="020F0502020204030204" pitchFamily="34" charset="0"/>
+                <a:ea typeface="Calibri" panose="020F0502020204030204" pitchFamily="34" charset="0"/>
+              </a:rPr>
+              <a:t>Buchstabeneingabe</a:t>
+            </a:r>
+            <a:endParaRPr lang="de-DE" sz="2400" b="1" u="sng" dirty="0">
+              <a:effectLst/>
+              <a:latin typeface="Calibri" panose="020F0502020204030204" pitchFamily="34" charset="0"/>
+              <a:ea typeface="Calibri" panose="020F0502020204030204" pitchFamily="34" charset="0"/>
+            </a:endParaRPr>
+          </a:p>
+          <a:p>
+            <a:pPr>
+              <a:lnSpc>
+                <a:spcPct val="107000"/>
+              </a:lnSpc>
+              <a:spcAft>
+                <a:spcPts val="800"/>
+              </a:spcAft>
+            </a:pPr>
+            <a:r>
+              <a:rPr lang="de-DE" sz="1800" dirty="0">
+                <a:effectLst/>
+                <a:latin typeface="Calibri" panose="020F0502020204030204" pitchFamily="34" charset="0"/>
+                <a:ea typeface="Calibri" panose="020F0502020204030204" pitchFamily="34" charset="0"/>
+              </a:rPr>
+              <a:t>neue Klasse Spiel anlegen</a:t>
+            </a:r>
+          </a:p>
+          <a:p>
+            <a:pPr>
+              <a:lnSpc>
+                <a:spcPct val="107000"/>
+              </a:lnSpc>
+              <a:spcAft>
+                <a:spcPts val="800"/>
+              </a:spcAft>
+            </a:pPr>
+            <a:r>
+              <a:rPr lang="de-DE" sz="1800" dirty="0">
+                <a:effectLst/>
+                <a:latin typeface="Calibri" panose="020F0502020204030204" pitchFamily="34" charset="0"/>
+                <a:ea typeface="Calibri" panose="020F0502020204030204" pitchFamily="34" charset="0"/>
+              </a:rPr>
+              <a:t>Funktion zur Buchstabeneingabe programmieren mit den verschiedenen Bedingungen</a:t>
+            </a:r>
+          </a:p>
+          <a:p>
+            <a:pPr>
+              <a:lnSpc>
+                <a:spcPct val="107000"/>
+              </a:lnSpc>
+              <a:spcAft>
+                <a:spcPts val="800"/>
+              </a:spcAft>
+            </a:pPr>
+            <a:r>
+              <a:rPr lang="de-DE" sz="1800" dirty="0">
+                <a:latin typeface="Calibri" panose="020F0502020204030204" pitchFamily="34" charset="0"/>
+              </a:rPr>
+              <a:t>ein Char, damit nur der erste Buchstabe genommen wird</a:t>
+            </a:r>
+          </a:p>
+          <a:p>
+            <a:pPr>
+              <a:lnSpc>
+                <a:spcPct val="107000"/>
+              </a:lnSpc>
+              <a:spcAft>
+                <a:spcPts val="800"/>
+              </a:spcAft>
+            </a:pPr>
+            <a:r>
+              <a:rPr lang="de-DE" sz="1800" dirty="0">
+                <a:effectLst/>
+                <a:latin typeface="Calibri" panose="020F0502020204030204" pitchFamily="34" charset="0"/>
+                <a:ea typeface="Calibri" panose="020F0502020204030204" pitchFamily="34" charset="0"/>
+              </a:rPr>
+              <a:t>ein </a:t>
+            </a:r>
+            <a:r>
+              <a:rPr lang="de-DE" sz="1800" dirty="0">
+                <a:solidFill>
+                  <a:srgbClr val="000000"/>
+                </a:solidFill>
+                <a:effectLst/>
+                <a:latin typeface="Calibri" panose="020F0502020204030204" pitchFamily="34" charset="0"/>
+                <a:ea typeface="Calibri" panose="020F0502020204030204" pitchFamily="34" charset="0"/>
+              </a:rPr>
+              <a:t>Array mit den Buchstaben an der entsprechenden Stelle vom Wort für die Ausgabe in der Konsole</a:t>
+            </a:r>
+            <a:endParaRPr lang="de-DE" sz="1800" dirty="0">
+              <a:effectLst/>
+              <a:latin typeface="Calibri" panose="020F0502020204030204" pitchFamily="34" charset="0"/>
+              <a:ea typeface="Calibri" panose="020F0502020204030204" pitchFamily="34" charset="0"/>
+            </a:endParaRPr>
+          </a:p>
+          <a:p>
+            <a:pPr marL="0" indent="0">
+              <a:lnSpc>
+                <a:spcPct val="107000"/>
+              </a:lnSpc>
+              <a:spcAft>
+                <a:spcPts val="800"/>
+              </a:spcAft>
+              <a:buNone/>
+            </a:pPr>
+            <a:r>
+              <a:rPr lang="de-DE" sz="1800" b="1" dirty="0">
+                <a:effectLst/>
+                <a:latin typeface="Calibri" panose="020F0502020204030204" pitchFamily="34" charset="0"/>
+                <a:ea typeface="Calibri" panose="020F0502020204030204" pitchFamily="34" charset="0"/>
+              </a:rPr>
+              <a:t>Bedingungen:</a:t>
+            </a:r>
+          </a:p>
+          <a:p>
+            <a:pPr lvl="1">
+              <a:lnSpc>
+                <a:spcPct val="107000"/>
+              </a:lnSpc>
+              <a:spcAft>
+                <a:spcPts val="800"/>
+              </a:spcAft>
+            </a:pPr>
+            <a:r>
+              <a:rPr lang="de-DE" sz="1800" dirty="0">
+                <a:effectLst/>
+                <a:latin typeface="Calibri" panose="020F0502020204030204" pitchFamily="34" charset="0"/>
+                <a:ea typeface="Calibri" panose="020F0502020204030204" pitchFamily="34" charset="0"/>
+              </a:rPr>
+              <a:t>Mindestens 2 Zeichen lang</a:t>
+            </a:r>
+          </a:p>
+          <a:p>
+            <a:pPr lvl="1">
+              <a:lnSpc>
+                <a:spcPct val="107000"/>
+              </a:lnSpc>
+              <a:spcAft>
+                <a:spcPts val="800"/>
+              </a:spcAft>
+            </a:pPr>
+            <a:r>
+              <a:rPr lang="de-DE" sz="1800" dirty="0">
+                <a:latin typeface="Calibri" panose="020F0502020204030204" pitchFamily="34" charset="0"/>
+                <a:ea typeface="Calibri" panose="020F0502020204030204" pitchFamily="34" charset="0"/>
+              </a:rPr>
+              <a:t>e</a:t>
+            </a:r>
+            <a:r>
+              <a:rPr lang="de-DE" sz="1800" dirty="0">
+                <a:effectLst/>
+                <a:latin typeface="Calibri" panose="020F0502020204030204" pitchFamily="34" charset="0"/>
+                <a:ea typeface="Calibri" panose="020F0502020204030204" pitchFamily="34" charset="0"/>
+              </a:rPr>
+              <a:t>nthält keine Leerzeichen oder Sonderzeichen </a:t>
+            </a:r>
+            <a:endParaRPr lang="de-DE" sz="1800" dirty="0">
+              <a:latin typeface="Calibri" panose="020F0502020204030204" pitchFamily="34" charset="0"/>
+              <a:ea typeface="Calibri" panose="020F0502020204030204" pitchFamily="34" charset="0"/>
+            </a:endParaRPr>
+          </a:p>
+          <a:p>
+            <a:endParaRPr lang="de-DE" dirty="0"/>
+          </a:p>
+        </p:txBody>
+      </p:sp>
+      <p:sp>
+        <p:nvSpPr>
+          <p:cNvPr id="7" name="Rechteck 6">
+            <a:extLst>
+              <a:ext uri="{FF2B5EF4-FFF2-40B4-BE49-F238E27FC236}">
+                <a16:creationId xmlns:a16="http://schemas.microsoft.com/office/drawing/2014/main" id="{1F3EFD7F-04D1-4C23-B5DA-46F330BF3A31}"/>
+              </a:ext>
+            </a:extLst>
+          </p:cNvPr>
+          <p:cNvSpPr/>
           <p:nvPr/>
         </p:nvSpPr>
         <p:spPr>
           <a:xfrm>
-            <a:off x="10251642" y="182562"/>
-            <a:ext cx="1662546" cy="404658"/>
+            <a:off x="10058400" y="6176964"/>
+            <a:ext cx="1299411" cy="608848"/>
           </a:xfrm>
           <a:prstGeom prst="rect">
             <a:avLst/>
           </a:prstGeom>
-          <a:noFill/>
+          <a:solidFill>
+            <a:schemeClr val="bg1"/>
+          </a:solidFill>
+          <a:ln>
+            <a:noFill/>
+          </a:ln>
         </p:spPr>
-        <p:txBody>
-          <a:bodyPr wrap="square" lIns="0" tIns="36000" rIns="0" bIns="0" rtlCol="0">
-            <a:spAutoFit/>
-          </a:bodyPr>
+        <p:style>
+          <a:lnRef idx="2">
+            <a:schemeClr val="accent1">
+              <a:shade val="50000"/>
+            </a:schemeClr>
+          </a:lnRef>
+          <a:fillRef idx="1">
+            <a:schemeClr val="accent1"/>
+          </a:fillRef>
+          <a:effectRef idx="0">
+            <a:schemeClr val="accent1"/>
+          </a:effectRef>
+          <a:fontRef idx="minor">
+            <a:schemeClr val="lt1"/>
+          </a:fontRef>
+        </p:style>
+        <p:txBody>
+          <a:bodyPr rtlCol="0" anchor="ctr"/>
           <a:lstStyle/>
           <a:p>
-            <a:pPr algn="r" rtl="0">
-              <a:lnSpc>
-                <a:spcPts val="1400"/>
-              </a:lnSpc>
-            </a:pPr>
-            <a:r>
-              <a:rPr lang="de-DE" sz="1600" b="1" spc="-100" dirty="0">
-                <a:solidFill>
-                  <a:schemeClr val="tx1">
-                    <a:lumMod val="50000"/>
-                    <a:lumOff val="50000"/>
-                  </a:schemeClr>
-                </a:solidFill>
-                <a:latin typeface="Corbel" panose="020B0503020204020204" pitchFamily="34" charset="0"/>
-              </a:rPr>
-              <a:t>Programmieren</a:t>
-            </a:r>
-            <a:r>
-              <a:rPr lang="de-DE" sz="1600" b="1" spc="-100" dirty="0">
-                <a:solidFill>
-                  <a:schemeClr val="accent1"/>
-                </a:solidFill>
-                <a:latin typeface="Corbel" panose="020B0503020204020204" pitchFamily="34" charset="0"/>
-              </a:rPr>
-              <a:t> </a:t>
-            </a:r>
-            <a:r>
-              <a:rPr lang="de-DE" sz="1600" b="1" spc="-100" dirty="0">
-                <a:latin typeface="Corbel" panose="020B0503020204020204" pitchFamily="34" charset="0"/>
-              </a:rPr>
-              <a:t>ON22</a:t>
-            </a:r>
-            <a:endParaRPr lang="de-DE" sz="1600" b="1" spc="-100" dirty="0">
-              <a:solidFill>
-                <a:schemeClr val="tx1"/>
-              </a:solidFill>
-              <a:latin typeface="Corbel" panose="020B0503020204020204" pitchFamily="34" charset="0"/>
-            </a:endParaRPr>
+            <a:pPr algn="ctr"/>
+            <a:endParaRPr lang="de-DE"/>
           </a:p>
         </p:txBody>
       </p:sp>
     </p:spTree>
     <p:extLst>
       <p:ext uri="{BB962C8B-B14F-4D97-AF65-F5344CB8AC3E}">
-        <p14:creationId xmlns:p14="http://schemas.microsoft.com/office/powerpoint/2010/main" val="497035229"/>
+        <p14:creationId xmlns:p14="http://schemas.microsoft.com/office/powerpoint/2010/main" val="1927076411"/>
       </p:ext>
     </p:extLst>
   </p:cSld>
@@ -9748,77 +10227,350 @@
       </p:grpSpPr>
       <p:sp>
         <p:nvSpPr>
-          <p:cNvPr id="22" name="Textfeld 21">
-            <a:extLst>
-              <a:ext uri="{FF2B5EF4-FFF2-40B4-BE49-F238E27FC236}">
-                <a16:creationId xmlns:a16="http://schemas.microsoft.com/office/drawing/2014/main" id="{19352CF6-0F22-45A8-B28B-37FAFCE5C5D6}"/>
-              </a:ext>
-            </a:extLst>
-          </p:cNvPr>
-          <p:cNvSpPr txBox="1"/>
-          <p:nvPr/>
+          <p:cNvPr id="2" name="Titel 1">
+            <a:extLst>
+              <a:ext uri="{FF2B5EF4-FFF2-40B4-BE49-F238E27FC236}">
+                <a16:creationId xmlns:a16="http://schemas.microsoft.com/office/drawing/2014/main" id="{EA54CF6B-B10C-4735-B257-CDDB3C8EA3F6}"/>
+              </a:ext>
+            </a:extLst>
+          </p:cNvPr>
+          <p:cNvSpPr>
+            <a:spLocks noGrp="1"/>
+          </p:cNvSpPr>
+          <p:nvPr>
+            <p:ph type="title"/>
+          </p:nvPr>
+        </p:nvSpPr>
+        <p:spPr/>
+        <p:txBody>
+          <a:bodyPr/>
+          <a:lstStyle/>
+          <a:p>
+            <a:r>
+              <a:rPr lang="de-DE" dirty="0"/>
+              <a:t>Benötigte Funktionen</a:t>
+            </a:r>
+          </a:p>
+        </p:txBody>
+      </p:sp>
+      <p:sp>
+        <p:nvSpPr>
+          <p:cNvPr id="3" name="Foliennummernplatzhalter 2">
+            <a:extLst>
+              <a:ext uri="{FF2B5EF4-FFF2-40B4-BE49-F238E27FC236}">
+                <a16:creationId xmlns:a16="http://schemas.microsoft.com/office/drawing/2014/main" id="{88071F06-B6F6-4E7D-97ED-79D91287B15D}"/>
+              </a:ext>
+            </a:extLst>
+          </p:cNvPr>
+          <p:cNvSpPr>
+            <a:spLocks noGrp="1"/>
+          </p:cNvSpPr>
+          <p:nvPr>
+            <p:ph type="sldNum" sz="quarter" idx="33"/>
+          </p:nvPr>
+        </p:nvSpPr>
+        <p:spPr/>
+        <p:txBody>
+          <a:bodyPr/>
+          <a:lstStyle/>
+          <a:p>
+            <a:pPr rtl="0"/>
+            <a:fld id="{19B51A1E-902D-48AF-9020-955120F399B6}" type="slidenum">
+              <a:rPr lang="de-DE" noProof="0" smtClean="0"/>
+              <a:pPr rtl="0"/>
+              <a:t>5</a:t>
+            </a:fld>
+            <a:endParaRPr lang="de-DE" noProof="0"/>
+          </a:p>
+        </p:txBody>
+      </p:sp>
+      <p:sp>
+        <p:nvSpPr>
+          <p:cNvPr id="4" name="Inhaltsplatzhalter 3">
+            <a:extLst>
+              <a:ext uri="{FF2B5EF4-FFF2-40B4-BE49-F238E27FC236}">
+                <a16:creationId xmlns:a16="http://schemas.microsoft.com/office/drawing/2014/main" id="{0C4D8DE7-85ED-4221-AD32-3A7A5B47185B}"/>
+              </a:ext>
+            </a:extLst>
+          </p:cNvPr>
+          <p:cNvSpPr>
+            <a:spLocks noGrp="1"/>
+          </p:cNvSpPr>
+          <p:nvPr>
+            <p:ph idx="1"/>
+          </p:nvPr>
         </p:nvSpPr>
         <p:spPr>
           <a:xfrm>
-            <a:off x="10251642" y="182562"/>
-            <a:ext cx="1662546" cy="404658"/>
+            <a:off x="432000" y="1046375"/>
+            <a:ext cx="9198000" cy="5739436"/>
+          </a:xfrm>
+        </p:spPr>
+        <p:txBody>
+          <a:bodyPr/>
+          <a:lstStyle/>
+          <a:p>
+            <a:pPr marL="0" indent="0">
+              <a:lnSpc>
+                <a:spcPct val="107000"/>
+              </a:lnSpc>
+              <a:spcAft>
+                <a:spcPts val="800"/>
+              </a:spcAft>
+              <a:buNone/>
+            </a:pPr>
+            <a:r>
+              <a:rPr lang="de-DE" sz="2400" b="1" u="sng" dirty="0">
+                <a:effectLst/>
+                <a:latin typeface="Calibri" panose="020F0502020204030204" pitchFamily="34" charset="0"/>
+                <a:ea typeface="Calibri" panose="020F0502020204030204" pitchFamily="34" charset="0"/>
+              </a:rPr>
+              <a:t>Spielablauf</a:t>
+            </a:r>
+          </a:p>
+          <a:p>
+            <a:pPr marL="0" indent="0">
+              <a:lnSpc>
+                <a:spcPct val="107000"/>
+              </a:lnSpc>
+              <a:spcAft>
+                <a:spcPts val="800"/>
+              </a:spcAft>
+              <a:buNone/>
+            </a:pPr>
+            <a:r>
+              <a:rPr lang="de-DE" sz="1800" b="1" dirty="0">
+                <a:effectLst/>
+                <a:latin typeface="Calibri" panose="020F0502020204030204" pitchFamily="34" charset="0"/>
+                <a:ea typeface="Calibri" panose="020F0502020204030204" pitchFamily="34" charset="0"/>
+              </a:rPr>
+              <a:t>Funktionen:</a:t>
+            </a:r>
+          </a:p>
+          <a:p>
+            <a:pPr>
+              <a:lnSpc>
+                <a:spcPct val="107000"/>
+              </a:lnSpc>
+              <a:spcAft>
+                <a:spcPts val="800"/>
+              </a:spcAft>
+            </a:pPr>
+            <a:r>
+              <a:rPr lang="de-DE" sz="1800" dirty="0">
+                <a:effectLst/>
+                <a:latin typeface="Calibri" panose="020F0502020204030204" pitchFamily="34" charset="0"/>
+                <a:ea typeface="Calibri" panose="020F0502020204030204" pitchFamily="34" charset="0"/>
+              </a:rPr>
+              <a:t>„</a:t>
+            </a:r>
+            <a:r>
+              <a:rPr lang="de-DE" sz="1800" dirty="0" err="1">
+                <a:effectLst/>
+                <a:latin typeface="Calibri" panose="020F0502020204030204" pitchFamily="34" charset="0"/>
+                <a:ea typeface="Calibri" panose="020F0502020204030204" pitchFamily="34" charset="0"/>
+              </a:rPr>
+              <a:t>zeichneSpiel</a:t>
+            </a:r>
+            <a:r>
+              <a:rPr lang="de-DE" sz="1800" dirty="0">
+                <a:effectLst/>
+                <a:latin typeface="Calibri" panose="020F0502020204030204" pitchFamily="34" charset="0"/>
+                <a:ea typeface="Calibri" panose="020F0502020204030204" pitchFamily="34" charset="0"/>
+              </a:rPr>
+              <a:t>“, um die Zeichnung dann auch ausgeben zu können</a:t>
+            </a:r>
+          </a:p>
+          <a:p>
+            <a:pPr>
+              <a:lnSpc>
+                <a:spcPct val="107000"/>
+              </a:lnSpc>
+              <a:spcAft>
+                <a:spcPts val="800"/>
+              </a:spcAft>
+            </a:pPr>
+            <a:r>
+              <a:rPr lang="de-DE" dirty="0">
+                <a:latin typeface="Calibri" panose="020F0502020204030204" pitchFamily="34" charset="0"/>
+                <a:ea typeface="Calibri" panose="020F0502020204030204" pitchFamily="34" charset="0"/>
+              </a:rPr>
+              <a:t>„</a:t>
+            </a:r>
+            <a:r>
+              <a:rPr lang="de-DE" dirty="0" err="1">
+                <a:latin typeface="Calibri" panose="020F0502020204030204" pitchFamily="34" charset="0"/>
+                <a:ea typeface="Calibri" panose="020F0502020204030204" pitchFamily="34" charset="0"/>
+              </a:rPr>
+              <a:t>vergleichechar</a:t>
+            </a:r>
+            <a:r>
+              <a:rPr lang="de-DE" dirty="0">
+                <a:latin typeface="Calibri" panose="020F0502020204030204" pitchFamily="34" charset="0"/>
+                <a:ea typeface="Calibri" panose="020F0502020204030204" pitchFamily="34" charset="0"/>
+              </a:rPr>
+              <a:t>“</a:t>
+            </a:r>
+          </a:p>
+          <a:p>
+            <a:pPr>
+              <a:lnSpc>
+                <a:spcPct val="107000"/>
+              </a:lnSpc>
+              <a:spcAft>
+                <a:spcPts val="800"/>
+              </a:spcAft>
+            </a:pPr>
+            <a:r>
+              <a:rPr lang="de-DE" dirty="0">
+                <a:latin typeface="Calibri" panose="020F0502020204030204" pitchFamily="34" charset="0"/>
+                <a:ea typeface="Calibri" panose="020F0502020204030204" pitchFamily="34" charset="0"/>
+              </a:rPr>
+              <a:t>„Schonversucht“</a:t>
+            </a:r>
+          </a:p>
+          <a:p>
+            <a:pPr>
+              <a:lnSpc>
+                <a:spcPct val="107000"/>
+              </a:lnSpc>
+              <a:spcAft>
+                <a:spcPts val="800"/>
+              </a:spcAft>
+            </a:pPr>
+            <a:r>
+              <a:rPr lang="de-DE" dirty="0">
+                <a:latin typeface="Calibri" panose="020F0502020204030204" pitchFamily="34" charset="0"/>
+                <a:ea typeface="Calibri" panose="020F0502020204030204" pitchFamily="34" charset="0"/>
+              </a:rPr>
+              <a:t>„</a:t>
+            </a:r>
+            <a:r>
+              <a:rPr lang="de-DE" dirty="0" err="1">
+                <a:latin typeface="Calibri" panose="020F0502020204030204" pitchFamily="34" charset="0"/>
+                <a:ea typeface="Calibri" panose="020F0502020204030204" pitchFamily="34" charset="0"/>
+              </a:rPr>
+              <a:t>getstatus</a:t>
+            </a:r>
+            <a:r>
+              <a:rPr lang="de-DE" dirty="0">
+                <a:latin typeface="Calibri" panose="020F0502020204030204" pitchFamily="34" charset="0"/>
+                <a:ea typeface="Calibri" panose="020F0502020204030204" pitchFamily="34" charset="0"/>
+              </a:rPr>
+              <a:t>“ aktueller Spielstatus</a:t>
+            </a:r>
+          </a:p>
+          <a:p>
+            <a:pPr>
+              <a:lnSpc>
+                <a:spcPct val="107000"/>
+              </a:lnSpc>
+              <a:spcAft>
+                <a:spcPts val="800"/>
+              </a:spcAft>
+            </a:pPr>
+            <a:r>
+              <a:rPr lang="de-DE" dirty="0">
+                <a:latin typeface="Calibri" panose="020F0502020204030204" pitchFamily="34" charset="0"/>
+                <a:ea typeface="Calibri" panose="020F0502020204030204" pitchFamily="34" charset="0"/>
+              </a:rPr>
+              <a:t>„</a:t>
+            </a:r>
+            <a:r>
+              <a:rPr lang="de-DE" sz="1800" dirty="0">
+                <a:effectLst/>
+                <a:latin typeface="Calibri" panose="020F0502020204030204" pitchFamily="34" charset="0"/>
+                <a:ea typeface="Calibri" panose="020F0502020204030204" pitchFamily="34" charset="0"/>
+              </a:rPr>
+              <a:t>Hurra! Deine Eingabe war richtig!”, wenn Eingabe richtig war</a:t>
+            </a:r>
+          </a:p>
+          <a:p>
+            <a:pPr>
+              <a:lnSpc>
+                <a:spcPct val="107000"/>
+              </a:lnSpc>
+              <a:spcAft>
+                <a:spcPts val="800"/>
+              </a:spcAft>
+            </a:pPr>
+            <a:r>
+              <a:rPr lang="de-DE" dirty="0">
+                <a:latin typeface="Calibri" panose="020F0502020204030204" pitchFamily="34" charset="0"/>
+                <a:ea typeface="Calibri" panose="020F0502020204030204" pitchFamily="34" charset="0"/>
+              </a:rPr>
+              <a:t>„Das war leider falsch“, wenn Eingabe falsch war</a:t>
+            </a:r>
+            <a:endParaRPr lang="de-DE" sz="1800" dirty="0">
+              <a:effectLst/>
+              <a:latin typeface="Calibri" panose="020F0502020204030204" pitchFamily="34" charset="0"/>
+              <a:ea typeface="Calibri" panose="020F0502020204030204" pitchFamily="34" charset="0"/>
+            </a:endParaRPr>
+          </a:p>
+          <a:p>
+            <a:pPr marL="0" indent="0">
+              <a:buNone/>
+            </a:pPr>
+            <a:endParaRPr lang="de-DE" dirty="0"/>
+          </a:p>
+        </p:txBody>
+      </p:sp>
+      <p:sp>
+        <p:nvSpPr>
+          <p:cNvPr id="5" name="Rechteck 4">
+            <a:extLst>
+              <a:ext uri="{FF2B5EF4-FFF2-40B4-BE49-F238E27FC236}">
+                <a16:creationId xmlns:a16="http://schemas.microsoft.com/office/drawing/2014/main" id="{E1EA9DF8-961A-4A9C-8D9D-EB878DA88287}"/>
+              </a:ext>
+            </a:extLst>
+          </p:cNvPr>
+          <p:cNvSpPr/>
+          <p:nvPr/>
+        </p:nvSpPr>
+        <p:spPr>
+          <a:xfrm>
+            <a:off x="10090341" y="6176963"/>
+            <a:ext cx="1299411" cy="608848"/>
           </a:xfrm>
           <a:prstGeom prst="rect">
             <a:avLst/>
           </a:prstGeom>
-          <a:noFill/>
+          <a:solidFill>
+            <a:schemeClr val="bg1"/>
+          </a:solidFill>
+          <a:ln>
+            <a:noFill/>
+          </a:ln>
         </p:spPr>
-        <p:txBody>
-          <a:bodyPr wrap="square" lIns="0" tIns="36000" rIns="0" bIns="0" rtlCol="0">
-            <a:spAutoFit/>
-          </a:bodyPr>
+        <p:style>
+          <a:lnRef idx="2">
+            <a:schemeClr val="accent1">
+              <a:shade val="50000"/>
+            </a:schemeClr>
+          </a:lnRef>
+          <a:fillRef idx="1">
+            <a:schemeClr val="accent1"/>
+          </a:fillRef>
+          <a:effectRef idx="0">
+            <a:schemeClr val="accent1"/>
+          </a:effectRef>
+          <a:fontRef idx="minor">
+            <a:schemeClr val="lt1"/>
+          </a:fontRef>
+        </p:style>
+        <p:txBody>
+          <a:bodyPr rtlCol="0" anchor="ctr"/>
           <a:lstStyle/>
           <a:p>
-            <a:pPr algn="r" rtl="0">
-              <a:lnSpc>
-                <a:spcPts val="1400"/>
-              </a:lnSpc>
-            </a:pPr>
-            <a:r>
-              <a:rPr lang="de-DE" sz="1600" b="1" spc="-100" dirty="0">
-                <a:solidFill>
-                  <a:schemeClr val="tx1">
-                    <a:lumMod val="50000"/>
-                    <a:lumOff val="50000"/>
-                  </a:schemeClr>
-                </a:solidFill>
-                <a:latin typeface="Corbel" panose="020B0503020204020204" pitchFamily="34" charset="0"/>
-              </a:rPr>
-              <a:t>Programmieren</a:t>
-            </a:r>
-            <a:r>
-              <a:rPr lang="de-DE" sz="1600" b="1" spc="-100" dirty="0">
-                <a:solidFill>
-                  <a:schemeClr val="accent1"/>
-                </a:solidFill>
-                <a:latin typeface="Corbel" panose="020B0503020204020204" pitchFamily="34" charset="0"/>
-              </a:rPr>
-              <a:t> </a:t>
-            </a:r>
-            <a:r>
-              <a:rPr lang="de-DE" sz="1600" b="1" spc="-100" dirty="0">
-                <a:latin typeface="Corbel" panose="020B0503020204020204" pitchFamily="34" charset="0"/>
-              </a:rPr>
-              <a:t>ON22</a:t>
-            </a:r>
-            <a:endParaRPr lang="de-DE" sz="1600" b="1" spc="-100" dirty="0">
-              <a:solidFill>
-                <a:schemeClr val="tx1"/>
-              </a:solidFill>
-              <a:latin typeface="Corbel" panose="020B0503020204020204" pitchFamily="34" charset="0"/>
-            </a:endParaRPr>
+            <a:pPr algn="ctr"/>
+            <a:endParaRPr lang="de-DE"/>
           </a:p>
         </p:txBody>
       </p:sp>
     </p:spTree>
     <p:extLst>
       <p:ext uri="{BB962C8B-B14F-4D97-AF65-F5344CB8AC3E}">
-        <p14:creationId xmlns:p14="http://schemas.microsoft.com/office/powerpoint/2010/main" val="1228077506"/>
+        <p14:creationId xmlns:p14="http://schemas.microsoft.com/office/powerpoint/2010/main" val="3274982756"/>
       </p:ext>
     </p:extLst>
   </p:cSld>
@@ -9847,103 +10599,424 @@
       </p:grpSpPr>
       <p:sp>
         <p:nvSpPr>
-          <p:cNvPr id="20" name="Titel 19">
-            <a:extLst>
-              <a:ext uri="{FF2B5EF4-FFF2-40B4-BE49-F238E27FC236}">
-                <a16:creationId xmlns:a16="http://schemas.microsoft.com/office/drawing/2014/main" id="{F11A6B65-5A20-4F4D-ACBB-ED50132D4571}"/>
-              </a:ext>
-            </a:extLst>
-          </p:cNvPr>
-          <p:cNvSpPr>
-            <a:spLocks noGrp="1"/>
-          </p:cNvSpPr>
-          <p:nvPr>
-            <p:ph type="ctrTitle"/>
-          </p:nvPr>
-        </p:nvSpPr>
-        <p:spPr>
-          <a:xfrm>
-            <a:off x="2696875" y="2112793"/>
-            <a:ext cx="6798250" cy="1674470"/>
-          </a:xfrm>
-        </p:spPr>
-        <p:txBody>
-          <a:bodyPr rtlCol="0"/>
+          <p:cNvPr id="2" name="Titel 1">
+            <a:extLst>
+              <a:ext uri="{FF2B5EF4-FFF2-40B4-BE49-F238E27FC236}">
+                <a16:creationId xmlns:a16="http://schemas.microsoft.com/office/drawing/2014/main" id="{27F4C7B4-7678-4C85-8CBD-5AE147B21F84}"/>
+              </a:ext>
+            </a:extLst>
+          </p:cNvPr>
+          <p:cNvSpPr>
+            <a:spLocks noGrp="1"/>
+          </p:cNvSpPr>
+          <p:nvPr>
+            <p:ph type="title"/>
+          </p:nvPr>
+        </p:nvSpPr>
+        <p:spPr/>
+        <p:txBody>
+          <a:bodyPr/>
           <a:lstStyle/>
           <a:p>
+            <a:r>
+              <a:rPr lang="de-DE" dirty="0"/>
+              <a:t>Benötigte Funktionen</a:t>
+            </a:r>
+          </a:p>
+        </p:txBody>
+      </p:sp>
+      <p:sp>
+        <p:nvSpPr>
+          <p:cNvPr id="3" name="Foliennummernplatzhalter 2">
+            <a:extLst>
+              <a:ext uri="{FF2B5EF4-FFF2-40B4-BE49-F238E27FC236}">
+                <a16:creationId xmlns:a16="http://schemas.microsoft.com/office/drawing/2014/main" id="{C73B1146-D82F-42C9-A9B7-9567CC6A6A1D}"/>
+              </a:ext>
+            </a:extLst>
+          </p:cNvPr>
+          <p:cNvSpPr>
+            <a:spLocks noGrp="1"/>
+          </p:cNvSpPr>
+          <p:nvPr>
+            <p:ph type="sldNum" sz="quarter" idx="33"/>
+          </p:nvPr>
+        </p:nvSpPr>
+        <p:spPr/>
+        <p:txBody>
+          <a:bodyPr/>
+          <a:lstStyle/>
+          <a:p>
             <a:pPr rtl="0"/>
-            <a:r>
-              <a:rPr lang="de-DE" dirty="0"/>
-              <a:t>VIELEN DANK!</a:t>
-            </a:r>
-          </a:p>
-        </p:txBody>
-      </p:sp>
-      <p:sp>
-        <p:nvSpPr>
-          <p:cNvPr id="4" name="Textplatzhalter 3">
-            <a:extLst>
-              <a:ext uri="{FF2B5EF4-FFF2-40B4-BE49-F238E27FC236}">
-                <a16:creationId xmlns:a16="http://schemas.microsoft.com/office/drawing/2014/main" id="{60828E04-9C2A-4859-8050-C2DF67A249CB}"/>
-              </a:ext>
-            </a:extLst>
-          </p:cNvPr>
-          <p:cNvSpPr>
-            <a:spLocks noGrp="1"/>
-          </p:cNvSpPr>
-          <p:nvPr>
-            <p:ph type="body" sz="quarter" idx="15"/>
-          </p:nvPr>
-        </p:nvSpPr>
-        <p:spPr>
-          <a:xfrm>
-            <a:off x="1588625" y="3986566"/>
-            <a:ext cx="9014750" cy="447783"/>
-          </a:xfrm>
-        </p:spPr>
-        <p:txBody>
-          <a:bodyPr rtlCol="0"/>
+            <a:fld id="{19B51A1E-902D-48AF-9020-955120F399B6}" type="slidenum">
+              <a:rPr lang="de-DE" noProof="0" smtClean="0"/>
+              <a:pPr rtl="0"/>
+              <a:t>6</a:t>
+            </a:fld>
+            <a:endParaRPr lang="de-DE" noProof="0"/>
+          </a:p>
+        </p:txBody>
+      </p:sp>
+      <p:sp>
+        <p:nvSpPr>
+          <p:cNvPr id="4" name="Inhaltsplatzhalter 3">
+            <a:extLst>
+              <a:ext uri="{FF2B5EF4-FFF2-40B4-BE49-F238E27FC236}">
+                <a16:creationId xmlns:a16="http://schemas.microsoft.com/office/drawing/2014/main" id="{1C7DA80F-C068-4541-88E7-B863D573A0E2}"/>
+              </a:ext>
+            </a:extLst>
+          </p:cNvPr>
+          <p:cNvSpPr>
+            <a:spLocks noGrp="1"/>
+          </p:cNvSpPr>
+          <p:nvPr>
+            <p:ph idx="1"/>
+          </p:nvPr>
+        </p:nvSpPr>
+        <p:spPr/>
+        <p:txBody>
+          <a:bodyPr/>
           <a:lstStyle/>
           <a:p>
-            <a:pPr algn="ctr" rtl="0"/>
-            <a:r>
-              <a:rPr lang="de-DE" dirty="0"/>
-              <a:t>Celine Gugel, Lena Steinbrink, Valentin Müller, </a:t>
-            </a:r>
-          </a:p>
-          <a:p>
-            <a:pPr algn="ctr" rtl="0"/>
-            <a:r>
-              <a:rPr lang="de-DE" dirty="0"/>
-              <a:t>Jannik Oßwald , Thi </a:t>
-            </a:r>
-            <a:r>
-              <a:rPr lang="de-DE" dirty="0" err="1"/>
-              <a:t>Tuong</a:t>
-            </a:r>
-            <a:r>
-              <a:rPr lang="de-DE" dirty="0"/>
+            <a:pPr marL="0" indent="0">
+              <a:lnSpc>
+                <a:spcPct val="107000"/>
+              </a:lnSpc>
+              <a:spcAft>
+                <a:spcPts val="800"/>
+              </a:spcAft>
+              <a:buNone/>
+            </a:pPr>
+            <a:r>
+              <a:rPr lang="de-DE" sz="1800" b="1" dirty="0">
+                <a:effectLst/>
+                <a:latin typeface="Calibri" panose="020F0502020204030204" pitchFamily="34" charset="0"/>
+                <a:ea typeface="Calibri" panose="020F0502020204030204" pitchFamily="34" charset="0"/>
+              </a:rPr>
+              <a:t>Variablen:</a:t>
+            </a:r>
+          </a:p>
+          <a:p>
+            <a:pPr>
+              <a:lnSpc>
+                <a:spcPct val="107000"/>
+              </a:lnSpc>
+              <a:spcAft>
+                <a:spcPts val="800"/>
+              </a:spcAft>
+            </a:pPr>
+            <a:r>
+              <a:rPr lang="de-DE" sz="1800" i="1" dirty="0" err="1">
+                <a:solidFill>
+                  <a:srgbClr val="000000"/>
+                </a:solidFill>
+                <a:effectLst/>
+                <a:latin typeface="Calibri" panose="020F0502020204030204" pitchFamily="34" charset="0"/>
+                <a:ea typeface="Calibri" panose="020F0502020204030204" pitchFamily="34" charset="0"/>
+              </a:rPr>
+              <a:t>anzahlFalscheBuchstaben</a:t>
+            </a:r>
+            <a:r>
+              <a:rPr lang="de-DE" sz="1800" i="1" dirty="0">
+                <a:solidFill>
+                  <a:srgbClr val="000000"/>
+                </a:solidFill>
+                <a:effectLst/>
+                <a:latin typeface="Calibri" panose="020F0502020204030204" pitchFamily="34" charset="0"/>
+                <a:ea typeface="Calibri" panose="020F0502020204030204" pitchFamily="34" charset="0"/>
+              </a:rPr>
+              <a:t> (</a:t>
+            </a:r>
+            <a:r>
+              <a:rPr lang="de-DE" sz="1800" i="1" u="sng" dirty="0" err="1">
+                <a:solidFill>
+                  <a:srgbClr val="000000"/>
+                </a:solidFill>
+                <a:effectLst/>
+                <a:latin typeface="Calibri" panose="020F0502020204030204" pitchFamily="34" charset="0"/>
+                <a:ea typeface="Calibri" panose="020F0502020204030204" pitchFamily="34" charset="0"/>
+              </a:rPr>
+              <a:t>int</a:t>
+            </a:r>
+            <a:r>
+              <a:rPr lang="de-DE" sz="1800" i="1" dirty="0">
+                <a:solidFill>
+                  <a:srgbClr val="000000"/>
+                </a:solidFill>
+                <a:effectLst/>
+                <a:latin typeface="Calibri" panose="020F0502020204030204" pitchFamily="34" charset="0"/>
+                <a:ea typeface="Calibri" panose="020F0502020204030204" pitchFamily="34" charset="0"/>
+              </a:rPr>
+              <a:t>)</a:t>
+            </a:r>
+            <a:endParaRPr lang="de-DE" i="1" dirty="0">
+              <a:solidFill>
+                <a:srgbClr val="000000"/>
+              </a:solidFill>
+              <a:latin typeface="Calibri" panose="020F0502020204030204" pitchFamily="34" charset="0"/>
+              <a:ea typeface="Calibri" panose="020F0502020204030204" pitchFamily="34" charset="0"/>
+            </a:endParaRPr>
+          </a:p>
+          <a:p>
+            <a:pPr>
+              <a:lnSpc>
+                <a:spcPct val="107000"/>
+              </a:lnSpc>
+              <a:spcAft>
+                <a:spcPts val="800"/>
+              </a:spcAft>
+            </a:pPr>
+            <a:r>
+              <a:rPr lang="de-DE" sz="1800" i="1" dirty="0">
+                <a:solidFill>
+                  <a:srgbClr val="000000"/>
+                </a:solidFill>
+                <a:effectLst/>
+                <a:latin typeface="Calibri" panose="020F0502020204030204" pitchFamily="34" charset="0"/>
+                <a:ea typeface="Calibri" panose="020F0502020204030204" pitchFamily="34" charset="0"/>
+              </a:rPr>
               <a:t> </a:t>
             </a:r>
             <a:r>
-              <a:rPr lang="de-DE" dirty="0" err="1"/>
-              <a:t>Vy</a:t>
-            </a:r>
-            <a:r>
-              <a:rPr lang="de-DE" dirty="0"/>
-              <a:t> Nguyen</a:t>
-            </a:r>
-            <a:br>
-              <a:rPr lang="de-DE" dirty="0"/>
-            </a:br>
+              <a:rPr lang="de-DE" sz="1800" i="1" dirty="0" err="1">
+                <a:solidFill>
+                  <a:srgbClr val="000000"/>
+                </a:solidFill>
+                <a:effectLst/>
+                <a:latin typeface="Calibri" panose="020F0502020204030204" pitchFamily="34" charset="0"/>
+                <a:ea typeface="Calibri" panose="020F0502020204030204" pitchFamily="34" charset="0"/>
+              </a:rPr>
+              <a:t>spielVerloren</a:t>
+            </a:r>
+            <a:r>
+              <a:rPr lang="de-DE" sz="1800" i="1" dirty="0">
+                <a:solidFill>
+                  <a:srgbClr val="000000"/>
+                </a:solidFill>
+                <a:effectLst/>
+                <a:latin typeface="Calibri" panose="020F0502020204030204" pitchFamily="34" charset="0"/>
+                <a:ea typeface="Calibri" panose="020F0502020204030204" pitchFamily="34" charset="0"/>
+              </a:rPr>
+              <a:t> (</a:t>
+            </a:r>
+            <a:r>
+              <a:rPr lang="de-DE" sz="1800" i="1" dirty="0" err="1">
+                <a:solidFill>
+                  <a:srgbClr val="000000"/>
+                </a:solidFill>
+                <a:effectLst/>
+                <a:latin typeface="Calibri" panose="020F0502020204030204" pitchFamily="34" charset="0"/>
+                <a:ea typeface="Calibri" panose="020F0502020204030204" pitchFamily="34" charset="0"/>
+              </a:rPr>
+              <a:t>boolean</a:t>
+            </a:r>
+            <a:r>
+              <a:rPr lang="de-DE" sz="1800" i="1" dirty="0">
+                <a:solidFill>
+                  <a:srgbClr val="000000"/>
+                </a:solidFill>
+                <a:effectLst/>
+                <a:latin typeface="Calibri" panose="020F0502020204030204" pitchFamily="34" charset="0"/>
+                <a:ea typeface="Calibri" panose="020F0502020204030204" pitchFamily="34" charset="0"/>
+              </a:rPr>
+              <a:t>)</a:t>
+            </a:r>
+            <a:endParaRPr lang="de-DE" i="1" dirty="0">
+              <a:solidFill>
+                <a:srgbClr val="000000"/>
+              </a:solidFill>
+              <a:latin typeface="Calibri" panose="020F0502020204030204" pitchFamily="34" charset="0"/>
+              <a:ea typeface="Calibri" panose="020F0502020204030204" pitchFamily="34" charset="0"/>
+            </a:endParaRPr>
+          </a:p>
+          <a:p>
+            <a:pPr>
+              <a:lnSpc>
+                <a:spcPct val="107000"/>
+              </a:lnSpc>
+              <a:spcAft>
+                <a:spcPts val="800"/>
+              </a:spcAft>
+            </a:pPr>
+            <a:r>
+              <a:rPr lang="de-DE" sz="1800" i="1" dirty="0" err="1">
+                <a:solidFill>
+                  <a:srgbClr val="000000"/>
+                </a:solidFill>
+                <a:effectLst/>
+                <a:latin typeface="Calibri" panose="020F0502020204030204" pitchFamily="34" charset="0"/>
+                <a:ea typeface="Calibri" panose="020F0502020204030204" pitchFamily="34" charset="0"/>
+              </a:rPr>
+              <a:t>spielGewonnen</a:t>
+            </a:r>
+            <a:r>
+              <a:rPr lang="de-DE" sz="1800" i="1" dirty="0">
+                <a:solidFill>
+                  <a:srgbClr val="000000"/>
+                </a:solidFill>
+                <a:effectLst/>
+                <a:latin typeface="Calibri" panose="020F0502020204030204" pitchFamily="34" charset="0"/>
+                <a:ea typeface="Calibri" panose="020F0502020204030204" pitchFamily="34" charset="0"/>
+              </a:rPr>
+              <a:t> (</a:t>
+            </a:r>
+            <a:r>
+              <a:rPr lang="de-DE" sz="1800" i="1" dirty="0" err="1">
+                <a:solidFill>
+                  <a:srgbClr val="000000"/>
+                </a:solidFill>
+                <a:effectLst/>
+                <a:latin typeface="Calibri" panose="020F0502020204030204" pitchFamily="34" charset="0"/>
+                <a:ea typeface="Calibri" panose="020F0502020204030204" pitchFamily="34" charset="0"/>
+              </a:rPr>
+              <a:t>boolean</a:t>
+            </a:r>
+            <a:r>
+              <a:rPr lang="de-DE" sz="1800" i="1" dirty="0">
+                <a:solidFill>
+                  <a:srgbClr val="000000"/>
+                </a:solidFill>
+                <a:effectLst/>
+                <a:latin typeface="Calibri" panose="020F0502020204030204" pitchFamily="34" charset="0"/>
+                <a:ea typeface="Calibri" panose="020F0502020204030204" pitchFamily="34" charset="0"/>
+              </a:rPr>
+              <a:t>)</a:t>
+            </a:r>
+            <a:endParaRPr lang="de-DE" i="1" dirty="0">
+              <a:solidFill>
+                <a:srgbClr val="000000"/>
+              </a:solidFill>
+              <a:latin typeface="Calibri" panose="020F0502020204030204" pitchFamily="34" charset="0"/>
+              <a:ea typeface="Calibri" panose="020F0502020204030204" pitchFamily="34" charset="0"/>
+            </a:endParaRPr>
+          </a:p>
+          <a:p>
+            <a:pPr>
+              <a:lnSpc>
+                <a:spcPct val="107000"/>
+              </a:lnSpc>
+              <a:spcAft>
+                <a:spcPts val="800"/>
+              </a:spcAft>
+            </a:pPr>
+            <a:r>
+              <a:rPr lang="de-DE" sz="1800" i="1" dirty="0" err="1">
+                <a:solidFill>
+                  <a:srgbClr val="000000"/>
+                </a:solidFill>
+                <a:effectLst/>
+                <a:latin typeface="Calibri" panose="020F0502020204030204" pitchFamily="34" charset="0"/>
+                <a:ea typeface="Calibri" panose="020F0502020204030204" pitchFamily="34" charset="0"/>
+              </a:rPr>
+              <a:t>arrFalscheBuchstaben</a:t>
+            </a:r>
+            <a:endParaRPr lang="de-DE" i="1" dirty="0">
+              <a:solidFill>
+                <a:srgbClr val="000000"/>
+              </a:solidFill>
+              <a:latin typeface="Calibri" panose="020F0502020204030204" pitchFamily="34" charset="0"/>
+              <a:ea typeface="Calibri" panose="020F0502020204030204" pitchFamily="34" charset="0"/>
+            </a:endParaRPr>
+          </a:p>
+          <a:p>
+            <a:pPr>
+              <a:lnSpc>
+                <a:spcPct val="107000"/>
+              </a:lnSpc>
+              <a:spcAft>
+                <a:spcPts val="800"/>
+              </a:spcAft>
+            </a:pPr>
+            <a:r>
+              <a:rPr lang="de-DE" sz="1800" i="1" dirty="0" err="1">
+                <a:solidFill>
+                  <a:srgbClr val="000000"/>
+                </a:solidFill>
+                <a:effectLst/>
+                <a:latin typeface="Calibri" panose="020F0502020204030204" pitchFamily="34" charset="0"/>
+                <a:ea typeface="Calibri" panose="020F0502020204030204" pitchFamily="34" charset="0"/>
+              </a:rPr>
+              <a:t>arrGegebeneWörter</a:t>
+            </a:r>
+            <a:endParaRPr lang="de-DE" sz="1800" i="1" dirty="0">
+              <a:solidFill>
+                <a:srgbClr val="000000"/>
+              </a:solidFill>
+              <a:effectLst/>
+              <a:latin typeface="Calibri" panose="020F0502020204030204" pitchFamily="34" charset="0"/>
+              <a:ea typeface="Calibri" panose="020F0502020204030204" pitchFamily="34" charset="0"/>
+            </a:endParaRPr>
+          </a:p>
+          <a:p>
+            <a:pPr>
+              <a:lnSpc>
+                <a:spcPct val="107000"/>
+              </a:lnSpc>
+              <a:spcAft>
+                <a:spcPts val="800"/>
+              </a:spcAft>
+            </a:pPr>
+            <a:r>
+              <a:rPr lang="de-DE" sz="1800" i="1" dirty="0">
+                <a:solidFill>
+                  <a:srgbClr val="000000"/>
+                </a:solidFill>
+                <a:effectLst/>
+                <a:latin typeface="Calibri" panose="020F0502020204030204" pitchFamily="34" charset="0"/>
+                <a:ea typeface="Calibri" panose="020F0502020204030204" pitchFamily="34" charset="0"/>
+              </a:rPr>
+              <a:t>fina</a:t>
+            </a:r>
+            <a:r>
+              <a:rPr lang="de-DE" i="1" dirty="0">
+                <a:solidFill>
+                  <a:srgbClr val="000000"/>
+                </a:solidFill>
+                <a:latin typeface="Calibri" panose="020F0502020204030204" pitchFamily="34" charset="0"/>
+                <a:ea typeface="Calibri" panose="020F0502020204030204" pitchFamily="34" charset="0"/>
+              </a:rPr>
+              <a:t>l </a:t>
+            </a:r>
+            <a:endParaRPr lang="de-DE" sz="1800" dirty="0">
+              <a:effectLst/>
+              <a:latin typeface="Calibri" panose="020F0502020204030204" pitchFamily="34" charset="0"/>
+              <a:ea typeface="Calibri" panose="020F0502020204030204" pitchFamily="34" charset="0"/>
+            </a:endParaRPr>
+          </a:p>
+          <a:p>
             <a:endParaRPr lang="de-DE" dirty="0"/>
           </a:p>
-          <a:p>
-            <a:pPr rtl="0"/>
-            <a:endParaRPr lang="de-DE" dirty="0"/>
-          </a:p>
-        </p:txBody>
-      </p:sp>
+        </p:txBody>
+      </p:sp>
+    </p:spTree>
+    <p:extLst>
+      <p:ext uri="{BB962C8B-B14F-4D97-AF65-F5344CB8AC3E}">
+        <p14:creationId xmlns:p14="http://schemas.microsoft.com/office/powerpoint/2010/main" val="1063012907"/>
+      </p:ext>
+    </p:extLst>
+  </p:cSld>
+  <p:clrMapOvr>
+    <a:masterClrMapping/>
+  </p:clrMapOvr>
+</p:sld>
+</file>
+
+<file path=ppt/slides/slide7.xml><?xml version="1.0" encoding="utf-8"?>
+<p:sld xmlns:a="http://schemas.openxmlformats.org/drawingml/2006/main" xmlns:r="http://schemas.openxmlformats.org/officeDocument/2006/relationships" xmlns:p="http://schemas.openxmlformats.org/presentationml/2006/main">
+  <p:cSld>
+    <p:spTree>
+      <p:nvGrpSpPr>
+        <p:cNvPr id="1" name=""/>
+        <p:cNvGrpSpPr/>
+        <p:nvPr/>
+      </p:nvGrpSpPr>
+      <p:grpSpPr>
+        <a:xfrm>
+          <a:off x="0" y="0"/>
+          <a:ext cx="0" cy="0"/>
+          <a:chOff x="0" y="0"/>
+          <a:chExt cx="0" cy="0"/>
+        </a:xfrm>
+      </p:grpSpPr>
       <p:sp>
         <p:nvSpPr>
           <p:cNvPr id="22" name="Textfeld 21">
@@ -10016,7 +11089,205 @@
     </p:spTree>
     <p:extLst>
       <p:ext uri="{BB962C8B-B14F-4D97-AF65-F5344CB8AC3E}">
-        <p14:creationId xmlns:p14="http://schemas.microsoft.com/office/powerpoint/2010/main" val="4153678306"/>
+        <p14:creationId xmlns:p14="http://schemas.microsoft.com/office/powerpoint/2010/main" val="2774107021"/>
+      </p:ext>
+    </p:extLst>
+  </p:cSld>
+  <p:clrMapOvr>
+    <a:masterClrMapping/>
+  </p:clrMapOvr>
+</p:sld>
+</file>
+
+<file path=ppt/slides/slide8.xml><?xml version="1.0" encoding="utf-8"?>
+<p:sld xmlns:a="http://schemas.openxmlformats.org/drawingml/2006/main" xmlns:r="http://schemas.openxmlformats.org/officeDocument/2006/relationships" xmlns:p="http://schemas.openxmlformats.org/presentationml/2006/main">
+  <p:cSld>
+    <p:spTree>
+      <p:nvGrpSpPr>
+        <p:cNvPr id="1" name=""/>
+        <p:cNvGrpSpPr/>
+        <p:nvPr/>
+      </p:nvGrpSpPr>
+      <p:grpSpPr>
+        <a:xfrm>
+          <a:off x="0" y="0"/>
+          <a:ext cx="0" cy="0"/>
+          <a:chOff x="0" y="0"/>
+          <a:chExt cx="0" cy="0"/>
+        </a:xfrm>
+      </p:grpSpPr>
+      <p:sp>
+        <p:nvSpPr>
+          <p:cNvPr id="22" name="Textfeld 21">
+            <a:extLst>
+              <a:ext uri="{FF2B5EF4-FFF2-40B4-BE49-F238E27FC236}">
+                <a16:creationId xmlns:a16="http://schemas.microsoft.com/office/drawing/2014/main" id="{19352CF6-0F22-45A8-B28B-37FAFCE5C5D6}"/>
+              </a:ext>
+            </a:extLst>
+          </p:cNvPr>
+          <p:cNvSpPr txBox="1"/>
+          <p:nvPr/>
+        </p:nvSpPr>
+        <p:spPr>
+          <a:xfrm>
+            <a:off x="10251642" y="182562"/>
+            <a:ext cx="1662546" cy="404658"/>
+          </a:xfrm>
+          <a:prstGeom prst="rect">
+            <a:avLst/>
+          </a:prstGeom>
+          <a:noFill/>
+        </p:spPr>
+        <p:txBody>
+          <a:bodyPr wrap="square" lIns="0" tIns="36000" rIns="0" bIns="0" rtlCol="0">
+            <a:spAutoFit/>
+          </a:bodyPr>
+          <a:lstStyle/>
+          <a:p>
+            <a:pPr algn="r" rtl="0">
+              <a:lnSpc>
+                <a:spcPts val="1400"/>
+              </a:lnSpc>
+            </a:pPr>
+            <a:r>
+              <a:rPr lang="de-DE" sz="1600" b="1" spc="-100" dirty="0">
+                <a:solidFill>
+                  <a:schemeClr val="tx1">
+                    <a:lumMod val="50000"/>
+                    <a:lumOff val="50000"/>
+                  </a:schemeClr>
+                </a:solidFill>
+                <a:latin typeface="Corbel" panose="020B0503020204020204" pitchFamily="34" charset="0"/>
+              </a:rPr>
+              <a:t>Programmieren</a:t>
+            </a:r>
+            <a:r>
+              <a:rPr lang="de-DE" sz="1600" b="1" spc="-100" dirty="0">
+                <a:solidFill>
+                  <a:schemeClr val="accent1"/>
+                </a:solidFill>
+                <a:latin typeface="Corbel" panose="020B0503020204020204" pitchFamily="34" charset="0"/>
+              </a:rPr>
+              <a:t> </a:t>
+            </a:r>
+            <a:r>
+              <a:rPr lang="de-DE" sz="1600" b="1" spc="-100" dirty="0">
+                <a:latin typeface="Corbel" panose="020B0503020204020204" pitchFamily="34" charset="0"/>
+              </a:rPr>
+              <a:t>ON22</a:t>
+            </a:r>
+            <a:endParaRPr lang="de-DE" sz="1600" b="1" spc="-100" dirty="0">
+              <a:solidFill>
+                <a:schemeClr val="tx1"/>
+              </a:solidFill>
+              <a:latin typeface="Corbel" panose="020B0503020204020204" pitchFamily="34" charset="0"/>
+            </a:endParaRPr>
+          </a:p>
+        </p:txBody>
+      </p:sp>
+    </p:spTree>
+    <p:extLst>
+      <p:ext uri="{BB962C8B-B14F-4D97-AF65-F5344CB8AC3E}">
+        <p14:creationId xmlns:p14="http://schemas.microsoft.com/office/powerpoint/2010/main" val="497035229"/>
+      </p:ext>
+    </p:extLst>
+  </p:cSld>
+  <p:clrMapOvr>
+    <a:masterClrMapping/>
+  </p:clrMapOvr>
+</p:sld>
+</file>
+
+<file path=ppt/slides/slide9.xml><?xml version="1.0" encoding="utf-8"?>
+<p:sld xmlns:a="http://schemas.openxmlformats.org/drawingml/2006/main" xmlns:r="http://schemas.openxmlformats.org/officeDocument/2006/relationships" xmlns:p="http://schemas.openxmlformats.org/presentationml/2006/main">
+  <p:cSld>
+    <p:spTree>
+      <p:nvGrpSpPr>
+        <p:cNvPr id="1" name=""/>
+        <p:cNvGrpSpPr/>
+        <p:nvPr/>
+      </p:nvGrpSpPr>
+      <p:grpSpPr>
+        <a:xfrm>
+          <a:off x="0" y="0"/>
+          <a:ext cx="0" cy="0"/>
+          <a:chOff x="0" y="0"/>
+          <a:chExt cx="0" cy="0"/>
+        </a:xfrm>
+      </p:grpSpPr>
+      <p:sp>
+        <p:nvSpPr>
+          <p:cNvPr id="22" name="Textfeld 21">
+            <a:extLst>
+              <a:ext uri="{FF2B5EF4-FFF2-40B4-BE49-F238E27FC236}">
+                <a16:creationId xmlns:a16="http://schemas.microsoft.com/office/drawing/2014/main" id="{19352CF6-0F22-45A8-B28B-37FAFCE5C5D6}"/>
+              </a:ext>
+            </a:extLst>
+          </p:cNvPr>
+          <p:cNvSpPr txBox="1"/>
+          <p:nvPr/>
+        </p:nvSpPr>
+        <p:spPr>
+          <a:xfrm>
+            <a:off x="10251642" y="182562"/>
+            <a:ext cx="1662546" cy="404658"/>
+          </a:xfrm>
+          <a:prstGeom prst="rect">
+            <a:avLst/>
+          </a:prstGeom>
+          <a:noFill/>
+        </p:spPr>
+        <p:txBody>
+          <a:bodyPr wrap="square" lIns="0" tIns="36000" rIns="0" bIns="0" rtlCol="0">
+            <a:spAutoFit/>
+          </a:bodyPr>
+          <a:lstStyle/>
+          <a:p>
+            <a:pPr algn="r" rtl="0">
+              <a:lnSpc>
+                <a:spcPts val="1400"/>
+              </a:lnSpc>
+            </a:pPr>
+            <a:r>
+              <a:rPr lang="de-DE" sz="1600" b="1" spc="-100" dirty="0">
+                <a:solidFill>
+                  <a:schemeClr val="tx1">
+                    <a:lumMod val="50000"/>
+                    <a:lumOff val="50000"/>
+                  </a:schemeClr>
+                </a:solidFill>
+                <a:latin typeface="Corbel" panose="020B0503020204020204" pitchFamily="34" charset="0"/>
+              </a:rPr>
+              <a:t>Programmieren</a:t>
+            </a:r>
+            <a:r>
+              <a:rPr lang="de-DE" sz="1600" b="1" spc="-100" dirty="0">
+                <a:solidFill>
+                  <a:schemeClr val="accent1"/>
+                </a:solidFill>
+                <a:latin typeface="Corbel" panose="020B0503020204020204" pitchFamily="34" charset="0"/>
+              </a:rPr>
+              <a:t> </a:t>
+            </a:r>
+            <a:r>
+              <a:rPr lang="de-DE" sz="1600" b="1" spc="-100" dirty="0">
+                <a:latin typeface="Corbel" panose="020B0503020204020204" pitchFamily="34" charset="0"/>
+              </a:rPr>
+              <a:t>ON22</a:t>
+            </a:r>
+            <a:endParaRPr lang="de-DE" sz="1600" b="1" spc="-100" dirty="0">
+              <a:solidFill>
+                <a:schemeClr val="tx1"/>
+              </a:solidFill>
+              <a:latin typeface="Corbel" panose="020B0503020204020204" pitchFamily="34" charset="0"/>
+            </a:endParaRPr>
+          </a:p>
+        </p:txBody>
+      </p:sp>
+    </p:spTree>
+    <p:extLst>
+      <p:ext uri="{BB962C8B-B14F-4D97-AF65-F5344CB8AC3E}">
+        <p14:creationId xmlns:p14="http://schemas.microsoft.com/office/powerpoint/2010/main" val="1228077506"/>
       </p:ext>
     </p:extLst>
   </p:cSld>
@@ -10851,12 +12122,12 @@
 </file>
 
 <file path=customXml/item1.xml><?xml version="1.0" encoding="utf-8"?>
-<?mso-contentType ?>
-<FormTemplates xmlns="http://schemas.microsoft.com/sharepoint/v3/contenttype/forms">
-  <Display>DocumentLibraryForm</Display>
-  <Edit>DocumentLibraryForm</Edit>
-  <New>DocumentLibraryForm</New>
-</FormTemplates>
+<p:properties xmlns:p="http://schemas.microsoft.com/office/2006/metadata/properties" xmlns:xsi="http://www.w3.org/2001/XMLSchema-instance" xmlns:pc="http://schemas.microsoft.com/office/infopath/2007/PartnerControls">
+  <documentManagement>
+    <_ip_UnifiedCompliancePolicyUIAction xmlns="http://schemas.microsoft.com/sharepoint/v3" xsi:nil="true"/>
+    <_ip_UnifiedCompliancePolicyProperties xmlns="http://schemas.microsoft.com/sharepoint/v3" xsi:nil="true"/>
+  </documentManagement>
+</p:properties>
 </file>
 
 <file path=customXml/item2.xml><?xml version="1.0" encoding="utf-8"?>
@@ -11068,18 +12339,20 @@
 </file>
 
 <file path=customXml/item3.xml><?xml version="1.0" encoding="utf-8"?>
-<p:properties xmlns:p="http://schemas.microsoft.com/office/2006/metadata/properties" xmlns:xsi="http://www.w3.org/2001/XMLSchema-instance" xmlns:pc="http://schemas.microsoft.com/office/infopath/2007/PartnerControls">
-  <documentManagement>
-    <_ip_UnifiedCompliancePolicyUIAction xmlns="http://schemas.microsoft.com/sharepoint/v3" xsi:nil="true"/>
-    <_ip_UnifiedCompliancePolicyProperties xmlns="http://schemas.microsoft.com/sharepoint/v3" xsi:nil="true"/>
-  </documentManagement>
-</p:properties>
+<?mso-contentType ?>
+<FormTemplates xmlns="http://schemas.microsoft.com/sharepoint/v3/contenttype/forms">
+  <Display>DocumentLibraryForm</Display>
+  <Edit>DocumentLibraryForm</Edit>
+  <New>DocumentLibraryForm</New>
+</FormTemplates>
 </file>
 
 <file path=customXml/itemProps1.xml><?xml version="1.0" encoding="utf-8"?>
-<ds:datastoreItem xmlns:ds="http://schemas.openxmlformats.org/officeDocument/2006/customXml" ds:itemID="{F6CB1848-D3E0-4F10-B640-720BE758B85B}">
+<ds:datastoreItem xmlns:ds="http://schemas.openxmlformats.org/officeDocument/2006/customXml" ds:itemID="{E4934E25-8442-49E9-ABDF-3146C4145F3B}">
   <ds:schemaRefs>
-    <ds:schemaRef ds:uri="http://schemas.microsoft.com/sharepoint/v3/contenttype/forms"/>
+    <ds:schemaRef ds:uri="http://schemas.microsoft.com/office/2006/metadata/properties"/>
+    <ds:schemaRef ds:uri="http://schemas.microsoft.com/office/infopath/2007/PartnerControls"/>
+    <ds:schemaRef ds:uri="http://schemas.microsoft.com/sharepoint/v3"/>
   </ds:schemaRefs>
 </ds:datastoreItem>
 </file>
@@ -11105,11 +12378,9 @@
 </file>
 
 <file path=customXml/itemProps3.xml><?xml version="1.0" encoding="utf-8"?>
-<ds:datastoreItem xmlns:ds="http://schemas.openxmlformats.org/officeDocument/2006/customXml" ds:itemID="{E4934E25-8442-49E9-ABDF-3146C4145F3B}">
+<ds:datastoreItem xmlns:ds="http://schemas.openxmlformats.org/officeDocument/2006/customXml" ds:itemID="{F6CB1848-D3E0-4F10-B640-720BE758B85B}">
   <ds:schemaRefs>
-    <ds:schemaRef ds:uri="http://schemas.microsoft.com/office/2006/metadata/properties"/>
-    <ds:schemaRef ds:uri="http://schemas.microsoft.com/office/infopath/2007/PartnerControls"/>
-    <ds:schemaRef ds:uri="http://schemas.microsoft.com/sharepoint/v3"/>
+    <ds:schemaRef ds:uri="http://schemas.microsoft.com/sharepoint/v3/contenttype/forms"/>
   </ds:schemaRefs>
 </ds:datastoreItem>
 </file>
--- a/Präsentation Programmieren Galgenmännchen.pptx
+++ b/Präsentation Programmieren Galgenmännchen.pptx
@@ -5,22 +5,23 @@
     <p:sldMasterId id="2147483648" r:id="rId4"/>
   </p:sldMasterIdLst>
   <p:notesMasterIdLst>
-    <p:notesMasterId r:id="rId15"/>
+    <p:notesMasterId r:id="rId16"/>
   </p:notesMasterIdLst>
   <p:handoutMasterIdLst>
-    <p:handoutMasterId r:id="rId16"/>
+    <p:handoutMasterId r:id="rId17"/>
   </p:handoutMasterIdLst>
   <p:sldIdLst>
     <p:sldId id="282" r:id="rId5"/>
     <p:sldId id="297" r:id="rId6"/>
     <p:sldId id="301" r:id="rId7"/>
     <p:sldId id="302" r:id="rId8"/>
-    <p:sldId id="303" r:id="rId9"/>
-    <p:sldId id="304" r:id="rId10"/>
-    <p:sldId id="298" r:id="rId11"/>
-    <p:sldId id="299" r:id="rId12"/>
-    <p:sldId id="300" r:id="rId13"/>
-    <p:sldId id="296" r:id="rId14"/>
+    <p:sldId id="305" r:id="rId9"/>
+    <p:sldId id="303" r:id="rId10"/>
+    <p:sldId id="304" r:id="rId11"/>
+    <p:sldId id="298" r:id="rId12"/>
+    <p:sldId id="299" r:id="rId13"/>
+    <p:sldId id="300" r:id="rId14"/>
+    <p:sldId id="296" r:id="rId15"/>
   </p:sldIdLst>
   <p:sldSz cx="12192000" cy="6858000"/>
   <p:notesSz cx="6858000" cy="9144000"/>
@@ -132,6 +133,7 @@
             <p14:sldId id="297"/>
             <p14:sldId id="301"/>
             <p14:sldId id="302"/>
+            <p14:sldId id="305"/>
             <p14:sldId id="303"/>
             <p14:sldId id="304"/>
             <p14:sldId id="298"/>
@@ -1031,7 +1033,7 @@
             <a:pPr rtl="0"/>
             <a:fld id="{8530193B-564F-4854-8A52-728F3FB19C85}" type="slidenum">
               <a:rPr lang="de-DE" smtClean="0"/>
-              <a:t>7</a:t>
+              <a:t>8</a:t>
             </a:fld>
             <a:endParaRPr lang="de-DE"/>
           </a:p>
@@ -1117,7 +1119,7 @@
             <a:pPr rtl="0"/>
             <a:fld id="{8530193B-564F-4854-8A52-728F3FB19C85}" type="slidenum">
               <a:rPr lang="de-DE" smtClean="0"/>
-              <a:t>8</a:t>
+              <a:t>9</a:t>
             </a:fld>
             <a:endParaRPr lang="de-DE"/>
           </a:p>
@@ -1203,7 +1205,7 @@
             <a:pPr rtl="0"/>
             <a:fld id="{8530193B-564F-4854-8A52-728F3FB19C85}" type="slidenum">
               <a:rPr lang="de-DE" smtClean="0"/>
-              <a:t>9</a:t>
+              <a:t>10</a:t>
             </a:fld>
             <a:endParaRPr lang="de-DE"/>
           </a:p>
@@ -1289,7 +1291,7 @@
             <a:pPr rtl="0"/>
             <a:fld id="{8530193B-564F-4854-8A52-728F3FB19C85}" type="slidenum">
               <a:rPr lang="de-DE" smtClean="0"/>
-              <a:t>10</a:t>
+              <a:t>11</a:t>
             </a:fld>
             <a:endParaRPr lang="de-DE"/>
           </a:p>
@@ -8968,6 +8970,105 @@
       </p:grpSpPr>
       <p:sp>
         <p:nvSpPr>
+          <p:cNvPr id="22" name="Textfeld 21">
+            <a:extLst>
+              <a:ext uri="{FF2B5EF4-FFF2-40B4-BE49-F238E27FC236}">
+                <a16:creationId xmlns:a16="http://schemas.microsoft.com/office/drawing/2014/main" id="{19352CF6-0F22-45A8-B28B-37FAFCE5C5D6}"/>
+              </a:ext>
+            </a:extLst>
+          </p:cNvPr>
+          <p:cNvSpPr txBox="1"/>
+          <p:nvPr/>
+        </p:nvSpPr>
+        <p:spPr>
+          <a:xfrm>
+            <a:off x="10251642" y="182562"/>
+            <a:ext cx="1662546" cy="404658"/>
+          </a:xfrm>
+          <a:prstGeom prst="rect">
+            <a:avLst/>
+          </a:prstGeom>
+          <a:noFill/>
+        </p:spPr>
+        <p:txBody>
+          <a:bodyPr wrap="square" lIns="0" tIns="36000" rIns="0" bIns="0" rtlCol="0">
+            <a:spAutoFit/>
+          </a:bodyPr>
+          <a:lstStyle/>
+          <a:p>
+            <a:pPr algn="r" rtl="0">
+              <a:lnSpc>
+                <a:spcPts val="1400"/>
+              </a:lnSpc>
+            </a:pPr>
+            <a:r>
+              <a:rPr lang="de-DE" sz="1600" b="1" spc="-100" dirty="0">
+                <a:solidFill>
+                  <a:schemeClr val="tx1">
+                    <a:lumMod val="50000"/>
+                    <a:lumOff val="50000"/>
+                  </a:schemeClr>
+                </a:solidFill>
+                <a:latin typeface="Corbel" panose="020B0503020204020204" pitchFamily="34" charset="0"/>
+              </a:rPr>
+              <a:t>Programmieren</a:t>
+            </a:r>
+            <a:r>
+              <a:rPr lang="de-DE" sz="1600" b="1" spc="-100" dirty="0">
+                <a:solidFill>
+                  <a:schemeClr val="accent1"/>
+                </a:solidFill>
+                <a:latin typeface="Corbel" panose="020B0503020204020204" pitchFamily="34" charset="0"/>
+              </a:rPr>
+              <a:t> </a:t>
+            </a:r>
+            <a:r>
+              <a:rPr lang="de-DE" sz="1600" b="1" spc="-100" dirty="0">
+                <a:latin typeface="Corbel" panose="020B0503020204020204" pitchFamily="34" charset="0"/>
+              </a:rPr>
+              <a:t>ON22</a:t>
+            </a:r>
+            <a:endParaRPr lang="de-DE" sz="1600" b="1" spc="-100" dirty="0">
+              <a:solidFill>
+                <a:schemeClr val="tx1"/>
+              </a:solidFill>
+              <a:latin typeface="Corbel" panose="020B0503020204020204" pitchFamily="34" charset="0"/>
+            </a:endParaRPr>
+          </a:p>
+        </p:txBody>
+      </p:sp>
+    </p:spTree>
+    <p:extLst>
+      <p:ext uri="{BB962C8B-B14F-4D97-AF65-F5344CB8AC3E}">
+        <p14:creationId xmlns:p14="http://schemas.microsoft.com/office/powerpoint/2010/main" val="1228077506"/>
+      </p:ext>
+    </p:extLst>
+  </p:cSld>
+  <p:clrMapOvr>
+    <a:masterClrMapping/>
+  </p:clrMapOvr>
+</p:sld>
+</file>
+
+<file path=ppt/slides/slide11.xml><?xml version="1.0" encoding="utf-8"?>
+<p:sld xmlns:a="http://schemas.openxmlformats.org/drawingml/2006/main" xmlns:r="http://schemas.openxmlformats.org/officeDocument/2006/relationships" xmlns:p="http://schemas.openxmlformats.org/presentationml/2006/main">
+  <p:cSld>
+    <p:spTree>
+      <p:nvGrpSpPr>
+        <p:cNvPr id="1" name=""/>
+        <p:cNvGrpSpPr/>
+        <p:nvPr/>
+      </p:nvGrpSpPr>
+      <p:grpSpPr>
+        <a:xfrm>
+          <a:off x="0" y="0"/>
+          <a:ext cx="0" cy="0"/>
+          <a:chOff x="0" y="0"/>
+          <a:chExt cx="0" cy="0"/>
+        </a:xfrm>
+      </p:grpSpPr>
+      <p:sp>
+        <p:nvSpPr>
           <p:cNvPr id="20" name="Titel 19">
             <a:extLst>
               <a:ext uri="{FF2B5EF4-FFF2-40B4-BE49-F238E27FC236}">
@@ -10227,38 +10328,10 @@
       </p:grpSpPr>
       <p:sp>
         <p:nvSpPr>
-          <p:cNvPr id="2" name="Titel 1">
-            <a:extLst>
-              <a:ext uri="{FF2B5EF4-FFF2-40B4-BE49-F238E27FC236}">
-                <a16:creationId xmlns:a16="http://schemas.microsoft.com/office/drawing/2014/main" id="{EA54CF6B-B10C-4735-B257-CDDB3C8EA3F6}"/>
-              </a:ext>
-            </a:extLst>
-          </p:cNvPr>
-          <p:cNvSpPr>
-            <a:spLocks noGrp="1"/>
-          </p:cNvSpPr>
-          <p:nvPr>
-            <p:ph type="title"/>
-          </p:nvPr>
-        </p:nvSpPr>
-        <p:spPr/>
-        <p:txBody>
-          <a:bodyPr/>
-          <a:lstStyle/>
-          <a:p>
-            <a:r>
-              <a:rPr lang="de-DE" dirty="0"/>
-              <a:t>Benötigte Funktionen</a:t>
-            </a:r>
-          </a:p>
-        </p:txBody>
-      </p:sp>
-      <p:sp>
-        <p:nvSpPr>
           <p:cNvPr id="3" name="Foliennummernplatzhalter 2">
             <a:extLst>
               <a:ext uri="{FF2B5EF4-FFF2-40B4-BE49-F238E27FC236}">
-                <a16:creationId xmlns:a16="http://schemas.microsoft.com/office/drawing/2014/main" id="{88071F06-B6F6-4E7D-97ED-79D91287B15D}"/>
+                <a16:creationId xmlns:a16="http://schemas.microsoft.com/office/drawing/2014/main" id="{71CF6145-C529-4AD7-895B-27CF9EBECD4F}"/>
               </a:ext>
             </a:extLst>
           </p:cNvPr>
@@ -10289,7 +10362,7 @@
           <p:cNvPr id="4" name="Inhaltsplatzhalter 3">
             <a:extLst>
               <a:ext uri="{FF2B5EF4-FFF2-40B4-BE49-F238E27FC236}">
-                <a16:creationId xmlns:a16="http://schemas.microsoft.com/office/drawing/2014/main" id="{0C4D8DE7-85ED-4221-AD32-3A7A5B47185B}"/>
+                <a16:creationId xmlns:a16="http://schemas.microsoft.com/office/drawing/2014/main" id="{E7FBC52F-1CB0-4AA8-8E8C-E9C44A90947E}"/>
               </a:ext>
             </a:extLst>
           </p:cNvPr>
@@ -10300,12 +10373,7 @@
             <p:ph idx="1"/>
           </p:nvPr>
         </p:nvSpPr>
-        <p:spPr>
-          <a:xfrm>
-            <a:off x="432000" y="1046375"/>
-            <a:ext cx="9198000" cy="5739436"/>
-          </a:xfrm>
-        </p:spPr>
+        <p:spPr/>
         <p:txBody>
           <a:bodyPr/>
           <a:lstStyle/>
@@ -10321,30 +10389,10 @@
             </a:pPr>
             <a:r>
               <a:rPr lang="de-DE" sz="2400" b="1" u="sng" dirty="0">
-                <a:effectLst/>
                 <a:latin typeface="Calibri" panose="020F0502020204030204" pitchFamily="34" charset="0"/>
                 <a:ea typeface="Calibri" panose="020F0502020204030204" pitchFamily="34" charset="0"/>
               </a:rPr>
-              <a:t>Spielablauf</a:t>
-            </a:r>
-          </a:p>
-          <a:p>
-            <a:pPr marL="0" indent="0">
-              <a:lnSpc>
-                <a:spcPct val="107000"/>
-              </a:lnSpc>
-              <a:spcAft>
-                <a:spcPts val="800"/>
-              </a:spcAft>
-              <a:buNone/>
-            </a:pPr>
-            <a:r>
-              <a:rPr lang="de-DE" sz="1800" b="1" dirty="0">
-                <a:effectLst/>
-                <a:latin typeface="Calibri" panose="020F0502020204030204" pitchFamily="34" charset="0"/>
-                <a:ea typeface="Calibri" panose="020F0502020204030204" pitchFamily="34" charset="0"/>
-              </a:rPr>
-              <a:t>Funktionen:</a:t>
+              <a:t>Ausgabe der Konsole</a:t>
             </a:r>
           </a:p>
           <a:p>
@@ -10357,28 +10405,19 @@
               </a:spcAft>
             </a:pPr>
             <a:r>
+              <a:rPr lang="de-DE" dirty="0">
+                <a:latin typeface="Calibri" panose="020F0502020204030204" pitchFamily="34" charset="0"/>
+                <a:ea typeface="Calibri" panose="020F0502020204030204" pitchFamily="34" charset="0"/>
+              </a:rPr>
+              <a:t>„</a:t>
+            </a:r>
+            <a:r>
               <a:rPr lang="de-DE" sz="1800" dirty="0">
                 <a:effectLst/>
                 <a:latin typeface="Calibri" panose="020F0502020204030204" pitchFamily="34" charset="0"/>
                 <a:ea typeface="Calibri" panose="020F0502020204030204" pitchFamily="34" charset="0"/>
               </a:rPr>
-              <a:t>„</a:t>
-            </a:r>
-            <a:r>
-              <a:rPr lang="de-DE" sz="1800" dirty="0" err="1">
-                <a:effectLst/>
-                <a:latin typeface="Calibri" panose="020F0502020204030204" pitchFamily="34" charset="0"/>
-                <a:ea typeface="Calibri" panose="020F0502020204030204" pitchFamily="34" charset="0"/>
-              </a:rPr>
-              <a:t>zeichneSpiel</a:t>
-            </a:r>
-            <a:r>
-              <a:rPr lang="de-DE" sz="1800" dirty="0">
-                <a:effectLst/>
-                <a:latin typeface="Calibri" panose="020F0502020204030204" pitchFamily="34" charset="0"/>
-                <a:ea typeface="Calibri" panose="020F0502020204030204" pitchFamily="34" charset="0"/>
-              </a:rPr>
-              <a:t>“, um die Zeichnung dann auch ausgeben zu können</a:t>
+              <a:t>Hurra! Deine Eingabe war richtig!”, wenn Eingabe richtig ist</a:t>
             </a:r>
           </a:p>
           <a:p>
@@ -10395,21 +10434,202 @@
                 <a:latin typeface="Calibri" panose="020F0502020204030204" pitchFamily="34" charset="0"/>
                 <a:ea typeface="Calibri" panose="020F0502020204030204" pitchFamily="34" charset="0"/>
               </a:rPr>
-              <a:t>„</a:t>
-            </a:r>
-            <a:r>
-              <a:rPr lang="de-DE" dirty="0" err="1">
+              <a:t>„Das war leider falsch“, wenn Eingabe falsch ist</a:t>
+            </a:r>
+            <a:endParaRPr lang="de-DE" sz="1800" dirty="0">
+              <a:effectLst/>
+              <a:latin typeface="Calibri" panose="020F0502020204030204" pitchFamily="34" charset="0"/>
+              <a:ea typeface="Calibri" panose="020F0502020204030204" pitchFamily="34" charset="0"/>
+            </a:endParaRPr>
+          </a:p>
+          <a:p>
+            <a:endParaRPr lang="de-DE" dirty="0"/>
+          </a:p>
+        </p:txBody>
+      </p:sp>
+      <p:sp>
+        <p:nvSpPr>
+          <p:cNvPr id="5" name="Titel 1">
+            <a:extLst>
+              <a:ext uri="{FF2B5EF4-FFF2-40B4-BE49-F238E27FC236}">
+                <a16:creationId xmlns:a16="http://schemas.microsoft.com/office/drawing/2014/main" id="{5FE1634F-6E2B-40B7-A855-BE7DF9F81943}"/>
+              </a:ext>
+            </a:extLst>
+          </p:cNvPr>
+          <p:cNvSpPr>
+            <a:spLocks noGrp="1"/>
+          </p:cNvSpPr>
+          <p:nvPr>
+            <p:ph type="title"/>
+          </p:nvPr>
+        </p:nvSpPr>
+        <p:spPr>
+          <a:xfrm>
+            <a:off x="431800" y="431800"/>
+            <a:ext cx="9197975" cy="431800"/>
+          </a:xfrm>
+        </p:spPr>
+        <p:txBody>
+          <a:bodyPr/>
+          <a:lstStyle/>
+          <a:p>
+            <a:r>
+              <a:rPr lang="de-DE" dirty="0"/>
+              <a:t>Benötigte Funktionen</a:t>
+            </a:r>
+          </a:p>
+        </p:txBody>
+      </p:sp>
+    </p:spTree>
+    <p:extLst>
+      <p:ext uri="{BB962C8B-B14F-4D97-AF65-F5344CB8AC3E}">
+        <p14:creationId xmlns:p14="http://schemas.microsoft.com/office/powerpoint/2010/main" val="1049613153"/>
+      </p:ext>
+    </p:extLst>
+  </p:cSld>
+  <p:clrMapOvr>
+    <a:masterClrMapping/>
+  </p:clrMapOvr>
+</p:sld>
+</file>
+
+<file path=ppt/slides/slide6.xml><?xml version="1.0" encoding="utf-8"?>
+<p:sld xmlns:a="http://schemas.openxmlformats.org/drawingml/2006/main" xmlns:r="http://schemas.openxmlformats.org/officeDocument/2006/relationships" xmlns:p="http://schemas.openxmlformats.org/presentationml/2006/main">
+  <p:cSld>
+    <p:spTree>
+      <p:nvGrpSpPr>
+        <p:cNvPr id="1" name=""/>
+        <p:cNvGrpSpPr/>
+        <p:nvPr/>
+      </p:nvGrpSpPr>
+      <p:grpSpPr>
+        <a:xfrm>
+          <a:off x="0" y="0"/>
+          <a:ext cx="0" cy="0"/>
+          <a:chOff x="0" y="0"/>
+          <a:chExt cx="0" cy="0"/>
+        </a:xfrm>
+      </p:grpSpPr>
+      <p:sp>
+        <p:nvSpPr>
+          <p:cNvPr id="2" name="Titel 1">
+            <a:extLst>
+              <a:ext uri="{FF2B5EF4-FFF2-40B4-BE49-F238E27FC236}">
+                <a16:creationId xmlns:a16="http://schemas.microsoft.com/office/drawing/2014/main" id="{EA54CF6B-B10C-4735-B257-CDDB3C8EA3F6}"/>
+              </a:ext>
+            </a:extLst>
+          </p:cNvPr>
+          <p:cNvSpPr>
+            <a:spLocks noGrp="1"/>
+          </p:cNvSpPr>
+          <p:nvPr>
+            <p:ph type="title"/>
+          </p:nvPr>
+        </p:nvSpPr>
+        <p:spPr/>
+        <p:txBody>
+          <a:bodyPr/>
+          <a:lstStyle/>
+          <a:p>
+            <a:r>
+              <a:rPr lang="de-DE" dirty="0"/>
+              <a:t>Benötigte Funktionen</a:t>
+            </a:r>
+          </a:p>
+        </p:txBody>
+      </p:sp>
+      <p:sp>
+        <p:nvSpPr>
+          <p:cNvPr id="3" name="Foliennummernplatzhalter 2">
+            <a:extLst>
+              <a:ext uri="{FF2B5EF4-FFF2-40B4-BE49-F238E27FC236}">
+                <a16:creationId xmlns:a16="http://schemas.microsoft.com/office/drawing/2014/main" id="{88071F06-B6F6-4E7D-97ED-79D91287B15D}"/>
+              </a:ext>
+            </a:extLst>
+          </p:cNvPr>
+          <p:cNvSpPr>
+            <a:spLocks noGrp="1"/>
+          </p:cNvSpPr>
+          <p:nvPr>
+            <p:ph type="sldNum" sz="quarter" idx="33"/>
+          </p:nvPr>
+        </p:nvSpPr>
+        <p:spPr/>
+        <p:txBody>
+          <a:bodyPr/>
+          <a:lstStyle/>
+          <a:p>
+            <a:pPr rtl="0"/>
+            <a:fld id="{19B51A1E-902D-48AF-9020-955120F399B6}" type="slidenum">
+              <a:rPr lang="de-DE" noProof="0" smtClean="0"/>
+              <a:pPr rtl="0"/>
+              <a:t>6</a:t>
+            </a:fld>
+            <a:endParaRPr lang="de-DE" noProof="0"/>
+          </a:p>
+        </p:txBody>
+      </p:sp>
+      <p:sp>
+        <p:nvSpPr>
+          <p:cNvPr id="4" name="Inhaltsplatzhalter 3">
+            <a:extLst>
+              <a:ext uri="{FF2B5EF4-FFF2-40B4-BE49-F238E27FC236}">
+                <a16:creationId xmlns:a16="http://schemas.microsoft.com/office/drawing/2014/main" id="{0C4D8DE7-85ED-4221-AD32-3A7A5B47185B}"/>
+              </a:ext>
+            </a:extLst>
+          </p:cNvPr>
+          <p:cNvSpPr>
+            <a:spLocks noGrp="1"/>
+          </p:cNvSpPr>
+          <p:nvPr>
+            <p:ph idx="1"/>
+          </p:nvPr>
+        </p:nvSpPr>
+        <p:spPr>
+          <a:xfrm>
+            <a:off x="432000" y="1046375"/>
+            <a:ext cx="9198000" cy="5739436"/>
+          </a:xfrm>
+        </p:spPr>
+        <p:txBody>
+          <a:bodyPr/>
+          <a:lstStyle/>
+          <a:p>
+            <a:pPr marL="0" indent="0">
+              <a:lnSpc>
+                <a:spcPct val="107000"/>
+              </a:lnSpc>
+              <a:spcAft>
+                <a:spcPts val="800"/>
+              </a:spcAft>
+              <a:buNone/>
+            </a:pPr>
+            <a:r>
+              <a:rPr lang="de-DE" sz="2400" b="1" u="sng" dirty="0">
+                <a:effectLst/>
                 <a:latin typeface="Calibri" panose="020F0502020204030204" pitchFamily="34" charset="0"/>
                 <a:ea typeface="Calibri" panose="020F0502020204030204" pitchFamily="34" charset="0"/>
               </a:rPr>
-              <a:t>vergleichechar</a:t>
-            </a:r>
-            <a:r>
-              <a:rPr lang="de-DE" dirty="0">
+              <a:t>Spielablauf</a:t>
+            </a:r>
+          </a:p>
+          <a:p>
+            <a:pPr marL="0" indent="0">
+              <a:lnSpc>
+                <a:spcPct val="107000"/>
+              </a:lnSpc>
+              <a:spcAft>
+                <a:spcPts val="800"/>
+              </a:spcAft>
+              <a:buNone/>
+            </a:pPr>
+            <a:r>
+              <a:rPr lang="de-DE" sz="1800" b="1" dirty="0">
+                <a:effectLst/>
                 <a:latin typeface="Calibri" panose="020F0502020204030204" pitchFamily="34" charset="0"/>
                 <a:ea typeface="Calibri" panose="020F0502020204030204" pitchFamily="34" charset="0"/>
               </a:rPr>
-              <a:t>“</a:t>
+              <a:t>Funktionen:</a:t>
             </a:r>
           </a:p>
           <a:p>
@@ -10422,11 +10642,28 @@
               </a:spcAft>
             </a:pPr>
             <a:r>
-              <a:rPr lang="de-DE" dirty="0">
+              <a:rPr lang="de-DE" sz="1800" dirty="0">
+                <a:effectLst/>
                 <a:latin typeface="Calibri" panose="020F0502020204030204" pitchFamily="34" charset="0"/>
                 <a:ea typeface="Calibri" panose="020F0502020204030204" pitchFamily="34" charset="0"/>
               </a:rPr>
-              <a:t>„Schonversucht“</a:t>
+              <a:t>„</a:t>
+            </a:r>
+            <a:r>
+              <a:rPr lang="de-DE" sz="1800" dirty="0" err="1">
+                <a:effectLst/>
+                <a:latin typeface="Calibri" panose="020F0502020204030204" pitchFamily="34" charset="0"/>
+                <a:ea typeface="Calibri" panose="020F0502020204030204" pitchFamily="34" charset="0"/>
+              </a:rPr>
+              <a:t>zeichneSpiel</a:t>
+            </a:r>
+            <a:r>
+              <a:rPr lang="de-DE" sz="1800" dirty="0">
+                <a:effectLst/>
+                <a:latin typeface="Calibri" panose="020F0502020204030204" pitchFamily="34" charset="0"/>
+                <a:ea typeface="Calibri" panose="020F0502020204030204" pitchFamily="34" charset="0"/>
+              </a:rPr>
+              <a:t>“, um die Zeichnung dann auch ausgeben zu können</a:t>
             </a:r>
           </a:p>
           <a:p>
@@ -10450,14 +10687,14 @@
                 <a:latin typeface="Calibri" panose="020F0502020204030204" pitchFamily="34" charset="0"/>
                 <a:ea typeface="Calibri" panose="020F0502020204030204" pitchFamily="34" charset="0"/>
               </a:rPr>
-              <a:t>getstatus</a:t>
+              <a:t>vergleichechar</a:t>
             </a:r>
             <a:r>
               <a:rPr lang="de-DE" dirty="0">
                 <a:latin typeface="Calibri" panose="020F0502020204030204" pitchFamily="34" charset="0"/>
                 <a:ea typeface="Calibri" panose="020F0502020204030204" pitchFamily="34" charset="0"/>
               </a:rPr>
-              <a:t>“ aktueller Spielstatus</a:t>
+              <a:t>“</a:t>
             </a:r>
           </a:p>
           <a:p>
@@ -10474,15 +10711,7 @@
                 <a:latin typeface="Calibri" panose="020F0502020204030204" pitchFamily="34" charset="0"/>
                 <a:ea typeface="Calibri" panose="020F0502020204030204" pitchFamily="34" charset="0"/>
               </a:rPr>
-              <a:t>„</a:t>
-            </a:r>
-            <a:r>
-              <a:rPr lang="de-DE" sz="1800" dirty="0">
-                <a:effectLst/>
-                <a:latin typeface="Calibri" panose="020F0502020204030204" pitchFamily="34" charset="0"/>
-                <a:ea typeface="Calibri" panose="020F0502020204030204" pitchFamily="34" charset="0"/>
-              </a:rPr>
-              <a:t>Hurra! Deine Eingabe war richtig!”, wenn Eingabe richtig war</a:t>
+              <a:t>„Schonversucht“</a:t>
             </a:r>
           </a:p>
           <a:p>
@@ -10499,10 +10728,34 @@
                 <a:latin typeface="Calibri" panose="020F0502020204030204" pitchFamily="34" charset="0"/>
                 <a:ea typeface="Calibri" panose="020F0502020204030204" pitchFamily="34" charset="0"/>
               </a:rPr>
-              <a:t>„Das war leider falsch“, wenn Eingabe falsch war</a:t>
-            </a:r>
-            <a:endParaRPr lang="de-DE" sz="1800" dirty="0">
-              <a:effectLst/>
+              <a:t>„</a:t>
+            </a:r>
+            <a:r>
+              <a:rPr lang="de-DE" dirty="0" err="1">
+                <a:latin typeface="Calibri" panose="020F0502020204030204" pitchFamily="34" charset="0"/>
+                <a:ea typeface="Calibri" panose="020F0502020204030204" pitchFamily="34" charset="0"/>
+              </a:rPr>
+              <a:t>getstatus</a:t>
+            </a:r>
+            <a:r>
+              <a:rPr lang="de-DE" dirty="0">
+                <a:latin typeface="Calibri" panose="020F0502020204030204" pitchFamily="34" charset="0"/>
+                <a:ea typeface="Calibri" panose="020F0502020204030204" pitchFamily="34" charset="0"/>
+              </a:rPr>
+              <a:t>“ aktueller Spielstatus</a:t>
+            </a:r>
+          </a:p>
+          <a:p>
+            <a:pPr marL="0" indent="0">
+              <a:lnSpc>
+                <a:spcPct val="107000"/>
+              </a:lnSpc>
+              <a:spcAft>
+                <a:spcPts val="800"/>
+              </a:spcAft>
+              <a:buNone/>
+            </a:pPr>
+            <a:endParaRPr lang="de-DE" dirty="0">
               <a:latin typeface="Calibri" panose="020F0502020204030204" pitchFamily="34" charset="0"/>
               <a:ea typeface="Calibri" panose="020F0502020204030204" pitchFamily="34" charset="0"/>
             </a:endParaRPr>
@@ -10580,426 +10833,6 @@
 </p:sld>
 </file>
 
-<file path=ppt/slides/slide6.xml><?xml version="1.0" encoding="utf-8"?>
-<p:sld xmlns:a="http://schemas.openxmlformats.org/drawingml/2006/main" xmlns:r="http://schemas.openxmlformats.org/officeDocument/2006/relationships" xmlns:p="http://schemas.openxmlformats.org/presentationml/2006/main">
-  <p:cSld>
-    <p:spTree>
-      <p:nvGrpSpPr>
-        <p:cNvPr id="1" name=""/>
-        <p:cNvGrpSpPr/>
-        <p:nvPr/>
-      </p:nvGrpSpPr>
-      <p:grpSpPr>
-        <a:xfrm>
-          <a:off x="0" y="0"/>
-          <a:ext cx="0" cy="0"/>
-          <a:chOff x="0" y="0"/>
-          <a:chExt cx="0" cy="0"/>
-        </a:xfrm>
-      </p:grpSpPr>
-      <p:sp>
-        <p:nvSpPr>
-          <p:cNvPr id="2" name="Titel 1">
-            <a:extLst>
-              <a:ext uri="{FF2B5EF4-FFF2-40B4-BE49-F238E27FC236}">
-                <a16:creationId xmlns:a16="http://schemas.microsoft.com/office/drawing/2014/main" id="{27F4C7B4-7678-4C85-8CBD-5AE147B21F84}"/>
-              </a:ext>
-            </a:extLst>
-          </p:cNvPr>
-          <p:cNvSpPr>
-            <a:spLocks noGrp="1"/>
-          </p:cNvSpPr>
-          <p:nvPr>
-            <p:ph type="title"/>
-          </p:nvPr>
-        </p:nvSpPr>
-        <p:spPr/>
-        <p:txBody>
-          <a:bodyPr/>
-          <a:lstStyle/>
-          <a:p>
-            <a:r>
-              <a:rPr lang="de-DE" dirty="0"/>
-              <a:t>Benötigte Funktionen</a:t>
-            </a:r>
-          </a:p>
-        </p:txBody>
-      </p:sp>
-      <p:sp>
-        <p:nvSpPr>
-          <p:cNvPr id="3" name="Foliennummernplatzhalter 2">
-            <a:extLst>
-              <a:ext uri="{FF2B5EF4-FFF2-40B4-BE49-F238E27FC236}">
-                <a16:creationId xmlns:a16="http://schemas.microsoft.com/office/drawing/2014/main" id="{C73B1146-D82F-42C9-A9B7-9567CC6A6A1D}"/>
-              </a:ext>
-            </a:extLst>
-          </p:cNvPr>
-          <p:cNvSpPr>
-            <a:spLocks noGrp="1"/>
-          </p:cNvSpPr>
-          <p:nvPr>
-            <p:ph type="sldNum" sz="quarter" idx="33"/>
-          </p:nvPr>
-        </p:nvSpPr>
-        <p:spPr/>
-        <p:txBody>
-          <a:bodyPr/>
-          <a:lstStyle/>
-          <a:p>
-            <a:pPr rtl="0"/>
-            <a:fld id="{19B51A1E-902D-48AF-9020-955120F399B6}" type="slidenum">
-              <a:rPr lang="de-DE" noProof="0" smtClean="0"/>
-              <a:pPr rtl="0"/>
-              <a:t>6</a:t>
-            </a:fld>
-            <a:endParaRPr lang="de-DE" noProof="0"/>
-          </a:p>
-        </p:txBody>
-      </p:sp>
-      <p:sp>
-        <p:nvSpPr>
-          <p:cNvPr id="4" name="Inhaltsplatzhalter 3">
-            <a:extLst>
-              <a:ext uri="{FF2B5EF4-FFF2-40B4-BE49-F238E27FC236}">
-                <a16:creationId xmlns:a16="http://schemas.microsoft.com/office/drawing/2014/main" id="{1C7DA80F-C068-4541-88E7-B863D573A0E2}"/>
-              </a:ext>
-            </a:extLst>
-          </p:cNvPr>
-          <p:cNvSpPr>
-            <a:spLocks noGrp="1"/>
-          </p:cNvSpPr>
-          <p:nvPr>
-            <p:ph idx="1"/>
-          </p:nvPr>
-        </p:nvSpPr>
-        <p:spPr/>
-        <p:txBody>
-          <a:bodyPr/>
-          <a:lstStyle/>
-          <a:p>
-            <a:pPr marL="0" indent="0">
-              <a:lnSpc>
-                <a:spcPct val="107000"/>
-              </a:lnSpc>
-              <a:spcAft>
-                <a:spcPts val="800"/>
-              </a:spcAft>
-              <a:buNone/>
-            </a:pPr>
-            <a:r>
-              <a:rPr lang="de-DE" sz="1800" b="1" dirty="0">
-                <a:effectLst/>
-                <a:latin typeface="Calibri" panose="020F0502020204030204" pitchFamily="34" charset="0"/>
-                <a:ea typeface="Calibri" panose="020F0502020204030204" pitchFamily="34" charset="0"/>
-              </a:rPr>
-              <a:t>Variablen:</a:t>
-            </a:r>
-          </a:p>
-          <a:p>
-            <a:pPr>
-              <a:lnSpc>
-                <a:spcPct val="107000"/>
-              </a:lnSpc>
-              <a:spcAft>
-                <a:spcPts val="800"/>
-              </a:spcAft>
-            </a:pPr>
-            <a:r>
-              <a:rPr lang="de-DE" sz="1800" i="1" dirty="0" err="1">
-                <a:solidFill>
-                  <a:srgbClr val="000000"/>
-                </a:solidFill>
-                <a:effectLst/>
-                <a:latin typeface="Calibri" panose="020F0502020204030204" pitchFamily="34" charset="0"/>
-                <a:ea typeface="Calibri" panose="020F0502020204030204" pitchFamily="34" charset="0"/>
-              </a:rPr>
-              <a:t>anzahlFalscheBuchstaben</a:t>
-            </a:r>
-            <a:r>
-              <a:rPr lang="de-DE" sz="1800" i="1" dirty="0">
-                <a:solidFill>
-                  <a:srgbClr val="000000"/>
-                </a:solidFill>
-                <a:effectLst/>
-                <a:latin typeface="Calibri" panose="020F0502020204030204" pitchFamily="34" charset="0"/>
-                <a:ea typeface="Calibri" panose="020F0502020204030204" pitchFamily="34" charset="0"/>
-              </a:rPr>
-              <a:t> (</a:t>
-            </a:r>
-            <a:r>
-              <a:rPr lang="de-DE" sz="1800" i="1" u="sng" dirty="0" err="1">
-                <a:solidFill>
-                  <a:srgbClr val="000000"/>
-                </a:solidFill>
-                <a:effectLst/>
-                <a:latin typeface="Calibri" panose="020F0502020204030204" pitchFamily="34" charset="0"/>
-                <a:ea typeface="Calibri" panose="020F0502020204030204" pitchFamily="34" charset="0"/>
-              </a:rPr>
-              <a:t>int</a:t>
-            </a:r>
-            <a:r>
-              <a:rPr lang="de-DE" sz="1800" i="1" dirty="0">
-                <a:solidFill>
-                  <a:srgbClr val="000000"/>
-                </a:solidFill>
-                <a:effectLst/>
-                <a:latin typeface="Calibri" panose="020F0502020204030204" pitchFamily="34" charset="0"/>
-                <a:ea typeface="Calibri" panose="020F0502020204030204" pitchFamily="34" charset="0"/>
-              </a:rPr>
-              <a:t>)</a:t>
-            </a:r>
-            <a:endParaRPr lang="de-DE" i="1" dirty="0">
-              <a:solidFill>
-                <a:srgbClr val="000000"/>
-              </a:solidFill>
-              <a:latin typeface="Calibri" panose="020F0502020204030204" pitchFamily="34" charset="0"/>
-              <a:ea typeface="Calibri" panose="020F0502020204030204" pitchFamily="34" charset="0"/>
-            </a:endParaRPr>
-          </a:p>
-          <a:p>
-            <a:pPr>
-              <a:lnSpc>
-                <a:spcPct val="107000"/>
-              </a:lnSpc>
-              <a:spcAft>
-                <a:spcPts val="800"/>
-              </a:spcAft>
-            </a:pPr>
-            <a:r>
-              <a:rPr lang="de-DE" sz="1800" i="1" dirty="0">
-                <a:solidFill>
-                  <a:srgbClr val="000000"/>
-                </a:solidFill>
-                <a:effectLst/>
-                <a:latin typeface="Calibri" panose="020F0502020204030204" pitchFamily="34" charset="0"/>
-                <a:ea typeface="Calibri" panose="020F0502020204030204" pitchFamily="34" charset="0"/>
-              </a:rPr>
-              <a:t> </a:t>
-            </a:r>
-            <a:r>
-              <a:rPr lang="de-DE" sz="1800" i="1" dirty="0" err="1">
-                <a:solidFill>
-                  <a:srgbClr val="000000"/>
-                </a:solidFill>
-                <a:effectLst/>
-                <a:latin typeface="Calibri" panose="020F0502020204030204" pitchFamily="34" charset="0"/>
-                <a:ea typeface="Calibri" panose="020F0502020204030204" pitchFamily="34" charset="0"/>
-              </a:rPr>
-              <a:t>spielVerloren</a:t>
-            </a:r>
-            <a:r>
-              <a:rPr lang="de-DE" sz="1800" i="1" dirty="0">
-                <a:solidFill>
-                  <a:srgbClr val="000000"/>
-                </a:solidFill>
-                <a:effectLst/>
-                <a:latin typeface="Calibri" panose="020F0502020204030204" pitchFamily="34" charset="0"/>
-                <a:ea typeface="Calibri" panose="020F0502020204030204" pitchFamily="34" charset="0"/>
-              </a:rPr>
-              <a:t> (</a:t>
-            </a:r>
-            <a:r>
-              <a:rPr lang="de-DE" sz="1800" i="1" dirty="0" err="1">
-                <a:solidFill>
-                  <a:srgbClr val="000000"/>
-                </a:solidFill>
-                <a:effectLst/>
-                <a:latin typeface="Calibri" panose="020F0502020204030204" pitchFamily="34" charset="0"/>
-                <a:ea typeface="Calibri" panose="020F0502020204030204" pitchFamily="34" charset="0"/>
-              </a:rPr>
-              <a:t>boolean</a:t>
-            </a:r>
-            <a:r>
-              <a:rPr lang="de-DE" sz="1800" i="1" dirty="0">
-                <a:solidFill>
-                  <a:srgbClr val="000000"/>
-                </a:solidFill>
-                <a:effectLst/>
-                <a:latin typeface="Calibri" panose="020F0502020204030204" pitchFamily="34" charset="0"/>
-                <a:ea typeface="Calibri" panose="020F0502020204030204" pitchFamily="34" charset="0"/>
-              </a:rPr>
-              <a:t>)</a:t>
-            </a:r>
-            <a:endParaRPr lang="de-DE" i="1" dirty="0">
-              <a:solidFill>
-                <a:srgbClr val="000000"/>
-              </a:solidFill>
-              <a:latin typeface="Calibri" panose="020F0502020204030204" pitchFamily="34" charset="0"/>
-              <a:ea typeface="Calibri" panose="020F0502020204030204" pitchFamily="34" charset="0"/>
-            </a:endParaRPr>
-          </a:p>
-          <a:p>
-            <a:pPr>
-              <a:lnSpc>
-                <a:spcPct val="107000"/>
-              </a:lnSpc>
-              <a:spcAft>
-                <a:spcPts val="800"/>
-              </a:spcAft>
-            </a:pPr>
-            <a:r>
-              <a:rPr lang="de-DE" sz="1800" i="1" dirty="0" err="1">
-                <a:solidFill>
-                  <a:srgbClr val="000000"/>
-                </a:solidFill>
-                <a:effectLst/>
-                <a:latin typeface="Calibri" panose="020F0502020204030204" pitchFamily="34" charset="0"/>
-                <a:ea typeface="Calibri" panose="020F0502020204030204" pitchFamily="34" charset="0"/>
-              </a:rPr>
-              <a:t>spielGewonnen</a:t>
-            </a:r>
-            <a:r>
-              <a:rPr lang="de-DE" sz="1800" i="1" dirty="0">
-                <a:solidFill>
-                  <a:srgbClr val="000000"/>
-                </a:solidFill>
-                <a:effectLst/>
-                <a:latin typeface="Calibri" panose="020F0502020204030204" pitchFamily="34" charset="0"/>
-                <a:ea typeface="Calibri" panose="020F0502020204030204" pitchFamily="34" charset="0"/>
-              </a:rPr>
-              <a:t> (</a:t>
-            </a:r>
-            <a:r>
-              <a:rPr lang="de-DE" sz="1800" i="1" dirty="0" err="1">
-                <a:solidFill>
-                  <a:srgbClr val="000000"/>
-                </a:solidFill>
-                <a:effectLst/>
-                <a:latin typeface="Calibri" panose="020F0502020204030204" pitchFamily="34" charset="0"/>
-                <a:ea typeface="Calibri" panose="020F0502020204030204" pitchFamily="34" charset="0"/>
-              </a:rPr>
-              <a:t>boolean</a:t>
-            </a:r>
-            <a:r>
-              <a:rPr lang="de-DE" sz="1800" i="1" dirty="0">
-                <a:solidFill>
-                  <a:srgbClr val="000000"/>
-                </a:solidFill>
-                <a:effectLst/>
-                <a:latin typeface="Calibri" panose="020F0502020204030204" pitchFamily="34" charset="0"/>
-                <a:ea typeface="Calibri" panose="020F0502020204030204" pitchFamily="34" charset="0"/>
-              </a:rPr>
-              <a:t>)</a:t>
-            </a:r>
-            <a:endParaRPr lang="de-DE" i="1" dirty="0">
-              <a:solidFill>
-                <a:srgbClr val="000000"/>
-              </a:solidFill>
-              <a:latin typeface="Calibri" panose="020F0502020204030204" pitchFamily="34" charset="0"/>
-              <a:ea typeface="Calibri" panose="020F0502020204030204" pitchFamily="34" charset="0"/>
-            </a:endParaRPr>
-          </a:p>
-          <a:p>
-            <a:pPr>
-              <a:lnSpc>
-                <a:spcPct val="107000"/>
-              </a:lnSpc>
-              <a:spcAft>
-                <a:spcPts val="800"/>
-              </a:spcAft>
-            </a:pPr>
-            <a:r>
-              <a:rPr lang="de-DE" sz="1800" i="1" dirty="0" err="1">
-                <a:solidFill>
-                  <a:srgbClr val="000000"/>
-                </a:solidFill>
-                <a:effectLst/>
-                <a:latin typeface="Calibri" panose="020F0502020204030204" pitchFamily="34" charset="0"/>
-                <a:ea typeface="Calibri" panose="020F0502020204030204" pitchFamily="34" charset="0"/>
-              </a:rPr>
-              <a:t>arrFalscheBuchstaben</a:t>
-            </a:r>
-            <a:endParaRPr lang="de-DE" i="1" dirty="0">
-              <a:solidFill>
-                <a:srgbClr val="000000"/>
-              </a:solidFill>
-              <a:latin typeface="Calibri" panose="020F0502020204030204" pitchFamily="34" charset="0"/>
-              <a:ea typeface="Calibri" panose="020F0502020204030204" pitchFamily="34" charset="0"/>
-            </a:endParaRPr>
-          </a:p>
-          <a:p>
-            <a:pPr>
-              <a:lnSpc>
-                <a:spcPct val="107000"/>
-              </a:lnSpc>
-              <a:spcAft>
-                <a:spcPts val="800"/>
-              </a:spcAft>
-            </a:pPr>
-            <a:r>
-              <a:rPr lang="de-DE" sz="1800" i="1" dirty="0" err="1">
-                <a:solidFill>
-                  <a:srgbClr val="000000"/>
-                </a:solidFill>
-                <a:effectLst/>
-                <a:latin typeface="Calibri" panose="020F0502020204030204" pitchFamily="34" charset="0"/>
-                <a:ea typeface="Calibri" panose="020F0502020204030204" pitchFamily="34" charset="0"/>
-              </a:rPr>
-              <a:t>arrGegebeneWörter</a:t>
-            </a:r>
-            <a:endParaRPr lang="de-DE" sz="1800" i="1" dirty="0">
-              <a:solidFill>
-                <a:srgbClr val="000000"/>
-              </a:solidFill>
-              <a:effectLst/>
-              <a:latin typeface="Calibri" panose="020F0502020204030204" pitchFamily="34" charset="0"/>
-              <a:ea typeface="Calibri" panose="020F0502020204030204" pitchFamily="34" charset="0"/>
-            </a:endParaRPr>
-          </a:p>
-          <a:p>
-            <a:pPr>
-              <a:lnSpc>
-                <a:spcPct val="107000"/>
-              </a:lnSpc>
-              <a:spcAft>
-                <a:spcPts val="800"/>
-              </a:spcAft>
-            </a:pPr>
-            <a:r>
-              <a:rPr lang="de-DE" sz="1800" i="1" dirty="0">
-                <a:solidFill>
-                  <a:srgbClr val="000000"/>
-                </a:solidFill>
-                <a:effectLst/>
-                <a:latin typeface="Calibri" panose="020F0502020204030204" pitchFamily="34" charset="0"/>
-                <a:ea typeface="Calibri" panose="020F0502020204030204" pitchFamily="34" charset="0"/>
-              </a:rPr>
-              <a:t>fina</a:t>
-            </a:r>
-            <a:r>
-              <a:rPr lang="de-DE" i="1" dirty="0">
-                <a:solidFill>
-                  <a:srgbClr val="000000"/>
-                </a:solidFill>
-                <a:latin typeface="Calibri" panose="020F0502020204030204" pitchFamily="34" charset="0"/>
-                <a:ea typeface="Calibri" panose="020F0502020204030204" pitchFamily="34" charset="0"/>
-              </a:rPr>
-              <a:t>l </a:t>
-            </a:r>
-            <a:endParaRPr lang="de-DE" sz="1800" dirty="0">
-              <a:effectLst/>
-              <a:latin typeface="Calibri" panose="020F0502020204030204" pitchFamily="34" charset="0"/>
-              <a:ea typeface="Calibri" panose="020F0502020204030204" pitchFamily="34" charset="0"/>
-            </a:endParaRPr>
-          </a:p>
-          <a:p>
-            <a:endParaRPr lang="de-DE" dirty="0"/>
-          </a:p>
-        </p:txBody>
-      </p:sp>
-    </p:spTree>
-    <p:extLst>
-      <p:ext uri="{BB962C8B-B14F-4D97-AF65-F5344CB8AC3E}">
-        <p14:creationId xmlns:p14="http://schemas.microsoft.com/office/powerpoint/2010/main" val="1063012907"/>
-      </p:ext>
-    </p:extLst>
-  </p:cSld>
-  <p:clrMapOvr>
-    <a:masterClrMapping/>
-  </p:clrMapOvr>
-</p:sld>
-</file>
-
 <file path=ppt/slides/slide7.xml><?xml version="1.0" encoding="utf-8"?>
 <p:sld xmlns:a="http://schemas.openxmlformats.org/drawingml/2006/main" xmlns:r="http://schemas.openxmlformats.org/officeDocument/2006/relationships" xmlns:p="http://schemas.openxmlformats.org/presentationml/2006/main">
   <p:cSld>
@@ -11019,77 +10852,398 @@
       </p:grpSpPr>
       <p:sp>
         <p:nvSpPr>
-          <p:cNvPr id="22" name="Textfeld 21">
-            <a:extLst>
-              <a:ext uri="{FF2B5EF4-FFF2-40B4-BE49-F238E27FC236}">
-                <a16:creationId xmlns:a16="http://schemas.microsoft.com/office/drawing/2014/main" id="{19352CF6-0F22-45A8-B28B-37FAFCE5C5D6}"/>
-              </a:ext>
-            </a:extLst>
-          </p:cNvPr>
-          <p:cNvSpPr txBox="1"/>
-          <p:nvPr/>
-        </p:nvSpPr>
-        <p:spPr>
-          <a:xfrm>
-            <a:off x="10251642" y="182562"/>
-            <a:ext cx="1662546" cy="404658"/>
-          </a:xfrm>
-          <a:prstGeom prst="rect">
-            <a:avLst/>
-          </a:prstGeom>
-          <a:noFill/>
-        </p:spPr>
-        <p:txBody>
-          <a:bodyPr wrap="square" lIns="0" tIns="36000" rIns="0" bIns="0" rtlCol="0">
-            <a:spAutoFit/>
-          </a:bodyPr>
+          <p:cNvPr id="2" name="Titel 1">
+            <a:extLst>
+              <a:ext uri="{FF2B5EF4-FFF2-40B4-BE49-F238E27FC236}">
+                <a16:creationId xmlns:a16="http://schemas.microsoft.com/office/drawing/2014/main" id="{27F4C7B4-7678-4C85-8CBD-5AE147B21F84}"/>
+              </a:ext>
+            </a:extLst>
+          </p:cNvPr>
+          <p:cNvSpPr>
+            <a:spLocks noGrp="1"/>
+          </p:cNvSpPr>
+          <p:nvPr>
+            <p:ph type="title"/>
+          </p:nvPr>
+        </p:nvSpPr>
+        <p:spPr/>
+        <p:txBody>
+          <a:bodyPr/>
           <a:lstStyle/>
           <a:p>
-            <a:pPr algn="r" rtl="0">
+            <a:r>
+              <a:rPr lang="de-DE" dirty="0"/>
+              <a:t>Benötigte Funktionen</a:t>
+            </a:r>
+          </a:p>
+        </p:txBody>
+      </p:sp>
+      <p:sp>
+        <p:nvSpPr>
+          <p:cNvPr id="3" name="Foliennummernplatzhalter 2">
+            <a:extLst>
+              <a:ext uri="{FF2B5EF4-FFF2-40B4-BE49-F238E27FC236}">
+                <a16:creationId xmlns:a16="http://schemas.microsoft.com/office/drawing/2014/main" id="{C73B1146-D82F-42C9-A9B7-9567CC6A6A1D}"/>
+              </a:ext>
+            </a:extLst>
+          </p:cNvPr>
+          <p:cNvSpPr>
+            <a:spLocks noGrp="1"/>
+          </p:cNvSpPr>
+          <p:nvPr>
+            <p:ph type="sldNum" sz="quarter" idx="33"/>
+          </p:nvPr>
+        </p:nvSpPr>
+        <p:spPr/>
+        <p:txBody>
+          <a:bodyPr/>
+          <a:lstStyle/>
+          <a:p>
+            <a:pPr rtl="0"/>
+            <a:fld id="{19B51A1E-902D-48AF-9020-955120F399B6}" type="slidenum">
+              <a:rPr lang="de-DE" noProof="0" smtClean="0"/>
+              <a:pPr rtl="0"/>
+              <a:t>7</a:t>
+            </a:fld>
+            <a:endParaRPr lang="de-DE" noProof="0"/>
+          </a:p>
+        </p:txBody>
+      </p:sp>
+      <p:sp>
+        <p:nvSpPr>
+          <p:cNvPr id="4" name="Inhaltsplatzhalter 3">
+            <a:extLst>
+              <a:ext uri="{FF2B5EF4-FFF2-40B4-BE49-F238E27FC236}">
+                <a16:creationId xmlns:a16="http://schemas.microsoft.com/office/drawing/2014/main" id="{1C7DA80F-C068-4541-88E7-B863D573A0E2}"/>
+              </a:ext>
+            </a:extLst>
+          </p:cNvPr>
+          <p:cNvSpPr>
+            <a:spLocks noGrp="1"/>
+          </p:cNvSpPr>
+          <p:nvPr>
+            <p:ph idx="1"/>
+          </p:nvPr>
+        </p:nvSpPr>
+        <p:spPr/>
+        <p:txBody>
+          <a:bodyPr/>
+          <a:lstStyle/>
+          <a:p>
+            <a:pPr marL="0" indent="0">
               <a:lnSpc>
-                <a:spcPts val="1400"/>
+                <a:spcPct val="107000"/>
               </a:lnSpc>
+              <a:spcAft>
+                <a:spcPts val="800"/>
+              </a:spcAft>
+              <a:buNone/>
             </a:pPr>
             <a:r>
-              <a:rPr lang="de-DE" sz="1600" b="1" spc="-100" dirty="0">
+              <a:rPr lang="de-DE" sz="1800" b="1" dirty="0">
+                <a:effectLst/>
+                <a:latin typeface="Calibri" panose="020F0502020204030204" pitchFamily="34" charset="0"/>
+                <a:ea typeface="Calibri" panose="020F0502020204030204" pitchFamily="34" charset="0"/>
+              </a:rPr>
+              <a:t>Variablen:</a:t>
+            </a:r>
+          </a:p>
+          <a:p>
+            <a:pPr>
+              <a:lnSpc>
+                <a:spcPct val="107000"/>
+              </a:lnSpc>
+              <a:spcAft>
+                <a:spcPts val="800"/>
+              </a:spcAft>
+            </a:pPr>
+            <a:r>
+              <a:rPr lang="de-DE" sz="1800" i="1" dirty="0" err="1">
                 <a:solidFill>
-                  <a:schemeClr val="tx1">
-                    <a:lumMod val="50000"/>
-                    <a:lumOff val="50000"/>
-                  </a:schemeClr>
+                  <a:srgbClr val="000000"/>
                 </a:solidFill>
-                <a:latin typeface="Corbel" panose="020B0503020204020204" pitchFamily="34" charset="0"/>
+                <a:effectLst/>
+                <a:latin typeface="Calibri" panose="020F0502020204030204" pitchFamily="34" charset="0"/>
+                <a:ea typeface="Calibri" panose="020F0502020204030204" pitchFamily="34" charset="0"/>
               </a:rPr>
-              <a:t>Programmieren</a:t>
-            </a:r>
-            <a:r>
-              <a:rPr lang="de-DE" sz="1600" b="1" spc="-100" dirty="0">
+              <a:t>anzahlFalscheBuchstaben</a:t>
+            </a:r>
+            <a:r>
+              <a:rPr lang="de-DE" sz="1800" i="1" dirty="0">
                 <a:solidFill>
-                  <a:schemeClr val="accent1"/>
+                  <a:srgbClr val="000000"/>
                 </a:solidFill>
-                <a:latin typeface="Corbel" panose="020B0503020204020204" pitchFamily="34" charset="0"/>
+                <a:effectLst/>
+                <a:latin typeface="Calibri" panose="020F0502020204030204" pitchFamily="34" charset="0"/>
+                <a:ea typeface="Calibri" panose="020F0502020204030204" pitchFamily="34" charset="0"/>
+              </a:rPr>
+              <a:t> (</a:t>
+            </a:r>
+            <a:r>
+              <a:rPr lang="de-DE" sz="1800" i="1" u="sng" dirty="0" err="1">
+                <a:solidFill>
+                  <a:srgbClr val="000000"/>
+                </a:solidFill>
+                <a:effectLst/>
+                <a:latin typeface="Calibri" panose="020F0502020204030204" pitchFamily="34" charset="0"/>
+                <a:ea typeface="Calibri" panose="020F0502020204030204" pitchFamily="34" charset="0"/>
+              </a:rPr>
+              <a:t>int</a:t>
+            </a:r>
+            <a:r>
+              <a:rPr lang="de-DE" sz="1800" i="1" dirty="0">
+                <a:solidFill>
+                  <a:srgbClr val="000000"/>
+                </a:solidFill>
+                <a:effectLst/>
+                <a:latin typeface="Calibri" panose="020F0502020204030204" pitchFamily="34" charset="0"/>
+                <a:ea typeface="Calibri" panose="020F0502020204030204" pitchFamily="34" charset="0"/>
+              </a:rPr>
+              <a:t>)</a:t>
+            </a:r>
+            <a:endParaRPr lang="de-DE" i="1" dirty="0">
+              <a:solidFill>
+                <a:srgbClr val="000000"/>
+              </a:solidFill>
+              <a:latin typeface="Calibri" panose="020F0502020204030204" pitchFamily="34" charset="0"/>
+              <a:ea typeface="Calibri" panose="020F0502020204030204" pitchFamily="34" charset="0"/>
+            </a:endParaRPr>
+          </a:p>
+          <a:p>
+            <a:pPr>
+              <a:lnSpc>
+                <a:spcPct val="107000"/>
+              </a:lnSpc>
+              <a:spcAft>
+                <a:spcPts val="800"/>
+              </a:spcAft>
+            </a:pPr>
+            <a:r>
+              <a:rPr lang="de-DE" sz="1800" i="1" dirty="0">
+                <a:solidFill>
+                  <a:srgbClr val="000000"/>
+                </a:solidFill>
+                <a:effectLst/>
+                <a:latin typeface="Calibri" panose="020F0502020204030204" pitchFamily="34" charset="0"/>
+                <a:ea typeface="Calibri" panose="020F0502020204030204" pitchFamily="34" charset="0"/>
               </a:rPr>
               <a:t> </a:t>
             </a:r>
             <a:r>
-              <a:rPr lang="de-DE" sz="1600" b="1" spc="-100" dirty="0">
-                <a:latin typeface="Corbel" panose="020B0503020204020204" pitchFamily="34" charset="0"/>
+              <a:rPr lang="de-DE" sz="1800" i="1" dirty="0" err="1">
+                <a:solidFill>
+                  <a:srgbClr val="000000"/>
+                </a:solidFill>
+                <a:effectLst/>
+                <a:latin typeface="Calibri" panose="020F0502020204030204" pitchFamily="34" charset="0"/>
+                <a:ea typeface="Calibri" panose="020F0502020204030204" pitchFamily="34" charset="0"/>
               </a:rPr>
-              <a:t>ON22</a:t>
-            </a:r>
-            <a:endParaRPr lang="de-DE" sz="1600" b="1" spc="-100" dirty="0">
+              <a:t>spielVerloren</a:t>
+            </a:r>
+            <a:r>
+              <a:rPr lang="de-DE" sz="1800" i="1" dirty="0">
+                <a:solidFill>
+                  <a:srgbClr val="000000"/>
+                </a:solidFill>
+                <a:effectLst/>
+                <a:latin typeface="Calibri" panose="020F0502020204030204" pitchFamily="34" charset="0"/>
+                <a:ea typeface="Calibri" panose="020F0502020204030204" pitchFamily="34" charset="0"/>
+              </a:rPr>
+              <a:t> (</a:t>
+            </a:r>
+            <a:r>
+              <a:rPr lang="de-DE" sz="1800" i="1" dirty="0" err="1">
+                <a:solidFill>
+                  <a:srgbClr val="000000"/>
+                </a:solidFill>
+                <a:effectLst/>
+                <a:latin typeface="Calibri" panose="020F0502020204030204" pitchFamily="34" charset="0"/>
+                <a:ea typeface="Calibri" panose="020F0502020204030204" pitchFamily="34" charset="0"/>
+              </a:rPr>
+              <a:t>boolean</a:t>
+            </a:r>
+            <a:r>
+              <a:rPr lang="de-DE" sz="1800" i="1" dirty="0">
+                <a:solidFill>
+                  <a:srgbClr val="000000"/>
+                </a:solidFill>
+                <a:effectLst/>
+                <a:latin typeface="Calibri" panose="020F0502020204030204" pitchFamily="34" charset="0"/>
+                <a:ea typeface="Calibri" panose="020F0502020204030204" pitchFamily="34" charset="0"/>
+              </a:rPr>
+              <a:t>)</a:t>
+            </a:r>
+            <a:endParaRPr lang="de-DE" i="1" dirty="0">
               <a:solidFill>
-                <a:schemeClr val="tx1"/>
+                <a:srgbClr val="000000"/>
               </a:solidFill>
-              <a:latin typeface="Corbel" panose="020B0503020204020204" pitchFamily="34" charset="0"/>
+              <a:latin typeface="Calibri" panose="020F0502020204030204" pitchFamily="34" charset="0"/>
+              <a:ea typeface="Calibri" panose="020F0502020204030204" pitchFamily="34" charset="0"/>
             </a:endParaRPr>
+          </a:p>
+          <a:p>
+            <a:pPr>
+              <a:lnSpc>
+                <a:spcPct val="107000"/>
+              </a:lnSpc>
+              <a:spcAft>
+                <a:spcPts val="800"/>
+              </a:spcAft>
+            </a:pPr>
+            <a:r>
+              <a:rPr lang="de-DE" sz="1800" i="1" dirty="0" err="1">
+                <a:solidFill>
+                  <a:srgbClr val="000000"/>
+                </a:solidFill>
+                <a:effectLst/>
+                <a:latin typeface="Calibri" panose="020F0502020204030204" pitchFamily="34" charset="0"/>
+                <a:ea typeface="Calibri" panose="020F0502020204030204" pitchFamily="34" charset="0"/>
+              </a:rPr>
+              <a:t>spielGewonnen</a:t>
+            </a:r>
+            <a:r>
+              <a:rPr lang="de-DE" sz="1800" i="1" dirty="0">
+                <a:solidFill>
+                  <a:srgbClr val="000000"/>
+                </a:solidFill>
+                <a:effectLst/>
+                <a:latin typeface="Calibri" panose="020F0502020204030204" pitchFamily="34" charset="0"/>
+                <a:ea typeface="Calibri" panose="020F0502020204030204" pitchFamily="34" charset="0"/>
+              </a:rPr>
+              <a:t> (</a:t>
+            </a:r>
+            <a:r>
+              <a:rPr lang="de-DE" sz="1800" i="1" dirty="0" err="1">
+                <a:solidFill>
+                  <a:srgbClr val="000000"/>
+                </a:solidFill>
+                <a:effectLst/>
+                <a:latin typeface="Calibri" panose="020F0502020204030204" pitchFamily="34" charset="0"/>
+                <a:ea typeface="Calibri" panose="020F0502020204030204" pitchFamily="34" charset="0"/>
+              </a:rPr>
+              <a:t>boolean</a:t>
+            </a:r>
+            <a:r>
+              <a:rPr lang="de-DE" sz="1800" i="1" dirty="0">
+                <a:solidFill>
+                  <a:srgbClr val="000000"/>
+                </a:solidFill>
+                <a:effectLst/>
+                <a:latin typeface="Calibri" panose="020F0502020204030204" pitchFamily="34" charset="0"/>
+                <a:ea typeface="Calibri" panose="020F0502020204030204" pitchFamily="34" charset="0"/>
+              </a:rPr>
+              <a:t>)</a:t>
+            </a:r>
+            <a:endParaRPr lang="de-DE" i="1" dirty="0">
+              <a:solidFill>
+                <a:srgbClr val="000000"/>
+              </a:solidFill>
+              <a:latin typeface="Calibri" panose="020F0502020204030204" pitchFamily="34" charset="0"/>
+              <a:ea typeface="Calibri" panose="020F0502020204030204" pitchFamily="34" charset="0"/>
+            </a:endParaRPr>
+          </a:p>
+          <a:p>
+            <a:pPr>
+              <a:lnSpc>
+                <a:spcPct val="107000"/>
+              </a:lnSpc>
+              <a:spcAft>
+                <a:spcPts val="800"/>
+              </a:spcAft>
+            </a:pPr>
+            <a:r>
+              <a:rPr lang="de-DE" sz="1800" i="1" dirty="0" err="1">
+                <a:solidFill>
+                  <a:srgbClr val="000000"/>
+                </a:solidFill>
+                <a:effectLst/>
+                <a:latin typeface="Calibri" panose="020F0502020204030204" pitchFamily="34" charset="0"/>
+                <a:ea typeface="Calibri" panose="020F0502020204030204" pitchFamily="34" charset="0"/>
+              </a:rPr>
+              <a:t>arrFalscheBuchstaben</a:t>
+            </a:r>
+            <a:endParaRPr lang="de-DE" i="1" dirty="0">
+              <a:solidFill>
+                <a:srgbClr val="000000"/>
+              </a:solidFill>
+              <a:latin typeface="Calibri" panose="020F0502020204030204" pitchFamily="34" charset="0"/>
+              <a:ea typeface="Calibri" panose="020F0502020204030204" pitchFamily="34" charset="0"/>
+            </a:endParaRPr>
+          </a:p>
+          <a:p>
+            <a:pPr>
+              <a:lnSpc>
+                <a:spcPct val="107000"/>
+              </a:lnSpc>
+              <a:spcAft>
+                <a:spcPts val="800"/>
+              </a:spcAft>
+            </a:pPr>
+            <a:r>
+              <a:rPr lang="de-DE" sz="1800" i="1" dirty="0" err="1">
+                <a:solidFill>
+                  <a:srgbClr val="000000"/>
+                </a:solidFill>
+                <a:effectLst/>
+                <a:latin typeface="Calibri" panose="020F0502020204030204" pitchFamily="34" charset="0"/>
+                <a:ea typeface="Calibri" panose="020F0502020204030204" pitchFamily="34" charset="0"/>
+              </a:rPr>
+              <a:t>arrGegebeneWörter</a:t>
+            </a:r>
+            <a:endParaRPr lang="de-DE" sz="1800" i="1" dirty="0">
+              <a:solidFill>
+                <a:srgbClr val="000000"/>
+              </a:solidFill>
+              <a:effectLst/>
+              <a:latin typeface="Calibri" panose="020F0502020204030204" pitchFamily="34" charset="0"/>
+              <a:ea typeface="Calibri" panose="020F0502020204030204" pitchFamily="34" charset="0"/>
+            </a:endParaRPr>
+          </a:p>
+          <a:p>
+            <a:pPr>
+              <a:lnSpc>
+                <a:spcPct val="107000"/>
+              </a:lnSpc>
+              <a:spcAft>
+                <a:spcPts val="800"/>
+              </a:spcAft>
+            </a:pPr>
+            <a:r>
+              <a:rPr lang="de-DE" sz="1800" i="1" dirty="0">
+                <a:solidFill>
+                  <a:srgbClr val="000000"/>
+                </a:solidFill>
+                <a:effectLst/>
+                <a:latin typeface="Calibri" panose="020F0502020204030204" pitchFamily="34" charset="0"/>
+                <a:ea typeface="Calibri" panose="020F0502020204030204" pitchFamily="34" charset="0"/>
+              </a:rPr>
+              <a:t>fina</a:t>
+            </a:r>
+            <a:r>
+              <a:rPr lang="de-DE" i="1" dirty="0">
+                <a:solidFill>
+                  <a:srgbClr val="000000"/>
+                </a:solidFill>
+                <a:latin typeface="Calibri" panose="020F0502020204030204" pitchFamily="34" charset="0"/>
+                <a:ea typeface="Calibri" panose="020F0502020204030204" pitchFamily="34" charset="0"/>
+              </a:rPr>
+              <a:t>l </a:t>
+            </a:r>
+            <a:endParaRPr lang="de-DE" sz="1800" dirty="0">
+              <a:effectLst/>
+              <a:latin typeface="Calibri" panose="020F0502020204030204" pitchFamily="34" charset="0"/>
+              <a:ea typeface="Calibri" panose="020F0502020204030204" pitchFamily="34" charset="0"/>
+            </a:endParaRPr>
+          </a:p>
+          <a:p>
+            <a:endParaRPr lang="de-DE" dirty="0"/>
           </a:p>
         </p:txBody>
       </p:sp>
     </p:spTree>
     <p:extLst>
       <p:ext uri="{BB962C8B-B14F-4D97-AF65-F5344CB8AC3E}">
-        <p14:creationId xmlns:p14="http://schemas.microsoft.com/office/powerpoint/2010/main" val="2774107021"/>
+        <p14:creationId xmlns:p14="http://schemas.microsoft.com/office/powerpoint/2010/main" val="1063012907"/>
       </p:ext>
     </p:extLst>
   </p:cSld>
@@ -11188,7 +11342,7 @@
     </p:spTree>
     <p:extLst>
       <p:ext uri="{BB962C8B-B14F-4D97-AF65-F5344CB8AC3E}">
-        <p14:creationId xmlns:p14="http://schemas.microsoft.com/office/powerpoint/2010/main" val="497035229"/>
+        <p14:creationId xmlns:p14="http://schemas.microsoft.com/office/powerpoint/2010/main" val="2774107021"/>
       </p:ext>
     </p:extLst>
   </p:cSld>
@@ -11287,7 +11441,7 @@
     </p:spTree>
     <p:extLst>
       <p:ext uri="{BB962C8B-B14F-4D97-AF65-F5344CB8AC3E}">
-        <p14:creationId xmlns:p14="http://schemas.microsoft.com/office/powerpoint/2010/main" val="1228077506"/>
+        <p14:creationId xmlns:p14="http://schemas.microsoft.com/office/powerpoint/2010/main" val="497035229"/>
       </p:ext>
     </p:extLst>
   </p:cSld>
@@ -12122,12 +12276,12 @@
 </file>
 
 <file path=customXml/item1.xml><?xml version="1.0" encoding="utf-8"?>
-<p:properties xmlns:p="http://schemas.microsoft.com/office/2006/metadata/properties" xmlns:xsi="http://www.w3.org/2001/XMLSchema-instance" xmlns:pc="http://schemas.microsoft.com/office/infopath/2007/PartnerControls">
-  <documentManagement>
-    <_ip_UnifiedCompliancePolicyUIAction xmlns="http://schemas.microsoft.com/sharepoint/v3" xsi:nil="true"/>
-    <_ip_UnifiedCompliancePolicyProperties xmlns="http://schemas.microsoft.com/sharepoint/v3" xsi:nil="true"/>
-  </documentManagement>
-</p:properties>
+<?mso-contentType ?>
+<FormTemplates xmlns="http://schemas.microsoft.com/sharepoint/v3/contenttype/forms">
+  <Display>DocumentLibraryForm</Display>
+  <Edit>DocumentLibraryForm</Edit>
+  <New>DocumentLibraryForm</New>
+</FormTemplates>
 </file>
 
 <file path=customXml/item2.xml><?xml version="1.0" encoding="utf-8"?>
@@ -12339,20 +12493,18 @@
 </file>
 
 <file path=customXml/item3.xml><?xml version="1.0" encoding="utf-8"?>
-<?mso-contentType ?>
-<FormTemplates xmlns="http://schemas.microsoft.com/sharepoint/v3/contenttype/forms">
-  <Display>DocumentLibraryForm</Display>
-  <Edit>DocumentLibraryForm</Edit>
-  <New>DocumentLibraryForm</New>
-</FormTemplates>
+<p:properties xmlns:p="http://schemas.microsoft.com/office/2006/metadata/properties" xmlns:xsi="http://www.w3.org/2001/XMLSchema-instance" xmlns:pc="http://schemas.microsoft.com/office/infopath/2007/PartnerControls">
+  <documentManagement>
+    <_ip_UnifiedCompliancePolicyUIAction xmlns="http://schemas.microsoft.com/sharepoint/v3" xsi:nil="true"/>
+    <_ip_UnifiedCompliancePolicyProperties xmlns="http://schemas.microsoft.com/sharepoint/v3" xsi:nil="true"/>
+  </documentManagement>
+</p:properties>
 </file>
 
 <file path=customXml/itemProps1.xml><?xml version="1.0" encoding="utf-8"?>
-<ds:datastoreItem xmlns:ds="http://schemas.openxmlformats.org/officeDocument/2006/customXml" ds:itemID="{E4934E25-8442-49E9-ABDF-3146C4145F3B}">
+<ds:datastoreItem xmlns:ds="http://schemas.openxmlformats.org/officeDocument/2006/customXml" ds:itemID="{F6CB1848-D3E0-4F10-B640-720BE758B85B}">
   <ds:schemaRefs>
-    <ds:schemaRef ds:uri="http://schemas.microsoft.com/office/2006/metadata/properties"/>
-    <ds:schemaRef ds:uri="http://schemas.microsoft.com/office/infopath/2007/PartnerControls"/>
-    <ds:schemaRef ds:uri="http://schemas.microsoft.com/sharepoint/v3"/>
+    <ds:schemaRef ds:uri="http://schemas.microsoft.com/sharepoint/v3/contenttype/forms"/>
   </ds:schemaRefs>
 </ds:datastoreItem>
 </file>
@@ -12378,9 +12530,11 @@
 </file>
 
 <file path=customXml/itemProps3.xml><?xml version="1.0" encoding="utf-8"?>
-<ds:datastoreItem xmlns:ds="http://schemas.openxmlformats.org/officeDocument/2006/customXml" ds:itemID="{F6CB1848-D3E0-4F10-B640-720BE758B85B}">
+<ds:datastoreItem xmlns:ds="http://schemas.openxmlformats.org/officeDocument/2006/customXml" ds:itemID="{E4934E25-8442-49E9-ABDF-3146C4145F3B}">
   <ds:schemaRefs>
-    <ds:schemaRef ds:uri="http://schemas.microsoft.com/sharepoint/v3/contenttype/forms"/>
+    <ds:schemaRef ds:uri="http://schemas.microsoft.com/office/2006/metadata/properties"/>
+    <ds:schemaRef ds:uri="http://schemas.microsoft.com/office/infopath/2007/PartnerControls"/>
+    <ds:schemaRef ds:uri="http://schemas.microsoft.com/sharepoint/v3"/>
   </ds:schemaRefs>
 </ds:datastoreItem>
 </file>
--- a/Präsentation Programmieren Galgenmännchen.pptx
+++ b/Präsentation Programmieren Galgenmännchen.pptx
@@ -13,12 +13,12 @@
   <p:sldIdLst>
     <p:sldId id="282" r:id="rId5"/>
     <p:sldId id="297" r:id="rId6"/>
-    <p:sldId id="301" r:id="rId7"/>
-    <p:sldId id="302" r:id="rId8"/>
-    <p:sldId id="305" r:id="rId9"/>
-    <p:sldId id="303" r:id="rId10"/>
-    <p:sldId id="304" r:id="rId11"/>
-    <p:sldId id="298" r:id="rId12"/>
+    <p:sldId id="298" r:id="rId7"/>
+    <p:sldId id="301" r:id="rId8"/>
+    <p:sldId id="302" r:id="rId9"/>
+    <p:sldId id="305" r:id="rId10"/>
+    <p:sldId id="303" r:id="rId11"/>
+    <p:sldId id="304" r:id="rId12"/>
     <p:sldId id="299" r:id="rId13"/>
     <p:sldId id="300" r:id="rId14"/>
     <p:sldId id="296" r:id="rId15"/>
@@ -131,12 +131,12 @@
         <p14:section name="Abschnitt ohne Titel" id="{528501D9-763D-4701-BC0F-C04A9C887F4F}">
           <p14:sldIdLst>
             <p14:sldId id="297"/>
+            <p14:sldId id="298"/>
             <p14:sldId id="301"/>
             <p14:sldId id="302"/>
             <p14:sldId id="305"/>
             <p14:sldId id="303"/>
             <p14:sldId id="304"/>
-            <p14:sldId id="298"/>
             <p14:sldId id="299"/>
             <p14:sldId id="300"/>
             <p14:sldId id="296"/>
@@ -158,12 +158,68 @@
 <p1510:revInfo xmlns:a="http://schemas.openxmlformats.org/drawingml/2006/main" xmlns:r="http://schemas.openxmlformats.org/officeDocument/2006/relationships" xmlns:p1510="http://schemas.microsoft.com/office/powerpoint/2015/10/main">
   <p1510:revLst>
     <p1510:client id="{386797D6-52EC-4744-8EA7-98DE61667493}" v="1" dt="2022-12-19T09:11:28.947"/>
+    <p1510:client id="{6F70F443-72ED-49A8-AE51-2BB347B81408}" v="1" dt="2022-12-19T11:24:05.661"/>
   </p1510:revLst>
 </p1510:revInfo>
 </file>
 
 <file path=ppt/changesInfos/changesInfo1.xml><?xml version="1.0" encoding="utf-8"?>
 <pc:chgInfo xmlns:a="http://schemas.openxmlformats.org/drawingml/2006/main" xmlns:r="http://schemas.openxmlformats.org/officeDocument/2006/relationships" xmlns:ac="http://schemas.microsoft.com/office/drawing/2013/main/command" xmlns:pc="http://schemas.microsoft.com/office/powerpoint/2013/main/command">
+  <pc:docChgLst>
+    <pc:chgData name="Celine Gugel" userId="a0dc202d26524916" providerId="LiveId" clId="{6F70F443-72ED-49A8-AE51-2BB347B81408}"/>
+    <pc:docChg chg="modSld sldOrd">
+      <pc:chgData name="Celine Gugel" userId="a0dc202d26524916" providerId="LiveId" clId="{6F70F443-72ED-49A8-AE51-2BB347B81408}" dt="2022-12-19T11:24:07.595" v="30" actId="1076"/>
+      <pc:docMkLst>
+        <pc:docMk/>
+      </pc:docMkLst>
+      <pc:sldChg chg="modSp mod">
+        <pc:chgData name="Celine Gugel" userId="a0dc202d26524916" providerId="LiveId" clId="{6F70F443-72ED-49A8-AE51-2BB347B81408}" dt="2022-12-19T11:22:56.877" v="9" actId="14100"/>
+        <pc:sldMkLst>
+          <pc:docMk/>
+          <pc:sldMk cId="402018869" sldId="297"/>
+        </pc:sldMkLst>
+        <pc:spChg chg="mod">
+          <ac:chgData name="Celine Gugel" userId="a0dc202d26524916" providerId="LiveId" clId="{6F70F443-72ED-49A8-AE51-2BB347B81408}" dt="2022-12-19T11:22:56.877" v="9" actId="14100"/>
+          <ac:spMkLst>
+            <pc:docMk/>
+            <pc:sldMk cId="402018869" sldId="297"/>
+            <ac:spMk id="2" creationId="{7B12E3B7-AFDE-883A-5C47-953D99CE8927}"/>
+          </ac:spMkLst>
+        </pc:spChg>
+      </pc:sldChg>
+      <pc:sldChg chg="addSp modSp mod ord">
+        <pc:chgData name="Celine Gugel" userId="a0dc202d26524916" providerId="LiveId" clId="{6F70F443-72ED-49A8-AE51-2BB347B81408}" dt="2022-12-19T11:24:07.595" v="30" actId="1076"/>
+        <pc:sldMkLst>
+          <pc:docMk/>
+          <pc:sldMk cId="2774107021" sldId="298"/>
+        </pc:sldMkLst>
+        <pc:spChg chg="add mod">
+          <ac:chgData name="Celine Gugel" userId="a0dc202d26524916" providerId="LiveId" clId="{6F70F443-72ED-49A8-AE51-2BB347B81408}" dt="2022-12-19T11:23:28.562" v="18" actId="14100"/>
+          <ac:spMkLst>
+            <pc:docMk/>
+            <pc:sldMk cId="2774107021" sldId="298"/>
+            <ac:spMk id="3" creationId="{96CD68F5-AD75-6BA3-1CA2-46FA176195F6}"/>
+          </ac:spMkLst>
+        </pc:spChg>
+        <pc:spChg chg="add mod">
+          <ac:chgData name="Celine Gugel" userId="a0dc202d26524916" providerId="LiveId" clId="{6F70F443-72ED-49A8-AE51-2BB347B81408}" dt="2022-12-19T11:23:55.298" v="28" actId="1076"/>
+          <ac:spMkLst>
+            <pc:docMk/>
+            <pc:sldMk cId="2774107021" sldId="298"/>
+            <ac:spMk id="5" creationId="{7DEB9A87-A808-07A7-A24C-6C1F38504796}"/>
+          </ac:spMkLst>
+        </pc:spChg>
+        <pc:picChg chg="add mod">
+          <ac:chgData name="Celine Gugel" userId="a0dc202d26524916" providerId="LiveId" clId="{6F70F443-72ED-49A8-AE51-2BB347B81408}" dt="2022-12-19T11:24:07.595" v="30" actId="1076"/>
+          <ac:picMkLst>
+            <pc:docMk/>
+            <pc:sldMk cId="2774107021" sldId="298"/>
+            <ac:picMk id="7" creationId="{6AFBEE79-D6B0-4686-02A7-A4345906B327}"/>
+          </ac:picMkLst>
+        </pc:picChg>
+      </pc:sldChg>
+    </pc:docChg>
+  </pc:docChgLst>
   <pc:docChgLst>
     <pc:chgData name="Celine Gugel" userId="a0dc202d26524916" providerId="LiveId" clId="{386797D6-52EC-4744-8EA7-98DE61667493}"/>
     <pc:docChg chg="custSel addSld delSld modSld sldOrd modSection">
@@ -1033,7 +1089,7 @@
             <a:pPr rtl="0"/>
             <a:fld id="{8530193B-564F-4854-8A52-728F3FB19C85}" type="slidenum">
               <a:rPr lang="de-DE" smtClean="0"/>
-              <a:t>8</a:t>
+              <a:t>3</a:t>
             </a:fld>
             <a:endParaRPr lang="de-DE"/>
           </a:p>
@@ -9475,7 +9531,7 @@
         <p:spPr>
           <a:xfrm>
             <a:off x="552261" y="1792586"/>
-            <a:ext cx="6609030" cy="2862322"/>
+            <a:ext cx="8238654" cy="2308324"/>
           </a:xfrm>
           <a:prstGeom prst="rect">
             <a:avLst/>
@@ -9499,22 +9555,7 @@
                 </a:solidFill>
                 <a:latin typeface="+mj-lt"/>
               </a:rPr>
-              <a:t>Ideenfindung</a:t>
-            </a:r>
-          </a:p>
-          <a:p>
-            <a:pPr marL="342900" indent="-342900">
-              <a:buFont typeface="+mj-lt"/>
-              <a:buAutoNum type="arabicPeriod"/>
-            </a:pPr>
-            <a:r>
-              <a:rPr lang="de-DE" sz="3600" dirty="0">
-                <a:solidFill>
-                  <a:schemeClr val="bg1"/>
-                </a:solidFill>
-                <a:latin typeface="+mj-lt"/>
-              </a:rPr>
-              <a:t>Spielerklärung</a:t>
+              <a:t>Ideenfindung und Spielerklärung</a:t>
             </a:r>
           </a:p>
           <a:p>
@@ -9596,6 +9637,333 @@
       </p:grpSpPr>
       <p:sp>
         <p:nvSpPr>
+          <p:cNvPr id="22" name="Textfeld 21">
+            <a:extLst>
+              <a:ext uri="{FF2B5EF4-FFF2-40B4-BE49-F238E27FC236}">
+                <a16:creationId xmlns:a16="http://schemas.microsoft.com/office/drawing/2014/main" id="{19352CF6-0F22-45A8-B28B-37FAFCE5C5D6}"/>
+              </a:ext>
+            </a:extLst>
+          </p:cNvPr>
+          <p:cNvSpPr txBox="1"/>
+          <p:nvPr/>
+        </p:nvSpPr>
+        <p:spPr>
+          <a:xfrm>
+            <a:off x="10251642" y="182562"/>
+            <a:ext cx="1662546" cy="404658"/>
+          </a:xfrm>
+          <a:prstGeom prst="rect">
+            <a:avLst/>
+          </a:prstGeom>
+          <a:noFill/>
+        </p:spPr>
+        <p:txBody>
+          <a:bodyPr wrap="square" lIns="0" tIns="36000" rIns="0" bIns="0" rtlCol="0">
+            <a:spAutoFit/>
+          </a:bodyPr>
+          <a:lstStyle/>
+          <a:p>
+            <a:pPr algn="r" rtl="0">
+              <a:lnSpc>
+                <a:spcPts val="1400"/>
+              </a:lnSpc>
+            </a:pPr>
+            <a:r>
+              <a:rPr lang="de-DE" sz="1600" b="1" spc="-100" dirty="0">
+                <a:solidFill>
+                  <a:schemeClr val="tx1">
+                    <a:lumMod val="50000"/>
+                    <a:lumOff val="50000"/>
+                  </a:schemeClr>
+                </a:solidFill>
+                <a:latin typeface="Corbel" panose="020B0503020204020204" pitchFamily="34" charset="0"/>
+              </a:rPr>
+              <a:t>Programmieren</a:t>
+            </a:r>
+            <a:r>
+              <a:rPr lang="de-DE" sz="1600" b="1" spc="-100" dirty="0">
+                <a:solidFill>
+                  <a:schemeClr val="accent1"/>
+                </a:solidFill>
+                <a:latin typeface="Corbel" panose="020B0503020204020204" pitchFamily="34" charset="0"/>
+              </a:rPr>
+              <a:t> </a:t>
+            </a:r>
+            <a:r>
+              <a:rPr lang="de-DE" sz="1600" b="1" spc="-100" dirty="0">
+                <a:latin typeface="Corbel" panose="020B0503020204020204" pitchFamily="34" charset="0"/>
+              </a:rPr>
+              <a:t>ON22</a:t>
+            </a:r>
+            <a:endParaRPr lang="de-DE" sz="1600" b="1" spc="-100" dirty="0">
+              <a:solidFill>
+                <a:schemeClr val="tx1"/>
+              </a:solidFill>
+              <a:latin typeface="Corbel" panose="020B0503020204020204" pitchFamily="34" charset="0"/>
+            </a:endParaRPr>
+          </a:p>
+        </p:txBody>
+      </p:sp>
+      <p:sp>
+        <p:nvSpPr>
+          <p:cNvPr id="3" name="Textfeld 2">
+            <a:extLst>
+              <a:ext uri="{FF2B5EF4-FFF2-40B4-BE49-F238E27FC236}">
+                <a16:creationId xmlns:a16="http://schemas.microsoft.com/office/drawing/2014/main" id="{96CD68F5-AD75-6BA3-1CA2-46FA176195F6}"/>
+              </a:ext>
+            </a:extLst>
+          </p:cNvPr>
+          <p:cNvSpPr txBox="1"/>
+          <p:nvPr/>
+        </p:nvSpPr>
+        <p:spPr>
+          <a:xfrm>
+            <a:off x="884977" y="2597630"/>
+            <a:ext cx="7761082" cy="2862322"/>
+          </a:xfrm>
+          <a:prstGeom prst="rect">
+            <a:avLst/>
+          </a:prstGeom>
+          <a:noFill/>
+        </p:spPr>
+        <p:txBody>
+          <a:bodyPr wrap="square">
+            <a:spAutoFit/>
+          </a:bodyPr>
+          <a:lstStyle/>
+          <a:p>
+            <a:pPr marL="285750" indent="-285750">
+              <a:buFont typeface="Arial" panose="020B0604020202020204" pitchFamily="34" charset="0"/>
+              <a:buChar char="•"/>
+            </a:pPr>
+            <a:r>
+              <a:rPr lang="de-DE" dirty="0">
+                <a:latin typeface="+mj-lt"/>
+              </a:rPr>
+              <a:t>Jeder hat sich selbst informiert, was möglich ist</a:t>
+            </a:r>
+          </a:p>
+          <a:p>
+            <a:pPr marL="285750" indent="-285750">
+              <a:buFont typeface="Arial" panose="020B0604020202020204" pitchFamily="34" charset="0"/>
+              <a:buChar char="•"/>
+            </a:pPr>
+            <a:r>
+              <a:rPr lang="de-DE" dirty="0">
+                <a:latin typeface="+mj-lt"/>
+              </a:rPr>
+              <a:t>Wissen der Vorlesung umsetzten</a:t>
+            </a:r>
+          </a:p>
+          <a:p>
+            <a:pPr marL="285750" indent="-285750">
+              <a:buFont typeface="Arial" panose="020B0604020202020204" pitchFamily="34" charset="0"/>
+              <a:buChar char="•"/>
+            </a:pPr>
+            <a:endParaRPr lang="de-DE" dirty="0">
+              <a:latin typeface="+mj-lt"/>
+            </a:endParaRPr>
+          </a:p>
+          <a:p>
+            <a:pPr marL="285750" indent="-285750">
+              <a:buFont typeface="Arial" panose="020B0604020202020204" pitchFamily="34" charset="0"/>
+              <a:buChar char="•"/>
+            </a:pPr>
+            <a:endParaRPr lang="de-DE" dirty="0">
+              <a:latin typeface="+mj-lt"/>
+            </a:endParaRPr>
+          </a:p>
+          <a:p>
+            <a:pPr marL="285750" indent="-285750">
+              <a:buFont typeface="Arial" panose="020B0604020202020204" pitchFamily="34" charset="0"/>
+              <a:buChar char="•"/>
+            </a:pPr>
+            <a:r>
+              <a:rPr lang="de-DE" dirty="0">
+                <a:latin typeface="+mj-lt"/>
+              </a:rPr>
+              <a:t>Bestimmter Begriff muss erraten werden</a:t>
+            </a:r>
+          </a:p>
+          <a:p>
+            <a:pPr marL="285750" indent="-285750">
+              <a:buFont typeface="Arial" panose="020B0604020202020204" pitchFamily="34" charset="0"/>
+              <a:buChar char="•"/>
+            </a:pPr>
+            <a:r>
+              <a:rPr lang="de-DE" dirty="0">
+                <a:latin typeface="+mj-lt"/>
+              </a:rPr>
+              <a:t>Vorgeben sind nur Anzahl Buchstaben</a:t>
+            </a:r>
+          </a:p>
+          <a:p>
+            <a:pPr marL="285750" indent="-285750">
+              <a:buFont typeface="Arial" panose="020B0604020202020204" pitchFamily="34" charset="0"/>
+              <a:buChar char="•"/>
+            </a:pPr>
+            <a:r>
+              <a:rPr lang="de-DE" b="1" dirty="0">
+                <a:latin typeface="+mj-lt"/>
+              </a:rPr>
+              <a:t>Richtig</a:t>
+            </a:r>
+            <a:r>
+              <a:rPr lang="de-DE" dirty="0">
+                <a:latin typeface="+mj-lt"/>
+              </a:rPr>
+              <a:t> = Buchstaben erscheint</a:t>
+            </a:r>
+          </a:p>
+          <a:p>
+            <a:pPr marL="285750" indent="-285750">
+              <a:buFont typeface="Arial" panose="020B0604020202020204" pitchFamily="34" charset="0"/>
+              <a:buChar char="•"/>
+            </a:pPr>
+            <a:r>
+              <a:rPr lang="de-DE" b="1" dirty="0">
+                <a:latin typeface="+mj-lt"/>
+              </a:rPr>
+              <a:t>Falsch</a:t>
+            </a:r>
+            <a:r>
+              <a:rPr lang="de-DE" dirty="0">
+                <a:latin typeface="+mj-lt"/>
+              </a:rPr>
+              <a:t> =Abbildung Galgen bildet sich</a:t>
+            </a:r>
+          </a:p>
+          <a:p>
+            <a:pPr marL="285750" indent="-285750">
+              <a:buFont typeface="Arial" panose="020B0604020202020204" pitchFamily="34" charset="0"/>
+              <a:buChar char="•"/>
+            </a:pPr>
+            <a:r>
+              <a:rPr lang="de-DE" dirty="0">
+                <a:latin typeface="+mj-lt"/>
+              </a:rPr>
+              <a:t>Ist Galgen vollständig – Spiel verloren</a:t>
+            </a:r>
+          </a:p>
+          <a:p>
+            <a:pPr marL="285750" indent="-285750">
+              <a:buFont typeface="Arial" panose="020B0604020202020204" pitchFamily="34" charset="0"/>
+              <a:buChar char="•"/>
+            </a:pPr>
+            <a:r>
+              <a:rPr lang="de-DE" b="1" dirty="0">
+                <a:latin typeface="+mj-lt"/>
+              </a:rPr>
+              <a:t>2 Spielvarianten – 1. Gegen Computer 2. Wort selbst angeben</a:t>
+            </a:r>
+          </a:p>
+        </p:txBody>
+      </p:sp>
+      <p:sp>
+        <p:nvSpPr>
+          <p:cNvPr id="5" name="Textfeld 4">
+            <a:extLst>
+              <a:ext uri="{FF2B5EF4-FFF2-40B4-BE49-F238E27FC236}">
+                <a16:creationId xmlns:a16="http://schemas.microsoft.com/office/drawing/2014/main" id="{7DEB9A87-A808-07A7-A24C-6C1F38504796}"/>
+              </a:ext>
+            </a:extLst>
+          </p:cNvPr>
+          <p:cNvSpPr txBox="1"/>
+          <p:nvPr/>
+        </p:nvSpPr>
+        <p:spPr>
+          <a:xfrm>
+            <a:off x="992486" y="1010391"/>
+            <a:ext cx="7852749" cy="584775"/>
+          </a:xfrm>
+          <a:prstGeom prst="rect">
+            <a:avLst/>
+          </a:prstGeom>
+          <a:noFill/>
+        </p:spPr>
+        <p:txBody>
+          <a:bodyPr wrap="square">
+            <a:spAutoFit/>
+          </a:bodyPr>
+          <a:lstStyle/>
+          <a:p>
+            <a:r>
+              <a:rPr lang="de-DE" sz="3200" b="1" dirty="0">
+                <a:latin typeface="+mj-lt"/>
+              </a:rPr>
+              <a:t>1. Ideenfindung und Spielerklärung</a:t>
+            </a:r>
+          </a:p>
+        </p:txBody>
+      </p:sp>
+      <p:pic>
+        <p:nvPicPr>
+          <p:cNvPr id="7" name="Grafik 6" descr="Glühbirne und Zahnrad mit einfarbiger Füllung">
+            <a:extLst>
+              <a:ext uri="{FF2B5EF4-FFF2-40B4-BE49-F238E27FC236}">
+                <a16:creationId xmlns:a16="http://schemas.microsoft.com/office/drawing/2014/main" id="{6AFBEE79-D6B0-4686-02A7-A4345906B327}"/>
+              </a:ext>
+            </a:extLst>
+          </p:cNvPr>
+          <p:cNvPicPr>
+            <a:picLocks noChangeAspect="1"/>
+          </p:cNvPicPr>
+          <p:nvPr/>
+        </p:nvPicPr>
+        <p:blipFill>
+          <a:blip r:embed="rId3">
+            <a:extLst>
+              <a:ext uri="{96DAC541-7B7A-43D3-8B79-37D633B846F1}">
+                <asvg:svgBlip xmlns:asvg="http://schemas.microsoft.com/office/drawing/2016/SVG/main" r:embed="rId4"/>
+              </a:ext>
+            </a:extLst>
+          </a:blip>
+          <a:stretch>
+            <a:fillRect/>
+          </a:stretch>
+        </p:blipFill>
+        <p:spPr>
+          <a:xfrm>
+            <a:off x="8388035" y="940848"/>
+            <a:ext cx="914400" cy="914400"/>
+          </a:xfrm>
+          <a:prstGeom prst="rect">
+            <a:avLst/>
+          </a:prstGeom>
+        </p:spPr>
+      </p:pic>
+    </p:spTree>
+    <p:extLst>
+      <p:ext uri="{BB962C8B-B14F-4D97-AF65-F5344CB8AC3E}">
+        <p14:creationId xmlns:p14="http://schemas.microsoft.com/office/powerpoint/2010/main" val="2774107021"/>
+      </p:ext>
+    </p:extLst>
+  </p:cSld>
+  <p:clrMapOvr>
+    <a:masterClrMapping/>
+  </p:clrMapOvr>
+</p:sld>
+</file>
+
+<file path=ppt/slides/slide4.xml><?xml version="1.0" encoding="utf-8"?>
+<p:sld xmlns:a="http://schemas.openxmlformats.org/drawingml/2006/main" xmlns:r="http://schemas.openxmlformats.org/officeDocument/2006/relationships" xmlns:p="http://schemas.openxmlformats.org/presentationml/2006/main">
+  <p:cSld>
+    <p:spTree>
+      <p:nvGrpSpPr>
+        <p:cNvPr id="1" name=""/>
+        <p:cNvGrpSpPr/>
+        <p:nvPr/>
+      </p:nvGrpSpPr>
+      <p:grpSpPr>
+        <a:xfrm>
+          <a:off x="0" y="0"/>
+          <a:ext cx="0" cy="0"/>
+          <a:chOff x="0" y="0"/>
+          <a:chExt cx="0" cy="0"/>
+        </a:xfrm>
+      </p:grpSpPr>
+      <p:sp>
+        <p:nvSpPr>
           <p:cNvPr id="2" name="Titel 1">
             <a:extLst>
               <a:ext uri="{FF2B5EF4-FFF2-40B4-BE49-F238E27FC236}">
@@ -9652,7 +10020,7 @@
             <a:fld id="{19B51A1E-902D-48AF-9020-955120F399B6}" type="slidenum">
               <a:rPr lang="de-DE" noProof="0" smtClean="0"/>
               <a:pPr rtl="0"/>
-              <a:t>3</a:t>
+              <a:t>4</a:t>
             </a:fld>
             <a:endParaRPr lang="de-DE" noProof="0"/>
           </a:p>
@@ -9968,7 +10336,7 @@
 </p:sld>
 </file>
 
-<file path=ppt/slides/slide4.xml><?xml version="1.0" encoding="utf-8"?>
+<file path=ppt/slides/slide5.xml><?xml version="1.0" encoding="utf-8"?>
 <p:sld xmlns:a="http://schemas.openxmlformats.org/drawingml/2006/main" xmlns:r="http://schemas.openxmlformats.org/officeDocument/2006/relationships" xmlns:p="http://schemas.openxmlformats.org/presentationml/2006/main">
   <p:cSld>
     <p:spTree>
@@ -10038,7 +10406,7 @@
             <a:fld id="{19B51A1E-902D-48AF-9020-955120F399B6}" type="slidenum">
               <a:rPr lang="de-DE" noProof="0" smtClean="0"/>
               <a:pPr rtl="0"/>
-              <a:t>4</a:t>
+              <a:t>5</a:t>
             </a:fld>
             <a:endParaRPr lang="de-DE" noProof="0"/>
           </a:p>
@@ -10309,190 +10677,6 @@
 </p:sld>
 </file>
 
-<file path=ppt/slides/slide5.xml><?xml version="1.0" encoding="utf-8"?>
-<p:sld xmlns:a="http://schemas.openxmlformats.org/drawingml/2006/main" xmlns:r="http://schemas.openxmlformats.org/officeDocument/2006/relationships" xmlns:p="http://schemas.openxmlformats.org/presentationml/2006/main">
-  <p:cSld>
-    <p:spTree>
-      <p:nvGrpSpPr>
-        <p:cNvPr id="1" name=""/>
-        <p:cNvGrpSpPr/>
-        <p:nvPr/>
-      </p:nvGrpSpPr>
-      <p:grpSpPr>
-        <a:xfrm>
-          <a:off x="0" y="0"/>
-          <a:ext cx="0" cy="0"/>
-          <a:chOff x="0" y="0"/>
-          <a:chExt cx="0" cy="0"/>
-        </a:xfrm>
-      </p:grpSpPr>
-      <p:sp>
-        <p:nvSpPr>
-          <p:cNvPr id="3" name="Foliennummernplatzhalter 2">
-            <a:extLst>
-              <a:ext uri="{FF2B5EF4-FFF2-40B4-BE49-F238E27FC236}">
-                <a16:creationId xmlns:a16="http://schemas.microsoft.com/office/drawing/2014/main" id="{71CF6145-C529-4AD7-895B-27CF9EBECD4F}"/>
-              </a:ext>
-            </a:extLst>
-          </p:cNvPr>
-          <p:cNvSpPr>
-            <a:spLocks noGrp="1"/>
-          </p:cNvSpPr>
-          <p:nvPr>
-            <p:ph type="sldNum" sz="quarter" idx="33"/>
-          </p:nvPr>
-        </p:nvSpPr>
-        <p:spPr/>
-        <p:txBody>
-          <a:bodyPr/>
-          <a:lstStyle/>
-          <a:p>
-            <a:pPr rtl="0"/>
-            <a:fld id="{19B51A1E-902D-48AF-9020-955120F399B6}" type="slidenum">
-              <a:rPr lang="de-DE" noProof="0" smtClean="0"/>
-              <a:pPr rtl="0"/>
-              <a:t>5</a:t>
-            </a:fld>
-            <a:endParaRPr lang="de-DE" noProof="0"/>
-          </a:p>
-        </p:txBody>
-      </p:sp>
-      <p:sp>
-        <p:nvSpPr>
-          <p:cNvPr id="4" name="Inhaltsplatzhalter 3">
-            <a:extLst>
-              <a:ext uri="{FF2B5EF4-FFF2-40B4-BE49-F238E27FC236}">
-                <a16:creationId xmlns:a16="http://schemas.microsoft.com/office/drawing/2014/main" id="{E7FBC52F-1CB0-4AA8-8E8C-E9C44A90947E}"/>
-              </a:ext>
-            </a:extLst>
-          </p:cNvPr>
-          <p:cNvSpPr>
-            <a:spLocks noGrp="1"/>
-          </p:cNvSpPr>
-          <p:nvPr>
-            <p:ph idx="1"/>
-          </p:nvPr>
-        </p:nvSpPr>
-        <p:spPr/>
-        <p:txBody>
-          <a:bodyPr/>
-          <a:lstStyle/>
-          <a:p>
-            <a:pPr marL="0" indent="0">
-              <a:lnSpc>
-                <a:spcPct val="107000"/>
-              </a:lnSpc>
-              <a:spcAft>
-                <a:spcPts val="800"/>
-              </a:spcAft>
-              <a:buNone/>
-            </a:pPr>
-            <a:r>
-              <a:rPr lang="de-DE" sz="2400" b="1" u="sng" dirty="0">
-                <a:latin typeface="Calibri" panose="020F0502020204030204" pitchFamily="34" charset="0"/>
-                <a:ea typeface="Calibri" panose="020F0502020204030204" pitchFamily="34" charset="0"/>
-              </a:rPr>
-              <a:t>Ausgabe der Konsole</a:t>
-            </a:r>
-          </a:p>
-          <a:p>
-            <a:pPr>
-              <a:lnSpc>
-                <a:spcPct val="107000"/>
-              </a:lnSpc>
-              <a:spcAft>
-                <a:spcPts val="800"/>
-              </a:spcAft>
-            </a:pPr>
-            <a:r>
-              <a:rPr lang="de-DE" dirty="0">
-                <a:latin typeface="Calibri" panose="020F0502020204030204" pitchFamily="34" charset="0"/>
-                <a:ea typeface="Calibri" panose="020F0502020204030204" pitchFamily="34" charset="0"/>
-              </a:rPr>
-              <a:t>„</a:t>
-            </a:r>
-            <a:r>
-              <a:rPr lang="de-DE" sz="1800" dirty="0">
-                <a:effectLst/>
-                <a:latin typeface="Calibri" panose="020F0502020204030204" pitchFamily="34" charset="0"/>
-                <a:ea typeface="Calibri" panose="020F0502020204030204" pitchFamily="34" charset="0"/>
-              </a:rPr>
-              <a:t>Hurra! Deine Eingabe war richtig!”, wenn Eingabe richtig ist</a:t>
-            </a:r>
-          </a:p>
-          <a:p>
-            <a:pPr>
-              <a:lnSpc>
-                <a:spcPct val="107000"/>
-              </a:lnSpc>
-              <a:spcAft>
-                <a:spcPts val="800"/>
-              </a:spcAft>
-            </a:pPr>
-            <a:r>
-              <a:rPr lang="de-DE" dirty="0">
-                <a:latin typeface="Calibri" panose="020F0502020204030204" pitchFamily="34" charset="0"/>
-                <a:ea typeface="Calibri" panose="020F0502020204030204" pitchFamily="34" charset="0"/>
-              </a:rPr>
-              <a:t>„Das war leider falsch“, wenn Eingabe falsch ist</a:t>
-            </a:r>
-            <a:endParaRPr lang="de-DE" sz="1800" dirty="0">
-              <a:effectLst/>
-              <a:latin typeface="Calibri" panose="020F0502020204030204" pitchFamily="34" charset="0"/>
-              <a:ea typeface="Calibri" panose="020F0502020204030204" pitchFamily="34" charset="0"/>
-            </a:endParaRPr>
-          </a:p>
-          <a:p>
-            <a:endParaRPr lang="de-DE" dirty="0"/>
-          </a:p>
-        </p:txBody>
-      </p:sp>
-      <p:sp>
-        <p:nvSpPr>
-          <p:cNvPr id="5" name="Titel 1">
-            <a:extLst>
-              <a:ext uri="{FF2B5EF4-FFF2-40B4-BE49-F238E27FC236}">
-                <a16:creationId xmlns:a16="http://schemas.microsoft.com/office/drawing/2014/main" id="{5FE1634F-6E2B-40B7-A855-BE7DF9F81943}"/>
-              </a:ext>
-            </a:extLst>
-          </p:cNvPr>
-          <p:cNvSpPr>
-            <a:spLocks noGrp="1"/>
-          </p:cNvSpPr>
-          <p:nvPr>
-            <p:ph type="title"/>
-          </p:nvPr>
-        </p:nvSpPr>
-        <p:spPr>
-          <a:xfrm>
-            <a:off x="431800" y="431800"/>
-            <a:ext cx="9197975" cy="431800"/>
-          </a:xfrm>
-        </p:spPr>
-        <p:txBody>
-          <a:bodyPr/>
-          <a:lstStyle/>
-          <a:p>
-            <a:r>
-              <a:rPr lang="de-DE" dirty="0"/>
-              <a:t>Benötigte Funktionen</a:t>
-            </a:r>
-          </a:p>
-        </p:txBody>
-      </p:sp>
-    </p:spTree>
-    <p:extLst>
-      <p:ext uri="{BB962C8B-B14F-4D97-AF65-F5344CB8AC3E}">
-        <p14:creationId xmlns:p14="http://schemas.microsoft.com/office/powerpoint/2010/main" val="1049613153"/>
-      </p:ext>
-    </p:extLst>
-  </p:cSld>
-  <p:clrMapOvr>
-    <a:masterClrMapping/>
-  </p:clrMapOvr>
-</p:sld>
-</file>
-
 <file path=ppt/slides/slide6.xml><?xml version="1.0" encoding="utf-8"?>
 <p:sld xmlns:a="http://schemas.openxmlformats.org/drawingml/2006/main" xmlns:r="http://schemas.openxmlformats.org/officeDocument/2006/relationships" xmlns:p="http://schemas.openxmlformats.org/presentationml/2006/main">
   <p:cSld>
@@ -10512,38 +10696,10 @@
       </p:grpSpPr>
       <p:sp>
         <p:nvSpPr>
-          <p:cNvPr id="2" name="Titel 1">
-            <a:extLst>
-              <a:ext uri="{FF2B5EF4-FFF2-40B4-BE49-F238E27FC236}">
-                <a16:creationId xmlns:a16="http://schemas.microsoft.com/office/drawing/2014/main" id="{EA54CF6B-B10C-4735-B257-CDDB3C8EA3F6}"/>
-              </a:ext>
-            </a:extLst>
-          </p:cNvPr>
-          <p:cNvSpPr>
-            <a:spLocks noGrp="1"/>
-          </p:cNvSpPr>
-          <p:nvPr>
-            <p:ph type="title"/>
-          </p:nvPr>
-        </p:nvSpPr>
-        <p:spPr/>
-        <p:txBody>
-          <a:bodyPr/>
-          <a:lstStyle/>
-          <a:p>
-            <a:r>
-              <a:rPr lang="de-DE" dirty="0"/>
-              <a:t>Benötigte Funktionen</a:t>
-            </a:r>
-          </a:p>
-        </p:txBody>
-      </p:sp>
-      <p:sp>
-        <p:nvSpPr>
           <p:cNvPr id="3" name="Foliennummernplatzhalter 2">
             <a:extLst>
               <a:ext uri="{FF2B5EF4-FFF2-40B4-BE49-F238E27FC236}">
-                <a16:creationId xmlns:a16="http://schemas.microsoft.com/office/drawing/2014/main" id="{88071F06-B6F6-4E7D-97ED-79D91287B15D}"/>
+                <a16:creationId xmlns:a16="http://schemas.microsoft.com/office/drawing/2014/main" id="{71CF6145-C529-4AD7-895B-27CF9EBECD4F}"/>
               </a:ext>
             </a:extLst>
           </p:cNvPr>
@@ -10564,6 +10720,218 @@
               <a:rPr lang="de-DE" noProof="0" smtClean="0"/>
               <a:pPr rtl="0"/>
               <a:t>6</a:t>
+            </a:fld>
+            <a:endParaRPr lang="de-DE" noProof="0"/>
+          </a:p>
+        </p:txBody>
+      </p:sp>
+      <p:sp>
+        <p:nvSpPr>
+          <p:cNvPr id="4" name="Inhaltsplatzhalter 3">
+            <a:extLst>
+              <a:ext uri="{FF2B5EF4-FFF2-40B4-BE49-F238E27FC236}">
+                <a16:creationId xmlns:a16="http://schemas.microsoft.com/office/drawing/2014/main" id="{E7FBC52F-1CB0-4AA8-8E8C-E9C44A90947E}"/>
+              </a:ext>
+            </a:extLst>
+          </p:cNvPr>
+          <p:cNvSpPr>
+            <a:spLocks noGrp="1"/>
+          </p:cNvSpPr>
+          <p:nvPr>
+            <p:ph idx="1"/>
+          </p:nvPr>
+        </p:nvSpPr>
+        <p:spPr/>
+        <p:txBody>
+          <a:bodyPr/>
+          <a:lstStyle/>
+          <a:p>
+            <a:pPr marL="0" indent="0">
+              <a:lnSpc>
+                <a:spcPct val="107000"/>
+              </a:lnSpc>
+              <a:spcAft>
+                <a:spcPts val="800"/>
+              </a:spcAft>
+              <a:buNone/>
+            </a:pPr>
+            <a:r>
+              <a:rPr lang="de-DE" sz="2400" b="1" u="sng" dirty="0">
+                <a:latin typeface="Calibri" panose="020F0502020204030204" pitchFamily="34" charset="0"/>
+                <a:ea typeface="Calibri" panose="020F0502020204030204" pitchFamily="34" charset="0"/>
+              </a:rPr>
+              <a:t>Ausgabe der Konsole</a:t>
+            </a:r>
+          </a:p>
+          <a:p>
+            <a:pPr>
+              <a:lnSpc>
+                <a:spcPct val="107000"/>
+              </a:lnSpc>
+              <a:spcAft>
+                <a:spcPts val="800"/>
+              </a:spcAft>
+            </a:pPr>
+            <a:r>
+              <a:rPr lang="de-DE" dirty="0">
+                <a:latin typeface="Calibri" panose="020F0502020204030204" pitchFamily="34" charset="0"/>
+                <a:ea typeface="Calibri" panose="020F0502020204030204" pitchFamily="34" charset="0"/>
+              </a:rPr>
+              <a:t>„</a:t>
+            </a:r>
+            <a:r>
+              <a:rPr lang="de-DE" sz="1800" dirty="0">
+                <a:effectLst/>
+                <a:latin typeface="Calibri" panose="020F0502020204030204" pitchFamily="34" charset="0"/>
+                <a:ea typeface="Calibri" panose="020F0502020204030204" pitchFamily="34" charset="0"/>
+              </a:rPr>
+              <a:t>Hurra! Deine Eingabe war richtig!”, wenn Eingabe richtig ist</a:t>
+            </a:r>
+          </a:p>
+          <a:p>
+            <a:pPr>
+              <a:lnSpc>
+                <a:spcPct val="107000"/>
+              </a:lnSpc>
+              <a:spcAft>
+                <a:spcPts val="800"/>
+              </a:spcAft>
+            </a:pPr>
+            <a:r>
+              <a:rPr lang="de-DE" dirty="0">
+                <a:latin typeface="Calibri" panose="020F0502020204030204" pitchFamily="34" charset="0"/>
+                <a:ea typeface="Calibri" panose="020F0502020204030204" pitchFamily="34" charset="0"/>
+              </a:rPr>
+              <a:t>„Das war leider falsch“, wenn Eingabe falsch ist</a:t>
+            </a:r>
+            <a:endParaRPr lang="de-DE" sz="1800" dirty="0">
+              <a:effectLst/>
+              <a:latin typeface="Calibri" panose="020F0502020204030204" pitchFamily="34" charset="0"/>
+              <a:ea typeface="Calibri" panose="020F0502020204030204" pitchFamily="34" charset="0"/>
+            </a:endParaRPr>
+          </a:p>
+          <a:p>
+            <a:endParaRPr lang="de-DE" dirty="0"/>
+          </a:p>
+        </p:txBody>
+      </p:sp>
+      <p:sp>
+        <p:nvSpPr>
+          <p:cNvPr id="5" name="Titel 1">
+            <a:extLst>
+              <a:ext uri="{FF2B5EF4-FFF2-40B4-BE49-F238E27FC236}">
+                <a16:creationId xmlns:a16="http://schemas.microsoft.com/office/drawing/2014/main" id="{5FE1634F-6E2B-40B7-A855-BE7DF9F81943}"/>
+              </a:ext>
+            </a:extLst>
+          </p:cNvPr>
+          <p:cNvSpPr>
+            <a:spLocks noGrp="1"/>
+          </p:cNvSpPr>
+          <p:nvPr>
+            <p:ph type="title"/>
+          </p:nvPr>
+        </p:nvSpPr>
+        <p:spPr>
+          <a:xfrm>
+            <a:off x="431800" y="431800"/>
+            <a:ext cx="9197975" cy="431800"/>
+          </a:xfrm>
+        </p:spPr>
+        <p:txBody>
+          <a:bodyPr/>
+          <a:lstStyle/>
+          <a:p>
+            <a:r>
+              <a:rPr lang="de-DE" dirty="0"/>
+              <a:t>Benötigte Funktionen</a:t>
+            </a:r>
+          </a:p>
+        </p:txBody>
+      </p:sp>
+    </p:spTree>
+    <p:extLst>
+      <p:ext uri="{BB962C8B-B14F-4D97-AF65-F5344CB8AC3E}">
+        <p14:creationId xmlns:p14="http://schemas.microsoft.com/office/powerpoint/2010/main" val="1049613153"/>
+      </p:ext>
+    </p:extLst>
+  </p:cSld>
+  <p:clrMapOvr>
+    <a:masterClrMapping/>
+  </p:clrMapOvr>
+</p:sld>
+</file>
+
+<file path=ppt/slides/slide7.xml><?xml version="1.0" encoding="utf-8"?>
+<p:sld xmlns:a="http://schemas.openxmlformats.org/drawingml/2006/main" xmlns:r="http://schemas.openxmlformats.org/officeDocument/2006/relationships" xmlns:p="http://schemas.openxmlformats.org/presentationml/2006/main">
+  <p:cSld>
+    <p:spTree>
+      <p:nvGrpSpPr>
+        <p:cNvPr id="1" name=""/>
+        <p:cNvGrpSpPr/>
+        <p:nvPr/>
+      </p:nvGrpSpPr>
+      <p:grpSpPr>
+        <a:xfrm>
+          <a:off x="0" y="0"/>
+          <a:ext cx="0" cy="0"/>
+          <a:chOff x="0" y="0"/>
+          <a:chExt cx="0" cy="0"/>
+        </a:xfrm>
+      </p:grpSpPr>
+      <p:sp>
+        <p:nvSpPr>
+          <p:cNvPr id="2" name="Titel 1">
+            <a:extLst>
+              <a:ext uri="{FF2B5EF4-FFF2-40B4-BE49-F238E27FC236}">
+                <a16:creationId xmlns:a16="http://schemas.microsoft.com/office/drawing/2014/main" id="{EA54CF6B-B10C-4735-B257-CDDB3C8EA3F6}"/>
+              </a:ext>
+            </a:extLst>
+          </p:cNvPr>
+          <p:cNvSpPr>
+            <a:spLocks noGrp="1"/>
+          </p:cNvSpPr>
+          <p:nvPr>
+            <p:ph type="title"/>
+          </p:nvPr>
+        </p:nvSpPr>
+        <p:spPr/>
+        <p:txBody>
+          <a:bodyPr/>
+          <a:lstStyle/>
+          <a:p>
+            <a:r>
+              <a:rPr lang="de-DE" dirty="0"/>
+              <a:t>Benötigte Funktionen</a:t>
+            </a:r>
+          </a:p>
+        </p:txBody>
+      </p:sp>
+      <p:sp>
+        <p:nvSpPr>
+          <p:cNvPr id="3" name="Foliennummernplatzhalter 2">
+            <a:extLst>
+              <a:ext uri="{FF2B5EF4-FFF2-40B4-BE49-F238E27FC236}">
+                <a16:creationId xmlns:a16="http://schemas.microsoft.com/office/drawing/2014/main" id="{88071F06-B6F6-4E7D-97ED-79D91287B15D}"/>
+              </a:ext>
+            </a:extLst>
+          </p:cNvPr>
+          <p:cNvSpPr>
+            <a:spLocks noGrp="1"/>
+          </p:cNvSpPr>
+          <p:nvPr>
+            <p:ph type="sldNum" sz="quarter" idx="33"/>
+          </p:nvPr>
+        </p:nvSpPr>
+        <p:spPr/>
+        <p:txBody>
+          <a:bodyPr/>
+          <a:lstStyle/>
+          <a:p>
+            <a:pPr rtl="0"/>
+            <a:fld id="{19B51A1E-902D-48AF-9020-955120F399B6}" type="slidenum">
+              <a:rPr lang="de-DE" noProof="0" smtClean="0"/>
+              <a:pPr rtl="0"/>
+              <a:t>7</a:t>
             </a:fld>
             <a:endParaRPr lang="de-DE" noProof="0"/>
           </a:p>
@@ -10833,426 +11201,6 @@
 </p:sld>
 </file>
 
-<file path=ppt/slides/slide7.xml><?xml version="1.0" encoding="utf-8"?>
-<p:sld xmlns:a="http://schemas.openxmlformats.org/drawingml/2006/main" xmlns:r="http://schemas.openxmlformats.org/officeDocument/2006/relationships" xmlns:p="http://schemas.openxmlformats.org/presentationml/2006/main">
-  <p:cSld>
-    <p:spTree>
-      <p:nvGrpSpPr>
-        <p:cNvPr id="1" name=""/>
-        <p:cNvGrpSpPr/>
-        <p:nvPr/>
-      </p:nvGrpSpPr>
-      <p:grpSpPr>
-        <a:xfrm>
-          <a:off x="0" y="0"/>
-          <a:ext cx="0" cy="0"/>
-          <a:chOff x="0" y="0"/>
-          <a:chExt cx="0" cy="0"/>
-        </a:xfrm>
-      </p:grpSpPr>
-      <p:sp>
-        <p:nvSpPr>
-          <p:cNvPr id="2" name="Titel 1">
-            <a:extLst>
-              <a:ext uri="{FF2B5EF4-FFF2-40B4-BE49-F238E27FC236}">
-                <a16:creationId xmlns:a16="http://schemas.microsoft.com/office/drawing/2014/main" id="{27F4C7B4-7678-4C85-8CBD-5AE147B21F84}"/>
-              </a:ext>
-            </a:extLst>
-          </p:cNvPr>
-          <p:cNvSpPr>
-            <a:spLocks noGrp="1"/>
-          </p:cNvSpPr>
-          <p:nvPr>
-            <p:ph type="title"/>
-          </p:nvPr>
-        </p:nvSpPr>
-        <p:spPr/>
-        <p:txBody>
-          <a:bodyPr/>
-          <a:lstStyle/>
-          <a:p>
-            <a:r>
-              <a:rPr lang="de-DE" dirty="0"/>
-              <a:t>Benötigte Funktionen</a:t>
-            </a:r>
-          </a:p>
-        </p:txBody>
-      </p:sp>
-      <p:sp>
-        <p:nvSpPr>
-          <p:cNvPr id="3" name="Foliennummernplatzhalter 2">
-            <a:extLst>
-              <a:ext uri="{FF2B5EF4-FFF2-40B4-BE49-F238E27FC236}">
-                <a16:creationId xmlns:a16="http://schemas.microsoft.com/office/drawing/2014/main" id="{C73B1146-D82F-42C9-A9B7-9567CC6A6A1D}"/>
-              </a:ext>
-            </a:extLst>
-          </p:cNvPr>
-          <p:cNvSpPr>
-            <a:spLocks noGrp="1"/>
-          </p:cNvSpPr>
-          <p:nvPr>
-            <p:ph type="sldNum" sz="quarter" idx="33"/>
-          </p:nvPr>
-        </p:nvSpPr>
-        <p:spPr/>
-        <p:txBody>
-          <a:bodyPr/>
-          <a:lstStyle/>
-          <a:p>
-            <a:pPr rtl="0"/>
-            <a:fld id="{19B51A1E-902D-48AF-9020-955120F399B6}" type="slidenum">
-              <a:rPr lang="de-DE" noProof="0" smtClean="0"/>
-              <a:pPr rtl="0"/>
-              <a:t>7</a:t>
-            </a:fld>
-            <a:endParaRPr lang="de-DE" noProof="0"/>
-          </a:p>
-        </p:txBody>
-      </p:sp>
-      <p:sp>
-        <p:nvSpPr>
-          <p:cNvPr id="4" name="Inhaltsplatzhalter 3">
-            <a:extLst>
-              <a:ext uri="{FF2B5EF4-FFF2-40B4-BE49-F238E27FC236}">
-                <a16:creationId xmlns:a16="http://schemas.microsoft.com/office/drawing/2014/main" id="{1C7DA80F-C068-4541-88E7-B863D573A0E2}"/>
-              </a:ext>
-            </a:extLst>
-          </p:cNvPr>
-          <p:cNvSpPr>
-            <a:spLocks noGrp="1"/>
-          </p:cNvSpPr>
-          <p:nvPr>
-            <p:ph idx="1"/>
-          </p:nvPr>
-        </p:nvSpPr>
-        <p:spPr/>
-        <p:txBody>
-          <a:bodyPr/>
-          <a:lstStyle/>
-          <a:p>
-            <a:pPr marL="0" indent="0">
-              <a:lnSpc>
-                <a:spcPct val="107000"/>
-              </a:lnSpc>
-              <a:spcAft>
-                <a:spcPts val="800"/>
-              </a:spcAft>
-              <a:buNone/>
-            </a:pPr>
-            <a:r>
-              <a:rPr lang="de-DE" sz="1800" b="1" dirty="0">
-                <a:effectLst/>
-                <a:latin typeface="Calibri" panose="020F0502020204030204" pitchFamily="34" charset="0"/>
-                <a:ea typeface="Calibri" panose="020F0502020204030204" pitchFamily="34" charset="0"/>
-              </a:rPr>
-              <a:t>Variablen:</a:t>
-            </a:r>
-          </a:p>
-          <a:p>
-            <a:pPr>
-              <a:lnSpc>
-                <a:spcPct val="107000"/>
-              </a:lnSpc>
-              <a:spcAft>
-                <a:spcPts val="800"/>
-              </a:spcAft>
-            </a:pPr>
-            <a:r>
-              <a:rPr lang="de-DE" sz="1800" i="1" dirty="0" err="1">
-                <a:solidFill>
-                  <a:srgbClr val="000000"/>
-                </a:solidFill>
-                <a:effectLst/>
-                <a:latin typeface="Calibri" panose="020F0502020204030204" pitchFamily="34" charset="0"/>
-                <a:ea typeface="Calibri" panose="020F0502020204030204" pitchFamily="34" charset="0"/>
-              </a:rPr>
-              <a:t>anzahlFalscheBuchstaben</a:t>
-            </a:r>
-            <a:r>
-              <a:rPr lang="de-DE" sz="1800" i="1" dirty="0">
-                <a:solidFill>
-                  <a:srgbClr val="000000"/>
-                </a:solidFill>
-                <a:effectLst/>
-                <a:latin typeface="Calibri" panose="020F0502020204030204" pitchFamily="34" charset="0"/>
-                <a:ea typeface="Calibri" panose="020F0502020204030204" pitchFamily="34" charset="0"/>
-              </a:rPr>
-              <a:t> (</a:t>
-            </a:r>
-            <a:r>
-              <a:rPr lang="de-DE" sz="1800" i="1" u="sng" dirty="0" err="1">
-                <a:solidFill>
-                  <a:srgbClr val="000000"/>
-                </a:solidFill>
-                <a:effectLst/>
-                <a:latin typeface="Calibri" panose="020F0502020204030204" pitchFamily="34" charset="0"/>
-                <a:ea typeface="Calibri" panose="020F0502020204030204" pitchFamily="34" charset="0"/>
-              </a:rPr>
-              <a:t>int</a:t>
-            </a:r>
-            <a:r>
-              <a:rPr lang="de-DE" sz="1800" i="1" dirty="0">
-                <a:solidFill>
-                  <a:srgbClr val="000000"/>
-                </a:solidFill>
-                <a:effectLst/>
-                <a:latin typeface="Calibri" panose="020F0502020204030204" pitchFamily="34" charset="0"/>
-                <a:ea typeface="Calibri" panose="020F0502020204030204" pitchFamily="34" charset="0"/>
-              </a:rPr>
-              <a:t>)</a:t>
-            </a:r>
-            <a:endParaRPr lang="de-DE" i="1" dirty="0">
-              <a:solidFill>
-                <a:srgbClr val="000000"/>
-              </a:solidFill>
-              <a:latin typeface="Calibri" panose="020F0502020204030204" pitchFamily="34" charset="0"/>
-              <a:ea typeface="Calibri" panose="020F0502020204030204" pitchFamily="34" charset="0"/>
-            </a:endParaRPr>
-          </a:p>
-          <a:p>
-            <a:pPr>
-              <a:lnSpc>
-                <a:spcPct val="107000"/>
-              </a:lnSpc>
-              <a:spcAft>
-                <a:spcPts val="800"/>
-              </a:spcAft>
-            </a:pPr>
-            <a:r>
-              <a:rPr lang="de-DE" sz="1800" i="1" dirty="0">
-                <a:solidFill>
-                  <a:srgbClr val="000000"/>
-                </a:solidFill>
-                <a:effectLst/>
-                <a:latin typeface="Calibri" panose="020F0502020204030204" pitchFamily="34" charset="0"/>
-                <a:ea typeface="Calibri" panose="020F0502020204030204" pitchFamily="34" charset="0"/>
-              </a:rPr>
-              <a:t> </a:t>
-            </a:r>
-            <a:r>
-              <a:rPr lang="de-DE" sz="1800" i="1" dirty="0" err="1">
-                <a:solidFill>
-                  <a:srgbClr val="000000"/>
-                </a:solidFill>
-                <a:effectLst/>
-                <a:latin typeface="Calibri" panose="020F0502020204030204" pitchFamily="34" charset="0"/>
-                <a:ea typeface="Calibri" panose="020F0502020204030204" pitchFamily="34" charset="0"/>
-              </a:rPr>
-              <a:t>spielVerloren</a:t>
-            </a:r>
-            <a:r>
-              <a:rPr lang="de-DE" sz="1800" i="1" dirty="0">
-                <a:solidFill>
-                  <a:srgbClr val="000000"/>
-                </a:solidFill>
-                <a:effectLst/>
-                <a:latin typeface="Calibri" panose="020F0502020204030204" pitchFamily="34" charset="0"/>
-                <a:ea typeface="Calibri" panose="020F0502020204030204" pitchFamily="34" charset="0"/>
-              </a:rPr>
-              <a:t> (</a:t>
-            </a:r>
-            <a:r>
-              <a:rPr lang="de-DE" sz="1800" i="1" dirty="0" err="1">
-                <a:solidFill>
-                  <a:srgbClr val="000000"/>
-                </a:solidFill>
-                <a:effectLst/>
-                <a:latin typeface="Calibri" panose="020F0502020204030204" pitchFamily="34" charset="0"/>
-                <a:ea typeface="Calibri" panose="020F0502020204030204" pitchFamily="34" charset="0"/>
-              </a:rPr>
-              <a:t>boolean</a:t>
-            </a:r>
-            <a:r>
-              <a:rPr lang="de-DE" sz="1800" i="1" dirty="0">
-                <a:solidFill>
-                  <a:srgbClr val="000000"/>
-                </a:solidFill>
-                <a:effectLst/>
-                <a:latin typeface="Calibri" panose="020F0502020204030204" pitchFamily="34" charset="0"/>
-                <a:ea typeface="Calibri" panose="020F0502020204030204" pitchFamily="34" charset="0"/>
-              </a:rPr>
-              <a:t>)</a:t>
-            </a:r>
-            <a:endParaRPr lang="de-DE" i="1" dirty="0">
-              <a:solidFill>
-                <a:srgbClr val="000000"/>
-              </a:solidFill>
-              <a:latin typeface="Calibri" panose="020F0502020204030204" pitchFamily="34" charset="0"/>
-              <a:ea typeface="Calibri" panose="020F0502020204030204" pitchFamily="34" charset="0"/>
-            </a:endParaRPr>
-          </a:p>
-          <a:p>
-            <a:pPr>
-              <a:lnSpc>
-                <a:spcPct val="107000"/>
-              </a:lnSpc>
-              <a:spcAft>
-                <a:spcPts val="800"/>
-              </a:spcAft>
-            </a:pPr>
-            <a:r>
-              <a:rPr lang="de-DE" sz="1800" i="1" dirty="0" err="1">
-                <a:solidFill>
-                  <a:srgbClr val="000000"/>
-                </a:solidFill>
-                <a:effectLst/>
-                <a:latin typeface="Calibri" panose="020F0502020204030204" pitchFamily="34" charset="0"/>
-                <a:ea typeface="Calibri" panose="020F0502020204030204" pitchFamily="34" charset="0"/>
-              </a:rPr>
-              <a:t>spielGewonnen</a:t>
-            </a:r>
-            <a:r>
-              <a:rPr lang="de-DE" sz="1800" i="1" dirty="0">
-                <a:solidFill>
-                  <a:srgbClr val="000000"/>
-                </a:solidFill>
-                <a:effectLst/>
-                <a:latin typeface="Calibri" panose="020F0502020204030204" pitchFamily="34" charset="0"/>
-                <a:ea typeface="Calibri" panose="020F0502020204030204" pitchFamily="34" charset="0"/>
-              </a:rPr>
-              <a:t> (</a:t>
-            </a:r>
-            <a:r>
-              <a:rPr lang="de-DE" sz="1800" i="1" dirty="0" err="1">
-                <a:solidFill>
-                  <a:srgbClr val="000000"/>
-                </a:solidFill>
-                <a:effectLst/>
-                <a:latin typeface="Calibri" panose="020F0502020204030204" pitchFamily="34" charset="0"/>
-                <a:ea typeface="Calibri" panose="020F0502020204030204" pitchFamily="34" charset="0"/>
-              </a:rPr>
-              <a:t>boolean</a:t>
-            </a:r>
-            <a:r>
-              <a:rPr lang="de-DE" sz="1800" i="1" dirty="0">
-                <a:solidFill>
-                  <a:srgbClr val="000000"/>
-                </a:solidFill>
-                <a:effectLst/>
-                <a:latin typeface="Calibri" panose="020F0502020204030204" pitchFamily="34" charset="0"/>
-                <a:ea typeface="Calibri" panose="020F0502020204030204" pitchFamily="34" charset="0"/>
-              </a:rPr>
-              <a:t>)</a:t>
-            </a:r>
-            <a:endParaRPr lang="de-DE" i="1" dirty="0">
-              <a:solidFill>
-                <a:srgbClr val="000000"/>
-              </a:solidFill>
-              <a:latin typeface="Calibri" panose="020F0502020204030204" pitchFamily="34" charset="0"/>
-              <a:ea typeface="Calibri" panose="020F0502020204030204" pitchFamily="34" charset="0"/>
-            </a:endParaRPr>
-          </a:p>
-          <a:p>
-            <a:pPr>
-              <a:lnSpc>
-                <a:spcPct val="107000"/>
-              </a:lnSpc>
-              <a:spcAft>
-                <a:spcPts val="800"/>
-              </a:spcAft>
-            </a:pPr>
-            <a:r>
-              <a:rPr lang="de-DE" sz="1800" i="1" dirty="0" err="1">
-                <a:solidFill>
-                  <a:srgbClr val="000000"/>
-                </a:solidFill>
-                <a:effectLst/>
-                <a:latin typeface="Calibri" panose="020F0502020204030204" pitchFamily="34" charset="0"/>
-                <a:ea typeface="Calibri" panose="020F0502020204030204" pitchFamily="34" charset="0"/>
-              </a:rPr>
-              <a:t>arrFalscheBuchstaben</a:t>
-            </a:r>
-            <a:endParaRPr lang="de-DE" i="1" dirty="0">
-              <a:solidFill>
-                <a:srgbClr val="000000"/>
-              </a:solidFill>
-              <a:latin typeface="Calibri" panose="020F0502020204030204" pitchFamily="34" charset="0"/>
-              <a:ea typeface="Calibri" panose="020F0502020204030204" pitchFamily="34" charset="0"/>
-            </a:endParaRPr>
-          </a:p>
-          <a:p>
-            <a:pPr>
-              <a:lnSpc>
-                <a:spcPct val="107000"/>
-              </a:lnSpc>
-              <a:spcAft>
-                <a:spcPts val="800"/>
-              </a:spcAft>
-            </a:pPr>
-            <a:r>
-              <a:rPr lang="de-DE" sz="1800" i="1" dirty="0" err="1">
-                <a:solidFill>
-                  <a:srgbClr val="000000"/>
-                </a:solidFill>
-                <a:effectLst/>
-                <a:latin typeface="Calibri" panose="020F0502020204030204" pitchFamily="34" charset="0"/>
-                <a:ea typeface="Calibri" panose="020F0502020204030204" pitchFamily="34" charset="0"/>
-              </a:rPr>
-              <a:t>arrGegebeneWörter</a:t>
-            </a:r>
-            <a:endParaRPr lang="de-DE" sz="1800" i="1" dirty="0">
-              <a:solidFill>
-                <a:srgbClr val="000000"/>
-              </a:solidFill>
-              <a:effectLst/>
-              <a:latin typeface="Calibri" panose="020F0502020204030204" pitchFamily="34" charset="0"/>
-              <a:ea typeface="Calibri" panose="020F0502020204030204" pitchFamily="34" charset="0"/>
-            </a:endParaRPr>
-          </a:p>
-          <a:p>
-            <a:pPr>
-              <a:lnSpc>
-                <a:spcPct val="107000"/>
-              </a:lnSpc>
-              <a:spcAft>
-                <a:spcPts val="800"/>
-              </a:spcAft>
-            </a:pPr>
-            <a:r>
-              <a:rPr lang="de-DE" sz="1800" i="1" dirty="0">
-                <a:solidFill>
-                  <a:srgbClr val="000000"/>
-                </a:solidFill>
-                <a:effectLst/>
-                <a:latin typeface="Calibri" panose="020F0502020204030204" pitchFamily="34" charset="0"/>
-                <a:ea typeface="Calibri" panose="020F0502020204030204" pitchFamily="34" charset="0"/>
-              </a:rPr>
-              <a:t>fina</a:t>
-            </a:r>
-            <a:r>
-              <a:rPr lang="de-DE" i="1" dirty="0">
-                <a:solidFill>
-                  <a:srgbClr val="000000"/>
-                </a:solidFill>
-                <a:latin typeface="Calibri" panose="020F0502020204030204" pitchFamily="34" charset="0"/>
-                <a:ea typeface="Calibri" panose="020F0502020204030204" pitchFamily="34" charset="0"/>
-              </a:rPr>
-              <a:t>l </a:t>
-            </a:r>
-            <a:endParaRPr lang="de-DE" sz="1800" dirty="0">
-              <a:effectLst/>
-              <a:latin typeface="Calibri" panose="020F0502020204030204" pitchFamily="34" charset="0"/>
-              <a:ea typeface="Calibri" panose="020F0502020204030204" pitchFamily="34" charset="0"/>
-            </a:endParaRPr>
-          </a:p>
-          <a:p>
-            <a:endParaRPr lang="de-DE" dirty="0"/>
-          </a:p>
-        </p:txBody>
-      </p:sp>
-    </p:spTree>
-    <p:extLst>
-      <p:ext uri="{BB962C8B-B14F-4D97-AF65-F5344CB8AC3E}">
-        <p14:creationId xmlns:p14="http://schemas.microsoft.com/office/powerpoint/2010/main" val="1063012907"/>
-      </p:ext>
-    </p:extLst>
-  </p:cSld>
-  <p:clrMapOvr>
-    <a:masterClrMapping/>
-  </p:clrMapOvr>
-</p:sld>
-</file>
-
 <file path=ppt/slides/slide8.xml><?xml version="1.0" encoding="utf-8"?>
 <p:sld xmlns:a="http://schemas.openxmlformats.org/drawingml/2006/main" xmlns:r="http://schemas.openxmlformats.org/officeDocument/2006/relationships" xmlns:p="http://schemas.openxmlformats.org/presentationml/2006/main">
   <p:cSld>
@@ -11272,77 +11220,398 @@
       </p:grpSpPr>
       <p:sp>
         <p:nvSpPr>
-          <p:cNvPr id="22" name="Textfeld 21">
-            <a:extLst>
-              <a:ext uri="{FF2B5EF4-FFF2-40B4-BE49-F238E27FC236}">
-                <a16:creationId xmlns:a16="http://schemas.microsoft.com/office/drawing/2014/main" id="{19352CF6-0F22-45A8-B28B-37FAFCE5C5D6}"/>
-              </a:ext>
-            </a:extLst>
-          </p:cNvPr>
-          <p:cNvSpPr txBox="1"/>
-          <p:nvPr/>
-        </p:nvSpPr>
-        <p:spPr>
-          <a:xfrm>
-            <a:off x="10251642" y="182562"/>
-            <a:ext cx="1662546" cy="404658"/>
-          </a:xfrm>
-          <a:prstGeom prst="rect">
-            <a:avLst/>
-          </a:prstGeom>
-          <a:noFill/>
-        </p:spPr>
-        <p:txBody>
-          <a:bodyPr wrap="square" lIns="0" tIns="36000" rIns="0" bIns="0" rtlCol="0">
-            <a:spAutoFit/>
-          </a:bodyPr>
+          <p:cNvPr id="2" name="Titel 1">
+            <a:extLst>
+              <a:ext uri="{FF2B5EF4-FFF2-40B4-BE49-F238E27FC236}">
+                <a16:creationId xmlns:a16="http://schemas.microsoft.com/office/drawing/2014/main" id="{27F4C7B4-7678-4C85-8CBD-5AE147B21F84}"/>
+              </a:ext>
+            </a:extLst>
+          </p:cNvPr>
+          <p:cNvSpPr>
+            <a:spLocks noGrp="1"/>
+          </p:cNvSpPr>
+          <p:nvPr>
+            <p:ph type="title"/>
+          </p:nvPr>
+        </p:nvSpPr>
+        <p:spPr/>
+        <p:txBody>
+          <a:bodyPr/>
           <a:lstStyle/>
           <a:p>
-            <a:pPr algn="r" rtl="0">
+            <a:r>
+              <a:rPr lang="de-DE" dirty="0"/>
+              <a:t>Benötigte Funktionen</a:t>
+            </a:r>
+          </a:p>
+        </p:txBody>
+      </p:sp>
+      <p:sp>
+        <p:nvSpPr>
+          <p:cNvPr id="3" name="Foliennummernplatzhalter 2">
+            <a:extLst>
+              <a:ext uri="{FF2B5EF4-FFF2-40B4-BE49-F238E27FC236}">
+                <a16:creationId xmlns:a16="http://schemas.microsoft.com/office/drawing/2014/main" id="{C73B1146-D82F-42C9-A9B7-9567CC6A6A1D}"/>
+              </a:ext>
+            </a:extLst>
+          </p:cNvPr>
+          <p:cNvSpPr>
+            <a:spLocks noGrp="1"/>
+          </p:cNvSpPr>
+          <p:nvPr>
+            <p:ph type="sldNum" sz="quarter" idx="33"/>
+          </p:nvPr>
+        </p:nvSpPr>
+        <p:spPr/>
+        <p:txBody>
+          <a:bodyPr/>
+          <a:lstStyle/>
+          <a:p>
+            <a:pPr rtl="0"/>
+            <a:fld id="{19B51A1E-902D-48AF-9020-955120F399B6}" type="slidenum">
+              <a:rPr lang="de-DE" noProof="0" smtClean="0"/>
+              <a:pPr rtl="0"/>
+              <a:t>8</a:t>
+            </a:fld>
+            <a:endParaRPr lang="de-DE" noProof="0"/>
+          </a:p>
+        </p:txBody>
+      </p:sp>
+      <p:sp>
+        <p:nvSpPr>
+          <p:cNvPr id="4" name="Inhaltsplatzhalter 3">
+            <a:extLst>
+              <a:ext uri="{FF2B5EF4-FFF2-40B4-BE49-F238E27FC236}">
+                <a16:creationId xmlns:a16="http://schemas.microsoft.com/office/drawing/2014/main" id="{1C7DA80F-C068-4541-88E7-B863D573A0E2}"/>
+              </a:ext>
+            </a:extLst>
+          </p:cNvPr>
+          <p:cNvSpPr>
+            <a:spLocks noGrp="1"/>
+          </p:cNvSpPr>
+          <p:nvPr>
+            <p:ph idx="1"/>
+          </p:nvPr>
+        </p:nvSpPr>
+        <p:spPr/>
+        <p:txBody>
+          <a:bodyPr/>
+          <a:lstStyle/>
+          <a:p>
+            <a:pPr marL="0" indent="0">
               <a:lnSpc>
-                <a:spcPts val="1400"/>
+                <a:spcPct val="107000"/>
               </a:lnSpc>
+              <a:spcAft>
+                <a:spcPts val="800"/>
+              </a:spcAft>
+              <a:buNone/>
             </a:pPr>
             <a:r>
-              <a:rPr lang="de-DE" sz="1600" b="1" spc="-100" dirty="0">
+              <a:rPr lang="de-DE" sz="1800" b="1" dirty="0">
+                <a:effectLst/>
+                <a:latin typeface="Calibri" panose="020F0502020204030204" pitchFamily="34" charset="0"/>
+                <a:ea typeface="Calibri" panose="020F0502020204030204" pitchFamily="34" charset="0"/>
+              </a:rPr>
+              <a:t>Variablen:</a:t>
+            </a:r>
+          </a:p>
+          <a:p>
+            <a:pPr>
+              <a:lnSpc>
+                <a:spcPct val="107000"/>
+              </a:lnSpc>
+              <a:spcAft>
+                <a:spcPts val="800"/>
+              </a:spcAft>
+            </a:pPr>
+            <a:r>
+              <a:rPr lang="de-DE" sz="1800" i="1" dirty="0" err="1">
                 <a:solidFill>
-                  <a:schemeClr val="tx1">
-                    <a:lumMod val="50000"/>
-                    <a:lumOff val="50000"/>
-                  </a:schemeClr>
+                  <a:srgbClr val="000000"/>
                 </a:solidFill>
-                <a:latin typeface="Corbel" panose="020B0503020204020204" pitchFamily="34" charset="0"/>
+                <a:effectLst/>
+                <a:latin typeface="Calibri" panose="020F0502020204030204" pitchFamily="34" charset="0"/>
+                <a:ea typeface="Calibri" panose="020F0502020204030204" pitchFamily="34" charset="0"/>
               </a:rPr>
-              <a:t>Programmieren</a:t>
-            </a:r>
-            <a:r>
-              <a:rPr lang="de-DE" sz="1600" b="1" spc="-100" dirty="0">
+              <a:t>anzahlFalscheBuchstaben</a:t>
+            </a:r>
+            <a:r>
+              <a:rPr lang="de-DE" sz="1800" i="1" dirty="0">
                 <a:solidFill>
-                  <a:schemeClr val="accent1"/>
+                  <a:srgbClr val="000000"/>
                 </a:solidFill>
-                <a:latin typeface="Corbel" panose="020B0503020204020204" pitchFamily="34" charset="0"/>
+                <a:effectLst/>
+                <a:latin typeface="Calibri" panose="020F0502020204030204" pitchFamily="34" charset="0"/>
+                <a:ea typeface="Calibri" panose="020F0502020204030204" pitchFamily="34" charset="0"/>
+              </a:rPr>
+              <a:t> (</a:t>
+            </a:r>
+            <a:r>
+              <a:rPr lang="de-DE" sz="1800" i="1" u="sng" dirty="0" err="1">
+                <a:solidFill>
+                  <a:srgbClr val="000000"/>
+                </a:solidFill>
+                <a:effectLst/>
+                <a:latin typeface="Calibri" panose="020F0502020204030204" pitchFamily="34" charset="0"/>
+                <a:ea typeface="Calibri" panose="020F0502020204030204" pitchFamily="34" charset="0"/>
+              </a:rPr>
+              <a:t>int</a:t>
+            </a:r>
+            <a:r>
+              <a:rPr lang="de-DE" sz="1800" i="1" dirty="0">
+                <a:solidFill>
+                  <a:srgbClr val="000000"/>
+                </a:solidFill>
+                <a:effectLst/>
+                <a:latin typeface="Calibri" panose="020F0502020204030204" pitchFamily="34" charset="0"/>
+                <a:ea typeface="Calibri" panose="020F0502020204030204" pitchFamily="34" charset="0"/>
+              </a:rPr>
+              <a:t>)</a:t>
+            </a:r>
+            <a:endParaRPr lang="de-DE" i="1" dirty="0">
+              <a:solidFill>
+                <a:srgbClr val="000000"/>
+              </a:solidFill>
+              <a:latin typeface="Calibri" panose="020F0502020204030204" pitchFamily="34" charset="0"/>
+              <a:ea typeface="Calibri" panose="020F0502020204030204" pitchFamily="34" charset="0"/>
+            </a:endParaRPr>
+          </a:p>
+          <a:p>
+            <a:pPr>
+              <a:lnSpc>
+                <a:spcPct val="107000"/>
+              </a:lnSpc>
+              <a:spcAft>
+                <a:spcPts val="800"/>
+              </a:spcAft>
+            </a:pPr>
+            <a:r>
+              <a:rPr lang="de-DE" sz="1800" i="1" dirty="0">
+                <a:solidFill>
+                  <a:srgbClr val="000000"/>
+                </a:solidFill>
+                <a:effectLst/>
+                <a:latin typeface="Calibri" panose="020F0502020204030204" pitchFamily="34" charset="0"/>
+                <a:ea typeface="Calibri" panose="020F0502020204030204" pitchFamily="34" charset="0"/>
               </a:rPr>
               <a:t> </a:t>
             </a:r>
             <a:r>
-              <a:rPr lang="de-DE" sz="1600" b="1" spc="-100" dirty="0">
-                <a:latin typeface="Corbel" panose="020B0503020204020204" pitchFamily="34" charset="0"/>
+              <a:rPr lang="de-DE" sz="1800" i="1" dirty="0" err="1">
+                <a:solidFill>
+                  <a:srgbClr val="000000"/>
+                </a:solidFill>
+                <a:effectLst/>
+                <a:latin typeface="Calibri" panose="020F0502020204030204" pitchFamily="34" charset="0"/>
+                <a:ea typeface="Calibri" panose="020F0502020204030204" pitchFamily="34" charset="0"/>
               </a:rPr>
-              <a:t>ON22</a:t>
-            </a:r>
-            <a:endParaRPr lang="de-DE" sz="1600" b="1" spc="-100" dirty="0">
+              <a:t>spielVerloren</a:t>
+            </a:r>
+            <a:r>
+              <a:rPr lang="de-DE" sz="1800" i="1" dirty="0">
+                <a:solidFill>
+                  <a:srgbClr val="000000"/>
+                </a:solidFill>
+                <a:effectLst/>
+                <a:latin typeface="Calibri" panose="020F0502020204030204" pitchFamily="34" charset="0"/>
+                <a:ea typeface="Calibri" panose="020F0502020204030204" pitchFamily="34" charset="0"/>
+              </a:rPr>
+              <a:t> (</a:t>
+            </a:r>
+            <a:r>
+              <a:rPr lang="de-DE" sz="1800" i="1" dirty="0" err="1">
+                <a:solidFill>
+                  <a:srgbClr val="000000"/>
+                </a:solidFill>
+                <a:effectLst/>
+                <a:latin typeface="Calibri" panose="020F0502020204030204" pitchFamily="34" charset="0"/>
+                <a:ea typeface="Calibri" panose="020F0502020204030204" pitchFamily="34" charset="0"/>
+              </a:rPr>
+              <a:t>boolean</a:t>
+            </a:r>
+            <a:r>
+              <a:rPr lang="de-DE" sz="1800" i="1" dirty="0">
+                <a:solidFill>
+                  <a:srgbClr val="000000"/>
+                </a:solidFill>
+                <a:effectLst/>
+                <a:latin typeface="Calibri" panose="020F0502020204030204" pitchFamily="34" charset="0"/>
+                <a:ea typeface="Calibri" panose="020F0502020204030204" pitchFamily="34" charset="0"/>
+              </a:rPr>
+              <a:t>)</a:t>
+            </a:r>
+            <a:endParaRPr lang="de-DE" i="1" dirty="0">
               <a:solidFill>
-                <a:schemeClr val="tx1"/>
+                <a:srgbClr val="000000"/>
               </a:solidFill>
-              <a:latin typeface="Corbel" panose="020B0503020204020204" pitchFamily="34" charset="0"/>
+              <a:latin typeface="Calibri" panose="020F0502020204030204" pitchFamily="34" charset="0"/>
+              <a:ea typeface="Calibri" panose="020F0502020204030204" pitchFamily="34" charset="0"/>
             </a:endParaRPr>
+          </a:p>
+          <a:p>
+            <a:pPr>
+              <a:lnSpc>
+                <a:spcPct val="107000"/>
+              </a:lnSpc>
+              <a:spcAft>
+                <a:spcPts val="800"/>
+              </a:spcAft>
+            </a:pPr>
+            <a:r>
+              <a:rPr lang="de-DE" sz="1800" i="1" dirty="0" err="1">
+                <a:solidFill>
+                  <a:srgbClr val="000000"/>
+                </a:solidFill>
+                <a:effectLst/>
+                <a:latin typeface="Calibri" panose="020F0502020204030204" pitchFamily="34" charset="0"/>
+                <a:ea typeface="Calibri" panose="020F0502020204030204" pitchFamily="34" charset="0"/>
+              </a:rPr>
+              <a:t>spielGewonnen</a:t>
+            </a:r>
+            <a:r>
+              <a:rPr lang="de-DE" sz="1800" i="1" dirty="0">
+                <a:solidFill>
+                  <a:srgbClr val="000000"/>
+                </a:solidFill>
+                <a:effectLst/>
+                <a:latin typeface="Calibri" panose="020F0502020204030204" pitchFamily="34" charset="0"/>
+                <a:ea typeface="Calibri" panose="020F0502020204030204" pitchFamily="34" charset="0"/>
+              </a:rPr>
+              <a:t> (</a:t>
+            </a:r>
+            <a:r>
+              <a:rPr lang="de-DE" sz="1800" i="1" dirty="0" err="1">
+                <a:solidFill>
+                  <a:srgbClr val="000000"/>
+                </a:solidFill>
+                <a:effectLst/>
+                <a:latin typeface="Calibri" panose="020F0502020204030204" pitchFamily="34" charset="0"/>
+                <a:ea typeface="Calibri" panose="020F0502020204030204" pitchFamily="34" charset="0"/>
+              </a:rPr>
+              <a:t>boolean</a:t>
+            </a:r>
+            <a:r>
+              <a:rPr lang="de-DE" sz="1800" i="1" dirty="0">
+                <a:solidFill>
+                  <a:srgbClr val="000000"/>
+                </a:solidFill>
+                <a:effectLst/>
+                <a:latin typeface="Calibri" panose="020F0502020204030204" pitchFamily="34" charset="0"/>
+                <a:ea typeface="Calibri" panose="020F0502020204030204" pitchFamily="34" charset="0"/>
+              </a:rPr>
+              <a:t>)</a:t>
+            </a:r>
+            <a:endParaRPr lang="de-DE" i="1" dirty="0">
+              <a:solidFill>
+                <a:srgbClr val="000000"/>
+              </a:solidFill>
+              <a:latin typeface="Calibri" panose="020F0502020204030204" pitchFamily="34" charset="0"/>
+              <a:ea typeface="Calibri" panose="020F0502020204030204" pitchFamily="34" charset="0"/>
+            </a:endParaRPr>
+          </a:p>
+          <a:p>
+            <a:pPr>
+              <a:lnSpc>
+                <a:spcPct val="107000"/>
+              </a:lnSpc>
+              <a:spcAft>
+                <a:spcPts val="800"/>
+              </a:spcAft>
+            </a:pPr>
+            <a:r>
+              <a:rPr lang="de-DE" sz="1800" i="1" dirty="0" err="1">
+                <a:solidFill>
+                  <a:srgbClr val="000000"/>
+                </a:solidFill>
+                <a:effectLst/>
+                <a:latin typeface="Calibri" panose="020F0502020204030204" pitchFamily="34" charset="0"/>
+                <a:ea typeface="Calibri" panose="020F0502020204030204" pitchFamily="34" charset="0"/>
+              </a:rPr>
+              <a:t>arrFalscheBuchstaben</a:t>
+            </a:r>
+            <a:endParaRPr lang="de-DE" i="1" dirty="0">
+              <a:solidFill>
+                <a:srgbClr val="000000"/>
+              </a:solidFill>
+              <a:latin typeface="Calibri" panose="020F0502020204030204" pitchFamily="34" charset="0"/>
+              <a:ea typeface="Calibri" panose="020F0502020204030204" pitchFamily="34" charset="0"/>
+            </a:endParaRPr>
+          </a:p>
+          <a:p>
+            <a:pPr>
+              <a:lnSpc>
+                <a:spcPct val="107000"/>
+              </a:lnSpc>
+              <a:spcAft>
+                <a:spcPts val="800"/>
+              </a:spcAft>
+            </a:pPr>
+            <a:r>
+              <a:rPr lang="de-DE" sz="1800" i="1" dirty="0" err="1">
+                <a:solidFill>
+                  <a:srgbClr val="000000"/>
+                </a:solidFill>
+                <a:effectLst/>
+                <a:latin typeface="Calibri" panose="020F0502020204030204" pitchFamily="34" charset="0"/>
+                <a:ea typeface="Calibri" panose="020F0502020204030204" pitchFamily="34" charset="0"/>
+              </a:rPr>
+              <a:t>arrGegebeneWörter</a:t>
+            </a:r>
+            <a:endParaRPr lang="de-DE" sz="1800" i="1" dirty="0">
+              <a:solidFill>
+                <a:srgbClr val="000000"/>
+              </a:solidFill>
+              <a:effectLst/>
+              <a:latin typeface="Calibri" panose="020F0502020204030204" pitchFamily="34" charset="0"/>
+              <a:ea typeface="Calibri" panose="020F0502020204030204" pitchFamily="34" charset="0"/>
+            </a:endParaRPr>
+          </a:p>
+          <a:p>
+            <a:pPr>
+              <a:lnSpc>
+                <a:spcPct val="107000"/>
+              </a:lnSpc>
+              <a:spcAft>
+                <a:spcPts val="800"/>
+              </a:spcAft>
+            </a:pPr>
+            <a:r>
+              <a:rPr lang="de-DE" sz="1800" i="1" dirty="0">
+                <a:solidFill>
+                  <a:srgbClr val="000000"/>
+                </a:solidFill>
+                <a:effectLst/>
+                <a:latin typeface="Calibri" panose="020F0502020204030204" pitchFamily="34" charset="0"/>
+                <a:ea typeface="Calibri" panose="020F0502020204030204" pitchFamily="34" charset="0"/>
+              </a:rPr>
+              <a:t>fina</a:t>
+            </a:r>
+            <a:r>
+              <a:rPr lang="de-DE" i="1" dirty="0">
+                <a:solidFill>
+                  <a:srgbClr val="000000"/>
+                </a:solidFill>
+                <a:latin typeface="Calibri" panose="020F0502020204030204" pitchFamily="34" charset="0"/>
+                <a:ea typeface="Calibri" panose="020F0502020204030204" pitchFamily="34" charset="0"/>
+              </a:rPr>
+              <a:t>l </a:t>
+            </a:r>
+            <a:endParaRPr lang="de-DE" sz="1800" dirty="0">
+              <a:effectLst/>
+              <a:latin typeface="Calibri" panose="020F0502020204030204" pitchFamily="34" charset="0"/>
+              <a:ea typeface="Calibri" panose="020F0502020204030204" pitchFamily="34" charset="0"/>
+            </a:endParaRPr>
+          </a:p>
+          <a:p>
+            <a:endParaRPr lang="de-DE" dirty="0"/>
           </a:p>
         </p:txBody>
       </p:sp>
     </p:spTree>
     <p:extLst>
       <p:ext uri="{BB962C8B-B14F-4D97-AF65-F5344CB8AC3E}">
-        <p14:creationId xmlns:p14="http://schemas.microsoft.com/office/powerpoint/2010/main" val="2774107021"/>
+        <p14:creationId xmlns:p14="http://schemas.microsoft.com/office/powerpoint/2010/main" val="1063012907"/>
       </p:ext>
     </p:extLst>
   </p:cSld>
@@ -12276,15 +12545,6 @@
 </file>
 
 <file path=customXml/item1.xml><?xml version="1.0" encoding="utf-8"?>
-<?mso-contentType ?>
-<FormTemplates xmlns="http://schemas.microsoft.com/sharepoint/v3/contenttype/forms">
-  <Display>DocumentLibraryForm</Display>
-  <Edit>DocumentLibraryForm</Edit>
-  <New>DocumentLibraryForm</New>
-</FormTemplates>
-</file>
-
-<file path=customXml/item2.xml><?xml version="1.0" encoding="utf-8"?>
 <ct:contentTypeSchema xmlns:ct="http://schemas.microsoft.com/office/2006/metadata/contentType" xmlns:ma="http://schemas.microsoft.com/office/2006/metadata/properties/metaAttributes" ct:_="" ma:_="" ma:contentTypeName="Document" ma:contentTypeID="0x010100DEEA25CC0A0AC24199CDC46C25B8B0BC" ma:contentTypeVersion="10" ma:contentTypeDescription="Create a new document." ma:contentTypeScope="" ma:versionID="e3b47856d4cf355c0dacb39e1084d14f">
   <xsd:schema xmlns:xsd="http://www.w3.org/2001/XMLSchema" xmlns:xs="http://www.w3.org/2001/XMLSchema" xmlns:p="http://schemas.microsoft.com/office/2006/metadata/properties" xmlns:ns1="http://schemas.microsoft.com/sharepoint/v3" xmlns:ns2="6dc4bcd6-49db-4c07-9060-8acfc67cef9f" xmlns:ns3="fb0879af-3eba-417a-a55a-ffe6dcd6ca77" targetNamespace="http://schemas.microsoft.com/office/2006/metadata/properties" ma:root="true" ma:fieldsID="a845a615265fdb1f7b12cc65ac20ecbd" ns1:_="" ns2:_="" ns3:_="">
     <xsd:import namespace="http://schemas.microsoft.com/sharepoint/v3"/>
@@ -12492,6 +12752,15 @@
 </ct:contentTypeSchema>
 </file>
 
+<file path=customXml/item2.xml><?xml version="1.0" encoding="utf-8"?>
+<?mso-contentType ?>
+<FormTemplates xmlns="http://schemas.microsoft.com/sharepoint/v3/contenttype/forms">
+  <Display>DocumentLibraryForm</Display>
+  <Edit>DocumentLibraryForm</Edit>
+  <New>DocumentLibraryForm</New>
+</FormTemplates>
+</file>
+
 <file path=customXml/item3.xml><?xml version="1.0" encoding="utf-8"?>
 <p:properties xmlns:p="http://schemas.microsoft.com/office/2006/metadata/properties" xmlns:xsi="http://www.w3.org/2001/XMLSchema-instance" xmlns:pc="http://schemas.microsoft.com/office/infopath/2007/PartnerControls">
   <documentManagement>
@@ -12502,14 +12771,6 @@
 </file>
 
 <file path=customXml/itemProps1.xml><?xml version="1.0" encoding="utf-8"?>
-<ds:datastoreItem xmlns:ds="http://schemas.openxmlformats.org/officeDocument/2006/customXml" ds:itemID="{F6CB1848-D3E0-4F10-B640-720BE758B85B}">
-  <ds:schemaRefs>
-    <ds:schemaRef ds:uri="http://schemas.microsoft.com/sharepoint/v3/contenttype/forms"/>
-  </ds:schemaRefs>
-</ds:datastoreItem>
-</file>
-
-<file path=customXml/itemProps2.xml><?xml version="1.0" encoding="utf-8"?>
 <ds:datastoreItem xmlns:ds="http://schemas.openxmlformats.org/officeDocument/2006/customXml" ds:itemID="{1BBB5711-29E1-4F8E-81A0-7947C57B208A}">
   <ds:schemaRefs>
     <ds:schemaRef ds:uri="http://schemas.microsoft.com/office/2006/metadata/contentType"/>
@@ -12529,6 +12790,14 @@
 </ds:datastoreItem>
 </file>
 
+<file path=customXml/itemProps2.xml><?xml version="1.0" encoding="utf-8"?>
+<ds:datastoreItem xmlns:ds="http://schemas.openxmlformats.org/officeDocument/2006/customXml" ds:itemID="{F6CB1848-D3E0-4F10-B640-720BE758B85B}">
+  <ds:schemaRefs>
+    <ds:schemaRef ds:uri="http://schemas.microsoft.com/sharepoint/v3/contenttype/forms"/>
+  </ds:schemaRefs>
+</ds:datastoreItem>
+</file>
+
 <file path=customXml/itemProps3.xml><?xml version="1.0" encoding="utf-8"?>
 <ds:datastoreItem xmlns:ds="http://schemas.openxmlformats.org/officeDocument/2006/customXml" ds:itemID="{E4934E25-8442-49E9-ABDF-3146C4145F3B}">
   <ds:schemaRefs>

--- a/Präsentation Programmieren Galgenmännchen.pptx
+++ b/Präsentation Programmieren Galgenmännchen.pptx
@@ -10434,7 +10434,7 @@
                 <a:latin typeface="Calibri" panose="020F0502020204030204" pitchFamily="34" charset="0"/>
                 <a:ea typeface="Calibri" panose="020F0502020204030204" pitchFamily="34" charset="0"/>
               </a:rPr>
-              <a:t>„Das war leider falsch“, wenn Eingabe falsch ist</a:t>
+              <a:t>„Falsche Eingabe“, wenn Eingabe falsch ist</a:t>
             </a:r>
             <a:endParaRPr lang="de-DE" sz="1800" dirty="0">
               <a:effectLst/>
@@ -10443,7 +10443,100 @@
             </a:endParaRPr>
           </a:p>
           <a:p>
-            <a:endParaRPr lang="de-DE" dirty="0"/>
+            <a:pPr algn="l"/>
+            <a:r>
+              <a:rPr lang="de-DE" dirty="0">
+                <a:latin typeface="Calibri" panose="020F0502020204030204" pitchFamily="34" charset="0"/>
+              </a:rPr>
+              <a:t>"Das Spiel </a:t>
+            </a:r>
+            <a:r>
+              <a:rPr lang="de-DE" dirty="0" err="1">
+                <a:latin typeface="Calibri" panose="020F0502020204030204" pitchFamily="34" charset="0"/>
+              </a:rPr>
+              <a:t>Hangman</a:t>
+            </a:r>
+            <a:r>
+              <a:rPr lang="de-DE" dirty="0">
+                <a:latin typeface="Calibri" panose="020F0502020204030204" pitchFamily="34" charset="0"/>
+              </a:rPr>
+              <a:t> wurde gestartet!“ wenn das Spiel gestartet wurde </a:t>
+            </a:r>
+          </a:p>
+          <a:p>
+            <a:pPr algn="l"/>
+            <a:r>
+              <a:rPr lang="de-DE" dirty="0">
+                <a:latin typeface="Calibri" panose="020F0502020204030204" pitchFamily="34" charset="0"/>
+              </a:rPr>
+              <a:t>"Spielmodus 1: Spiele gegen den Computer"</a:t>
+            </a:r>
+          </a:p>
+          <a:p>
+            <a:pPr algn="l"/>
+            <a:r>
+              <a:rPr lang="de-DE" dirty="0">
+                <a:latin typeface="Calibri" panose="020F0502020204030204" pitchFamily="34" charset="0"/>
+              </a:rPr>
+              <a:t>"Spielmodus 2: Gib ein eigenes Wort ein (Multiplayer)"</a:t>
+            </a:r>
+          </a:p>
+          <a:p>
+            <a:r>
+              <a:rPr lang="de-DE" dirty="0">
+                <a:latin typeface="Calibri" panose="020F0502020204030204" pitchFamily="34" charset="0"/>
+              </a:rPr>
+              <a:t>„Wenn du das Spiel beenden möchtest, kannst du </a:t>
+            </a:r>
+            <a:r>
+              <a:rPr lang="de-DE" dirty="0" err="1">
+                <a:latin typeface="Calibri" panose="020F0502020204030204" pitchFamily="34" charset="0"/>
+              </a:rPr>
+              <a:t>exit</a:t>
+            </a:r>
+            <a:r>
+              <a:rPr lang="de-DE" dirty="0">
+                <a:latin typeface="Calibri" panose="020F0502020204030204" pitchFamily="34" charset="0"/>
+              </a:rPr>
+              <a:t> eingeben.“ damit der Spieler weiß, wie er das Spiel beenden kann</a:t>
+            </a:r>
+          </a:p>
+          <a:p>
+            <a:r>
+              <a:rPr lang="de-DE" dirty="0">
+                <a:latin typeface="Calibri" panose="020F0502020204030204" pitchFamily="34" charset="0"/>
+              </a:rPr>
+              <a:t>„Es wurde Spielmodus 1/2 gewählt.“ um dem Spieler mitzuteilen, in welchem Spielmodus er sich befindet</a:t>
+            </a:r>
+          </a:p>
+          <a:p>
+            <a:r>
+              <a:rPr lang="de-DE" dirty="0">
+                <a:latin typeface="Calibri" panose="020F0502020204030204" pitchFamily="34" charset="0"/>
+              </a:rPr>
+              <a:t>„Ein Buchstabe bitte:“ als Aufforderung für den Spieler ein Wort einzugeben</a:t>
+            </a:r>
+          </a:p>
+          <a:p>
+            <a:r>
+              <a:rPr lang="de-DE" dirty="0">
+                <a:latin typeface="Calibri" panose="020F0502020204030204" pitchFamily="34" charset="0"/>
+              </a:rPr>
+              <a:t>„Das Spiel wird beendet“, wenn der Spieler das Spiel beendet</a:t>
+            </a:r>
+          </a:p>
+          <a:p>
+            <a:endParaRPr lang="de-DE" dirty="0">
+              <a:latin typeface="Calibri" panose="020F0502020204030204" pitchFamily="34" charset="0"/>
+            </a:endParaRPr>
+          </a:p>
+          <a:p>
+            <a:pPr marL="0" indent="0">
+              <a:buNone/>
+            </a:pPr>
+            <a:endParaRPr lang="de-DE" dirty="0">
+              <a:latin typeface="Calibri" panose="020F0502020204030204" pitchFamily="34" charset="0"/>
+            </a:endParaRPr>
           </a:p>
         </p:txBody>
       </p:sp>
@@ -12276,12 +12369,12 @@
 </file>
 
 <file path=customXml/item1.xml><?xml version="1.0" encoding="utf-8"?>
-<?mso-contentType ?>
-<FormTemplates xmlns="http://schemas.microsoft.com/sharepoint/v3/contenttype/forms">
-  <Display>DocumentLibraryForm</Display>
-  <Edit>DocumentLibraryForm</Edit>
-  <New>DocumentLibraryForm</New>
-</FormTemplates>
+<p:properties xmlns:p="http://schemas.microsoft.com/office/2006/metadata/properties" xmlns:xsi="http://www.w3.org/2001/XMLSchema-instance" xmlns:pc="http://schemas.microsoft.com/office/infopath/2007/PartnerControls">
+  <documentManagement>
+    <_ip_UnifiedCompliancePolicyUIAction xmlns="http://schemas.microsoft.com/sharepoint/v3" xsi:nil="true"/>
+    <_ip_UnifiedCompliancePolicyProperties xmlns="http://schemas.microsoft.com/sharepoint/v3" xsi:nil="true"/>
+  </documentManagement>
+</p:properties>
 </file>
 
 <file path=customXml/item2.xml><?xml version="1.0" encoding="utf-8"?>
@@ -12493,18 +12586,20 @@
 </file>
 
 <file path=customXml/item3.xml><?xml version="1.0" encoding="utf-8"?>
-<p:properties xmlns:p="http://schemas.microsoft.com/office/2006/metadata/properties" xmlns:xsi="http://www.w3.org/2001/XMLSchema-instance" xmlns:pc="http://schemas.microsoft.com/office/infopath/2007/PartnerControls">
-  <documentManagement>
-    <_ip_UnifiedCompliancePolicyUIAction xmlns="http://schemas.microsoft.com/sharepoint/v3" xsi:nil="true"/>
-    <_ip_UnifiedCompliancePolicyProperties xmlns="http://schemas.microsoft.com/sharepoint/v3" xsi:nil="true"/>
-  </documentManagement>
-</p:properties>
+<?mso-contentType ?>
+<FormTemplates xmlns="http://schemas.microsoft.com/sharepoint/v3/contenttype/forms">
+  <Display>DocumentLibraryForm</Display>
+  <Edit>DocumentLibraryForm</Edit>
+  <New>DocumentLibraryForm</New>
+</FormTemplates>
 </file>
 
 <file path=customXml/itemProps1.xml><?xml version="1.0" encoding="utf-8"?>
-<ds:datastoreItem xmlns:ds="http://schemas.openxmlformats.org/officeDocument/2006/customXml" ds:itemID="{F6CB1848-D3E0-4F10-B640-720BE758B85B}">
+<ds:datastoreItem xmlns:ds="http://schemas.openxmlformats.org/officeDocument/2006/customXml" ds:itemID="{E4934E25-8442-49E9-ABDF-3146C4145F3B}">
   <ds:schemaRefs>
-    <ds:schemaRef ds:uri="http://schemas.microsoft.com/sharepoint/v3/contenttype/forms"/>
+    <ds:schemaRef ds:uri="http://schemas.microsoft.com/office/2006/metadata/properties"/>
+    <ds:schemaRef ds:uri="http://schemas.microsoft.com/office/infopath/2007/PartnerControls"/>
+    <ds:schemaRef ds:uri="http://schemas.microsoft.com/sharepoint/v3"/>
   </ds:schemaRefs>
 </ds:datastoreItem>
 </file>
@@ -12530,11 +12625,9 @@
 </file>
 
 <file path=customXml/itemProps3.xml><?xml version="1.0" encoding="utf-8"?>
-<ds:datastoreItem xmlns:ds="http://schemas.openxmlformats.org/officeDocument/2006/customXml" ds:itemID="{E4934E25-8442-49E9-ABDF-3146C4145F3B}">
+<ds:datastoreItem xmlns:ds="http://schemas.openxmlformats.org/officeDocument/2006/customXml" ds:itemID="{F6CB1848-D3E0-4F10-B640-720BE758B85B}">
   <ds:schemaRefs>
-    <ds:schemaRef ds:uri="http://schemas.microsoft.com/office/2006/metadata/properties"/>
-    <ds:schemaRef ds:uri="http://schemas.microsoft.com/office/infopath/2007/PartnerControls"/>
-    <ds:schemaRef ds:uri="http://schemas.microsoft.com/sharepoint/v3"/>
+    <ds:schemaRef ds:uri="http://schemas.microsoft.com/sharepoint/v3/contenttype/forms"/>
   </ds:schemaRefs>
 </ds:datastoreItem>
 </file>